--- a/workshop.pptx
+++ b/workshop.pptx
@@ -5,8 +5,10 @@
     <p:sldMasterId id="2147483648" r:id="rId1"/>
   </p:sldMasterIdLst>
   <p:sldIdLst>
-    <p:sldId id="256" r:id="rId2"/>
-    <p:sldId id="257" r:id="rId3"/>
+    <p:sldId id="258" r:id="rId2"/>
+    <p:sldId id="256" r:id="rId3"/>
+    <p:sldId id="259" r:id="rId4"/>
+    <p:sldId id="257" r:id="rId5"/>
   </p:sldIdLst>
   <p:sldSz cx="9144000" cy="6858000" type="screen4x3"/>
   <p:notesSz cx="6858000" cy="9144000"/>
@@ -6793,8 +6795,17 @@
                 <a:solidFill>
                   <a:srgbClr val="7030A0"/>
                 </a:solidFill>
+                <a:latin typeface="Franklin Gothic Medium Cond" pitchFamily="34" charset="0"/>
               </a:rPr>
-              <a:t>Choose very carefully. You cannot change it.</a:t>
+              <a:t>Choose very carefully. You cannot change it</a:t>
+            </a:r>
+            <a:r>
+              <a:rPr lang="en-US" dirty="0" smtClean="0">
+                <a:solidFill>
+                  <a:srgbClr val="7030A0"/>
+                </a:solidFill>
+              </a:rPr>
+              <a:t>.</a:t>
             </a:r>
             <a:endParaRPr lang="ru-RU" dirty="0">
               <a:solidFill>
@@ -6853,6 +6864,2973 @@
     </p:spTree>
     <p:extLst>
       <p:ext uri="{BB962C8B-B14F-4D97-AF65-F5344CB8AC3E}">
+        <p14:creationId xmlns:p14="http://schemas.microsoft.com/office/powerpoint/2010/main" val="1119051634"/>
+      </p:ext>
+    </p:extLst>
+  </p:cSld>
+  <p:clrMapOvr>
+    <a:masterClrMapping/>
+  </p:clrMapOvr>
+</p:sld>
+</file>
+
+<file path=ppt/slides/slide2.xml><?xml version="1.0" encoding="utf-8"?>
+<p:sld xmlns:a="http://schemas.openxmlformats.org/drawingml/2006/main" xmlns:r="http://schemas.openxmlformats.org/officeDocument/2006/relationships" xmlns:p="http://schemas.openxmlformats.org/presentationml/2006/main">
+  <p:cSld>
+    <p:spTree>
+      <p:nvGrpSpPr>
+        <p:cNvPr id="1" name=""/>
+        <p:cNvGrpSpPr/>
+        <p:nvPr/>
+      </p:nvGrpSpPr>
+      <p:grpSpPr>
+        <a:xfrm>
+          <a:off x="0" y="0"/>
+          <a:ext cx="0" cy="0"/>
+          <a:chOff x="0" y="0"/>
+          <a:chExt cx="0" cy="0"/>
+        </a:xfrm>
+      </p:grpSpPr>
+      <p:pic>
+        <p:nvPicPr>
+          <p:cNvPr id="1026" name="Picture 2" descr="C:\Users\Yan\Desktop\web\logo.png"/>
+          <p:cNvPicPr>
+            <a:picLocks noChangeAspect="1" noChangeArrowheads="1"/>
+          </p:cNvPicPr>
+          <p:nvPr/>
+        </p:nvPicPr>
+        <p:blipFill>
+          <a:blip r:embed="rId2">
+            <a:extLst>
+              <a:ext uri="{28A0092B-C50C-407E-A947-70E740481C1C}">
+                <a14:useLocalDpi xmlns:a14="http://schemas.microsoft.com/office/drawing/2010/main" val="0"/>
+              </a:ext>
+            </a:extLst>
+          </a:blip>
+          <a:srcRect/>
+          <a:stretch>
+            <a:fillRect/>
+          </a:stretch>
+        </p:blipFill>
+        <p:spPr bwMode="auto">
+          <a:xfrm>
+            <a:off x="21421872" y="-7353391"/>
+            <a:ext cx="18706457" cy="15163981"/>
+          </a:xfrm>
+          <a:prstGeom prst="rect">
+            <a:avLst/>
+          </a:prstGeom>
+          <a:noFill/>
+          <a:extLst>
+            <a:ext uri="{909E8E84-426E-40DD-AFC4-6F175D3DCCD1}">
+              <a14:hiddenFill xmlns:a14="http://schemas.microsoft.com/office/drawing/2010/main">
+                <a:solidFill>
+                  <a:srgbClr val="FFFFFF"/>
+                </a:solidFill>
+              </a14:hiddenFill>
+            </a:ext>
+          </a:extLst>
+        </p:spPr>
+      </p:pic>
+      <p:sp>
+        <p:nvSpPr>
+          <p:cNvPr id="29" name="Овал 28"/>
+          <p:cNvSpPr/>
+          <p:nvPr/>
+        </p:nvSpPr>
+        <p:spPr>
+          <a:xfrm>
+            <a:off x="6089747" y="16772184"/>
+            <a:ext cx="914400" cy="914400"/>
+          </a:xfrm>
+          <a:prstGeom prst="ellipse">
+            <a:avLst/>
+          </a:prstGeom>
+        </p:spPr>
+        <p:style>
+          <a:lnRef idx="2">
+            <a:schemeClr val="accent1">
+              <a:shade val="50000"/>
+            </a:schemeClr>
+          </a:lnRef>
+          <a:fillRef idx="1">
+            <a:schemeClr val="accent1"/>
+          </a:fillRef>
+          <a:effectRef idx="0">
+            <a:schemeClr val="accent1"/>
+          </a:effectRef>
+          <a:fontRef idx="minor">
+            <a:schemeClr val="lt1"/>
+          </a:fontRef>
+        </p:style>
+        <p:txBody>
+          <a:bodyPr rtlCol="0" anchor="ctr"/>
+          <a:lstStyle/>
+          <a:p>
+            <a:pPr algn="ctr"/>
+            <a:endParaRPr lang="ru-RU"/>
+          </a:p>
+        </p:txBody>
+      </p:sp>
+      <p:grpSp>
+        <p:nvGrpSpPr>
+          <p:cNvPr id="31" name="Группа 30"/>
+          <p:cNvGrpSpPr/>
+          <p:nvPr/>
+        </p:nvGrpSpPr>
+        <p:grpSpPr>
+          <a:xfrm>
+            <a:off x="2858547" y="1894038"/>
+            <a:ext cx="2599453" cy="2946407"/>
+            <a:chOff x="2900218" y="1203546"/>
+            <a:chExt cx="3941164" cy="4711022"/>
+          </a:xfrm>
+        </p:grpSpPr>
+        <p:sp>
+          <p:nvSpPr>
+            <p:cNvPr id="45" name="Полилиния 44"/>
+            <p:cNvSpPr/>
+            <p:nvPr/>
+          </p:nvSpPr>
+          <p:spPr>
+            <a:xfrm flipH="1">
+              <a:off x="2900218" y="2895112"/>
+              <a:ext cx="756009" cy="979901"/>
+            </a:xfrm>
+            <a:custGeom>
+              <a:avLst/>
+              <a:gdLst>
+                <a:gd name="connsiteX0" fmla="*/ 364 w 1967348"/>
+                <a:gd name="connsiteY0" fmla="*/ 1160856 h 1566767"/>
+                <a:gd name="connsiteX1" fmla="*/ 107044 w 1967348"/>
+                <a:gd name="connsiteY1" fmla="*/ 612216 h 1566767"/>
+                <a:gd name="connsiteX2" fmla="*/ 510904 w 1967348"/>
+                <a:gd name="connsiteY2" fmla="*/ 246456 h 1566767"/>
+                <a:gd name="connsiteX3" fmla="*/ 709024 w 1967348"/>
+                <a:gd name="connsiteY3" fmla="*/ 284556 h 1566767"/>
+                <a:gd name="connsiteX4" fmla="*/ 449944 w 1967348"/>
+                <a:gd name="connsiteY4" fmla="*/ 543636 h 1566767"/>
+                <a:gd name="connsiteX5" fmla="*/ 1105264 w 1967348"/>
+                <a:gd name="connsiteY5" fmla="*/ 139776 h 1566767"/>
+                <a:gd name="connsiteX6" fmla="*/ 1859644 w 1967348"/>
+                <a:gd name="connsiteY6" fmla="*/ 2616 h 1566767"/>
+                <a:gd name="connsiteX7" fmla="*/ 1928224 w 1967348"/>
+                <a:gd name="connsiteY7" fmla="*/ 238836 h 1566767"/>
+                <a:gd name="connsiteX8" fmla="*/ 1531984 w 1967348"/>
+                <a:gd name="connsiteY8" fmla="*/ 635076 h 1566767"/>
+                <a:gd name="connsiteX9" fmla="*/ 1006204 w 1967348"/>
+                <a:gd name="connsiteY9" fmla="*/ 1267536 h 1566767"/>
+                <a:gd name="connsiteX10" fmla="*/ 876664 w 1967348"/>
+                <a:gd name="connsiteY10" fmla="*/ 1564716 h 1566767"/>
+                <a:gd name="connsiteX11" fmla="*/ 129904 w 1967348"/>
+                <a:gd name="connsiteY11" fmla="*/ 1389456 h 1566767"/>
+                <a:gd name="connsiteX12" fmla="*/ 364 w 1967348"/>
+                <a:gd name="connsiteY12" fmla="*/ 1160856 h 1566767"/>
+              </a:gdLst>
+              <a:ahLst/>
+              <a:cxnLst>
+                <a:cxn ang="0">
+                  <a:pos x="connsiteX0" y="connsiteY0"/>
+                </a:cxn>
+                <a:cxn ang="0">
+                  <a:pos x="connsiteX1" y="connsiteY1"/>
+                </a:cxn>
+                <a:cxn ang="0">
+                  <a:pos x="connsiteX2" y="connsiteY2"/>
+                </a:cxn>
+                <a:cxn ang="0">
+                  <a:pos x="connsiteX3" y="connsiteY3"/>
+                </a:cxn>
+                <a:cxn ang="0">
+                  <a:pos x="connsiteX4" y="connsiteY4"/>
+                </a:cxn>
+                <a:cxn ang="0">
+                  <a:pos x="connsiteX5" y="connsiteY5"/>
+                </a:cxn>
+                <a:cxn ang="0">
+                  <a:pos x="connsiteX6" y="connsiteY6"/>
+                </a:cxn>
+                <a:cxn ang="0">
+                  <a:pos x="connsiteX7" y="connsiteY7"/>
+                </a:cxn>
+                <a:cxn ang="0">
+                  <a:pos x="connsiteX8" y="connsiteY8"/>
+                </a:cxn>
+                <a:cxn ang="0">
+                  <a:pos x="connsiteX9" y="connsiteY9"/>
+                </a:cxn>
+                <a:cxn ang="0">
+                  <a:pos x="connsiteX10" y="connsiteY10"/>
+                </a:cxn>
+                <a:cxn ang="0">
+                  <a:pos x="connsiteX11" y="connsiteY11"/>
+                </a:cxn>
+                <a:cxn ang="0">
+                  <a:pos x="connsiteX12" y="connsiteY12"/>
+                </a:cxn>
+              </a:cxnLst>
+              <a:rect l="l" t="t" r="r" b="b"/>
+              <a:pathLst>
+                <a:path w="1967348" h="1566767">
+                  <a:moveTo>
+                    <a:pt x="364" y="1160856"/>
+                  </a:moveTo>
+                  <a:cubicBezTo>
+                    <a:pt x="-3446" y="1031316"/>
+                    <a:pt x="21954" y="764616"/>
+                    <a:pt x="107044" y="612216"/>
+                  </a:cubicBezTo>
+                  <a:cubicBezTo>
+                    <a:pt x="192134" y="459816"/>
+                    <a:pt x="410574" y="301066"/>
+                    <a:pt x="510904" y="246456"/>
+                  </a:cubicBezTo>
+                  <a:cubicBezTo>
+                    <a:pt x="611234" y="191846"/>
+                    <a:pt x="719184" y="235026"/>
+                    <a:pt x="709024" y="284556"/>
+                  </a:cubicBezTo>
+                  <a:cubicBezTo>
+                    <a:pt x="698864" y="334086"/>
+                    <a:pt x="383904" y="567766"/>
+                    <a:pt x="449944" y="543636"/>
+                  </a:cubicBezTo>
+                  <a:cubicBezTo>
+                    <a:pt x="515984" y="519506"/>
+                    <a:pt x="870314" y="229946"/>
+                    <a:pt x="1105264" y="139776"/>
+                  </a:cubicBezTo>
+                  <a:cubicBezTo>
+                    <a:pt x="1340214" y="49606"/>
+                    <a:pt x="1722484" y="-13894"/>
+                    <a:pt x="1859644" y="2616"/>
+                  </a:cubicBezTo>
+                  <a:cubicBezTo>
+                    <a:pt x="1996804" y="19126"/>
+                    <a:pt x="1982834" y="133426"/>
+                    <a:pt x="1928224" y="238836"/>
+                  </a:cubicBezTo>
+                  <a:cubicBezTo>
+                    <a:pt x="1873614" y="344246"/>
+                    <a:pt x="1685654" y="463626"/>
+                    <a:pt x="1531984" y="635076"/>
+                  </a:cubicBezTo>
+                  <a:cubicBezTo>
+                    <a:pt x="1378314" y="806526"/>
+                    <a:pt x="1115424" y="1112596"/>
+                    <a:pt x="1006204" y="1267536"/>
+                  </a:cubicBezTo>
+                  <a:cubicBezTo>
+                    <a:pt x="896984" y="1422476"/>
+                    <a:pt x="1022714" y="1544396"/>
+                    <a:pt x="876664" y="1564716"/>
+                  </a:cubicBezTo>
+                  <a:cubicBezTo>
+                    <a:pt x="730614" y="1585036"/>
+                    <a:pt x="275954" y="1449146"/>
+                    <a:pt x="129904" y="1389456"/>
+                  </a:cubicBezTo>
+                  <a:cubicBezTo>
+                    <a:pt x="-16146" y="1329766"/>
+                    <a:pt x="4174" y="1290396"/>
+                    <a:pt x="364" y="1160856"/>
+                  </a:cubicBezTo>
+                  <a:close/>
+                </a:path>
+              </a:pathLst>
+            </a:custGeom>
+            <a:solidFill>
+              <a:schemeClr val="bg1"/>
+            </a:solidFill>
+            <a:ln w="12700">
+              <a:solidFill>
+                <a:schemeClr val="tx1"/>
+              </a:solidFill>
+            </a:ln>
+          </p:spPr>
+          <p:style>
+            <a:lnRef idx="2">
+              <a:schemeClr val="accent1">
+                <a:shade val="50000"/>
+              </a:schemeClr>
+            </a:lnRef>
+            <a:fillRef idx="1">
+              <a:schemeClr val="accent1"/>
+            </a:fillRef>
+            <a:effectRef idx="0">
+              <a:schemeClr val="accent1"/>
+            </a:effectRef>
+            <a:fontRef idx="minor">
+              <a:schemeClr val="lt1"/>
+            </a:fontRef>
+          </p:style>
+          <p:txBody>
+            <a:bodyPr rtlCol="0" anchor="ctr"/>
+            <a:lstStyle/>
+            <a:p>
+              <a:pPr algn="ctr"/>
+              <a:endParaRPr lang="ru-RU"/>
+            </a:p>
+          </p:txBody>
+        </p:sp>
+        <p:sp>
+          <p:nvSpPr>
+            <p:cNvPr id="17" name="Полилиния 16"/>
+            <p:cNvSpPr/>
+            <p:nvPr/>
+          </p:nvSpPr>
+          <p:spPr>
+            <a:xfrm>
+              <a:off x="5962582" y="2964706"/>
+              <a:ext cx="878800" cy="979901"/>
+            </a:xfrm>
+            <a:custGeom>
+              <a:avLst/>
+              <a:gdLst>
+                <a:gd name="connsiteX0" fmla="*/ 364 w 1967348"/>
+                <a:gd name="connsiteY0" fmla="*/ 1160856 h 1566767"/>
+                <a:gd name="connsiteX1" fmla="*/ 107044 w 1967348"/>
+                <a:gd name="connsiteY1" fmla="*/ 612216 h 1566767"/>
+                <a:gd name="connsiteX2" fmla="*/ 510904 w 1967348"/>
+                <a:gd name="connsiteY2" fmla="*/ 246456 h 1566767"/>
+                <a:gd name="connsiteX3" fmla="*/ 709024 w 1967348"/>
+                <a:gd name="connsiteY3" fmla="*/ 284556 h 1566767"/>
+                <a:gd name="connsiteX4" fmla="*/ 449944 w 1967348"/>
+                <a:gd name="connsiteY4" fmla="*/ 543636 h 1566767"/>
+                <a:gd name="connsiteX5" fmla="*/ 1105264 w 1967348"/>
+                <a:gd name="connsiteY5" fmla="*/ 139776 h 1566767"/>
+                <a:gd name="connsiteX6" fmla="*/ 1859644 w 1967348"/>
+                <a:gd name="connsiteY6" fmla="*/ 2616 h 1566767"/>
+                <a:gd name="connsiteX7" fmla="*/ 1928224 w 1967348"/>
+                <a:gd name="connsiteY7" fmla="*/ 238836 h 1566767"/>
+                <a:gd name="connsiteX8" fmla="*/ 1531984 w 1967348"/>
+                <a:gd name="connsiteY8" fmla="*/ 635076 h 1566767"/>
+                <a:gd name="connsiteX9" fmla="*/ 1006204 w 1967348"/>
+                <a:gd name="connsiteY9" fmla="*/ 1267536 h 1566767"/>
+                <a:gd name="connsiteX10" fmla="*/ 876664 w 1967348"/>
+                <a:gd name="connsiteY10" fmla="*/ 1564716 h 1566767"/>
+                <a:gd name="connsiteX11" fmla="*/ 129904 w 1967348"/>
+                <a:gd name="connsiteY11" fmla="*/ 1389456 h 1566767"/>
+                <a:gd name="connsiteX12" fmla="*/ 364 w 1967348"/>
+                <a:gd name="connsiteY12" fmla="*/ 1160856 h 1566767"/>
+              </a:gdLst>
+              <a:ahLst/>
+              <a:cxnLst>
+                <a:cxn ang="0">
+                  <a:pos x="connsiteX0" y="connsiteY0"/>
+                </a:cxn>
+                <a:cxn ang="0">
+                  <a:pos x="connsiteX1" y="connsiteY1"/>
+                </a:cxn>
+                <a:cxn ang="0">
+                  <a:pos x="connsiteX2" y="connsiteY2"/>
+                </a:cxn>
+                <a:cxn ang="0">
+                  <a:pos x="connsiteX3" y="connsiteY3"/>
+                </a:cxn>
+                <a:cxn ang="0">
+                  <a:pos x="connsiteX4" y="connsiteY4"/>
+                </a:cxn>
+                <a:cxn ang="0">
+                  <a:pos x="connsiteX5" y="connsiteY5"/>
+                </a:cxn>
+                <a:cxn ang="0">
+                  <a:pos x="connsiteX6" y="connsiteY6"/>
+                </a:cxn>
+                <a:cxn ang="0">
+                  <a:pos x="connsiteX7" y="connsiteY7"/>
+                </a:cxn>
+                <a:cxn ang="0">
+                  <a:pos x="connsiteX8" y="connsiteY8"/>
+                </a:cxn>
+                <a:cxn ang="0">
+                  <a:pos x="connsiteX9" y="connsiteY9"/>
+                </a:cxn>
+                <a:cxn ang="0">
+                  <a:pos x="connsiteX10" y="connsiteY10"/>
+                </a:cxn>
+                <a:cxn ang="0">
+                  <a:pos x="connsiteX11" y="connsiteY11"/>
+                </a:cxn>
+                <a:cxn ang="0">
+                  <a:pos x="connsiteX12" y="connsiteY12"/>
+                </a:cxn>
+              </a:cxnLst>
+              <a:rect l="l" t="t" r="r" b="b"/>
+              <a:pathLst>
+                <a:path w="1967348" h="1566767">
+                  <a:moveTo>
+                    <a:pt x="364" y="1160856"/>
+                  </a:moveTo>
+                  <a:cubicBezTo>
+                    <a:pt x="-3446" y="1031316"/>
+                    <a:pt x="21954" y="764616"/>
+                    <a:pt x="107044" y="612216"/>
+                  </a:cubicBezTo>
+                  <a:cubicBezTo>
+                    <a:pt x="192134" y="459816"/>
+                    <a:pt x="410574" y="301066"/>
+                    <a:pt x="510904" y="246456"/>
+                  </a:cubicBezTo>
+                  <a:cubicBezTo>
+                    <a:pt x="611234" y="191846"/>
+                    <a:pt x="719184" y="235026"/>
+                    <a:pt x="709024" y="284556"/>
+                  </a:cubicBezTo>
+                  <a:cubicBezTo>
+                    <a:pt x="698864" y="334086"/>
+                    <a:pt x="383904" y="567766"/>
+                    <a:pt x="449944" y="543636"/>
+                  </a:cubicBezTo>
+                  <a:cubicBezTo>
+                    <a:pt x="515984" y="519506"/>
+                    <a:pt x="870314" y="229946"/>
+                    <a:pt x="1105264" y="139776"/>
+                  </a:cubicBezTo>
+                  <a:cubicBezTo>
+                    <a:pt x="1340214" y="49606"/>
+                    <a:pt x="1722484" y="-13894"/>
+                    <a:pt x="1859644" y="2616"/>
+                  </a:cubicBezTo>
+                  <a:cubicBezTo>
+                    <a:pt x="1996804" y="19126"/>
+                    <a:pt x="1982834" y="133426"/>
+                    <a:pt x="1928224" y="238836"/>
+                  </a:cubicBezTo>
+                  <a:cubicBezTo>
+                    <a:pt x="1873614" y="344246"/>
+                    <a:pt x="1685654" y="463626"/>
+                    <a:pt x="1531984" y="635076"/>
+                  </a:cubicBezTo>
+                  <a:cubicBezTo>
+                    <a:pt x="1378314" y="806526"/>
+                    <a:pt x="1115424" y="1112596"/>
+                    <a:pt x="1006204" y="1267536"/>
+                  </a:cubicBezTo>
+                  <a:cubicBezTo>
+                    <a:pt x="896984" y="1422476"/>
+                    <a:pt x="1022714" y="1544396"/>
+                    <a:pt x="876664" y="1564716"/>
+                  </a:cubicBezTo>
+                  <a:cubicBezTo>
+                    <a:pt x="730614" y="1585036"/>
+                    <a:pt x="275954" y="1449146"/>
+                    <a:pt x="129904" y="1389456"/>
+                  </a:cubicBezTo>
+                  <a:cubicBezTo>
+                    <a:pt x="-16146" y="1329766"/>
+                    <a:pt x="4174" y="1290396"/>
+                    <a:pt x="364" y="1160856"/>
+                  </a:cubicBezTo>
+                  <a:close/>
+                </a:path>
+              </a:pathLst>
+            </a:custGeom>
+            <a:solidFill>
+              <a:schemeClr val="bg1"/>
+            </a:solidFill>
+            <a:ln w="12700">
+              <a:solidFill>
+                <a:schemeClr val="tx1"/>
+              </a:solidFill>
+            </a:ln>
+          </p:spPr>
+          <p:style>
+            <a:lnRef idx="2">
+              <a:schemeClr val="accent1">
+                <a:shade val="50000"/>
+              </a:schemeClr>
+            </a:lnRef>
+            <a:fillRef idx="1">
+              <a:schemeClr val="accent1"/>
+            </a:fillRef>
+            <a:effectRef idx="0">
+              <a:schemeClr val="accent1"/>
+            </a:effectRef>
+            <a:fontRef idx="minor">
+              <a:schemeClr val="lt1"/>
+            </a:fontRef>
+          </p:style>
+          <p:txBody>
+            <a:bodyPr rtlCol="0" anchor="ctr"/>
+            <a:lstStyle/>
+            <a:p>
+              <a:pPr algn="ctr"/>
+              <a:endParaRPr lang="ru-RU"/>
+            </a:p>
+          </p:txBody>
+        </p:sp>
+        <p:sp>
+          <p:nvSpPr>
+            <p:cNvPr id="26" name="Полилиния 25"/>
+            <p:cNvSpPr/>
+            <p:nvPr/>
+          </p:nvSpPr>
+          <p:spPr>
+            <a:xfrm>
+              <a:off x="3887604" y="3341781"/>
+              <a:ext cx="1612067" cy="2183515"/>
+            </a:xfrm>
+            <a:custGeom>
+              <a:avLst/>
+              <a:gdLst>
+                <a:gd name="connsiteX0" fmla="*/ 171314 w 2547471"/>
+                <a:gd name="connsiteY0" fmla="*/ 185736 h 3163909"/>
+                <a:gd name="connsiteX1" fmla="*/ 666614 w 2547471"/>
+                <a:gd name="connsiteY1" fmla="*/ 84136 h 3163909"/>
+                <a:gd name="connsiteX2" fmla="*/ 1454014 w 2547471"/>
+                <a:gd name="connsiteY2" fmla="*/ 109536 h 3163909"/>
+                <a:gd name="connsiteX3" fmla="*/ 2482714 w 2547471"/>
+                <a:gd name="connsiteY3" fmla="*/ 338136 h 3163909"/>
+                <a:gd name="connsiteX4" fmla="*/ 2406514 w 2547471"/>
+                <a:gd name="connsiteY4" fmla="*/ 2166936 h 3163909"/>
+                <a:gd name="connsiteX5" fmla="*/ 2127114 w 2547471"/>
+                <a:gd name="connsiteY5" fmla="*/ 3055936 h 3163909"/>
+                <a:gd name="connsiteX6" fmla="*/ 539614 w 2547471"/>
+                <a:gd name="connsiteY6" fmla="*/ 3055936 h 3163909"/>
+                <a:gd name="connsiteX7" fmla="*/ 18914 w 2547471"/>
+                <a:gd name="connsiteY7" fmla="*/ 2217736 h 3163909"/>
+                <a:gd name="connsiteX8" fmla="*/ 171314 w 2547471"/>
+                <a:gd name="connsiteY8" fmla="*/ 185736 h 3163909"/>
+              </a:gdLst>
+              <a:ahLst/>
+              <a:cxnLst>
+                <a:cxn ang="0">
+                  <a:pos x="connsiteX0" y="connsiteY0"/>
+                </a:cxn>
+                <a:cxn ang="0">
+                  <a:pos x="connsiteX1" y="connsiteY1"/>
+                </a:cxn>
+                <a:cxn ang="0">
+                  <a:pos x="connsiteX2" y="connsiteY2"/>
+                </a:cxn>
+                <a:cxn ang="0">
+                  <a:pos x="connsiteX3" y="connsiteY3"/>
+                </a:cxn>
+                <a:cxn ang="0">
+                  <a:pos x="connsiteX4" y="connsiteY4"/>
+                </a:cxn>
+                <a:cxn ang="0">
+                  <a:pos x="connsiteX5" y="connsiteY5"/>
+                </a:cxn>
+                <a:cxn ang="0">
+                  <a:pos x="connsiteX6" y="connsiteY6"/>
+                </a:cxn>
+                <a:cxn ang="0">
+                  <a:pos x="connsiteX7" y="connsiteY7"/>
+                </a:cxn>
+                <a:cxn ang="0">
+                  <a:pos x="connsiteX8" y="connsiteY8"/>
+                </a:cxn>
+              </a:cxnLst>
+              <a:rect l="l" t="t" r="r" b="b"/>
+              <a:pathLst>
+                <a:path w="2547471" h="3163909">
+                  <a:moveTo>
+                    <a:pt x="171314" y="185736"/>
+                  </a:moveTo>
+                  <a:cubicBezTo>
+                    <a:pt x="279264" y="-169864"/>
+                    <a:pt x="452831" y="96836"/>
+                    <a:pt x="666614" y="84136"/>
+                  </a:cubicBezTo>
+                  <a:cubicBezTo>
+                    <a:pt x="880397" y="71436"/>
+                    <a:pt x="1151331" y="67203"/>
+                    <a:pt x="1454014" y="109536"/>
+                  </a:cubicBezTo>
+                  <a:cubicBezTo>
+                    <a:pt x="1756697" y="151869"/>
+                    <a:pt x="2323964" y="-4764"/>
+                    <a:pt x="2482714" y="338136"/>
+                  </a:cubicBezTo>
+                  <a:cubicBezTo>
+                    <a:pt x="2641464" y="681036"/>
+                    <a:pt x="2465781" y="1713969"/>
+                    <a:pt x="2406514" y="2166936"/>
+                  </a:cubicBezTo>
+                  <a:cubicBezTo>
+                    <a:pt x="2347247" y="2619903"/>
+                    <a:pt x="2438264" y="2907769"/>
+                    <a:pt x="2127114" y="3055936"/>
+                  </a:cubicBezTo>
+                  <a:cubicBezTo>
+                    <a:pt x="1815964" y="3204103"/>
+                    <a:pt x="890981" y="3195636"/>
+                    <a:pt x="539614" y="3055936"/>
+                  </a:cubicBezTo>
+                  <a:cubicBezTo>
+                    <a:pt x="188247" y="2916236"/>
+                    <a:pt x="82414" y="2691869"/>
+                    <a:pt x="18914" y="2217736"/>
+                  </a:cubicBezTo>
+                  <a:cubicBezTo>
+                    <a:pt x="-44586" y="1743603"/>
+                    <a:pt x="63364" y="541336"/>
+                    <a:pt x="171314" y="185736"/>
+                  </a:cubicBezTo>
+                  <a:close/>
+                </a:path>
+              </a:pathLst>
+            </a:custGeom>
+            <a:solidFill>
+              <a:srgbClr val="FF0000"/>
+            </a:solidFill>
+            <a:ln w="12700">
+              <a:solidFill>
+                <a:schemeClr val="tx1"/>
+              </a:solidFill>
+            </a:ln>
+          </p:spPr>
+          <p:style>
+            <a:lnRef idx="2">
+              <a:schemeClr val="accent1">
+                <a:shade val="50000"/>
+              </a:schemeClr>
+            </a:lnRef>
+            <a:fillRef idx="1">
+              <a:schemeClr val="accent1"/>
+            </a:fillRef>
+            <a:effectRef idx="0">
+              <a:schemeClr val="accent1"/>
+            </a:effectRef>
+            <a:fontRef idx="minor">
+              <a:schemeClr val="lt1"/>
+            </a:fontRef>
+          </p:style>
+          <p:txBody>
+            <a:bodyPr rtlCol="0" anchor="ctr"/>
+            <a:lstStyle/>
+            <a:p>
+              <a:pPr algn="ctr"/>
+              <a:endParaRPr lang="ru-RU"/>
+            </a:p>
+          </p:txBody>
+        </p:sp>
+        <p:sp>
+          <p:nvSpPr>
+            <p:cNvPr id="25" name="Полилиния 24"/>
+            <p:cNvSpPr/>
+            <p:nvPr/>
+          </p:nvSpPr>
+          <p:spPr>
+            <a:xfrm>
+              <a:off x="4365152" y="2934810"/>
+              <a:ext cx="656970" cy="754729"/>
+            </a:xfrm>
+            <a:custGeom>
+              <a:avLst/>
+              <a:gdLst>
+                <a:gd name="connsiteX0" fmla="*/ 120304 w 988615"/>
+                <a:gd name="connsiteY0" fmla="*/ 0 h 1104938"/>
+                <a:gd name="connsiteX1" fmla="*/ 44104 w 988615"/>
+                <a:gd name="connsiteY1" fmla="*/ 838200 h 1104938"/>
+                <a:gd name="connsiteX2" fmla="*/ 717204 w 988615"/>
+                <a:gd name="connsiteY2" fmla="*/ 1104900 h 1104938"/>
+                <a:gd name="connsiteX3" fmla="*/ 971204 w 988615"/>
+                <a:gd name="connsiteY3" fmla="*/ 825500 h 1104938"/>
+                <a:gd name="connsiteX4" fmla="*/ 945804 w 988615"/>
+                <a:gd name="connsiteY4" fmla="*/ 76200 h 1104938"/>
+              </a:gdLst>
+              <a:ahLst/>
+              <a:cxnLst>
+                <a:cxn ang="0">
+                  <a:pos x="connsiteX0" y="connsiteY0"/>
+                </a:cxn>
+                <a:cxn ang="0">
+                  <a:pos x="connsiteX1" y="connsiteY1"/>
+                </a:cxn>
+                <a:cxn ang="0">
+                  <a:pos x="connsiteX2" y="connsiteY2"/>
+                </a:cxn>
+                <a:cxn ang="0">
+                  <a:pos x="connsiteX3" y="connsiteY3"/>
+                </a:cxn>
+                <a:cxn ang="0">
+                  <a:pos x="connsiteX4" y="connsiteY4"/>
+                </a:cxn>
+              </a:cxnLst>
+              <a:rect l="l" t="t" r="r" b="b"/>
+              <a:pathLst>
+                <a:path w="988615" h="1104938">
+                  <a:moveTo>
+                    <a:pt x="120304" y="0"/>
+                  </a:moveTo>
+                  <a:cubicBezTo>
+                    <a:pt x="32462" y="327025"/>
+                    <a:pt x="-55379" y="654050"/>
+                    <a:pt x="44104" y="838200"/>
+                  </a:cubicBezTo>
+                  <a:cubicBezTo>
+                    <a:pt x="143587" y="1022350"/>
+                    <a:pt x="562687" y="1107017"/>
+                    <a:pt x="717204" y="1104900"/>
+                  </a:cubicBezTo>
+                  <a:cubicBezTo>
+                    <a:pt x="871721" y="1102783"/>
+                    <a:pt x="933104" y="996950"/>
+                    <a:pt x="971204" y="825500"/>
+                  </a:cubicBezTo>
+                  <a:cubicBezTo>
+                    <a:pt x="1009304" y="654050"/>
+                    <a:pt x="977554" y="365125"/>
+                    <a:pt x="945804" y="76200"/>
+                  </a:cubicBezTo>
+                </a:path>
+              </a:pathLst>
+            </a:custGeom>
+            <a:solidFill>
+              <a:schemeClr val="bg1"/>
+            </a:solidFill>
+            <a:ln w="12700">
+              <a:solidFill>
+                <a:schemeClr val="tx1"/>
+              </a:solidFill>
+            </a:ln>
+          </p:spPr>
+          <p:style>
+            <a:lnRef idx="1">
+              <a:schemeClr val="accent1"/>
+            </a:lnRef>
+            <a:fillRef idx="0">
+              <a:schemeClr val="accent1"/>
+            </a:fillRef>
+            <a:effectRef idx="0">
+              <a:schemeClr val="accent1"/>
+            </a:effectRef>
+            <a:fontRef idx="minor">
+              <a:schemeClr val="tx1"/>
+            </a:fontRef>
+          </p:style>
+          <p:txBody>
+            <a:bodyPr rtlCol="0" anchor="ctr"/>
+            <a:lstStyle/>
+            <a:p>
+              <a:pPr algn="ctr"/>
+              <a:endParaRPr lang="ru-RU"/>
+            </a:p>
+          </p:txBody>
+        </p:sp>
+        <p:sp>
+          <p:nvSpPr>
+            <p:cNvPr id="11" name="Полилиния 10"/>
+            <p:cNvSpPr/>
+            <p:nvPr/>
+          </p:nvSpPr>
+          <p:spPr>
+            <a:xfrm>
+              <a:off x="4206400" y="1430320"/>
+              <a:ext cx="1415142" cy="1997314"/>
+            </a:xfrm>
+            <a:custGeom>
+              <a:avLst/>
+              <a:gdLst>
+                <a:gd name="connsiteX0" fmla="*/ 5867071 w 6146583"/>
+                <a:gd name="connsiteY0" fmla="*/ 649336 h 8424722"/>
+                <a:gd name="connsiteX1" fmla="*/ 5886121 w 6146583"/>
+                <a:gd name="connsiteY1" fmla="*/ 1773286 h 8424722"/>
+                <a:gd name="connsiteX2" fmla="*/ 5848021 w 6146583"/>
+                <a:gd name="connsiteY2" fmla="*/ 2592436 h 8424722"/>
+                <a:gd name="connsiteX3" fmla="*/ 5619421 w 6146583"/>
+                <a:gd name="connsiteY3" fmla="*/ 3106786 h 8424722"/>
+                <a:gd name="connsiteX4" fmla="*/ 5733721 w 6146583"/>
+                <a:gd name="connsiteY4" fmla="*/ 3659236 h 8424722"/>
+                <a:gd name="connsiteX5" fmla="*/ 5562271 w 6146583"/>
+                <a:gd name="connsiteY5" fmla="*/ 4973686 h 8424722"/>
+                <a:gd name="connsiteX6" fmla="*/ 5733721 w 6146583"/>
+                <a:gd name="connsiteY6" fmla="*/ 6859636 h 8424722"/>
+                <a:gd name="connsiteX7" fmla="*/ 5238421 w 6146583"/>
+                <a:gd name="connsiteY7" fmla="*/ 7926436 h 8424722"/>
+                <a:gd name="connsiteX8" fmla="*/ 4495471 w 6146583"/>
+                <a:gd name="connsiteY8" fmla="*/ 8364586 h 8424722"/>
+                <a:gd name="connsiteX9" fmla="*/ 3523921 w 6146583"/>
+                <a:gd name="connsiteY9" fmla="*/ 8174086 h 8424722"/>
+                <a:gd name="connsiteX10" fmla="*/ 437821 w 6146583"/>
+                <a:gd name="connsiteY10" fmla="*/ 6135736 h 8424722"/>
+                <a:gd name="connsiteX11" fmla="*/ 18721 w 6146583"/>
+                <a:gd name="connsiteY11" fmla="*/ 5126086 h 8424722"/>
+                <a:gd name="connsiteX12" fmla="*/ 399721 w 6146583"/>
+                <a:gd name="connsiteY12" fmla="*/ 1392286 h 8424722"/>
+                <a:gd name="connsiteX13" fmla="*/ 2190421 w 6146583"/>
+                <a:gd name="connsiteY13" fmla="*/ 20686 h 8424722"/>
+                <a:gd name="connsiteX14" fmla="*/ 5867071 w 6146583"/>
+                <a:gd name="connsiteY14" fmla="*/ 649336 h 8424722"/>
+              </a:gdLst>
+              <a:ahLst/>
+              <a:cxnLst>
+                <a:cxn ang="0">
+                  <a:pos x="connsiteX0" y="connsiteY0"/>
+                </a:cxn>
+                <a:cxn ang="0">
+                  <a:pos x="connsiteX1" y="connsiteY1"/>
+                </a:cxn>
+                <a:cxn ang="0">
+                  <a:pos x="connsiteX2" y="connsiteY2"/>
+                </a:cxn>
+                <a:cxn ang="0">
+                  <a:pos x="connsiteX3" y="connsiteY3"/>
+                </a:cxn>
+                <a:cxn ang="0">
+                  <a:pos x="connsiteX4" y="connsiteY4"/>
+                </a:cxn>
+                <a:cxn ang="0">
+                  <a:pos x="connsiteX5" y="connsiteY5"/>
+                </a:cxn>
+                <a:cxn ang="0">
+                  <a:pos x="connsiteX6" y="connsiteY6"/>
+                </a:cxn>
+                <a:cxn ang="0">
+                  <a:pos x="connsiteX7" y="connsiteY7"/>
+                </a:cxn>
+                <a:cxn ang="0">
+                  <a:pos x="connsiteX8" y="connsiteY8"/>
+                </a:cxn>
+                <a:cxn ang="0">
+                  <a:pos x="connsiteX9" y="connsiteY9"/>
+                </a:cxn>
+                <a:cxn ang="0">
+                  <a:pos x="connsiteX10" y="connsiteY10"/>
+                </a:cxn>
+                <a:cxn ang="0">
+                  <a:pos x="connsiteX11" y="connsiteY11"/>
+                </a:cxn>
+                <a:cxn ang="0">
+                  <a:pos x="connsiteX12" y="connsiteY12"/>
+                </a:cxn>
+                <a:cxn ang="0">
+                  <a:pos x="connsiteX13" y="connsiteY13"/>
+                </a:cxn>
+                <a:cxn ang="0">
+                  <a:pos x="connsiteX14" y="connsiteY14"/>
+                </a:cxn>
+              </a:cxnLst>
+              <a:rect l="l" t="t" r="r" b="b"/>
+              <a:pathLst>
+                <a:path w="6146583" h="8424722">
+                  <a:moveTo>
+                    <a:pt x="5867071" y="649336"/>
+                  </a:moveTo>
+                  <a:cubicBezTo>
+                    <a:pt x="6483021" y="941436"/>
+                    <a:pt x="5889296" y="1449436"/>
+                    <a:pt x="5886121" y="1773286"/>
+                  </a:cubicBezTo>
+                  <a:cubicBezTo>
+                    <a:pt x="5882946" y="2097136"/>
+                    <a:pt x="5892471" y="2370186"/>
+                    <a:pt x="5848021" y="2592436"/>
+                  </a:cubicBezTo>
+                  <a:cubicBezTo>
+                    <a:pt x="5803571" y="2814686"/>
+                    <a:pt x="5638471" y="2928986"/>
+                    <a:pt x="5619421" y="3106786"/>
+                  </a:cubicBezTo>
+                  <a:cubicBezTo>
+                    <a:pt x="5600371" y="3284586"/>
+                    <a:pt x="5743246" y="3348086"/>
+                    <a:pt x="5733721" y="3659236"/>
+                  </a:cubicBezTo>
+                  <a:cubicBezTo>
+                    <a:pt x="5724196" y="3970386"/>
+                    <a:pt x="5562271" y="4440286"/>
+                    <a:pt x="5562271" y="4973686"/>
+                  </a:cubicBezTo>
+                  <a:cubicBezTo>
+                    <a:pt x="5562271" y="5507086"/>
+                    <a:pt x="5787696" y="6367511"/>
+                    <a:pt x="5733721" y="6859636"/>
+                  </a:cubicBezTo>
+                  <a:cubicBezTo>
+                    <a:pt x="5679746" y="7351761"/>
+                    <a:pt x="5444796" y="7675611"/>
+                    <a:pt x="5238421" y="7926436"/>
+                  </a:cubicBezTo>
+                  <a:cubicBezTo>
+                    <a:pt x="5032046" y="8177261"/>
+                    <a:pt x="4781221" y="8323311"/>
+                    <a:pt x="4495471" y="8364586"/>
+                  </a:cubicBezTo>
+                  <a:cubicBezTo>
+                    <a:pt x="4209721" y="8405861"/>
+                    <a:pt x="4200196" y="8545561"/>
+                    <a:pt x="3523921" y="8174086"/>
+                  </a:cubicBezTo>
+                  <a:cubicBezTo>
+                    <a:pt x="2847646" y="7802611"/>
+                    <a:pt x="1022021" y="6643736"/>
+                    <a:pt x="437821" y="6135736"/>
+                  </a:cubicBezTo>
+                  <a:cubicBezTo>
+                    <a:pt x="-146379" y="5627736"/>
+                    <a:pt x="25071" y="5916661"/>
+                    <a:pt x="18721" y="5126086"/>
+                  </a:cubicBezTo>
+                  <a:cubicBezTo>
+                    <a:pt x="12371" y="4335511"/>
+                    <a:pt x="37771" y="2243186"/>
+                    <a:pt x="399721" y="1392286"/>
+                  </a:cubicBezTo>
+                  <a:cubicBezTo>
+                    <a:pt x="761671" y="541386"/>
+                    <a:pt x="1279196" y="144511"/>
+                    <a:pt x="2190421" y="20686"/>
+                  </a:cubicBezTo>
+                  <a:cubicBezTo>
+                    <a:pt x="3101646" y="-103139"/>
+                    <a:pt x="5251121" y="357236"/>
+                    <a:pt x="5867071" y="649336"/>
+                  </a:cubicBezTo>
+                  <a:close/>
+                </a:path>
+              </a:pathLst>
+            </a:custGeom>
+            <a:solidFill>
+              <a:schemeClr val="bg1"/>
+            </a:solidFill>
+            <a:ln w="12700">
+              <a:solidFill>
+                <a:schemeClr val="tx1"/>
+              </a:solidFill>
+            </a:ln>
+          </p:spPr>
+          <p:style>
+            <a:lnRef idx="2">
+              <a:schemeClr val="accent1">
+                <a:shade val="50000"/>
+              </a:schemeClr>
+            </a:lnRef>
+            <a:fillRef idx="1">
+              <a:schemeClr val="accent1"/>
+            </a:fillRef>
+            <a:effectRef idx="0">
+              <a:schemeClr val="accent1"/>
+            </a:effectRef>
+            <a:fontRef idx="minor">
+              <a:schemeClr val="lt1"/>
+            </a:fontRef>
+          </p:style>
+          <p:txBody>
+            <a:bodyPr rtlCol="0" anchor="ctr"/>
+            <a:lstStyle/>
+            <a:p>
+              <a:pPr algn="ctr"/>
+              <a:endParaRPr lang="ru-RU"/>
+            </a:p>
+          </p:txBody>
+        </p:sp>
+        <p:sp>
+          <p:nvSpPr>
+            <p:cNvPr id="13" name="Полилиния 12"/>
+            <p:cNvSpPr/>
+            <p:nvPr/>
+          </p:nvSpPr>
+          <p:spPr>
+            <a:xfrm>
+              <a:off x="5131755" y="2148804"/>
+              <a:ext cx="277566" cy="605188"/>
+            </a:xfrm>
+            <a:custGeom>
+              <a:avLst/>
+              <a:gdLst>
+                <a:gd name="connsiteX0" fmla="*/ 0 w 1205589"/>
+                <a:gd name="connsiteY0" fmla="*/ 0 h 2552700"/>
+                <a:gd name="connsiteX1" fmla="*/ 400050 w 1205589"/>
+                <a:gd name="connsiteY1" fmla="*/ 419100 h 2552700"/>
+                <a:gd name="connsiteX2" fmla="*/ 647700 w 1205589"/>
+                <a:gd name="connsiteY2" fmla="*/ 1276350 h 2552700"/>
+                <a:gd name="connsiteX3" fmla="*/ 1047750 w 1205589"/>
+                <a:gd name="connsiteY3" fmla="*/ 1847850 h 2552700"/>
+                <a:gd name="connsiteX4" fmla="*/ 1200150 w 1205589"/>
+                <a:gd name="connsiteY4" fmla="*/ 2381250 h 2552700"/>
+                <a:gd name="connsiteX5" fmla="*/ 876300 w 1205589"/>
+                <a:gd name="connsiteY5" fmla="*/ 2552700 h 2552700"/>
+                <a:gd name="connsiteX6" fmla="*/ 133350 w 1205589"/>
+                <a:gd name="connsiteY6" fmla="*/ 2362200 h 2552700"/>
+              </a:gdLst>
+              <a:ahLst/>
+              <a:cxnLst>
+                <a:cxn ang="0">
+                  <a:pos x="connsiteX0" y="connsiteY0"/>
+                </a:cxn>
+                <a:cxn ang="0">
+                  <a:pos x="connsiteX1" y="connsiteY1"/>
+                </a:cxn>
+                <a:cxn ang="0">
+                  <a:pos x="connsiteX2" y="connsiteY2"/>
+                </a:cxn>
+                <a:cxn ang="0">
+                  <a:pos x="connsiteX3" y="connsiteY3"/>
+                </a:cxn>
+                <a:cxn ang="0">
+                  <a:pos x="connsiteX4" y="connsiteY4"/>
+                </a:cxn>
+                <a:cxn ang="0">
+                  <a:pos x="connsiteX5" y="connsiteY5"/>
+                </a:cxn>
+                <a:cxn ang="0">
+                  <a:pos x="connsiteX6" y="connsiteY6"/>
+                </a:cxn>
+              </a:cxnLst>
+              <a:rect l="l" t="t" r="r" b="b"/>
+              <a:pathLst>
+                <a:path w="1205589" h="2552700">
+                  <a:moveTo>
+                    <a:pt x="0" y="0"/>
+                  </a:moveTo>
+                  <a:cubicBezTo>
+                    <a:pt x="146050" y="103187"/>
+                    <a:pt x="292100" y="206375"/>
+                    <a:pt x="400050" y="419100"/>
+                  </a:cubicBezTo>
+                  <a:cubicBezTo>
+                    <a:pt x="508000" y="631825"/>
+                    <a:pt x="539750" y="1038225"/>
+                    <a:pt x="647700" y="1276350"/>
+                  </a:cubicBezTo>
+                  <a:cubicBezTo>
+                    <a:pt x="755650" y="1514475"/>
+                    <a:pt x="955675" y="1663700"/>
+                    <a:pt x="1047750" y="1847850"/>
+                  </a:cubicBezTo>
+                  <a:cubicBezTo>
+                    <a:pt x="1139825" y="2032000"/>
+                    <a:pt x="1228725" y="2263775"/>
+                    <a:pt x="1200150" y="2381250"/>
+                  </a:cubicBezTo>
+                  <a:cubicBezTo>
+                    <a:pt x="1171575" y="2498725"/>
+                    <a:pt x="1054100" y="2555875"/>
+                    <a:pt x="876300" y="2552700"/>
+                  </a:cubicBezTo>
+                  <a:cubicBezTo>
+                    <a:pt x="698500" y="2549525"/>
+                    <a:pt x="415925" y="2455862"/>
+                    <a:pt x="133350" y="2362200"/>
+                  </a:cubicBezTo>
+                </a:path>
+              </a:pathLst>
+            </a:custGeom>
+            <a:ln w="12700">
+              <a:solidFill>
+                <a:schemeClr val="tx1"/>
+              </a:solidFill>
+            </a:ln>
+          </p:spPr>
+          <p:style>
+            <a:lnRef idx="1">
+              <a:schemeClr val="accent1"/>
+            </a:lnRef>
+            <a:fillRef idx="0">
+              <a:schemeClr val="accent1"/>
+            </a:fillRef>
+            <a:effectRef idx="0">
+              <a:schemeClr val="accent1"/>
+            </a:effectRef>
+            <a:fontRef idx="minor">
+              <a:schemeClr val="tx1"/>
+            </a:fontRef>
+          </p:style>
+          <p:txBody>
+            <a:bodyPr rtlCol="0" anchor="ctr"/>
+            <a:lstStyle/>
+            <a:p>
+              <a:pPr algn="ctr"/>
+              <a:endParaRPr lang="ru-RU"/>
+            </a:p>
+          </p:txBody>
+        </p:sp>
+        <p:sp>
+          <p:nvSpPr>
+            <p:cNvPr id="18" name="Полилиния 17"/>
+            <p:cNvSpPr/>
+            <p:nvPr/>
+          </p:nvSpPr>
+          <p:spPr>
+            <a:xfrm>
+              <a:off x="4096213" y="1203546"/>
+              <a:ext cx="1612067" cy="1537704"/>
+            </a:xfrm>
+            <a:custGeom>
+              <a:avLst/>
+              <a:gdLst>
+                <a:gd name="connsiteX0" fmla="*/ 6898109 w 7001913"/>
+                <a:gd name="connsiteY0" fmla="*/ 2215475 h 6486076"/>
+                <a:gd name="connsiteX1" fmla="*/ 6898109 w 7001913"/>
+                <a:gd name="connsiteY1" fmla="*/ 2120225 h 6486076"/>
+                <a:gd name="connsiteX2" fmla="*/ 6536159 w 7001913"/>
+                <a:gd name="connsiteY2" fmla="*/ 1015325 h 6486076"/>
+                <a:gd name="connsiteX3" fmla="*/ 6002759 w 7001913"/>
+                <a:gd name="connsiteY3" fmla="*/ 691475 h 6486076"/>
+                <a:gd name="connsiteX4" fmla="*/ 5736059 w 7001913"/>
+                <a:gd name="connsiteY4" fmla="*/ 843875 h 6486076"/>
+                <a:gd name="connsiteX5" fmla="*/ 4116809 w 7001913"/>
+                <a:gd name="connsiteY5" fmla="*/ 139025 h 6486076"/>
+                <a:gd name="connsiteX6" fmla="*/ 3278609 w 7001913"/>
+                <a:gd name="connsiteY6" fmla="*/ 5675 h 6486076"/>
+                <a:gd name="connsiteX7" fmla="*/ 2916659 w 7001913"/>
+                <a:gd name="connsiteY7" fmla="*/ 234275 h 6486076"/>
+                <a:gd name="connsiteX8" fmla="*/ 2173709 w 7001913"/>
+                <a:gd name="connsiteY8" fmla="*/ 253325 h 6486076"/>
+                <a:gd name="connsiteX9" fmla="*/ 2040359 w 7001913"/>
+                <a:gd name="connsiteY9" fmla="*/ 539075 h 6486076"/>
+                <a:gd name="connsiteX10" fmla="*/ 821159 w 7001913"/>
+                <a:gd name="connsiteY10" fmla="*/ 748625 h 6486076"/>
+                <a:gd name="connsiteX11" fmla="*/ 764009 w 7001913"/>
+                <a:gd name="connsiteY11" fmla="*/ 1205825 h 6486076"/>
+                <a:gd name="connsiteX12" fmla="*/ 59159 w 7001913"/>
+                <a:gd name="connsiteY12" fmla="*/ 2044025 h 6486076"/>
+                <a:gd name="connsiteX13" fmla="*/ 59159 w 7001913"/>
+                <a:gd name="connsiteY13" fmla="*/ 3148925 h 6486076"/>
+                <a:gd name="connsiteX14" fmla="*/ 230609 w 7001913"/>
+                <a:gd name="connsiteY14" fmla="*/ 4177625 h 6486076"/>
+                <a:gd name="connsiteX15" fmla="*/ 306809 w 7001913"/>
+                <a:gd name="connsiteY15" fmla="*/ 5911175 h 6486076"/>
+                <a:gd name="connsiteX16" fmla="*/ 725909 w 7001913"/>
+                <a:gd name="connsiteY16" fmla="*/ 6425525 h 6486076"/>
+                <a:gd name="connsiteX17" fmla="*/ 916409 w 7001913"/>
+                <a:gd name="connsiteY17" fmla="*/ 4691975 h 6486076"/>
+                <a:gd name="connsiteX18" fmla="*/ 1183109 w 7001913"/>
+                <a:gd name="connsiteY18" fmla="*/ 3491825 h 6486076"/>
+                <a:gd name="connsiteX19" fmla="*/ 1183109 w 7001913"/>
+                <a:gd name="connsiteY19" fmla="*/ 3091775 h 6486076"/>
+                <a:gd name="connsiteX20" fmla="*/ 1811759 w 7001913"/>
+                <a:gd name="connsiteY20" fmla="*/ 2577425 h 6486076"/>
+                <a:gd name="connsiteX21" fmla="*/ 2097509 w 7001913"/>
+                <a:gd name="connsiteY21" fmla="*/ 1872575 h 6486076"/>
+                <a:gd name="connsiteX22" fmla="*/ 3164309 w 7001913"/>
+                <a:gd name="connsiteY22" fmla="*/ 2348825 h 6486076"/>
+                <a:gd name="connsiteX23" fmla="*/ 4459709 w 7001913"/>
+                <a:gd name="connsiteY23" fmla="*/ 2501225 h 6486076"/>
+                <a:gd name="connsiteX24" fmla="*/ 4840709 w 7001913"/>
+                <a:gd name="connsiteY24" fmla="*/ 2158325 h 6486076"/>
+                <a:gd name="connsiteX25" fmla="*/ 4802609 w 7001913"/>
+                <a:gd name="connsiteY25" fmla="*/ 2101175 h 6486076"/>
+                <a:gd name="connsiteX26" fmla="*/ 5069309 w 7001913"/>
+                <a:gd name="connsiteY26" fmla="*/ 2253575 h 6486076"/>
+                <a:gd name="connsiteX27" fmla="*/ 6002759 w 7001913"/>
+                <a:gd name="connsiteY27" fmla="*/ 1872575 h 6486076"/>
+                <a:gd name="connsiteX28" fmla="*/ 6650459 w 7001913"/>
+                <a:gd name="connsiteY28" fmla="*/ 2367875 h 6486076"/>
+                <a:gd name="connsiteX29" fmla="*/ 6993359 w 7001913"/>
+                <a:gd name="connsiteY29" fmla="*/ 2291675 h 6486076"/>
+                <a:gd name="connsiteX30" fmla="*/ 6898109 w 7001913"/>
+                <a:gd name="connsiteY30" fmla="*/ 2215475 h 6486076"/>
+              </a:gdLst>
+              <a:ahLst/>
+              <a:cxnLst>
+                <a:cxn ang="0">
+                  <a:pos x="connsiteX0" y="connsiteY0"/>
+                </a:cxn>
+                <a:cxn ang="0">
+                  <a:pos x="connsiteX1" y="connsiteY1"/>
+                </a:cxn>
+                <a:cxn ang="0">
+                  <a:pos x="connsiteX2" y="connsiteY2"/>
+                </a:cxn>
+                <a:cxn ang="0">
+                  <a:pos x="connsiteX3" y="connsiteY3"/>
+                </a:cxn>
+                <a:cxn ang="0">
+                  <a:pos x="connsiteX4" y="connsiteY4"/>
+                </a:cxn>
+                <a:cxn ang="0">
+                  <a:pos x="connsiteX5" y="connsiteY5"/>
+                </a:cxn>
+                <a:cxn ang="0">
+                  <a:pos x="connsiteX6" y="connsiteY6"/>
+                </a:cxn>
+                <a:cxn ang="0">
+                  <a:pos x="connsiteX7" y="connsiteY7"/>
+                </a:cxn>
+                <a:cxn ang="0">
+                  <a:pos x="connsiteX8" y="connsiteY8"/>
+                </a:cxn>
+                <a:cxn ang="0">
+                  <a:pos x="connsiteX9" y="connsiteY9"/>
+                </a:cxn>
+                <a:cxn ang="0">
+                  <a:pos x="connsiteX10" y="connsiteY10"/>
+                </a:cxn>
+                <a:cxn ang="0">
+                  <a:pos x="connsiteX11" y="connsiteY11"/>
+                </a:cxn>
+                <a:cxn ang="0">
+                  <a:pos x="connsiteX12" y="connsiteY12"/>
+                </a:cxn>
+                <a:cxn ang="0">
+                  <a:pos x="connsiteX13" y="connsiteY13"/>
+                </a:cxn>
+                <a:cxn ang="0">
+                  <a:pos x="connsiteX14" y="connsiteY14"/>
+                </a:cxn>
+                <a:cxn ang="0">
+                  <a:pos x="connsiteX15" y="connsiteY15"/>
+                </a:cxn>
+                <a:cxn ang="0">
+                  <a:pos x="connsiteX16" y="connsiteY16"/>
+                </a:cxn>
+                <a:cxn ang="0">
+                  <a:pos x="connsiteX17" y="connsiteY17"/>
+                </a:cxn>
+                <a:cxn ang="0">
+                  <a:pos x="connsiteX18" y="connsiteY18"/>
+                </a:cxn>
+                <a:cxn ang="0">
+                  <a:pos x="connsiteX19" y="connsiteY19"/>
+                </a:cxn>
+                <a:cxn ang="0">
+                  <a:pos x="connsiteX20" y="connsiteY20"/>
+                </a:cxn>
+                <a:cxn ang="0">
+                  <a:pos x="connsiteX21" y="connsiteY21"/>
+                </a:cxn>
+                <a:cxn ang="0">
+                  <a:pos x="connsiteX22" y="connsiteY22"/>
+                </a:cxn>
+                <a:cxn ang="0">
+                  <a:pos x="connsiteX23" y="connsiteY23"/>
+                </a:cxn>
+                <a:cxn ang="0">
+                  <a:pos x="connsiteX24" y="connsiteY24"/>
+                </a:cxn>
+                <a:cxn ang="0">
+                  <a:pos x="connsiteX25" y="connsiteY25"/>
+                </a:cxn>
+                <a:cxn ang="0">
+                  <a:pos x="connsiteX26" y="connsiteY26"/>
+                </a:cxn>
+                <a:cxn ang="0">
+                  <a:pos x="connsiteX27" y="connsiteY27"/>
+                </a:cxn>
+                <a:cxn ang="0">
+                  <a:pos x="connsiteX28" y="connsiteY28"/>
+                </a:cxn>
+                <a:cxn ang="0">
+                  <a:pos x="connsiteX29" y="connsiteY29"/>
+                </a:cxn>
+                <a:cxn ang="0">
+                  <a:pos x="connsiteX30" y="connsiteY30"/>
+                </a:cxn>
+              </a:cxnLst>
+              <a:rect l="l" t="t" r="r" b="b"/>
+              <a:pathLst>
+                <a:path w="7001913" h="6486076">
+                  <a:moveTo>
+                    <a:pt x="6898109" y="2215475"/>
+                  </a:moveTo>
+                  <a:cubicBezTo>
+                    <a:pt x="6882234" y="2186900"/>
+                    <a:pt x="6958434" y="2320250"/>
+                    <a:pt x="6898109" y="2120225"/>
+                  </a:cubicBezTo>
+                  <a:cubicBezTo>
+                    <a:pt x="6837784" y="1920200"/>
+                    <a:pt x="6685384" y="1253450"/>
+                    <a:pt x="6536159" y="1015325"/>
+                  </a:cubicBezTo>
+                  <a:cubicBezTo>
+                    <a:pt x="6386934" y="777200"/>
+                    <a:pt x="6136109" y="720050"/>
+                    <a:pt x="6002759" y="691475"/>
+                  </a:cubicBezTo>
+                  <a:cubicBezTo>
+                    <a:pt x="5869409" y="662900"/>
+                    <a:pt x="6050384" y="935950"/>
+                    <a:pt x="5736059" y="843875"/>
+                  </a:cubicBezTo>
+                  <a:cubicBezTo>
+                    <a:pt x="5421734" y="751800"/>
+                    <a:pt x="4526384" y="278725"/>
+                    <a:pt x="4116809" y="139025"/>
+                  </a:cubicBezTo>
+                  <a:cubicBezTo>
+                    <a:pt x="3707234" y="-675"/>
+                    <a:pt x="3478634" y="-10200"/>
+                    <a:pt x="3278609" y="5675"/>
+                  </a:cubicBezTo>
+                  <a:cubicBezTo>
+                    <a:pt x="3078584" y="21550"/>
+                    <a:pt x="3100809" y="193000"/>
+                    <a:pt x="2916659" y="234275"/>
+                  </a:cubicBezTo>
+                  <a:cubicBezTo>
+                    <a:pt x="2732509" y="275550"/>
+                    <a:pt x="2319759" y="202525"/>
+                    <a:pt x="2173709" y="253325"/>
+                  </a:cubicBezTo>
+                  <a:cubicBezTo>
+                    <a:pt x="2027659" y="304125"/>
+                    <a:pt x="2265784" y="456525"/>
+                    <a:pt x="2040359" y="539075"/>
+                  </a:cubicBezTo>
+                  <a:cubicBezTo>
+                    <a:pt x="1814934" y="621625"/>
+                    <a:pt x="1033884" y="637500"/>
+                    <a:pt x="821159" y="748625"/>
+                  </a:cubicBezTo>
+                  <a:cubicBezTo>
+                    <a:pt x="608434" y="859750"/>
+                    <a:pt x="891009" y="989925"/>
+                    <a:pt x="764009" y="1205825"/>
+                  </a:cubicBezTo>
+                  <a:cubicBezTo>
+                    <a:pt x="637009" y="1421725"/>
+                    <a:pt x="176634" y="1720175"/>
+                    <a:pt x="59159" y="2044025"/>
+                  </a:cubicBezTo>
+                  <a:cubicBezTo>
+                    <a:pt x="-58316" y="2367875"/>
+                    <a:pt x="30584" y="2793325"/>
+                    <a:pt x="59159" y="3148925"/>
+                  </a:cubicBezTo>
+                  <a:cubicBezTo>
+                    <a:pt x="87734" y="3504525"/>
+                    <a:pt x="189334" y="3717250"/>
+                    <a:pt x="230609" y="4177625"/>
+                  </a:cubicBezTo>
+                  <a:cubicBezTo>
+                    <a:pt x="271884" y="4638000"/>
+                    <a:pt x="224259" y="5536525"/>
+                    <a:pt x="306809" y="5911175"/>
+                  </a:cubicBezTo>
+                  <a:cubicBezTo>
+                    <a:pt x="389359" y="6285825"/>
+                    <a:pt x="624309" y="6628725"/>
+                    <a:pt x="725909" y="6425525"/>
+                  </a:cubicBezTo>
+                  <a:cubicBezTo>
+                    <a:pt x="827509" y="6222325"/>
+                    <a:pt x="840209" y="5180925"/>
+                    <a:pt x="916409" y="4691975"/>
+                  </a:cubicBezTo>
+                  <a:cubicBezTo>
+                    <a:pt x="992609" y="4203025"/>
+                    <a:pt x="1138659" y="3758525"/>
+                    <a:pt x="1183109" y="3491825"/>
+                  </a:cubicBezTo>
+                  <a:cubicBezTo>
+                    <a:pt x="1227559" y="3225125"/>
+                    <a:pt x="1078334" y="3244175"/>
+                    <a:pt x="1183109" y="3091775"/>
+                  </a:cubicBezTo>
+                  <a:cubicBezTo>
+                    <a:pt x="1287884" y="2939375"/>
+                    <a:pt x="1659359" y="2780625"/>
+                    <a:pt x="1811759" y="2577425"/>
+                  </a:cubicBezTo>
+                  <a:cubicBezTo>
+                    <a:pt x="1964159" y="2374225"/>
+                    <a:pt x="1872084" y="1910675"/>
+                    <a:pt x="2097509" y="1872575"/>
+                  </a:cubicBezTo>
+                  <a:cubicBezTo>
+                    <a:pt x="2322934" y="1834475"/>
+                    <a:pt x="2770609" y="2244050"/>
+                    <a:pt x="3164309" y="2348825"/>
+                  </a:cubicBezTo>
+                  <a:cubicBezTo>
+                    <a:pt x="3558009" y="2453600"/>
+                    <a:pt x="4180309" y="2532975"/>
+                    <a:pt x="4459709" y="2501225"/>
+                  </a:cubicBezTo>
+                  <a:cubicBezTo>
+                    <a:pt x="4739109" y="2469475"/>
+                    <a:pt x="4783559" y="2225000"/>
+                    <a:pt x="4840709" y="2158325"/>
+                  </a:cubicBezTo>
+                  <a:cubicBezTo>
+                    <a:pt x="4897859" y="2091650"/>
+                    <a:pt x="4764509" y="2085300"/>
+                    <a:pt x="4802609" y="2101175"/>
+                  </a:cubicBezTo>
+                  <a:cubicBezTo>
+                    <a:pt x="4840709" y="2117050"/>
+                    <a:pt x="4869284" y="2291675"/>
+                    <a:pt x="5069309" y="2253575"/>
+                  </a:cubicBezTo>
+                  <a:cubicBezTo>
+                    <a:pt x="5269334" y="2215475"/>
+                    <a:pt x="5739234" y="1853525"/>
+                    <a:pt x="6002759" y="1872575"/>
+                  </a:cubicBezTo>
+                  <a:cubicBezTo>
+                    <a:pt x="6266284" y="1891625"/>
+                    <a:pt x="6485359" y="2298025"/>
+                    <a:pt x="6650459" y="2367875"/>
+                  </a:cubicBezTo>
+                  <a:cubicBezTo>
+                    <a:pt x="6815559" y="2437725"/>
+                    <a:pt x="6952084" y="2313900"/>
+                    <a:pt x="6993359" y="2291675"/>
+                  </a:cubicBezTo>
+                  <a:cubicBezTo>
+                    <a:pt x="7034634" y="2269450"/>
+                    <a:pt x="6913984" y="2244050"/>
+                    <a:pt x="6898109" y="2215475"/>
+                  </a:cubicBezTo>
+                  <a:close/>
+                </a:path>
+              </a:pathLst>
+            </a:custGeom>
+            <a:solidFill>
+              <a:schemeClr val="tx1"/>
+            </a:solidFill>
+            <a:ln w="12700">
+              <a:solidFill>
+                <a:schemeClr val="tx1"/>
+              </a:solidFill>
+            </a:ln>
+          </p:spPr>
+          <p:style>
+            <a:lnRef idx="2">
+              <a:schemeClr val="accent1">
+                <a:shade val="50000"/>
+              </a:schemeClr>
+            </a:lnRef>
+            <a:fillRef idx="1">
+              <a:schemeClr val="accent1"/>
+            </a:fillRef>
+            <a:effectRef idx="0">
+              <a:schemeClr val="accent1"/>
+            </a:effectRef>
+            <a:fontRef idx="minor">
+              <a:schemeClr val="lt1"/>
+            </a:fontRef>
+          </p:style>
+          <p:txBody>
+            <a:bodyPr rtlCol="0" anchor="ctr"/>
+            <a:lstStyle/>
+            <a:p>
+              <a:pPr algn="ctr"/>
+              <a:endParaRPr lang="ru-RU"/>
+            </a:p>
+          </p:txBody>
+        </p:sp>
+        <p:sp>
+          <p:nvSpPr>
+            <p:cNvPr id="16" name="Полилиния 15"/>
+            <p:cNvSpPr/>
+            <p:nvPr/>
+          </p:nvSpPr>
+          <p:spPr>
+            <a:xfrm>
+              <a:off x="4081316" y="1994419"/>
+              <a:ext cx="304832" cy="661265"/>
+            </a:xfrm>
+            <a:custGeom>
+              <a:avLst/>
+              <a:gdLst>
+                <a:gd name="connsiteX0" fmla="*/ 1304966 w 1324016"/>
+                <a:gd name="connsiteY0" fmla="*/ 765504 h 2789233"/>
+                <a:gd name="connsiteX1" fmla="*/ 1114466 w 1324016"/>
+                <a:gd name="connsiteY1" fmla="*/ 289254 h 2789233"/>
+                <a:gd name="connsiteX2" fmla="*/ 847766 w 1324016"/>
+                <a:gd name="connsiteY2" fmla="*/ 117804 h 2789233"/>
+                <a:gd name="connsiteX3" fmla="*/ 466766 w 1324016"/>
+                <a:gd name="connsiteY3" fmla="*/ 3504 h 2789233"/>
+                <a:gd name="connsiteX4" fmla="*/ 161966 w 1324016"/>
+                <a:gd name="connsiteY4" fmla="*/ 251154 h 2789233"/>
+                <a:gd name="connsiteX5" fmla="*/ 9566 w 1324016"/>
+                <a:gd name="connsiteY5" fmla="*/ 1089354 h 2789233"/>
+                <a:gd name="connsiteX6" fmla="*/ 428666 w 1324016"/>
+                <a:gd name="connsiteY6" fmla="*/ 1965654 h 2789233"/>
+                <a:gd name="connsiteX7" fmla="*/ 638216 w 1324016"/>
+                <a:gd name="connsiteY7" fmla="*/ 2403804 h 2789233"/>
+                <a:gd name="connsiteX8" fmla="*/ 714416 w 1324016"/>
+                <a:gd name="connsiteY8" fmla="*/ 2784804 h 2789233"/>
+                <a:gd name="connsiteX9" fmla="*/ 1190666 w 1324016"/>
+                <a:gd name="connsiteY9" fmla="*/ 2575254 h 2789233"/>
+                <a:gd name="connsiteX10" fmla="*/ 1324016 w 1324016"/>
+                <a:gd name="connsiteY10" fmla="*/ 2041854 h 2789233"/>
+              </a:gdLst>
+              <a:ahLst/>
+              <a:cxnLst>
+                <a:cxn ang="0">
+                  <a:pos x="connsiteX0" y="connsiteY0"/>
+                </a:cxn>
+                <a:cxn ang="0">
+                  <a:pos x="connsiteX1" y="connsiteY1"/>
+                </a:cxn>
+                <a:cxn ang="0">
+                  <a:pos x="connsiteX2" y="connsiteY2"/>
+                </a:cxn>
+                <a:cxn ang="0">
+                  <a:pos x="connsiteX3" y="connsiteY3"/>
+                </a:cxn>
+                <a:cxn ang="0">
+                  <a:pos x="connsiteX4" y="connsiteY4"/>
+                </a:cxn>
+                <a:cxn ang="0">
+                  <a:pos x="connsiteX5" y="connsiteY5"/>
+                </a:cxn>
+                <a:cxn ang="0">
+                  <a:pos x="connsiteX6" y="connsiteY6"/>
+                </a:cxn>
+                <a:cxn ang="0">
+                  <a:pos x="connsiteX7" y="connsiteY7"/>
+                </a:cxn>
+                <a:cxn ang="0">
+                  <a:pos x="connsiteX8" y="connsiteY8"/>
+                </a:cxn>
+                <a:cxn ang="0">
+                  <a:pos x="connsiteX9" y="connsiteY9"/>
+                </a:cxn>
+                <a:cxn ang="0">
+                  <a:pos x="connsiteX10" y="connsiteY10"/>
+                </a:cxn>
+              </a:cxnLst>
+              <a:rect l="l" t="t" r="r" b="b"/>
+              <a:pathLst>
+                <a:path w="1324016" h="2789233">
+                  <a:moveTo>
+                    <a:pt x="1304966" y="765504"/>
+                  </a:moveTo>
+                  <a:cubicBezTo>
+                    <a:pt x="1247816" y="581354"/>
+                    <a:pt x="1190666" y="397204"/>
+                    <a:pt x="1114466" y="289254"/>
+                  </a:cubicBezTo>
+                  <a:cubicBezTo>
+                    <a:pt x="1038266" y="181304"/>
+                    <a:pt x="955716" y="165429"/>
+                    <a:pt x="847766" y="117804"/>
+                  </a:cubicBezTo>
+                  <a:cubicBezTo>
+                    <a:pt x="739816" y="70179"/>
+                    <a:pt x="581066" y="-18721"/>
+                    <a:pt x="466766" y="3504"/>
+                  </a:cubicBezTo>
+                  <a:cubicBezTo>
+                    <a:pt x="352466" y="25729"/>
+                    <a:pt x="238166" y="70179"/>
+                    <a:pt x="161966" y="251154"/>
+                  </a:cubicBezTo>
+                  <a:cubicBezTo>
+                    <a:pt x="85766" y="432129"/>
+                    <a:pt x="-34884" y="803604"/>
+                    <a:pt x="9566" y="1089354"/>
+                  </a:cubicBezTo>
+                  <a:cubicBezTo>
+                    <a:pt x="54016" y="1375104"/>
+                    <a:pt x="428666" y="1965654"/>
+                    <a:pt x="428666" y="1965654"/>
+                  </a:cubicBezTo>
+                  <a:cubicBezTo>
+                    <a:pt x="533441" y="2184729"/>
+                    <a:pt x="590591" y="2267279"/>
+                    <a:pt x="638216" y="2403804"/>
+                  </a:cubicBezTo>
+                  <a:cubicBezTo>
+                    <a:pt x="685841" y="2540329"/>
+                    <a:pt x="622341" y="2756229"/>
+                    <a:pt x="714416" y="2784804"/>
+                  </a:cubicBezTo>
+                  <a:cubicBezTo>
+                    <a:pt x="806491" y="2813379"/>
+                    <a:pt x="1089066" y="2699079"/>
+                    <a:pt x="1190666" y="2575254"/>
+                  </a:cubicBezTo>
+                  <a:cubicBezTo>
+                    <a:pt x="1292266" y="2451429"/>
+                    <a:pt x="1308141" y="2246641"/>
+                    <a:pt x="1324016" y="2041854"/>
+                  </a:cubicBezTo>
+                </a:path>
+              </a:pathLst>
+            </a:custGeom>
+            <a:solidFill>
+              <a:schemeClr val="bg1"/>
+            </a:solidFill>
+            <a:ln w="12700">
+              <a:solidFill>
+                <a:schemeClr val="tx1"/>
+              </a:solidFill>
+            </a:ln>
+          </p:spPr>
+          <p:style>
+            <a:lnRef idx="1">
+              <a:schemeClr val="accent1"/>
+            </a:lnRef>
+            <a:fillRef idx="0">
+              <a:schemeClr val="accent1"/>
+            </a:fillRef>
+            <a:effectRef idx="0">
+              <a:schemeClr val="accent1"/>
+            </a:effectRef>
+            <a:fontRef idx="minor">
+              <a:schemeClr val="tx1"/>
+            </a:fontRef>
+          </p:style>
+          <p:txBody>
+            <a:bodyPr rtlCol="0" anchor="ctr"/>
+            <a:lstStyle/>
+            <a:p>
+              <a:pPr algn="ctr"/>
+              <a:endParaRPr lang="ru-RU"/>
+            </a:p>
+          </p:txBody>
+        </p:sp>
+        <p:sp>
+          <p:nvSpPr>
+            <p:cNvPr id="19" name="Полилиния 18"/>
+            <p:cNvSpPr/>
+            <p:nvPr/>
+          </p:nvSpPr>
+          <p:spPr>
+            <a:xfrm rot="10406612">
+              <a:off x="4631759" y="1796530"/>
+              <a:ext cx="192981" cy="58128"/>
+            </a:xfrm>
+            <a:custGeom>
+              <a:avLst/>
+              <a:gdLst>
+                <a:gd name="connsiteX0" fmla="*/ 0 w 838200"/>
+                <a:gd name="connsiteY0" fmla="*/ 209550 h 245185"/>
+                <a:gd name="connsiteX1" fmla="*/ 552450 w 838200"/>
+                <a:gd name="connsiteY1" fmla="*/ 228600 h 245185"/>
+                <a:gd name="connsiteX2" fmla="*/ 838200 w 838200"/>
+                <a:gd name="connsiteY2" fmla="*/ 0 h 245185"/>
+              </a:gdLst>
+              <a:ahLst/>
+              <a:cxnLst>
+                <a:cxn ang="0">
+                  <a:pos x="connsiteX0" y="connsiteY0"/>
+                </a:cxn>
+                <a:cxn ang="0">
+                  <a:pos x="connsiteX1" y="connsiteY1"/>
+                </a:cxn>
+                <a:cxn ang="0">
+                  <a:pos x="connsiteX2" y="connsiteY2"/>
+                </a:cxn>
+              </a:cxnLst>
+              <a:rect l="l" t="t" r="r" b="b"/>
+              <a:pathLst>
+                <a:path w="838200" h="245185">
+                  <a:moveTo>
+                    <a:pt x="0" y="209550"/>
+                  </a:moveTo>
+                  <a:cubicBezTo>
+                    <a:pt x="206375" y="236537"/>
+                    <a:pt x="412750" y="263525"/>
+                    <a:pt x="552450" y="228600"/>
+                  </a:cubicBezTo>
+                  <a:cubicBezTo>
+                    <a:pt x="692150" y="193675"/>
+                    <a:pt x="765175" y="96837"/>
+                    <a:pt x="838200" y="0"/>
+                  </a:cubicBezTo>
+                </a:path>
+              </a:pathLst>
+            </a:custGeom>
+            <a:ln w="12700">
+              <a:solidFill>
+                <a:schemeClr val="tx1"/>
+              </a:solidFill>
+            </a:ln>
+          </p:spPr>
+          <p:style>
+            <a:lnRef idx="1">
+              <a:schemeClr val="accent1"/>
+            </a:lnRef>
+            <a:fillRef idx="0">
+              <a:schemeClr val="accent1"/>
+            </a:fillRef>
+            <a:effectRef idx="0">
+              <a:schemeClr val="accent1"/>
+            </a:effectRef>
+            <a:fontRef idx="minor">
+              <a:schemeClr val="tx1"/>
+            </a:fontRef>
+          </p:style>
+          <p:txBody>
+            <a:bodyPr rtlCol="0" anchor="ctr"/>
+            <a:lstStyle/>
+            <a:p>
+              <a:pPr algn="ctr"/>
+              <a:endParaRPr lang="ru-RU"/>
+            </a:p>
+          </p:txBody>
+        </p:sp>
+        <p:sp>
+          <p:nvSpPr>
+            <p:cNvPr id="20" name="Полилиния 19"/>
+            <p:cNvSpPr/>
+            <p:nvPr/>
+          </p:nvSpPr>
+          <p:spPr>
+            <a:xfrm rot="10981528">
+              <a:off x="5324808" y="1815562"/>
+              <a:ext cx="162279" cy="103876"/>
+            </a:xfrm>
+            <a:custGeom>
+              <a:avLst/>
+              <a:gdLst>
+                <a:gd name="connsiteX0" fmla="*/ 0 w 704850"/>
+                <a:gd name="connsiteY0" fmla="*/ 0 h 438150"/>
+                <a:gd name="connsiteX1" fmla="*/ 190500 w 704850"/>
+                <a:gd name="connsiteY1" fmla="*/ 285750 h 438150"/>
+                <a:gd name="connsiteX2" fmla="*/ 704850 w 704850"/>
+                <a:gd name="connsiteY2" fmla="*/ 438150 h 438150"/>
+              </a:gdLst>
+              <a:ahLst/>
+              <a:cxnLst>
+                <a:cxn ang="0">
+                  <a:pos x="connsiteX0" y="connsiteY0"/>
+                </a:cxn>
+                <a:cxn ang="0">
+                  <a:pos x="connsiteX1" y="connsiteY1"/>
+                </a:cxn>
+                <a:cxn ang="0">
+                  <a:pos x="connsiteX2" y="connsiteY2"/>
+                </a:cxn>
+              </a:cxnLst>
+              <a:rect l="l" t="t" r="r" b="b"/>
+              <a:pathLst>
+                <a:path w="704850" h="438150">
+                  <a:moveTo>
+                    <a:pt x="0" y="0"/>
+                  </a:moveTo>
+                  <a:cubicBezTo>
+                    <a:pt x="36512" y="106362"/>
+                    <a:pt x="73025" y="212725"/>
+                    <a:pt x="190500" y="285750"/>
+                  </a:cubicBezTo>
+                  <a:cubicBezTo>
+                    <a:pt x="307975" y="358775"/>
+                    <a:pt x="506412" y="398462"/>
+                    <a:pt x="704850" y="438150"/>
+                  </a:cubicBezTo>
+                </a:path>
+              </a:pathLst>
+            </a:custGeom>
+            <a:ln w="12700">
+              <a:solidFill>
+                <a:schemeClr val="tx1"/>
+              </a:solidFill>
+            </a:ln>
+          </p:spPr>
+          <p:style>
+            <a:lnRef idx="1">
+              <a:schemeClr val="accent1"/>
+            </a:lnRef>
+            <a:fillRef idx="0">
+              <a:schemeClr val="accent1"/>
+            </a:fillRef>
+            <a:effectRef idx="0">
+              <a:schemeClr val="accent1"/>
+            </a:effectRef>
+            <a:fontRef idx="minor">
+              <a:schemeClr val="tx1"/>
+            </a:fontRef>
+          </p:style>
+          <p:txBody>
+            <a:bodyPr rtlCol="0" anchor="ctr"/>
+            <a:lstStyle/>
+            <a:p>
+              <a:pPr algn="ctr"/>
+              <a:endParaRPr lang="ru-RU"/>
+            </a:p>
+          </p:txBody>
+        </p:sp>
+        <p:sp>
+          <p:nvSpPr>
+            <p:cNvPr id="27" name="Полилиния 26"/>
+            <p:cNvSpPr/>
+            <p:nvPr/>
+          </p:nvSpPr>
+          <p:spPr>
+            <a:xfrm>
+              <a:off x="3131916" y="3325689"/>
+              <a:ext cx="1048621" cy="1237834"/>
+            </a:xfrm>
+            <a:custGeom>
+              <a:avLst/>
+              <a:gdLst>
+                <a:gd name="connsiteX0" fmla="*/ 1311275 w 1577975"/>
+                <a:gd name="connsiteY0" fmla="*/ 131882 h 1812215"/>
+                <a:gd name="connsiteX1" fmla="*/ 930275 w 1577975"/>
+                <a:gd name="connsiteY1" fmla="*/ 970082 h 1812215"/>
+                <a:gd name="connsiteX2" fmla="*/ 879475 w 1577975"/>
+                <a:gd name="connsiteY2" fmla="*/ 766882 h 1812215"/>
+                <a:gd name="connsiteX3" fmla="*/ 727075 w 1577975"/>
+                <a:gd name="connsiteY3" fmla="*/ 30282 h 1812215"/>
+                <a:gd name="connsiteX4" fmla="*/ 79375 w 1577975"/>
+                <a:gd name="connsiteY4" fmla="*/ 182682 h 1812215"/>
+                <a:gd name="connsiteX5" fmla="*/ 66675 w 1577975"/>
+                <a:gd name="connsiteY5" fmla="*/ 563682 h 1812215"/>
+                <a:gd name="connsiteX6" fmla="*/ 587375 w 1577975"/>
+                <a:gd name="connsiteY6" fmla="*/ 1808282 h 1812215"/>
+                <a:gd name="connsiteX7" fmla="*/ 1577975 w 1577975"/>
+                <a:gd name="connsiteY7" fmla="*/ 881182 h 1812215"/>
+              </a:gdLst>
+              <a:ahLst/>
+              <a:cxnLst>
+                <a:cxn ang="0">
+                  <a:pos x="connsiteX0" y="connsiteY0"/>
+                </a:cxn>
+                <a:cxn ang="0">
+                  <a:pos x="connsiteX1" y="connsiteY1"/>
+                </a:cxn>
+                <a:cxn ang="0">
+                  <a:pos x="connsiteX2" y="connsiteY2"/>
+                </a:cxn>
+                <a:cxn ang="0">
+                  <a:pos x="connsiteX3" y="connsiteY3"/>
+                </a:cxn>
+                <a:cxn ang="0">
+                  <a:pos x="connsiteX4" y="connsiteY4"/>
+                </a:cxn>
+                <a:cxn ang="0">
+                  <a:pos x="connsiteX5" y="connsiteY5"/>
+                </a:cxn>
+                <a:cxn ang="0">
+                  <a:pos x="connsiteX6" y="connsiteY6"/>
+                </a:cxn>
+                <a:cxn ang="0">
+                  <a:pos x="connsiteX7" y="connsiteY7"/>
+                </a:cxn>
+              </a:cxnLst>
+              <a:rect l="l" t="t" r="r" b="b"/>
+              <a:pathLst>
+                <a:path w="1577975" h="1812215">
+                  <a:moveTo>
+                    <a:pt x="1311275" y="131882"/>
+                  </a:moveTo>
+                  <a:cubicBezTo>
+                    <a:pt x="1156758" y="498065"/>
+                    <a:pt x="1002242" y="864249"/>
+                    <a:pt x="930275" y="970082"/>
+                  </a:cubicBezTo>
+                  <a:cubicBezTo>
+                    <a:pt x="858308" y="1075915"/>
+                    <a:pt x="913342" y="923515"/>
+                    <a:pt x="879475" y="766882"/>
+                  </a:cubicBezTo>
+                  <a:cubicBezTo>
+                    <a:pt x="845608" y="610249"/>
+                    <a:pt x="860425" y="127649"/>
+                    <a:pt x="727075" y="30282"/>
+                  </a:cubicBezTo>
+                  <a:cubicBezTo>
+                    <a:pt x="593725" y="-67085"/>
+                    <a:pt x="189442" y="93782"/>
+                    <a:pt x="79375" y="182682"/>
+                  </a:cubicBezTo>
+                  <a:cubicBezTo>
+                    <a:pt x="-30692" y="271582"/>
+                    <a:pt x="-17992" y="292749"/>
+                    <a:pt x="66675" y="563682"/>
+                  </a:cubicBezTo>
+                  <a:cubicBezTo>
+                    <a:pt x="151342" y="834615"/>
+                    <a:pt x="335492" y="1755365"/>
+                    <a:pt x="587375" y="1808282"/>
+                  </a:cubicBezTo>
+                  <a:cubicBezTo>
+                    <a:pt x="839258" y="1861199"/>
+                    <a:pt x="1208616" y="1371190"/>
+                    <a:pt x="1577975" y="881182"/>
+                  </a:cubicBezTo>
+                </a:path>
+              </a:pathLst>
+            </a:custGeom>
+            <a:solidFill>
+              <a:srgbClr val="FF0000"/>
+            </a:solidFill>
+            <a:ln w="12700">
+              <a:solidFill>
+                <a:schemeClr val="tx1"/>
+              </a:solidFill>
+            </a:ln>
+          </p:spPr>
+          <p:style>
+            <a:lnRef idx="1">
+              <a:schemeClr val="accent1"/>
+            </a:lnRef>
+            <a:fillRef idx="0">
+              <a:schemeClr val="accent1"/>
+            </a:fillRef>
+            <a:effectRef idx="0">
+              <a:schemeClr val="accent1"/>
+            </a:effectRef>
+            <a:fontRef idx="minor">
+              <a:schemeClr val="tx1"/>
+            </a:fontRef>
+          </p:style>
+          <p:txBody>
+            <a:bodyPr rtlCol="0" anchor="ctr"/>
+            <a:lstStyle/>
+            <a:p>
+              <a:pPr algn="ctr"/>
+              <a:endParaRPr lang="ru-RU"/>
+            </a:p>
+          </p:txBody>
+        </p:sp>
+        <p:sp>
+          <p:nvSpPr>
+            <p:cNvPr id="32" name="Полилиния 31"/>
+            <p:cNvSpPr/>
+            <p:nvPr/>
+          </p:nvSpPr>
+          <p:spPr>
+            <a:xfrm>
+              <a:off x="3937629" y="5210536"/>
+              <a:ext cx="1466380" cy="704032"/>
+            </a:xfrm>
+            <a:custGeom>
+              <a:avLst/>
+              <a:gdLst>
+                <a:gd name="connsiteX0" fmla="*/ 48030 w 2206622"/>
+                <a:gd name="connsiteY0" fmla="*/ 14451 h 1030718"/>
+                <a:gd name="connsiteX1" fmla="*/ 721130 w 2206622"/>
+                <a:gd name="connsiteY1" fmla="*/ 192251 h 1030718"/>
+                <a:gd name="connsiteX2" fmla="*/ 1508530 w 2206622"/>
+                <a:gd name="connsiteY2" fmla="*/ 243051 h 1030718"/>
+                <a:gd name="connsiteX3" fmla="*/ 2143530 w 2206622"/>
+                <a:gd name="connsiteY3" fmla="*/ 90651 h 1030718"/>
+                <a:gd name="connsiteX4" fmla="*/ 2067330 w 2206622"/>
+                <a:gd name="connsiteY4" fmla="*/ 801851 h 1030718"/>
+                <a:gd name="connsiteX5" fmla="*/ 1114830 w 2206622"/>
+                <a:gd name="connsiteY5" fmla="*/ 1030451 h 1030718"/>
+                <a:gd name="connsiteX6" fmla="*/ 136930 w 2206622"/>
+                <a:gd name="connsiteY6" fmla="*/ 839951 h 1030718"/>
+                <a:gd name="connsiteX7" fmla="*/ 22630 w 2206622"/>
+                <a:gd name="connsiteY7" fmla="*/ 497051 h 1030718"/>
+                <a:gd name="connsiteX8" fmla="*/ 48030 w 2206622"/>
+                <a:gd name="connsiteY8" fmla="*/ 65251 h 1030718"/>
+                <a:gd name="connsiteX9" fmla="*/ 48030 w 2206622"/>
+                <a:gd name="connsiteY9" fmla="*/ 14451 h 1030718"/>
+              </a:gdLst>
+              <a:ahLst/>
+              <a:cxnLst>
+                <a:cxn ang="0">
+                  <a:pos x="connsiteX0" y="connsiteY0"/>
+                </a:cxn>
+                <a:cxn ang="0">
+                  <a:pos x="connsiteX1" y="connsiteY1"/>
+                </a:cxn>
+                <a:cxn ang="0">
+                  <a:pos x="connsiteX2" y="connsiteY2"/>
+                </a:cxn>
+                <a:cxn ang="0">
+                  <a:pos x="connsiteX3" y="connsiteY3"/>
+                </a:cxn>
+                <a:cxn ang="0">
+                  <a:pos x="connsiteX4" y="connsiteY4"/>
+                </a:cxn>
+                <a:cxn ang="0">
+                  <a:pos x="connsiteX5" y="connsiteY5"/>
+                </a:cxn>
+                <a:cxn ang="0">
+                  <a:pos x="connsiteX6" y="connsiteY6"/>
+                </a:cxn>
+                <a:cxn ang="0">
+                  <a:pos x="connsiteX7" y="connsiteY7"/>
+                </a:cxn>
+                <a:cxn ang="0">
+                  <a:pos x="connsiteX8" y="connsiteY8"/>
+                </a:cxn>
+                <a:cxn ang="0">
+                  <a:pos x="connsiteX9" y="connsiteY9"/>
+                </a:cxn>
+              </a:cxnLst>
+              <a:rect l="l" t="t" r="r" b="b"/>
+              <a:pathLst>
+                <a:path w="2206622" h="1030718">
+                  <a:moveTo>
+                    <a:pt x="48030" y="14451"/>
+                  </a:moveTo>
+                  <a:cubicBezTo>
+                    <a:pt x="160213" y="35618"/>
+                    <a:pt x="477713" y="154151"/>
+                    <a:pt x="721130" y="192251"/>
+                  </a:cubicBezTo>
+                  <a:cubicBezTo>
+                    <a:pt x="964547" y="230351"/>
+                    <a:pt x="1271463" y="259984"/>
+                    <a:pt x="1508530" y="243051"/>
+                  </a:cubicBezTo>
+                  <a:cubicBezTo>
+                    <a:pt x="1745597" y="226118"/>
+                    <a:pt x="2050397" y="-2482"/>
+                    <a:pt x="2143530" y="90651"/>
+                  </a:cubicBezTo>
+                  <a:cubicBezTo>
+                    <a:pt x="2236663" y="183784"/>
+                    <a:pt x="2238780" y="645218"/>
+                    <a:pt x="2067330" y="801851"/>
+                  </a:cubicBezTo>
+                  <a:cubicBezTo>
+                    <a:pt x="1895880" y="958484"/>
+                    <a:pt x="1436563" y="1024101"/>
+                    <a:pt x="1114830" y="1030451"/>
+                  </a:cubicBezTo>
+                  <a:cubicBezTo>
+                    <a:pt x="793097" y="1036801"/>
+                    <a:pt x="318963" y="928851"/>
+                    <a:pt x="136930" y="839951"/>
+                  </a:cubicBezTo>
+                  <a:cubicBezTo>
+                    <a:pt x="-45103" y="751051"/>
+                    <a:pt x="37447" y="626168"/>
+                    <a:pt x="22630" y="497051"/>
+                  </a:cubicBezTo>
+                  <a:cubicBezTo>
+                    <a:pt x="7813" y="367934"/>
+                    <a:pt x="39563" y="145684"/>
+                    <a:pt x="48030" y="65251"/>
+                  </a:cubicBezTo>
+                  <a:cubicBezTo>
+                    <a:pt x="56497" y="-15182"/>
+                    <a:pt x="-64153" y="-6716"/>
+                    <a:pt x="48030" y="14451"/>
+                  </a:cubicBezTo>
+                  <a:close/>
+                </a:path>
+              </a:pathLst>
+            </a:custGeom>
+            <a:ln w="12700">
+              <a:solidFill>
+                <a:schemeClr val="tx1"/>
+              </a:solidFill>
+            </a:ln>
+          </p:spPr>
+          <p:style>
+            <a:lnRef idx="2">
+              <a:schemeClr val="accent1">
+                <a:shade val="50000"/>
+              </a:schemeClr>
+            </a:lnRef>
+            <a:fillRef idx="1">
+              <a:schemeClr val="accent1"/>
+            </a:fillRef>
+            <a:effectRef idx="0">
+              <a:schemeClr val="accent1"/>
+            </a:effectRef>
+            <a:fontRef idx="minor">
+              <a:schemeClr val="lt1"/>
+            </a:fontRef>
+          </p:style>
+          <p:txBody>
+            <a:bodyPr rtlCol="0" anchor="ctr"/>
+            <a:lstStyle/>
+            <a:p>
+              <a:pPr algn="ctr"/>
+              <a:endParaRPr lang="ru-RU"/>
+            </a:p>
+          </p:txBody>
+        </p:sp>
+        <p:sp>
+          <p:nvSpPr>
+            <p:cNvPr id="40" name="Овал 39"/>
+            <p:cNvSpPr/>
+            <p:nvPr/>
+          </p:nvSpPr>
+          <p:spPr>
+            <a:xfrm>
+              <a:off x="4422106" y="2819383"/>
+              <a:ext cx="267146" cy="674704"/>
+            </a:xfrm>
+            <a:prstGeom prst="ellipse">
+              <a:avLst/>
+            </a:prstGeom>
+            <a:solidFill>
+              <a:schemeClr val="bg1"/>
+            </a:solidFill>
+            <a:ln w="12700">
+              <a:noFill/>
+            </a:ln>
+          </p:spPr>
+          <p:style>
+            <a:lnRef idx="2">
+              <a:schemeClr val="accent1">
+                <a:shade val="50000"/>
+              </a:schemeClr>
+            </a:lnRef>
+            <a:fillRef idx="1">
+              <a:schemeClr val="accent1"/>
+            </a:fillRef>
+            <a:effectRef idx="0">
+              <a:schemeClr val="accent1"/>
+            </a:effectRef>
+            <a:fontRef idx="minor">
+              <a:schemeClr val="lt1"/>
+            </a:fontRef>
+          </p:style>
+          <p:txBody>
+            <a:bodyPr rtlCol="0" anchor="ctr"/>
+            <a:lstStyle/>
+            <a:p>
+              <a:pPr algn="ctr"/>
+              <a:endParaRPr lang="ru-RU"/>
+            </a:p>
+          </p:txBody>
+        </p:sp>
+        <p:sp>
+          <p:nvSpPr>
+            <p:cNvPr id="34" name="Полилиния 33"/>
+            <p:cNvSpPr/>
+            <p:nvPr/>
+          </p:nvSpPr>
+          <p:spPr>
+            <a:xfrm flipH="1">
+              <a:off x="5282212" y="3574576"/>
+              <a:ext cx="1216809" cy="1237834"/>
+            </a:xfrm>
+            <a:custGeom>
+              <a:avLst/>
+              <a:gdLst>
+                <a:gd name="connsiteX0" fmla="*/ 1311275 w 1577975"/>
+                <a:gd name="connsiteY0" fmla="*/ 131882 h 1812215"/>
+                <a:gd name="connsiteX1" fmla="*/ 930275 w 1577975"/>
+                <a:gd name="connsiteY1" fmla="*/ 970082 h 1812215"/>
+                <a:gd name="connsiteX2" fmla="*/ 879475 w 1577975"/>
+                <a:gd name="connsiteY2" fmla="*/ 766882 h 1812215"/>
+                <a:gd name="connsiteX3" fmla="*/ 727075 w 1577975"/>
+                <a:gd name="connsiteY3" fmla="*/ 30282 h 1812215"/>
+                <a:gd name="connsiteX4" fmla="*/ 79375 w 1577975"/>
+                <a:gd name="connsiteY4" fmla="*/ 182682 h 1812215"/>
+                <a:gd name="connsiteX5" fmla="*/ 66675 w 1577975"/>
+                <a:gd name="connsiteY5" fmla="*/ 563682 h 1812215"/>
+                <a:gd name="connsiteX6" fmla="*/ 587375 w 1577975"/>
+                <a:gd name="connsiteY6" fmla="*/ 1808282 h 1812215"/>
+                <a:gd name="connsiteX7" fmla="*/ 1577975 w 1577975"/>
+                <a:gd name="connsiteY7" fmla="*/ 881182 h 1812215"/>
+              </a:gdLst>
+              <a:ahLst/>
+              <a:cxnLst>
+                <a:cxn ang="0">
+                  <a:pos x="connsiteX0" y="connsiteY0"/>
+                </a:cxn>
+                <a:cxn ang="0">
+                  <a:pos x="connsiteX1" y="connsiteY1"/>
+                </a:cxn>
+                <a:cxn ang="0">
+                  <a:pos x="connsiteX2" y="connsiteY2"/>
+                </a:cxn>
+                <a:cxn ang="0">
+                  <a:pos x="connsiteX3" y="connsiteY3"/>
+                </a:cxn>
+                <a:cxn ang="0">
+                  <a:pos x="connsiteX4" y="connsiteY4"/>
+                </a:cxn>
+                <a:cxn ang="0">
+                  <a:pos x="connsiteX5" y="connsiteY5"/>
+                </a:cxn>
+                <a:cxn ang="0">
+                  <a:pos x="connsiteX6" y="connsiteY6"/>
+                </a:cxn>
+                <a:cxn ang="0">
+                  <a:pos x="connsiteX7" y="connsiteY7"/>
+                </a:cxn>
+              </a:cxnLst>
+              <a:rect l="l" t="t" r="r" b="b"/>
+              <a:pathLst>
+                <a:path w="1577975" h="1812215">
+                  <a:moveTo>
+                    <a:pt x="1311275" y="131882"/>
+                  </a:moveTo>
+                  <a:cubicBezTo>
+                    <a:pt x="1156758" y="498065"/>
+                    <a:pt x="1002242" y="864249"/>
+                    <a:pt x="930275" y="970082"/>
+                  </a:cubicBezTo>
+                  <a:cubicBezTo>
+                    <a:pt x="858308" y="1075915"/>
+                    <a:pt x="913342" y="923515"/>
+                    <a:pt x="879475" y="766882"/>
+                  </a:cubicBezTo>
+                  <a:cubicBezTo>
+                    <a:pt x="845608" y="610249"/>
+                    <a:pt x="860425" y="127649"/>
+                    <a:pt x="727075" y="30282"/>
+                  </a:cubicBezTo>
+                  <a:cubicBezTo>
+                    <a:pt x="593725" y="-67085"/>
+                    <a:pt x="189442" y="93782"/>
+                    <a:pt x="79375" y="182682"/>
+                  </a:cubicBezTo>
+                  <a:cubicBezTo>
+                    <a:pt x="-30692" y="271582"/>
+                    <a:pt x="-17992" y="292749"/>
+                    <a:pt x="66675" y="563682"/>
+                  </a:cubicBezTo>
+                  <a:cubicBezTo>
+                    <a:pt x="151342" y="834615"/>
+                    <a:pt x="335492" y="1755365"/>
+                    <a:pt x="587375" y="1808282"/>
+                  </a:cubicBezTo>
+                  <a:cubicBezTo>
+                    <a:pt x="839258" y="1861199"/>
+                    <a:pt x="1208616" y="1371190"/>
+                    <a:pt x="1577975" y="881182"/>
+                  </a:cubicBezTo>
+                </a:path>
+              </a:pathLst>
+            </a:custGeom>
+            <a:solidFill>
+              <a:srgbClr val="FF0000"/>
+            </a:solidFill>
+            <a:ln w="12700">
+              <a:solidFill>
+                <a:schemeClr val="tx1"/>
+              </a:solidFill>
+            </a:ln>
+          </p:spPr>
+          <p:style>
+            <a:lnRef idx="1">
+              <a:schemeClr val="accent1"/>
+            </a:lnRef>
+            <a:fillRef idx="0">
+              <a:schemeClr val="accent1"/>
+            </a:fillRef>
+            <a:effectRef idx="0">
+              <a:schemeClr val="accent1"/>
+            </a:effectRef>
+            <a:fontRef idx="minor">
+              <a:schemeClr val="tx1"/>
+            </a:fontRef>
+          </p:style>
+          <p:txBody>
+            <a:bodyPr rtlCol="0" anchor="ctr"/>
+            <a:lstStyle/>
+            <a:p>
+              <a:pPr algn="ctr"/>
+              <a:endParaRPr lang="ru-RU"/>
+            </a:p>
+          </p:txBody>
+        </p:sp>
+        <p:sp>
+          <p:nvSpPr>
+            <p:cNvPr id="3" name="Полилиния 2"/>
+            <p:cNvSpPr/>
+            <p:nvPr/>
+          </p:nvSpPr>
+          <p:spPr>
+            <a:xfrm>
+              <a:off x="4785902" y="2755857"/>
+              <a:ext cx="474414" cy="435010"/>
+            </a:xfrm>
+            <a:custGeom>
+              <a:avLst/>
+              <a:gdLst>
+                <a:gd name="connsiteX0" fmla="*/ 3242 w 842014"/>
+                <a:gd name="connsiteY0" fmla="*/ 114484 h 695539"/>
+                <a:gd name="connsiteX1" fmla="*/ 48962 w 842014"/>
+                <a:gd name="connsiteY1" fmla="*/ 358324 h 695539"/>
+                <a:gd name="connsiteX2" fmla="*/ 125162 w 842014"/>
+                <a:gd name="connsiteY2" fmla="*/ 556444 h 695539"/>
+                <a:gd name="connsiteX3" fmla="*/ 399482 w 842014"/>
+                <a:gd name="connsiteY3" fmla="*/ 693604 h 695539"/>
+                <a:gd name="connsiteX4" fmla="*/ 727142 w 842014"/>
+                <a:gd name="connsiteY4" fmla="*/ 617404 h 695539"/>
+                <a:gd name="connsiteX5" fmla="*/ 841442 w 842014"/>
+                <a:gd name="connsiteY5" fmla="*/ 358324 h 695539"/>
+                <a:gd name="connsiteX6" fmla="*/ 689042 w 842014"/>
+                <a:gd name="connsiteY6" fmla="*/ 236404 h 695539"/>
+                <a:gd name="connsiteX7" fmla="*/ 338522 w 842014"/>
+                <a:gd name="connsiteY7" fmla="*/ 91624 h 695539"/>
+                <a:gd name="connsiteX8" fmla="*/ 41342 w 842014"/>
+                <a:gd name="connsiteY8" fmla="*/ 184 h 695539"/>
+                <a:gd name="connsiteX9" fmla="*/ 3242 w 842014"/>
+                <a:gd name="connsiteY9" fmla="*/ 114484 h 695539"/>
+              </a:gdLst>
+              <a:ahLst/>
+              <a:cxnLst>
+                <a:cxn ang="0">
+                  <a:pos x="connsiteX0" y="connsiteY0"/>
+                </a:cxn>
+                <a:cxn ang="0">
+                  <a:pos x="connsiteX1" y="connsiteY1"/>
+                </a:cxn>
+                <a:cxn ang="0">
+                  <a:pos x="connsiteX2" y="connsiteY2"/>
+                </a:cxn>
+                <a:cxn ang="0">
+                  <a:pos x="connsiteX3" y="connsiteY3"/>
+                </a:cxn>
+                <a:cxn ang="0">
+                  <a:pos x="connsiteX4" y="connsiteY4"/>
+                </a:cxn>
+                <a:cxn ang="0">
+                  <a:pos x="connsiteX5" y="connsiteY5"/>
+                </a:cxn>
+                <a:cxn ang="0">
+                  <a:pos x="connsiteX6" y="connsiteY6"/>
+                </a:cxn>
+                <a:cxn ang="0">
+                  <a:pos x="connsiteX7" y="connsiteY7"/>
+                </a:cxn>
+                <a:cxn ang="0">
+                  <a:pos x="connsiteX8" y="connsiteY8"/>
+                </a:cxn>
+                <a:cxn ang="0">
+                  <a:pos x="connsiteX9" y="connsiteY9"/>
+                </a:cxn>
+              </a:cxnLst>
+              <a:rect l="l" t="t" r="r" b="b"/>
+              <a:pathLst>
+                <a:path w="842014" h="695539">
+                  <a:moveTo>
+                    <a:pt x="3242" y="114484"/>
+                  </a:moveTo>
+                  <a:cubicBezTo>
+                    <a:pt x="4512" y="174174"/>
+                    <a:pt x="28642" y="284664"/>
+                    <a:pt x="48962" y="358324"/>
+                  </a:cubicBezTo>
+                  <a:cubicBezTo>
+                    <a:pt x="69282" y="431984"/>
+                    <a:pt x="66742" y="500564"/>
+                    <a:pt x="125162" y="556444"/>
+                  </a:cubicBezTo>
+                  <a:cubicBezTo>
+                    <a:pt x="183582" y="612324"/>
+                    <a:pt x="299152" y="683444"/>
+                    <a:pt x="399482" y="693604"/>
+                  </a:cubicBezTo>
+                  <a:cubicBezTo>
+                    <a:pt x="499812" y="703764"/>
+                    <a:pt x="653482" y="673284"/>
+                    <a:pt x="727142" y="617404"/>
+                  </a:cubicBezTo>
+                  <a:cubicBezTo>
+                    <a:pt x="800802" y="561524"/>
+                    <a:pt x="847792" y="421824"/>
+                    <a:pt x="841442" y="358324"/>
+                  </a:cubicBezTo>
+                  <a:cubicBezTo>
+                    <a:pt x="835092" y="294824"/>
+                    <a:pt x="772862" y="280854"/>
+                    <a:pt x="689042" y="236404"/>
+                  </a:cubicBezTo>
+                  <a:cubicBezTo>
+                    <a:pt x="605222" y="191954"/>
+                    <a:pt x="446472" y="130994"/>
+                    <a:pt x="338522" y="91624"/>
+                  </a:cubicBezTo>
+                  <a:cubicBezTo>
+                    <a:pt x="230572" y="52254"/>
+                    <a:pt x="97222" y="-3626"/>
+                    <a:pt x="41342" y="184"/>
+                  </a:cubicBezTo>
+                  <a:cubicBezTo>
+                    <a:pt x="-14538" y="3994"/>
+                    <a:pt x="1972" y="54794"/>
+                    <a:pt x="3242" y="114484"/>
+                  </a:cubicBezTo>
+                  <a:close/>
+                </a:path>
+              </a:pathLst>
+            </a:custGeom>
+            <a:solidFill>
+              <a:schemeClr val="accent2"/>
+            </a:solidFill>
+            <a:ln w="12700">
+              <a:solidFill>
+                <a:schemeClr val="tx1"/>
+              </a:solidFill>
+            </a:ln>
+          </p:spPr>
+          <p:style>
+            <a:lnRef idx="2">
+              <a:schemeClr val="accent1">
+                <a:shade val="50000"/>
+              </a:schemeClr>
+            </a:lnRef>
+            <a:fillRef idx="1">
+              <a:schemeClr val="accent1"/>
+            </a:fillRef>
+            <a:effectRef idx="0">
+              <a:schemeClr val="accent1"/>
+            </a:effectRef>
+            <a:fontRef idx="minor">
+              <a:schemeClr val="lt1"/>
+            </a:fontRef>
+          </p:style>
+          <p:txBody>
+            <a:bodyPr rtlCol="0" anchor="ctr"/>
+            <a:lstStyle/>
+            <a:p>
+              <a:pPr algn="ctr"/>
+              <a:endParaRPr lang="ru-RU"/>
+            </a:p>
+          </p:txBody>
+        </p:sp>
+        <p:sp>
+          <p:nvSpPr>
+            <p:cNvPr id="23" name="Полилиния 22"/>
+            <p:cNvSpPr/>
+            <p:nvPr/>
+          </p:nvSpPr>
+          <p:spPr>
+            <a:xfrm>
+              <a:off x="4827255" y="2961686"/>
+              <a:ext cx="302731" cy="235581"/>
+            </a:xfrm>
+            <a:custGeom>
+              <a:avLst/>
+              <a:gdLst>
+                <a:gd name="connsiteX0" fmla="*/ 23533 w 1414905"/>
+                <a:gd name="connsiteY0" fmla="*/ 31941 h 993685"/>
+                <a:gd name="connsiteX1" fmla="*/ 282613 w 1414905"/>
+                <a:gd name="connsiteY1" fmla="*/ 9081 h 993685"/>
+                <a:gd name="connsiteX2" fmla="*/ 694093 w 1414905"/>
+                <a:gd name="connsiteY2" fmla="*/ 131001 h 993685"/>
+                <a:gd name="connsiteX3" fmla="*/ 1235113 w 1414905"/>
+                <a:gd name="connsiteY3" fmla="*/ 451041 h 993685"/>
+                <a:gd name="connsiteX4" fmla="*/ 1402753 w 1414905"/>
+                <a:gd name="connsiteY4" fmla="*/ 847281 h 993685"/>
+                <a:gd name="connsiteX5" fmla="*/ 1379893 w 1414905"/>
+                <a:gd name="connsiteY5" fmla="*/ 961581 h 993685"/>
+                <a:gd name="connsiteX6" fmla="*/ 1204633 w 1414905"/>
+                <a:gd name="connsiteY6" fmla="*/ 992061 h 993685"/>
+                <a:gd name="connsiteX7" fmla="*/ 663613 w 1414905"/>
+                <a:gd name="connsiteY7" fmla="*/ 923481 h 993685"/>
+                <a:gd name="connsiteX8" fmla="*/ 252133 w 1414905"/>
+                <a:gd name="connsiteY8" fmla="*/ 618681 h 993685"/>
+                <a:gd name="connsiteX9" fmla="*/ 38773 w 1414905"/>
+                <a:gd name="connsiteY9" fmla="*/ 214821 h 993685"/>
+                <a:gd name="connsiteX10" fmla="*/ 23533 w 1414905"/>
+                <a:gd name="connsiteY10" fmla="*/ 31941 h 993685"/>
+              </a:gdLst>
+              <a:ahLst/>
+              <a:cxnLst>
+                <a:cxn ang="0">
+                  <a:pos x="connsiteX0" y="connsiteY0"/>
+                </a:cxn>
+                <a:cxn ang="0">
+                  <a:pos x="connsiteX1" y="connsiteY1"/>
+                </a:cxn>
+                <a:cxn ang="0">
+                  <a:pos x="connsiteX2" y="connsiteY2"/>
+                </a:cxn>
+                <a:cxn ang="0">
+                  <a:pos x="connsiteX3" y="connsiteY3"/>
+                </a:cxn>
+                <a:cxn ang="0">
+                  <a:pos x="connsiteX4" y="connsiteY4"/>
+                </a:cxn>
+                <a:cxn ang="0">
+                  <a:pos x="connsiteX5" y="connsiteY5"/>
+                </a:cxn>
+                <a:cxn ang="0">
+                  <a:pos x="connsiteX6" y="connsiteY6"/>
+                </a:cxn>
+                <a:cxn ang="0">
+                  <a:pos x="connsiteX7" y="connsiteY7"/>
+                </a:cxn>
+                <a:cxn ang="0">
+                  <a:pos x="connsiteX8" y="connsiteY8"/>
+                </a:cxn>
+                <a:cxn ang="0">
+                  <a:pos x="connsiteX9" y="connsiteY9"/>
+                </a:cxn>
+                <a:cxn ang="0">
+                  <a:pos x="connsiteX10" y="connsiteY10"/>
+                </a:cxn>
+              </a:cxnLst>
+              <a:rect l="l" t="t" r="r" b="b"/>
+              <a:pathLst>
+                <a:path w="1414905" h="993685">
+                  <a:moveTo>
+                    <a:pt x="23533" y="31941"/>
+                  </a:moveTo>
+                  <a:cubicBezTo>
+                    <a:pt x="64173" y="-2349"/>
+                    <a:pt x="170853" y="-7429"/>
+                    <a:pt x="282613" y="9081"/>
+                  </a:cubicBezTo>
+                  <a:cubicBezTo>
+                    <a:pt x="394373" y="25591"/>
+                    <a:pt x="535343" y="57341"/>
+                    <a:pt x="694093" y="131001"/>
+                  </a:cubicBezTo>
+                  <a:cubicBezTo>
+                    <a:pt x="852843" y="204661"/>
+                    <a:pt x="1117003" y="331661"/>
+                    <a:pt x="1235113" y="451041"/>
+                  </a:cubicBezTo>
+                  <a:cubicBezTo>
+                    <a:pt x="1353223" y="570421"/>
+                    <a:pt x="1378623" y="762191"/>
+                    <a:pt x="1402753" y="847281"/>
+                  </a:cubicBezTo>
+                  <a:cubicBezTo>
+                    <a:pt x="1426883" y="932371"/>
+                    <a:pt x="1412913" y="937451"/>
+                    <a:pt x="1379893" y="961581"/>
+                  </a:cubicBezTo>
+                  <a:cubicBezTo>
+                    <a:pt x="1346873" y="985711"/>
+                    <a:pt x="1324013" y="998411"/>
+                    <a:pt x="1204633" y="992061"/>
+                  </a:cubicBezTo>
+                  <a:cubicBezTo>
+                    <a:pt x="1085253" y="985711"/>
+                    <a:pt x="822363" y="985711"/>
+                    <a:pt x="663613" y="923481"/>
+                  </a:cubicBezTo>
+                  <a:cubicBezTo>
+                    <a:pt x="504863" y="861251"/>
+                    <a:pt x="356273" y="736791"/>
+                    <a:pt x="252133" y="618681"/>
+                  </a:cubicBezTo>
+                  <a:cubicBezTo>
+                    <a:pt x="147993" y="500571"/>
+                    <a:pt x="78143" y="311341"/>
+                    <a:pt x="38773" y="214821"/>
+                  </a:cubicBezTo>
+                  <a:cubicBezTo>
+                    <a:pt x="-597" y="118301"/>
+                    <a:pt x="-17107" y="66231"/>
+                    <a:pt x="23533" y="31941"/>
+                  </a:cubicBezTo>
+                  <a:close/>
+                </a:path>
+              </a:pathLst>
+            </a:custGeom>
+            <a:solidFill>
+              <a:schemeClr val="accent2">
+                <a:lumMod val="60000"/>
+                <a:lumOff val="40000"/>
+              </a:schemeClr>
+            </a:solidFill>
+            <a:ln w="12700">
+              <a:solidFill>
+                <a:schemeClr val="tx1"/>
+              </a:solidFill>
+            </a:ln>
+          </p:spPr>
+          <p:style>
+            <a:lnRef idx="2">
+              <a:schemeClr val="accent1">
+                <a:shade val="50000"/>
+              </a:schemeClr>
+            </a:lnRef>
+            <a:fillRef idx="1">
+              <a:schemeClr val="accent1"/>
+            </a:fillRef>
+            <a:effectRef idx="0">
+              <a:schemeClr val="accent1"/>
+            </a:effectRef>
+            <a:fontRef idx="minor">
+              <a:schemeClr val="lt1"/>
+            </a:fontRef>
+          </p:style>
+          <p:txBody>
+            <a:bodyPr rtlCol="0" anchor="ctr"/>
+            <a:lstStyle/>
+            <a:p>
+              <a:pPr algn="ctr"/>
+              <a:endParaRPr lang="ru-RU"/>
+            </a:p>
+          </p:txBody>
+        </p:sp>
+        <p:sp>
+          <p:nvSpPr>
+            <p:cNvPr id="10" name="Овал 9"/>
+            <p:cNvSpPr/>
+            <p:nvPr/>
+          </p:nvSpPr>
+          <p:spPr>
+            <a:xfrm>
+              <a:off x="4728250" y="1867500"/>
+              <a:ext cx="128351" cy="146692"/>
+            </a:xfrm>
+            <a:prstGeom prst="ellipse">
+              <a:avLst/>
+            </a:prstGeom>
+            <a:solidFill>
+              <a:schemeClr val="tx1"/>
+            </a:solidFill>
+            <a:ln w="12700">
+              <a:solidFill>
+                <a:schemeClr val="tx1"/>
+              </a:solidFill>
+            </a:ln>
+          </p:spPr>
+          <p:style>
+            <a:lnRef idx="2">
+              <a:schemeClr val="accent1">
+                <a:shade val="50000"/>
+              </a:schemeClr>
+            </a:lnRef>
+            <a:fillRef idx="1">
+              <a:schemeClr val="accent1"/>
+            </a:fillRef>
+            <a:effectRef idx="0">
+              <a:schemeClr val="accent1"/>
+            </a:effectRef>
+            <a:fontRef idx="minor">
+              <a:schemeClr val="lt1"/>
+            </a:fontRef>
+          </p:style>
+          <p:txBody>
+            <a:bodyPr rtlCol="0" anchor="ctr"/>
+            <a:lstStyle/>
+            <a:p>
+              <a:pPr algn="ctr"/>
+              <a:endParaRPr lang="ru-RU"/>
+            </a:p>
+          </p:txBody>
+        </p:sp>
+        <p:sp>
+          <p:nvSpPr>
+            <p:cNvPr id="41" name="Овал 40"/>
+            <p:cNvSpPr/>
+            <p:nvPr/>
+          </p:nvSpPr>
+          <p:spPr>
+            <a:xfrm>
+              <a:off x="5281880" y="1924120"/>
+              <a:ext cx="128351" cy="146692"/>
+            </a:xfrm>
+            <a:prstGeom prst="ellipse">
+              <a:avLst/>
+            </a:prstGeom>
+            <a:solidFill>
+              <a:schemeClr val="tx1"/>
+            </a:solidFill>
+            <a:ln w="12700">
+              <a:solidFill>
+                <a:schemeClr val="tx1"/>
+              </a:solidFill>
+            </a:ln>
+          </p:spPr>
+          <p:style>
+            <a:lnRef idx="2">
+              <a:schemeClr val="accent1">
+                <a:shade val="50000"/>
+              </a:schemeClr>
+            </a:lnRef>
+            <a:fillRef idx="1">
+              <a:schemeClr val="accent1"/>
+            </a:fillRef>
+            <a:effectRef idx="0">
+              <a:schemeClr val="accent1"/>
+            </a:effectRef>
+            <a:fontRef idx="minor">
+              <a:schemeClr val="lt1"/>
+            </a:fontRef>
+          </p:style>
+          <p:txBody>
+            <a:bodyPr rtlCol="0" anchor="ctr"/>
+            <a:lstStyle/>
+            <a:p>
+              <a:pPr algn="ctr"/>
+              <a:endParaRPr lang="ru-RU"/>
+            </a:p>
+          </p:txBody>
+        </p:sp>
+        <p:sp>
+          <p:nvSpPr>
+            <p:cNvPr id="12" name="Полилиния 11"/>
+            <p:cNvSpPr/>
+            <p:nvPr/>
+          </p:nvSpPr>
+          <p:spPr>
+            <a:xfrm>
+              <a:off x="4684540" y="1975105"/>
+              <a:ext cx="246164" cy="84122"/>
+            </a:xfrm>
+            <a:custGeom>
+              <a:avLst/>
+              <a:gdLst>
+                <a:gd name="connsiteX0" fmla="*/ 6933 w 436904"/>
+                <a:gd name="connsiteY0" fmla="*/ 76386 h 134503"/>
+                <a:gd name="connsiteX1" fmla="*/ 159333 w 436904"/>
+                <a:gd name="connsiteY1" fmla="*/ 186 h 134503"/>
+                <a:gd name="connsiteX2" fmla="*/ 411745 w 436904"/>
+                <a:gd name="connsiteY2" fmla="*/ 57336 h 134503"/>
+                <a:gd name="connsiteX3" fmla="*/ 383170 w 436904"/>
+                <a:gd name="connsiteY3" fmla="*/ 133536 h 134503"/>
+                <a:gd name="connsiteX4" fmla="*/ 6933 w 436904"/>
+                <a:gd name="connsiteY4" fmla="*/ 76386 h 134503"/>
+              </a:gdLst>
+              <a:ahLst/>
+              <a:cxnLst>
+                <a:cxn ang="0">
+                  <a:pos x="connsiteX0" y="connsiteY0"/>
+                </a:cxn>
+                <a:cxn ang="0">
+                  <a:pos x="connsiteX1" y="connsiteY1"/>
+                </a:cxn>
+                <a:cxn ang="0">
+                  <a:pos x="connsiteX2" y="connsiteY2"/>
+                </a:cxn>
+                <a:cxn ang="0">
+                  <a:pos x="connsiteX3" y="connsiteY3"/>
+                </a:cxn>
+                <a:cxn ang="0">
+                  <a:pos x="connsiteX4" y="connsiteY4"/>
+                </a:cxn>
+              </a:cxnLst>
+              <a:rect l="l" t="t" r="r" b="b"/>
+              <a:pathLst>
+                <a:path w="436904" h="134503">
+                  <a:moveTo>
+                    <a:pt x="6933" y="76386"/>
+                  </a:moveTo>
+                  <a:cubicBezTo>
+                    <a:pt x="-30373" y="54161"/>
+                    <a:pt x="91864" y="3361"/>
+                    <a:pt x="159333" y="186"/>
+                  </a:cubicBezTo>
+                  <a:cubicBezTo>
+                    <a:pt x="226802" y="-2989"/>
+                    <a:pt x="374439" y="35111"/>
+                    <a:pt x="411745" y="57336"/>
+                  </a:cubicBezTo>
+                  <a:cubicBezTo>
+                    <a:pt x="449051" y="79561"/>
+                    <a:pt x="449051" y="125599"/>
+                    <a:pt x="383170" y="133536"/>
+                  </a:cubicBezTo>
+                  <a:cubicBezTo>
+                    <a:pt x="317289" y="141474"/>
+                    <a:pt x="44239" y="98611"/>
+                    <a:pt x="6933" y="76386"/>
+                  </a:cubicBezTo>
+                  <a:close/>
+                </a:path>
+              </a:pathLst>
+            </a:custGeom>
+            <a:solidFill>
+              <a:schemeClr val="bg1"/>
+            </a:solidFill>
+            <a:ln w="12700">
+              <a:noFill/>
+            </a:ln>
+          </p:spPr>
+          <p:style>
+            <a:lnRef idx="2">
+              <a:schemeClr val="accent1">
+                <a:shade val="50000"/>
+              </a:schemeClr>
+            </a:lnRef>
+            <a:fillRef idx="1">
+              <a:schemeClr val="accent1"/>
+            </a:fillRef>
+            <a:effectRef idx="0">
+              <a:schemeClr val="accent1"/>
+            </a:effectRef>
+            <a:fontRef idx="minor">
+              <a:schemeClr val="lt1"/>
+            </a:fontRef>
+          </p:style>
+          <p:txBody>
+            <a:bodyPr rtlCol="0" anchor="ctr"/>
+            <a:lstStyle/>
+            <a:p>
+              <a:pPr algn="ctr"/>
+              <a:endParaRPr lang="ru-RU"/>
+            </a:p>
+          </p:txBody>
+        </p:sp>
+        <p:sp>
+          <p:nvSpPr>
+            <p:cNvPr id="43" name="Полилиния 42"/>
+            <p:cNvSpPr/>
+            <p:nvPr/>
+          </p:nvSpPr>
+          <p:spPr>
+            <a:xfrm rot="585239">
+              <a:off x="5233933" y="2042638"/>
+              <a:ext cx="246164" cy="84122"/>
+            </a:xfrm>
+            <a:custGeom>
+              <a:avLst/>
+              <a:gdLst>
+                <a:gd name="connsiteX0" fmla="*/ 6933 w 436904"/>
+                <a:gd name="connsiteY0" fmla="*/ 76386 h 134503"/>
+                <a:gd name="connsiteX1" fmla="*/ 159333 w 436904"/>
+                <a:gd name="connsiteY1" fmla="*/ 186 h 134503"/>
+                <a:gd name="connsiteX2" fmla="*/ 411745 w 436904"/>
+                <a:gd name="connsiteY2" fmla="*/ 57336 h 134503"/>
+                <a:gd name="connsiteX3" fmla="*/ 383170 w 436904"/>
+                <a:gd name="connsiteY3" fmla="*/ 133536 h 134503"/>
+                <a:gd name="connsiteX4" fmla="*/ 6933 w 436904"/>
+                <a:gd name="connsiteY4" fmla="*/ 76386 h 134503"/>
+              </a:gdLst>
+              <a:ahLst/>
+              <a:cxnLst>
+                <a:cxn ang="0">
+                  <a:pos x="connsiteX0" y="connsiteY0"/>
+                </a:cxn>
+                <a:cxn ang="0">
+                  <a:pos x="connsiteX1" y="connsiteY1"/>
+                </a:cxn>
+                <a:cxn ang="0">
+                  <a:pos x="connsiteX2" y="connsiteY2"/>
+                </a:cxn>
+                <a:cxn ang="0">
+                  <a:pos x="connsiteX3" y="connsiteY3"/>
+                </a:cxn>
+                <a:cxn ang="0">
+                  <a:pos x="connsiteX4" y="connsiteY4"/>
+                </a:cxn>
+              </a:cxnLst>
+              <a:rect l="l" t="t" r="r" b="b"/>
+              <a:pathLst>
+                <a:path w="436904" h="134503">
+                  <a:moveTo>
+                    <a:pt x="6933" y="76386"/>
+                  </a:moveTo>
+                  <a:cubicBezTo>
+                    <a:pt x="-30373" y="54161"/>
+                    <a:pt x="91864" y="3361"/>
+                    <a:pt x="159333" y="186"/>
+                  </a:cubicBezTo>
+                  <a:cubicBezTo>
+                    <a:pt x="226802" y="-2989"/>
+                    <a:pt x="374439" y="35111"/>
+                    <a:pt x="411745" y="57336"/>
+                  </a:cubicBezTo>
+                  <a:cubicBezTo>
+                    <a:pt x="449051" y="79561"/>
+                    <a:pt x="449051" y="125599"/>
+                    <a:pt x="383170" y="133536"/>
+                  </a:cubicBezTo>
+                  <a:cubicBezTo>
+                    <a:pt x="317289" y="141474"/>
+                    <a:pt x="44239" y="98611"/>
+                    <a:pt x="6933" y="76386"/>
+                  </a:cubicBezTo>
+                  <a:close/>
+                </a:path>
+              </a:pathLst>
+            </a:custGeom>
+            <a:solidFill>
+              <a:schemeClr val="bg1"/>
+            </a:solidFill>
+            <a:ln w="12700">
+              <a:noFill/>
+            </a:ln>
+          </p:spPr>
+          <p:style>
+            <a:lnRef idx="2">
+              <a:schemeClr val="accent1">
+                <a:shade val="50000"/>
+              </a:schemeClr>
+            </a:lnRef>
+            <a:fillRef idx="1">
+              <a:schemeClr val="accent1"/>
+            </a:fillRef>
+            <a:effectRef idx="0">
+              <a:schemeClr val="accent1"/>
+            </a:effectRef>
+            <a:fontRef idx="minor">
+              <a:schemeClr val="lt1"/>
+            </a:fontRef>
+          </p:style>
+          <p:txBody>
+            <a:bodyPr rtlCol="0" anchor="ctr"/>
+            <a:lstStyle/>
+            <a:p>
+              <a:pPr algn="ctr"/>
+              <a:endParaRPr lang="ru-RU"/>
+            </a:p>
+          </p:txBody>
+        </p:sp>
+      </p:grpSp>
+      <p:sp>
+        <p:nvSpPr>
+          <p:cNvPr id="37" name="TextBox 36"/>
+          <p:cNvSpPr txBox="1"/>
+          <p:nvPr/>
+        </p:nvSpPr>
+        <p:spPr>
+          <a:xfrm>
+            <a:off x="2987824" y="1552523"/>
+            <a:ext cx="2373643" cy="3172621"/>
+          </a:xfrm>
+          <a:prstGeom prst="rect">
+            <a:avLst/>
+          </a:prstGeom>
+          <a:noFill/>
+        </p:spPr>
+        <p:txBody>
+          <a:bodyPr wrap="none" rtlCol="0">
+            <a:prstTxWarp prst="textArchUp">
+              <a:avLst>
+                <a:gd name="adj" fmla="val 10630195"/>
+              </a:avLst>
+            </a:prstTxWarp>
+            <a:spAutoFit/>
+          </a:bodyPr>
+          <a:lstStyle/>
+          <a:p>
+            <a:pPr algn="ctr"/>
+            <a:r>
+              <a:rPr lang="en-US" sz="2000" dirty="0" smtClean="0">
+                <a:solidFill>
+                  <a:schemeClr val="accent4">
+                    <a:lumMod val="75000"/>
+                  </a:schemeClr>
+                </a:solidFill>
+                <a:latin typeface="Franklin Gothic Medium Cond" pitchFamily="34" charset="0"/>
+              </a:rPr>
+              <a:t>YOU’VE RUINED EVERYTHING!</a:t>
+            </a:r>
+            <a:endParaRPr lang="ru-RU" sz="2000" dirty="0">
+              <a:solidFill>
+                <a:schemeClr val="accent4">
+                  <a:lumMod val="75000"/>
+                </a:schemeClr>
+              </a:solidFill>
+              <a:latin typeface="Franklin Gothic Medium Cond" pitchFamily="34" charset="0"/>
+            </a:endParaRPr>
+          </a:p>
+        </p:txBody>
+      </p:sp>
+      <p:sp>
+        <p:nvSpPr>
+          <p:cNvPr id="47" name="TextBox 46"/>
+          <p:cNvSpPr txBox="1"/>
+          <p:nvPr/>
+        </p:nvSpPr>
+        <p:spPr>
+          <a:xfrm>
+            <a:off x="3310508" y="764704"/>
+            <a:ext cx="1765548" cy="769441"/>
+          </a:xfrm>
+          <a:prstGeom prst="rect">
+            <a:avLst/>
+          </a:prstGeom>
+          <a:noFill/>
+        </p:spPr>
+        <p:txBody>
+          <a:bodyPr wrap="none" rtlCol="0">
+            <a:spAutoFit/>
+          </a:bodyPr>
+          <a:lstStyle/>
+          <a:p>
+            <a:r>
+              <a:rPr lang="en-US" sz="4400" dirty="0" smtClean="0">
+                <a:solidFill>
+                  <a:schemeClr val="accent4">
+                    <a:lumMod val="75000"/>
+                  </a:schemeClr>
+                </a:solidFill>
+                <a:latin typeface="Franklin Gothic Medium Cond" pitchFamily="34" charset="0"/>
+              </a:rPr>
+              <a:t>GRATS!</a:t>
+            </a:r>
+            <a:endParaRPr lang="ru-RU" sz="4400" dirty="0">
+              <a:solidFill>
+                <a:schemeClr val="accent4">
+                  <a:lumMod val="75000"/>
+                </a:schemeClr>
+              </a:solidFill>
+              <a:latin typeface="Franklin Gothic Medium Cond" pitchFamily="34" charset="0"/>
+            </a:endParaRPr>
+          </a:p>
+        </p:txBody>
+      </p:sp>
+    </p:spTree>
+    <p:extLst>
+      <p:ext uri="{BB962C8B-B14F-4D97-AF65-F5344CB8AC3E}">
         <p14:creationId xmlns:p14="http://schemas.microsoft.com/office/powerpoint/2010/main" val="4177503235"/>
       </p:ext>
     </p:extLst>
@@ -6863,7 +9841,75 @@
 </p:sld>
 </file>
 
-<file path=ppt/slides/slide2.xml><?xml version="1.0" encoding="utf-8"?>
+<file path=ppt/slides/slide3.xml><?xml version="1.0" encoding="utf-8"?>
+<p:sld xmlns:a="http://schemas.openxmlformats.org/drawingml/2006/main" xmlns:r="http://schemas.openxmlformats.org/officeDocument/2006/relationships" xmlns:p="http://schemas.openxmlformats.org/presentationml/2006/main">
+  <p:cSld>
+    <p:spTree>
+      <p:nvGrpSpPr>
+        <p:cNvPr id="1" name=""/>
+        <p:cNvGrpSpPr/>
+        <p:nvPr/>
+      </p:nvGrpSpPr>
+      <p:grpSpPr>
+        <a:xfrm>
+          <a:off x="0" y="0"/>
+          <a:ext cx="0" cy="0"/>
+          <a:chOff x="0" y="0"/>
+          <a:chExt cx="0" cy="0"/>
+        </a:xfrm>
+      </p:grpSpPr>
+      <p:sp>
+        <p:nvSpPr>
+          <p:cNvPr id="2" name="Заголовок 1"/>
+          <p:cNvSpPr>
+            <a:spLocks noGrp="1"/>
+          </p:cNvSpPr>
+          <p:nvPr>
+            <p:ph type="title"/>
+          </p:nvPr>
+        </p:nvSpPr>
+        <p:spPr/>
+        <p:txBody>
+          <a:bodyPr/>
+          <a:lstStyle/>
+          <a:p>
+            <a:endParaRPr lang="ru-RU"/>
+          </a:p>
+        </p:txBody>
+      </p:sp>
+      <p:sp>
+        <p:nvSpPr>
+          <p:cNvPr id="3" name="Объект 2"/>
+          <p:cNvSpPr>
+            <a:spLocks noGrp="1"/>
+          </p:cNvSpPr>
+          <p:nvPr>
+            <p:ph idx="1"/>
+          </p:nvPr>
+        </p:nvSpPr>
+        <p:spPr/>
+        <p:txBody>
+          <a:bodyPr/>
+          <a:lstStyle/>
+          <a:p>
+            <a:endParaRPr lang="ru-RU"/>
+          </a:p>
+        </p:txBody>
+      </p:sp>
+    </p:spTree>
+    <p:extLst>
+      <p:ext uri="{BB962C8B-B14F-4D97-AF65-F5344CB8AC3E}">
+        <p14:creationId xmlns:p14="http://schemas.microsoft.com/office/powerpoint/2010/main" val="4057174355"/>
+      </p:ext>
+    </p:extLst>
+  </p:cSld>
+  <p:clrMapOvr>
+    <a:masterClrMapping/>
+  </p:clrMapOvr>
+</p:sld>
+</file>
+
+<file path=ppt/slides/slide4.xml><?xml version="1.0" encoding="utf-8"?>
 <p:sld xmlns:a="http://schemas.openxmlformats.org/drawingml/2006/main" xmlns:r="http://schemas.openxmlformats.org/officeDocument/2006/relationships" xmlns:p="http://schemas.openxmlformats.org/presentationml/2006/main">
   <p:cSld>
     <p:spTree>

--- a/workshop.pptx
+++ b/workshop.pptx
@@ -6,9 +6,10 @@
   </p:sldMasterIdLst>
   <p:sldIdLst>
     <p:sldId id="258" r:id="rId2"/>
-    <p:sldId id="256" r:id="rId3"/>
-    <p:sldId id="259" r:id="rId4"/>
-    <p:sldId id="257" r:id="rId5"/>
+    <p:sldId id="260" r:id="rId3"/>
+    <p:sldId id="256" r:id="rId4"/>
+    <p:sldId id="259" r:id="rId5"/>
+    <p:sldId id="257" r:id="rId6"/>
   </p:sldIdLst>
   <p:sldSz cx="9144000" cy="6858000" type="screen4x3"/>
   <p:notesSz cx="6858000" cy="9144000"/>
@@ -291,7 +292,7 @@
           <a:p>
             <a:fld id="{9B846957-CE1F-48E1-877B-188C519C8249}" type="datetimeFigureOut">
               <a:rPr lang="ru-RU" smtClean="0"/>
-              <a:t>12.10.2016</a:t>
+              <a:t>18.10.2016</a:t>
             </a:fld>
             <a:endParaRPr lang="ru-RU"/>
           </a:p>
@@ -461,7 +462,7 @@
           <a:p>
             <a:fld id="{9B846957-CE1F-48E1-877B-188C519C8249}" type="datetimeFigureOut">
               <a:rPr lang="ru-RU" smtClean="0"/>
-              <a:t>12.10.2016</a:t>
+              <a:t>18.10.2016</a:t>
             </a:fld>
             <a:endParaRPr lang="ru-RU"/>
           </a:p>
@@ -641,7 +642,7 @@
           <a:p>
             <a:fld id="{9B846957-CE1F-48E1-877B-188C519C8249}" type="datetimeFigureOut">
               <a:rPr lang="ru-RU" smtClean="0"/>
-              <a:t>12.10.2016</a:t>
+              <a:t>18.10.2016</a:t>
             </a:fld>
             <a:endParaRPr lang="ru-RU"/>
           </a:p>
@@ -811,7 +812,7 @@
           <a:p>
             <a:fld id="{9B846957-CE1F-48E1-877B-188C519C8249}" type="datetimeFigureOut">
               <a:rPr lang="ru-RU" smtClean="0"/>
-              <a:t>12.10.2016</a:t>
+              <a:t>18.10.2016</a:t>
             </a:fld>
             <a:endParaRPr lang="ru-RU"/>
           </a:p>
@@ -1057,7 +1058,7 @@
           <a:p>
             <a:fld id="{9B846957-CE1F-48E1-877B-188C519C8249}" type="datetimeFigureOut">
               <a:rPr lang="ru-RU" smtClean="0"/>
-              <a:t>12.10.2016</a:t>
+              <a:t>18.10.2016</a:t>
             </a:fld>
             <a:endParaRPr lang="ru-RU"/>
           </a:p>
@@ -1345,7 +1346,7 @@
           <a:p>
             <a:fld id="{9B846957-CE1F-48E1-877B-188C519C8249}" type="datetimeFigureOut">
               <a:rPr lang="ru-RU" smtClean="0"/>
-              <a:t>12.10.2016</a:t>
+              <a:t>18.10.2016</a:t>
             </a:fld>
             <a:endParaRPr lang="ru-RU"/>
           </a:p>
@@ -1767,7 +1768,7 @@
           <a:p>
             <a:fld id="{9B846957-CE1F-48E1-877B-188C519C8249}" type="datetimeFigureOut">
               <a:rPr lang="ru-RU" smtClean="0"/>
-              <a:t>12.10.2016</a:t>
+              <a:t>18.10.2016</a:t>
             </a:fld>
             <a:endParaRPr lang="ru-RU"/>
           </a:p>
@@ -1885,7 +1886,7 @@
           <a:p>
             <a:fld id="{9B846957-CE1F-48E1-877B-188C519C8249}" type="datetimeFigureOut">
               <a:rPr lang="ru-RU" smtClean="0"/>
-              <a:t>12.10.2016</a:t>
+              <a:t>18.10.2016</a:t>
             </a:fld>
             <a:endParaRPr lang="ru-RU"/>
           </a:p>
@@ -1980,7 +1981,7 @@
           <a:p>
             <a:fld id="{9B846957-CE1F-48E1-877B-188C519C8249}" type="datetimeFigureOut">
               <a:rPr lang="ru-RU" smtClean="0"/>
-              <a:t>12.10.2016</a:t>
+              <a:t>18.10.2016</a:t>
             </a:fld>
             <a:endParaRPr lang="ru-RU"/>
           </a:p>
@@ -2257,7 +2258,7 @@
           <a:p>
             <a:fld id="{9B846957-CE1F-48E1-877B-188C519C8249}" type="datetimeFigureOut">
               <a:rPr lang="ru-RU" smtClean="0"/>
-              <a:t>12.10.2016</a:t>
+              <a:t>18.10.2016</a:t>
             </a:fld>
             <a:endParaRPr lang="ru-RU"/>
           </a:p>
@@ -2510,7 +2511,7 @@
           <a:p>
             <a:fld id="{9B846957-CE1F-48E1-877B-188C519C8249}" type="datetimeFigureOut">
               <a:rPr lang="ru-RU" smtClean="0"/>
-              <a:t>12.10.2016</a:t>
+              <a:t>18.10.2016</a:t>
             </a:fld>
             <a:endParaRPr lang="ru-RU"/>
           </a:p>
@@ -2723,7 +2724,7 @@
           <a:p>
             <a:fld id="{9B846957-CE1F-48E1-877B-188C519C8249}" type="datetimeFigureOut">
               <a:rPr lang="ru-RU" smtClean="0"/>
-              <a:t>12.10.2016</a:t>
+              <a:t>18.10.2016</a:t>
             </a:fld>
             <a:endParaRPr lang="ru-RU"/>
           </a:p>
@@ -6751,8 +6752,8 @@
         </p:nvSpPr>
         <p:spPr>
           <a:xfrm>
-            <a:off x="5004048" y="2635540"/>
-            <a:ext cx="1872208" cy="1293400"/>
+            <a:off x="6444208" y="2636270"/>
+            <a:ext cx="2376264" cy="1509718"/>
           </a:xfrm>
           <a:prstGeom prst="wedgeEllipseCallout">
             <a:avLst>
@@ -6972,6 +6973,5900 @@
           </a:p>
         </p:txBody>
       </p:sp>
+      <p:sp>
+        <p:nvSpPr>
+          <p:cNvPr id="39" name="Овальная выноска 38"/>
+          <p:cNvSpPr/>
+          <p:nvPr/>
+        </p:nvSpPr>
+        <p:spPr>
+          <a:xfrm>
+            <a:off x="6444208" y="2636270"/>
+            <a:ext cx="2376264" cy="1509718"/>
+          </a:xfrm>
+          <a:prstGeom prst="wedgeEllipseCallout">
+            <a:avLst>
+              <a:gd name="adj1" fmla="val -78915"/>
+              <a:gd name="adj2" fmla="val -89614"/>
+            </a:avLst>
+          </a:prstGeom>
+          <a:solidFill>
+            <a:schemeClr val="bg1"/>
+          </a:solidFill>
+          <a:ln w="12700">
+            <a:solidFill>
+              <a:schemeClr val="tx1"/>
+            </a:solidFill>
+          </a:ln>
+        </p:spPr>
+        <p:style>
+          <a:lnRef idx="2">
+            <a:schemeClr val="accent1">
+              <a:shade val="50000"/>
+            </a:schemeClr>
+          </a:lnRef>
+          <a:fillRef idx="1">
+            <a:schemeClr val="accent1"/>
+          </a:fillRef>
+          <a:effectRef idx="0">
+            <a:schemeClr val="accent1"/>
+          </a:effectRef>
+          <a:fontRef idx="minor">
+            <a:schemeClr val="lt1"/>
+          </a:fontRef>
+        </p:style>
+        <p:txBody>
+          <a:bodyPr rtlCol="0" anchor="ctr"/>
+          <a:lstStyle/>
+          <a:p>
+            <a:pPr algn="ctr"/>
+            <a:r>
+              <a:rPr lang="en-US" dirty="0" smtClean="0">
+                <a:solidFill>
+                  <a:srgbClr val="7030A0"/>
+                </a:solidFill>
+                <a:latin typeface="Franklin Gothic Medium Cond" pitchFamily="34" charset="0"/>
+              </a:rPr>
+              <a:t>Choose very carefully. You cannot change it</a:t>
+            </a:r>
+            <a:r>
+              <a:rPr lang="en-US" dirty="0" smtClean="0">
+                <a:solidFill>
+                  <a:srgbClr val="7030A0"/>
+                </a:solidFill>
+              </a:rPr>
+              <a:t>.</a:t>
+            </a:r>
+            <a:endParaRPr lang="ru-RU" dirty="0">
+              <a:solidFill>
+                <a:schemeClr val="tx1"/>
+              </a:solidFill>
+            </a:endParaRPr>
+          </a:p>
+        </p:txBody>
+      </p:sp>
+      <p:grpSp>
+        <p:nvGrpSpPr>
+          <p:cNvPr id="1025" name="Группа 1024"/>
+          <p:cNvGrpSpPr/>
+          <p:nvPr/>
+        </p:nvGrpSpPr>
+        <p:grpSpPr>
+          <a:xfrm>
+            <a:off x="2485233" y="980728"/>
+            <a:ext cx="2546530" cy="4234402"/>
+            <a:chOff x="2485233" y="980728"/>
+            <a:chExt cx="2546530" cy="4234402"/>
+          </a:xfrm>
+        </p:grpSpPr>
+        <p:sp>
+          <p:nvSpPr>
+            <p:cNvPr id="44" name="Полилиния 43"/>
+            <p:cNvSpPr/>
+            <p:nvPr/>
+          </p:nvSpPr>
+          <p:spPr>
+            <a:xfrm>
+              <a:off x="3958456" y="4725144"/>
+              <a:ext cx="253503" cy="452630"/>
+            </a:xfrm>
+            <a:custGeom>
+              <a:avLst/>
+              <a:gdLst>
+                <a:gd name="connsiteX0" fmla="*/ 196253 w 268900"/>
+                <a:gd name="connsiteY0" fmla="*/ 33338 h 452630"/>
+                <a:gd name="connsiteX1" fmla="*/ 258165 w 268900"/>
+                <a:gd name="connsiteY1" fmla="*/ 328613 h 452630"/>
+                <a:gd name="connsiteX2" fmla="*/ 243878 w 268900"/>
+                <a:gd name="connsiteY2" fmla="*/ 452438 h 452630"/>
+                <a:gd name="connsiteX3" fmla="*/ 20040 w 268900"/>
+                <a:gd name="connsiteY3" fmla="*/ 304800 h 452630"/>
+                <a:gd name="connsiteX4" fmla="*/ 24803 w 268900"/>
+                <a:gd name="connsiteY4" fmla="*/ 0 h 452630"/>
+              </a:gdLst>
+              <a:ahLst/>
+              <a:cxnLst>
+                <a:cxn ang="0">
+                  <a:pos x="connsiteX0" y="connsiteY0"/>
+                </a:cxn>
+                <a:cxn ang="0">
+                  <a:pos x="connsiteX1" y="connsiteY1"/>
+                </a:cxn>
+                <a:cxn ang="0">
+                  <a:pos x="connsiteX2" y="connsiteY2"/>
+                </a:cxn>
+                <a:cxn ang="0">
+                  <a:pos x="connsiteX3" y="connsiteY3"/>
+                </a:cxn>
+                <a:cxn ang="0">
+                  <a:pos x="connsiteX4" y="connsiteY4"/>
+                </a:cxn>
+              </a:cxnLst>
+              <a:rect l="l" t="t" r="r" b="b"/>
+              <a:pathLst>
+                <a:path w="268900" h="452630">
+                  <a:moveTo>
+                    <a:pt x="196253" y="33338"/>
+                  </a:moveTo>
+                  <a:cubicBezTo>
+                    <a:pt x="223240" y="146050"/>
+                    <a:pt x="250228" y="258763"/>
+                    <a:pt x="258165" y="328613"/>
+                  </a:cubicBezTo>
+                  <a:cubicBezTo>
+                    <a:pt x="266102" y="398463"/>
+                    <a:pt x="283566" y="456407"/>
+                    <a:pt x="243878" y="452438"/>
+                  </a:cubicBezTo>
+                  <a:cubicBezTo>
+                    <a:pt x="204190" y="448469"/>
+                    <a:pt x="56552" y="380206"/>
+                    <a:pt x="20040" y="304800"/>
+                  </a:cubicBezTo>
+                  <a:cubicBezTo>
+                    <a:pt x="-16473" y="229394"/>
+                    <a:pt x="4165" y="114697"/>
+                    <a:pt x="24803" y="0"/>
+                  </a:cubicBezTo>
+                </a:path>
+              </a:pathLst>
+            </a:custGeom>
+            <a:solidFill>
+              <a:schemeClr val="bg1"/>
+            </a:solidFill>
+            <a:ln>
+              <a:solidFill>
+                <a:schemeClr val="tx1"/>
+              </a:solidFill>
+            </a:ln>
+          </p:spPr>
+          <p:style>
+            <a:lnRef idx="1">
+              <a:schemeClr val="accent1"/>
+            </a:lnRef>
+            <a:fillRef idx="0">
+              <a:schemeClr val="accent1"/>
+            </a:fillRef>
+            <a:effectRef idx="0">
+              <a:schemeClr val="accent1"/>
+            </a:effectRef>
+            <a:fontRef idx="minor">
+              <a:schemeClr val="tx1"/>
+            </a:fontRef>
+          </p:style>
+          <p:txBody>
+            <a:bodyPr rtlCol="0" anchor="ctr"/>
+            <a:lstStyle/>
+            <a:p>
+              <a:pPr algn="ctr"/>
+              <a:endParaRPr lang="ru-RU"/>
+            </a:p>
+          </p:txBody>
+        </p:sp>
+        <p:sp>
+          <p:nvSpPr>
+            <p:cNvPr id="42" name="Полилиния 41"/>
+            <p:cNvSpPr/>
+            <p:nvPr/>
+          </p:nvSpPr>
+          <p:spPr>
+            <a:xfrm>
+              <a:off x="3523260" y="4762500"/>
+              <a:ext cx="268900" cy="452630"/>
+            </a:xfrm>
+            <a:custGeom>
+              <a:avLst/>
+              <a:gdLst>
+                <a:gd name="connsiteX0" fmla="*/ 196253 w 268900"/>
+                <a:gd name="connsiteY0" fmla="*/ 33338 h 452630"/>
+                <a:gd name="connsiteX1" fmla="*/ 258165 w 268900"/>
+                <a:gd name="connsiteY1" fmla="*/ 328613 h 452630"/>
+                <a:gd name="connsiteX2" fmla="*/ 243878 w 268900"/>
+                <a:gd name="connsiteY2" fmla="*/ 452438 h 452630"/>
+                <a:gd name="connsiteX3" fmla="*/ 20040 w 268900"/>
+                <a:gd name="connsiteY3" fmla="*/ 304800 h 452630"/>
+                <a:gd name="connsiteX4" fmla="*/ 24803 w 268900"/>
+                <a:gd name="connsiteY4" fmla="*/ 0 h 452630"/>
+              </a:gdLst>
+              <a:ahLst/>
+              <a:cxnLst>
+                <a:cxn ang="0">
+                  <a:pos x="connsiteX0" y="connsiteY0"/>
+                </a:cxn>
+                <a:cxn ang="0">
+                  <a:pos x="connsiteX1" y="connsiteY1"/>
+                </a:cxn>
+                <a:cxn ang="0">
+                  <a:pos x="connsiteX2" y="connsiteY2"/>
+                </a:cxn>
+                <a:cxn ang="0">
+                  <a:pos x="connsiteX3" y="connsiteY3"/>
+                </a:cxn>
+                <a:cxn ang="0">
+                  <a:pos x="connsiteX4" y="connsiteY4"/>
+                </a:cxn>
+              </a:cxnLst>
+              <a:rect l="l" t="t" r="r" b="b"/>
+              <a:pathLst>
+                <a:path w="268900" h="452630">
+                  <a:moveTo>
+                    <a:pt x="196253" y="33338"/>
+                  </a:moveTo>
+                  <a:cubicBezTo>
+                    <a:pt x="223240" y="146050"/>
+                    <a:pt x="250228" y="258763"/>
+                    <a:pt x="258165" y="328613"/>
+                  </a:cubicBezTo>
+                  <a:cubicBezTo>
+                    <a:pt x="266102" y="398463"/>
+                    <a:pt x="283566" y="456407"/>
+                    <a:pt x="243878" y="452438"/>
+                  </a:cubicBezTo>
+                  <a:cubicBezTo>
+                    <a:pt x="204190" y="448469"/>
+                    <a:pt x="56552" y="380206"/>
+                    <a:pt x="20040" y="304800"/>
+                  </a:cubicBezTo>
+                  <a:cubicBezTo>
+                    <a:pt x="-16473" y="229394"/>
+                    <a:pt x="4165" y="114697"/>
+                    <a:pt x="24803" y="0"/>
+                  </a:cubicBezTo>
+                </a:path>
+              </a:pathLst>
+            </a:custGeom>
+            <a:solidFill>
+              <a:schemeClr val="bg1"/>
+            </a:solidFill>
+            <a:ln>
+              <a:solidFill>
+                <a:schemeClr val="tx1"/>
+              </a:solidFill>
+            </a:ln>
+          </p:spPr>
+          <p:style>
+            <a:lnRef idx="1">
+              <a:schemeClr val="accent1"/>
+            </a:lnRef>
+            <a:fillRef idx="0">
+              <a:schemeClr val="accent1"/>
+            </a:fillRef>
+            <a:effectRef idx="0">
+              <a:schemeClr val="accent1"/>
+            </a:effectRef>
+            <a:fontRef idx="minor">
+              <a:schemeClr val="tx1"/>
+            </a:fontRef>
+          </p:style>
+          <p:txBody>
+            <a:bodyPr rtlCol="0" anchor="ctr"/>
+            <a:lstStyle/>
+            <a:p>
+              <a:pPr algn="ctr"/>
+              <a:endParaRPr lang="ru-RU"/>
+            </a:p>
+          </p:txBody>
+        </p:sp>
+        <p:sp>
+          <p:nvSpPr>
+            <p:cNvPr id="26" name="Полилиния 25"/>
+            <p:cNvSpPr/>
+            <p:nvPr/>
+          </p:nvSpPr>
+          <p:spPr>
+            <a:xfrm>
+              <a:off x="3341577" y="2217995"/>
+              <a:ext cx="1026268" cy="1263468"/>
+            </a:xfrm>
+            <a:custGeom>
+              <a:avLst/>
+              <a:gdLst>
+                <a:gd name="connsiteX0" fmla="*/ 171314 w 2547471"/>
+                <a:gd name="connsiteY0" fmla="*/ 185736 h 3163909"/>
+                <a:gd name="connsiteX1" fmla="*/ 666614 w 2547471"/>
+                <a:gd name="connsiteY1" fmla="*/ 84136 h 3163909"/>
+                <a:gd name="connsiteX2" fmla="*/ 1454014 w 2547471"/>
+                <a:gd name="connsiteY2" fmla="*/ 109536 h 3163909"/>
+                <a:gd name="connsiteX3" fmla="*/ 2482714 w 2547471"/>
+                <a:gd name="connsiteY3" fmla="*/ 338136 h 3163909"/>
+                <a:gd name="connsiteX4" fmla="*/ 2406514 w 2547471"/>
+                <a:gd name="connsiteY4" fmla="*/ 2166936 h 3163909"/>
+                <a:gd name="connsiteX5" fmla="*/ 2127114 w 2547471"/>
+                <a:gd name="connsiteY5" fmla="*/ 3055936 h 3163909"/>
+                <a:gd name="connsiteX6" fmla="*/ 539614 w 2547471"/>
+                <a:gd name="connsiteY6" fmla="*/ 3055936 h 3163909"/>
+                <a:gd name="connsiteX7" fmla="*/ 18914 w 2547471"/>
+                <a:gd name="connsiteY7" fmla="*/ 2217736 h 3163909"/>
+                <a:gd name="connsiteX8" fmla="*/ 171314 w 2547471"/>
+                <a:gd name="connsiteY8" fmla="*/ 185736 h 3163909"/>
+              </a:gdLst>
+              <a:ahLst/>
+              <a:cxnLst>
+                <a:cxn ang="0">
+                  <a:pos x="connsiteX0" y="connsiteY0"/>
+                </a:cxn>
+                <a:cxn ang="0">
+                  <a:pos x="connsiteX1" y="connsiteY1"/>
+                </a:cxn>
+                <a:cxn ang="0">
+                  <a:pos x="connsiteX2" y="connsiteY2"/>
+                </a:cxn>
+                <a:cxn ang="0">
+                  <a:pos x="connsiteX3" y="connsiteY3"/>
+                </a:cxn>
+                <a:cxn ang="0">
+                  <a:pos x="connsiteX4" y="connsiteY4"/>
+                </a:cxn>
+                <a:cxn ang="0">
+                  <a:pos x="connsiteX5" y="connsiteY5"/>
+                </a:cxn>
+                <a:cxn ang="0">
+                  <a:pos x="connsiteX6" y="connsiteY6"/>
+                </a:cxn>
+                <a:cxn ang="0">
+                  <a:pos x="connsiteX7" y="connsiteY7"/>
+                </a:cxn>
+                <a:cxn ang="0">
+                  <a:pos x="connsiteX8" y="connsiteY8"/>
+                </a:cxn>
+              </a:cxnLst>
+              <a:rect l="l" t="t" r="r" b="b"/>
+              <a:pathLst>
+                <a:path w="2547471" h="3163909">
+                  <a:moveTo>
+                    <a:pt x="171314" y="185736"/>
+                  </a:moveTo>
+                  <a:cubicBezTo>
+                    <a:pt x="279264" y="-169864"/>
+                    <a:pt x="452831" y="96836"/>
+                    <a:pt x="666614" y="84136"/>
+                  </a:cubicBezTo>
+                  <a:cubicBezTo>
+                    <a:pt x="880397" y="71436"/>
+                    <a:pt x="1151331" y="67203"/>
+                    <a:pt x="1454014" y="109536"/>
+                  </a:cubicBezTo>
+                  <a:cubicBezTo>
+                    <a:pt x="1756697" y="151869"/>
+                    <a:pt x="2323964" y="-4764"/>
+                    <a:pt x="2482714" y="338136"/>
+                  </a:cubicBezTo>
+                  <a:cubicBezTo>
+                    <a:pt x="2641464" y="681036"/>
+                    <a:pt x="2465781" y="1713969"/>
+                    <a:pt x="2406514" y="2166936"/>
+                  </a:cubicBezTo>
+                  <a:cubicBezTo>
+                    <a:pt x="2347247" y="2619903"/>
+                    <a:pt x="2438264" y="2907769"/>
+                    <a:pt x="2127114" y="3055936"/>
+                  </a:cubicBezTo>
+                  <a:cubicBezTo>
+                    <a:pt x="1815964" y="3204103"/>
+                    <a:pt x="890981" y="3195636"/>
+                    <a:pt x="539614" y="3055936"/>
+                  </a:cubicBezTo>
+                  <a:cubicBezTo>
+                    <a:pt x="188247" y="2916236"/>
+                    <a:pt x="82414" y="2691869"/>
+                    <a:pt x="18914" y="2217736"/>
+                  </a:cubicBezTo>
+                  <a:cubicBezTo>
+                    <a:pt x="-44586" y="1743603"/>
+                    <a:pt x="63364" y="541336"/>
+                    <a:pt x="171314" y="185736"/>
+                  </a:cubicBezTo>
+                  <a:close/>
+                </a:path>
+              </a:pathLst>
+            </a:custGeom>
+            <a:solidFill>
+              <a:schemeClr val="accent5">
+                <a:lumMod val="60000"/>
+                <a:lumOff val="40000"/>
+              </a:schemeClr>
+            </a:solidFill>
+            <a:ln w="12700">
+              <a:solidFill>
+                <a:schemeClr val="tx1"/>
+              </a:solidFill>
+            </a:ln>
+          </p:spPr>
+          <p:style>
+            <a:lnRef idx="2">
+              <a:schemeClr val="accent1">
+                <a:shade val="50000"/>
+              </a:schemeClr>
+            </a:lnRef>
+            <a:fillRef idx="1">
+              <a:schemeClr val="accent1"/>
+            </a:fillRef>
+            <a:effectRef idx="0">
+              <a:schemeClr val="accent1"/>
+            </a:effectRef>
+            <a:fontRef idx="minor">
+              <a:schemeClr val="lt1"/>
+            </a:fontRef>
+          </p:style>
+          <p:txBody>
+            <a:bodyPr rtlCol="0" anchor="ctr"/>
+            <a:lstStyle/>
+            <a:p>
+              <a:pPr algn="ctr"/>
+              <a:endParaRPr lang="ru-RU"/>
+            </a:p>
+          </p:txBody>
+        </p:sp>
+        <p:sp>
+          <p:nvSpPr>
+            <p:cNvPr id="25" name="Полилиния 24"/>
+            <p:cNvSpPr/>
+            <p:nvPr/>
+          </p:nvSpPr>
+          <p:spPr>
+            <a:xfrm>
+              <a:off x="3645592" y="1982506"/>
+              <a:ext cx="418238" cy="436716"/>
+            </a:xfrm>
+            <a:custGeom>
+              <a:avLst/>
+              <a:gdLst>
+                <a:gd name="connsiteX0" fmla="*/ 120304 w 988615"/>
+                <a:gd name="connsiteY0" fmla="*/ 0 h 1104938"/>
+                <a:gd name="connsiteX1" fmla="*/ 44104 w 988615"/>
+                <a:gd name="connsiteY1" fmla="*/ 838200 h 1104938"/>
+                <a:gd name="connsiteX2" fmla="*/ 717204 w 988615"/>
+                <a:gd name="connsiteY2" fmla="*/ 1104900 h 1104938"/>
+                <a:gd name="connsiteX3" fmla="*/ 971204 w 988615"/>
+                <a:gd name="connsiteY3" fmla="*/ 825500 h 1104938"/>
+                <a:gd name="connsiteX4" fmla="*/ 945804 w 988615"/>
+                <a:gd name="connsiteY4" fmla="*/ 76200 h 1104938"/>
+              </a:gdLst>
+              <a:ahLst/>
+              <a:cxnLst>
+                <a:cxn ang="0">
+                  <a:pos x="connsiteX0" y="connsiteY0"/>
+                </a:cxn>
+                <a:cxn ang="0">
+                  <a:pos x="connsiteX1" y="connsiteY1"/>
+                </a:cxn>
+                <a:cxn ang="0">
+                  <a:pos x="connsiteX2" y="connsiteY2"/>
+                </a:cxn>
+                <a:cxn ang="0">
+                  <a:pos x="connsiteX3" y="connsiteY3"/>
+                </a:cxn>
+                <a:cxn ang="0">
+                  <a:pos x="connsiteX4" y="connsiteY4"/>
+                </a:cxn>
+              </a:cxnLst>
+              <a:rect l="l" t="t" r="r" b="b"/>
+              <a:pathLst>
+                <a:path w="988615" h="1104938">
+                  <a:moveTo>
+                    <a:pt x="120304" y="0"/>
+                  </a:moveTo>
+                  <a:cubicBezTo>
+                    <a:pt x="32462" y="327025"/>
+                    <a:pt x="-55379" y="654050"/>
+                    <a:pt x="44104" y="838200"/>
+                  </a:cubicBezTo>
+                  <a:cubicBezTo>
+                    <a:pt x="143587" y="1022350"/>
+                    <a:pt x="562687" y="1107017"/>
+                    <a:pt x="717204" y="1104900"/>
+                  </a:cubicBezTo>
+                  <a:cubicBezTo>
+                    <a:pt x="871721" y="1102783"/>
+                    <a:pt x="933104" y="996950"/>
+                    <a:pt x="971204" y="825500"/>
+                  </a:cubicBezTo>
+                  <a:cubicBezTo>
+                    <a:pt x="1009304" y="654050"/>
+                    <a:pt x="977554" y="365125"/>
+                    <a:pt x="945804" y="76200"/>
+                  </a:cubicBezTo>
+                </a:path>
+              </a:pathLst>
+            </a:custGeom>
+            <a:solidFill>
+              <a:schemeClr val="bg1"/>
+            </a:solidFill>
+            <a:ln w="12700">
+              <a:solidFill>
+                <a:schemeClr val="tx1"/>
+              </a:solidFill>
+            </a:ln>
+          </p:spPr>
+          <p:style>
+            <a:lnRef idx="1">
+              <a:schemeClr val="accent1"/>
+            </a:lnRef>
+            <a:fillRef idx="0">
+              <a:schemeClr val="accent1"/>
+            </a:fillRef>
+            <a:effectRef idx="0">
+              <a:schemeClr val="accent1"/>
+            </a:effectRef>
+            <a:fontRef idx="minor">
+              <a:schemeClr val="tx1"/>
+            </a:fontRef>
+          </p:style>
+          <p:txBody>
+            <a:bodyPr rtlCol="0" anchor="ctr"/>
+            <a:lstStyle/>
+            <a:p>
+              <a:pPr algn="ctr"/>
+              <a:endParaRPr lang="ru-RU"/>
+            </a:p>
+          </p:txBody>
+        </p:sp>
+        <p:grpSp>
+          <p:nvGrpSpPr>
+            <p:cNvPr id="24" name="Группа 23"/>
+            <p:cNvGrpSpPr/>
+            <p:nvPr/>
+          </p:nvGrpSpPr>
+          <p:grpSpPr>
+            <a:xfrm>
+              <a:off x="3464898" y="980728"/>
+              <a:ext cx="1035752" cy="1286945"/>
+              <a:chOff x="10372684" y="-2005925"/>
+              <a:chExt cx="7066620" cy="9381261"/>
+            </a:xfrm>
+          </p:grpSpPr>
+          <p:sp>
+            <p:nvSpPr>
+              <p:cNvPr id="11" name="Полилиния 10"/>
+              <p:cNvSpPr/>
+              <p:nvPr/>
+            </p:nvSpPr>
+            <p:spPr>
+              <a:xfrm>
+                <a:off x="10915979" y="-1049386"/>
+                <a:ext cx="6146583" cy="8424722"/>
+              </a:xfrm>
+              <a:custGeom>
+                <a:avLst/>
+                <a:gdLst>
+                  <a:gd name="connsiteX0" fmla="*/ 5867071 w 6146583"/>
+                  <a:gd name="connsiteY0" fmla="*/ 649336 h 8424722"/>
+                  <a:gd name="connsiteX1" fmla="*/ 5886121 w 6146583"/>
+                  <a:gd name="connsiteY1" fmla="*/ 1773286 h 8424722"/>
+                  <a:gd name="connsiteX2" fmla="*/ 5848021 w 6146583"/>
+                  <a:gd name="connsiteY2" fmla="*/ 2592436 h 8424722"/>
+                  <a:gd name="connsiteX3" fmla="*/ 5619421 w 6146583"/>
+                  <a:gd name="connsiteY3" fmla="*/ 3106786 h 8424722"/>
+                  <a:gd name="connsiteX4" fmla="*/ 5733721 w 6146583"/>
+                  <a:gd name="connsiteY4" fmla="*/ 3659236 h 8424722"/>
+                  <a:gd name="connsiteX5" fmla="*/ 5562271 w 6146583"/>
+                  <a:gd name="connsiteY5" fmla="*/ 4973686 h 8424722"/>
+                  <a:gd name="connsiteX6" fmla="*/ 5733721 w 6146583"/>
+                  <a:gd name="connsiteY6" fmla="*/ 6859636 h 8424722"/>
+                  <a:gd name="connsiteX7" fmla="*/ 5238421 w 6146583"/>
+                  <a:gd name="connsiteY7" fmla="*/ 7926436 h 8424722"/>
+                  <a:gd name="connsiteX8" fmla="*/ 4495471 w 6146583"/>
+                  <a:gd name="connsiteY8" fmla="*/ 8364586 h 8424722"/>
+                  <a:gd name="connsiteX9" fmla="*/ 3523921 w 6146583"/>
+                  <a:gd name="connsiteY9" fmla="*/ 8174086 h 8424722"/>
+                  <a:gd name="connsiteX10" fmla="*/ 437821 w 6146583"/>
+                  <a:gd name="connsiteY10" fmla="*/ 6135736 h 8424722"/>
+                  <a:gd name="connsiteX11" fmla="*/ 18721 w 6146583"/>
+                  <a:gd name="connsiteY11" fmla="*/ 5126086 h 8424722"/>
+                  <a:gd name="connsiteX12" fmla="*/ 399721 w 6146583"/>
+                  <a:gd name="connsiteY12" fmla="*/ 1392286 h 8424722"/>
+                  <a:gd name="connsiteX13" fmla="*/ 2190421 w 6146583"/>
+                  <a:gd name="connsiteY13" fmla="*/ 20686 h 8424722"/>
+                  <a:gd name="connsiteX14" fmla="*/ 5867071 w 6146583"/>
+                  <a:gd name="connsiteY14" fmla="*/ 649336 h 8424722"/>
+                </a:gdLst>
+                <a:ahLst/>
+                <a:cxnLst>
+                  <a:cxn ang="0">
+                    <a:pos x="connsiteX0" y="connsiteY0"/>
+                  </a:cxn>
+                  <a:cxn ang="0">
+                    <a:pos x="connsiteX1" y="connsiteY1"/>
+                  </a:cxn>
+                  <a:cxn ang="0">
+                    <a:pos x="connsiteX2" y="connsiteY2"/>
+                  </a:cxn>
+                  <a:cxn ang="0">
+                    <a:pos x="connsiteX3" y="connsiteY3"/>
+                  </a:cxn>
+                  <a:cxn ang="0">
+                    <a:pos x="connsiteX4" y="connsiteY4"/>
+                  </a:cxn>
+                  <a:cxn ang="0">
+                    <a:pos x="connsiteX5" y="connsiteY5"/>
+                  </a:cxn>
+                  <a:cxn ang="0">
+                    <a:pos x="connsiteX6" y="connsiteY6"/>
+                  </a:cxn>
+                  <a:cxn ang="0">
+                    <a:pos x="connsiteX7" y="connsiteY7"/>
+                  </a:cxn>
+                  <a:cxn ang="0">
+                    <a:pos x="connsiteX8" y="connsiteY8"/>
+                  </a:cxn>
+                  <a:cxn ang="0">
+                    <a:pos x="connsiteX9" y="connsiteY9"/>
+                  </a:cxn>
+                  <a:cxn ang="0">
+                    <a:pos x="connsiteX10" y="connsiteY10"/>
+                  </a:cxn>
+                  <a:cxn ang="0">
+                    <a:pos x="connsiteX11" y="connsiteY11"/>
+                  </a:cxn>
+                  <a:cxn ang="0">
+                    <a:pos x="connsiteX12" y="connsiteY12"/>
+                  </a:cxn>
+                  <a:cxn ang="0">
+                    <a:pos x="connsiteX13" y="connsiteY13"/>
+                  </a:cxn>
+                  <a:cxn ang="0">
+                    <a:pos x="connsiteX14" y="connsiteY14"/>
+                  </a:cxn>
+                </a:cxnLst>
+                <a:rect l="l" t="t" r="r" b="b"/>
+                <a:pathLst>
+                  <a:path w="6146583" h="8424722">
+                    <a:moveTo>
+                      <a:pt x="5867071" y="649336"/>
+                    </a:moveTo>
+                    <a:cubicBezTo>
+                      <a:pt x="6483021" y="941436"/>
+                      <a:pt x="5889296" y="1449436"/>
+                      <a:pt x="5886121" y="1773286"/>
+                    </a:cubicBezTo>
+                    <a:cubicBezTo>
+                      <a:pt x="5882946" y="2097136"/>
+                      <a:pt x="5892471" y="2370186"/>
+                      <a:pt x="5848021" y="2592436"/>
+                    </a:cubicBezTo>
+                    <a:cubicBezTo>
+                      <a:pt x="5803571" y="2814686"/>
+                      <a:pt x="5638471" y="2928986"/>
+                      <a:pt x="5619421" y="3106786"/>
+                    </a:cubicBezTo>
+                    <a:cubicBezTo>
+                      <a:pt x="5600371" y="3284586"/>
+                      <a:pt x="5743246" y="3348086"/>
+                      <a:pt x="5733721" y="3659236"/>
+                    </a:cubicBezTo>
+                    <a:cubicBezTo>
+                      <a:pt x="5724196" y="3970386"/>
+                      <a:pt x="5562271" y="4440286"/>
+                      <a:pt x="5562271" y="4973686"/>
+                    </a:cubicBezTo>
+                    <a:cubicBezTo>
+                      <a:pt x="5562271" y="5507086"/>
+                      <a:pt x="5787696" y="6367511"/>
+                      <a:pt x="5733721" y="6859636"/>
+                    </a:cubicBezTo>
+                    <a:cubicBezTo>
+                      <a:pt x="5679746" y="7351761"/>
+                      <a:pt x="5444796" y="7675611"/>
+                      <a:pt x="5238421" y="7926436"/>
+                    </a:cubicBezTo>
+                    <a:cubicBezTo>
+                      <a:pt x="5032046" y="8177261"/>
+                      <a:pt x="4781221" y="8323311"/>
+                      <a:pt x="4495471" y="8364586"/>
+                    </a:cubicBezTo>
+                    <a:cubicBezTo>
+                      <a:pt x="4209721" y="8405861"/>
+                      <a:pt x="4200196" y="8545561"/>
+                      <a:pt x="3523921" y="8174086"/>
+                    </a:cubicBezTo>
+                    <a:cubicBezTo>
+                      <a:pt x="2847646" y="7802611"/>
+                      <a:pt x="1022021" y="6643736"/>
+                      <a:pt x="437821" y="6135736"/>
+                    </a:cubicBezTo>
+                    <a:cubicBezTo>
+                      <a:pt x="-146379" y="5627736"/>
+                      <a:pt x="25071" y="5916661"/>
+                      <a:pt x="18721" y="5126086"/>
+                    </a:cubicBezTo>
+                    <a:cubicBezTo>
+                      <a:pt x="12371" y="4335511"/>
+                      <a:pt x="37771" y="2243186"/>
+                      <a:pt x="399721" y="1392286"/>
+                    </a:cubicBezTo>
+                    <a:cubicBezTo>
+                      <a:pt x="761671" y="541386"/>
+                      <a:pt x="1279196" y="144511"/>
+                      <a:pt x="2190421" y="20686"/>
+                    </a:cubicBezTo>
+                    <a:cubicBezTo>
+                      <a:pt x="3101646" y="-103139"/>
+                      <a:pt x="5251121" y="357236"/>
+                      <a:pt x="5867071" y="649336"/>
+                    </a:cubicBezTo>
+                    <a:close/>
+                  </a:path>
+                </a:pathLst>
+              </a:custGeom>
+              <a:solidFill>
+                <a:schemeClr val="bg1"/>
+              </a:solidFill>
+              <a:ln w="12700">
+                <a:solidFill>
+                  <a:schemeClr val="tx1"/>
+                </a:solidFill>
+              </a:ln>
+            </p:spPr>
+            <p:style>
+              <a:lnRef idx="2">
+                <a:schemeClr val="accent1">
+                  <a:shade val="50000"/>
+                </a:schemeClr>
+              </a:lnRef>
+              <a:fillRef idx="1">
+                <a:schemeClr val="accent1"/>
+              </a:fillRef>
+              <a:effectRef idx="0">
+                <a:schemeClr val="accent1"/>
+              </a:effectRef>
+              <a:fontRef idx="minor">
+                <a:schemeClr val="lt1"/>
+              </a:fontRef>
+            </p:style>
+            <p:txBody>
+              <a:bodyPr rtlCol="0" anchor="ctr"/>
+              <a:lstStyle/>
+              <a:p>
+                <a:pPr algn="ctr"/>
+                <a:endParaRPr lang="ru-RU"/>
+              </a:p>
+            </p:txBody>
+          </p:sp>
+          <p:sp>
+            <p:nvSpPr>
+              <p:cNvPr id="13" name="Полилиния 12"/>
+              <p:cNvSpPr/>
+              <p:nvPr/>
+            </p:nvSpPr>
+            <p:spPr>
+              <a:xfrm>
+                <a:off x="14935200" y="1981200"/>
+                <a:ext cx="1205589" cy="2552700"/>
+              </a:xfrm>
+              <a:custGeom>
+                <a:avLst/>
+                <a:gdLst>
+                  <a:gd name="connsiteX0" fmla="*/ 0 w 1205589"/>
+                  <a:gd name="connsiteY0" fmla="*/ 0 h 2552700"/>
+                  <a:gd name="connsiteX1" fmla="*/ 400050 w 1205589"/>
+                  <a:gd name="connsiteY1" fmla="*/ 419100 h 2552700"/>
+                  <a:gd name="connsiteX2" fmla="*/ 647700 w 1205589"/>
+                  <a:gd name="connsiteY2" fmla="*/ 1276350 h 2552700"/>
+                  <a:gd name="connsiteX3" fmla="*/ 1047750 w 1205589"/>
+                  <a:gd name="connsiteY3" fmla="*/ 1847850 h 2552700"/>
+                  <a:gd name="connsiteX4" fmla="*/ 1200150 w 1205589"/>
+                  <a:gd name="connsiteY4" fmla="*/ 2381250 h 2552700"/>
+                  <a:gd name="connsiteX5" fmla="*/ 876300 w 1205589"/>
+                  <a:gd name="connsiteY5" fmla="*/ 2552700 h 2552700"/>
+                  <a:gd name="connsiteX6" fmla="*/ 133350 w 1205589"/>
+                  <a:gd name="connsiteY6" fmla="*/ 2362200 h 2552700"/>
+                </a:gdLst>
+                <a:ahLst/>
+                <a:cxnLst>
+                  <a:cxn ang="0">
+                    <a:pos x="connsiteX0" y="connsiteY0"/>
+                  </a:cxn>
+                  <a:cxn ang="0">
+                    <a:pos x="connsiteX1" y="connsiteY1"/>
+                  </a:cxn>
+                  <a:cxn ang="0">
+                    <a:pos x="connsiteX2" y="connsiteY2"/>
+                  </a:cxn>
+                  <a:cxn ang="0">
+                    <a:pos x="connsiteX3" y="connsiteY3"/>
+                  </a:cxn>
+                  <a:cxn ang="0">
+                    <a:pos x="connsiteX4" y="connsiteY4"/>
+                  </a:cxn>
+                  <a:cxn ang="0">
+                    <a:pos x="connsiteX5" y="connsiteY5"/>
+                  </a:cxn>
+                  <a:cxn ang="0">
+                    <a:pos x="connsiteX6" y="connsiteY6"/>
+                  </a:cxn>
+                </a:cxnLst>
+                <a:rect l="l" t="t" r="r" b="b"/>
+                <a:pathLst>
+                  <a:path w="1205589" h="2552700">
+                    <a:moveTo>
+                      <a:pt x="0" y="0"/>
+                    </a:moveTo>
+                    <a:cubicBezTo>
+                      <a:pt x="146050" y="103187"/>
+                      <a:pt x="292100" y="206375"/>
+                      <a:pt x="400050" y="419100"/>
+                    </a:cubicBezTo>
+                    <a:cubicBezTo>
+                      <a:pt x="508000" y="631825"/>
+                      <a:pt x="539750" y="1038225"/>
+                      <a:pt x="647700" y="1276350"/>
+                    </a:cubicBezTo>
+                    <a:cubicBezTo>
+                      <a:pt x="755650" y="1514475"/>
+                      <a:pt x="955675" y="1663700"/>
+                      <a:pt x="1047750" y="1847850"/>
+                    </a:cubicBezTo>
+                    <a:cubicBezTo>
+                      <a:pt x="1139825" y="2032000"/>
+                      <a:pt x="1228725" y="2263775"/>
+                      <a:pt x="1200150" y="2381250"/>
+                    </a:cubicBezTo>
+                    <a:cubicBezTo>
+                      <a:pt x="1171575" y="2498725"/>
+                      <a:pt x="1054100" y="2555875"/>
+                      <a:pt x="876300" y="2552700"/>
+                    </a:cubicBezTo>
+                    <a:cubicBezTo>
+                      <a:pt x="698500" y="2549525"/>
+                      <a:pt x="415925" y="2455862"/>
+                      <a:pt x="133350" y="2362200"/>
+                    </a:cubicBezTo>
+                  </a:path>
+                </a:pathLst>
+              </a:custGeom>
+              <a:ln w="12700">
+                <a:solidFill>
+                  <a:schemeClr val="tx1"/>
+                </a:solidFill>
+              </a:ln>
+            </p:spPr>
+            <p:style>
+              <a:lnRef idx="1">
+                <a:schemeClr val="accent1"/>
+              </a:lnRef>
+              <a:fillRef idx="0">
+                <a:schemeClr val="accent1"/>
+              </a:fillRef>
+              <a:effectRef idx="0">
+                <a:schemeClr val="accent1"/>
+              </a:effectRef>
+              <a:fontRef idx="minor">
+                <a:schemeClr val="tx1"/>
+              </a:fontRef>
+            </p:style>
+            <p:txBody>
+              <a:bodyPr rtlCol="0" anchor="ctr"/>
+              <a:lstStyle/>
+              <a:p>
+                <a:pPr algn="ctr"/>
+                <a:endParaRPr lang="ru-RU"/>
+              </a:p>
+            </p:txBody>
+          </p:sp>
+          <p:sp>
+            <p:nvSpPr>
+              <p:cNvPr id="14" name="Полилиния 13"/>
+              <p:cNvSpPr/>
+              <p:nvPr/>
+            </p:nvSpPr>
+            <p:spPr>
+              <a:xfrm>
+                <a:off x="12820650" y="1200150"/>
+                <a:ext cx="1219200" cy="251929"/>
+              </a:xfrm>
+              <a:custGeom>
+                <a:avLst/>
+                <a:gdLst>
+                  <a:gd name="connsiteX0" fmla="*/ 0 w 1219200"/>
+                  <a:gd name="connsiteY0" fmla="*/ 0 h 251929"/>
+                  <a:gd name="connsiteX1" fmla="*/ 495300 w 1219200"/>
+                  <a:gd name="connsiteY1" fmla="*/ 247650 h 251929"/>
+                  <a:gd name="connsiteX2" fmla="*/ 1219200 w 1219200"/>
+                  <a:gd name="connsiteY2" fmla="*/ 133350 h 251929"/>
+                </a:gdLst>
+                <a:ahLst/>
+                <a:cxnLst>
+                  <a:cxn ang="0">
+                    <a:pos x="connsiteX0" y="connsiteY0"/>
+                  </a:cxn>
+                  <a:cxn ang="0">
+                    <a:pos x="connsiteX1" y="connsiteY1"/>
+                  </a:cxn>
+                  <a:cxn ang="0">
+                    <a:pos x="connsiteX2" y="connsiteY2"/>
+                  </a:cxn>
+                </a:cxnLst>
+                <a:rect l="l" t="t" r="r" b="b"/>
+                <a:pathLst>
+                  <a:path w="1219200" h="251929">
+                    <a:moveTo>
+                      <a:pt x="0" y="0"/>
+                    </a:moveTo>
+                    <a:cubicBezTo>
+                      <a:pt x="146050" y="112712"/>
+                      <a:pt x="292100" y="225425"/>
+                      <a:pt x="495300" y="247650"/>
+                    </a:cubicBezTo>
+                    <a:cubicBezTo>
+                      <a:pt x="698500" y="269875"/>
+                      <a:pt x="958850" y="201612"/>
+                      <a:pt x="1219200" y="133350"/>
+                    </a:cubicBezTo>
+                  </a:path>
+                </a:pathLst>
+              </a:custGeom>
+              <a:ln w="12700">
+                <a:solidFill>
+                  <a:schemeClr val="tx1"/>
+                </a:solidFill>
+              </a:ln>
+            </p:spPr>
+            <p:style>
+              <a:lnRef idx="1">
+                <a:schemeClr val="accent1"/>
+              </a:lnRef>
+              <a:fillRef idx="0">
+                <a:schemeClr val="accent1"/>
+              </a:fillRef>
+              <a:effectRef idx="0">
+                <a:schemeClr val="accent1"/>
+              </a:effectRef>
+              <a:fontRef idx="minor">
+                <a:schemeClr val="tx1"/>
+              </a:fontRef>
+            </p:style>
+            <p:txBody>
+              <a:bodyPr rtlCol="0" anchor="ctr"/>
+              <a:lstStyle/>
+              <a:p>
+                <a:pPr algn="ctr"/>
+                <a:endParaRPr lang="ru-RU"/>
+              </a:p>
+            </p:txBody>
+          </p:sp>
+          <p:sp>
+            <p:nvSpPr>
+              <p:cNvPr id="15" name="Полилиния 14"/>
+              <p:cNvSpPr/>
+              <p:nvPr/>
+            </p:nvSpPr>
+            <p:spPr>
+              <a:xfrm>
+                <a:off x="15659100" y="1238250"/>
+                <a:ext cx="1009650" cy="247650"/>
+              </a:xfrm>
+              <a:custGeom>
+                <a:avLst/>
+                <a:gdLst>
+                  <a:gd name="connsiteX0" fmla="*/ 0 w 1009650"/>
+                  <a:gd name="connsiteY0" fmla="*/ 0 h 247650"/>
+                  <a:gd name="connsiteX1" fmla="*/ 514350 w 1009650"/>
+                  <a:gd name="connsiteY1" fmla="*/ 247650 h 247650"/>
+                  <a:gd name="connsiteX2" fmla="*/ 1009650 w 1009650"/>
+                  <a:gd name="connsiteY2" fmla="*/ 0 h 247650"/>
+                </a:gdLst>
+                <a:ahLst/>
+                <a:cxnLst>
+                  <a:cxn ang="0">
+                    <a:pos x="connsiteX0" y="connsiteY0"/>
+                  </a:cxn>
+                  <a:cxn ang="0">
+                    <a:pos x="connsiteX1" y="connsiteY1"/>
+                  </a:cxn>
+                  <a:cxn ang="0">
+                    <a:pos x="connsiteX2" y="connsiteY2"/>
+                  </a:cxn>
+                </a:cxnLst>
+                <a:rect l="l" t="t" r="r" b="b"/>
+                <a:pathLst>
+                  <a:path w="1009650" h="247650">
+                    <a:moveTo>
+                      <a:pt x="0" y="0"/>
+                    </a:moveTo>
+                    <a:cubicBezTo>
+                      <a:pt x="173037" y="123825"/>
+                      <a:pt x="346075" y="247650"/>
+                      <a:pt x="514350" y="247650"/>
+                    </a:cubicBezTo>
+                    <a:cubicBezTo>
+                      <a:pt x="682625" y="247650"/>
+                      <a:pt x="846137" y="123825"/>
+                      <a:pt x="1009650" y="0"/>
+                    </a:cubicBezTo>
+                  </a:path>
+                </a:pathLst>
+              </a:custGeom>
+              <a:ln w="12700">
+                <a:solidFill>
+                  <a:schemeClr val="tx1"/>
+                </a:solidFill>
+              </a:ln>
+            </p:spPr>
+            <p:style>
+              <a:lnRef idx="1">
+                <a:schemeClr val="accent1"/>
+              </a:lnRef>
+              <a:fillRef idx="0">
+                <a:schemeClr val="accent1"/>
+              </a:fillRef>
+              <a:effectRef idx="0">
+                <a:schemeClr val="accent1"/>
+              </a:effectRef>
+              <a:fontRef idx="minor">
+                <a:schemeClr val="tx1"/>
+              </a:fontRef>
+            </p:style>
+            <p:txBody>
+              <a:bodyPr rtlCol="0" anchor="ctr"/>
+              <a:lstStyle/>
+              <a:p>
+                <a:pPr algn="ctr"/>
+                <a:endParaRPr lang="ru-RU" dirty="0"/>
+              </a:p>
+            </p:txBody>
+          </p:sp>
+          <p:sp>
+            <p:nvSpPr>
+              <p:cNvPr id="18" name="Полилиния 17"/>
+              <p:cNvSpPr/>
+              <p:nvPr/>
+            </p:nvSpPr>
+            <p:spPr>
+              <a:xfrm>
+                <a:off x="10437391" y="-2005925"/>
+                <a:ext cx="7001913" cy="6486076"/>
+              </a:xfrm>
+              <a:custGeom>
+                <a:avLst/>
+                <a:gdLst>
+                  <a:gd name="connsiteX0" fmla="*/ 6898109 w 7001913"/>
+                  <a:gd name="connsiteY0" fmla="*/ 2215475 h 6486076"/>
+                  <a:gd name="connsiteX1" fmla="*/ 6898109 w 7001913"/>
+                  <a:gd name="connsiteY1" fmla="*/ 2120225 h 6486076"/>
+                  <a:gd name="connsiteX2" fmla="*/ 6536159 w 7001913"/>
+                  <a:gd name="connsiteY2" fmla="*/ 1015325 h 6486076"/>
+                  <a:gd name="connsiteX3" fmla="*/ 6002759 w 7001913"/>
+                  <a:gd name="connsiteY3" fmla="*/ 691475 h 6486076"/>
+                  <a:gd name="connsiteX4" fmla="*/ 5736059 w 7001913"/>
+                  <a:gd name="connsiteY4" fmla="*/ 843875 h 6486076"/>
+                  <a:gd name="connsiteX5" fmla="*/ 4116809 w 7001913"/>
+                  <a:gd name="connsiteY5" fmla="*/ 139025 h 6486076"/>
+                  <a:gd name="connsiteX6" fmla="*/ 3278609 w 7001913"/>
+                  <a:gd name="connsiteY6" fmla="*/ 5675 h 6486076"/>
+                  <a:gd name="connsiteX7" fmla="*/ 2916659 w 7001913"/>
+                  <a:gd name="connsiteY7" fmla="*/ 234275 h 6486076"/>
+                  <a:gd name="connsiteX8" fmla="*/ 2173709 w 7001913"/>
+                  <a:gd name="connsiteY8" fmla="*/ 253325 h 6486076"/>
+                  <a:gd name="connsiteX9" fmla="*/ 2040359 w 7001913"/>
+                  <a:gd name="connsiteY9" fmla="*/ 539075 h 6486076"/>
+                  <a:gd name="connsiteX10" fmla="*/ 821159 w 7001913"/>
+                  <a:gd name="connsiteY10" fmla="*/ 748625 h 6486076"/>
+                  <a:gd name="connsiteX11" fmla="*/ 764009 w 7001913"/>
+                  <a:gd name="connsiteY11" fmla="*/ 1205825 h 6486076"/>
+                  <a:gd name="connsiteX12" fmla="*/ 59159 w 7001913"/>
+                  <a:gd name="connsiteY12" fmla="*/ 2044025 h 6486076"/>
+                  <a:gd name="connsiteX13" fmla="*/ 59159 w 7001913"/>
+                  <a:gd name="connsiteY13" fmla="*/ 3148925 h 6486076"/>
+                  <a:gd name="connsiteX14" fmla="*/ 230609 w 7001913"/>
+                  <a:gd name="connsiteY14" fmla="*/ 4177625 h 6486076"/>
+                  <a:gd name="connsiteX15" fmla="*/ 306809 w 7001913"/>
+                  <a:gd name="connsiteY15" fmla="*/ 5911175 h 6486076"/>
+                  <a:gd name="connsiteX16" fmla="*/ 725909 w 7001913"/>
+                  <a:gd name="connsiteY16" fmla="*/ 6425525 h 6486076"/>
+                  <a:gd name="connsiteX17" fmla="*/ 916409 w 7001913"/>
+                  <a:gd name="connsiteY17" fmla="*/ 4691975 h 6486076"/>
+                  <a:gd name="connsiteX18" fmla="*/ 1183109 w 7001913"/>
+                  <a:gd name="connsiteY18" fmla="*/ 3491825 h 6486076"/>
+                  <a:gd name="connsiteX19" fmla="*/ 1183109 w 7001913"/>
+                  <a:gd name="connsiteY19" fmla="*/ 3091775 h 6486076"/>
+                  <a:gd name="connsiteX20" fmla="*/ 1811759 w 7001913"/>
+                  <a:gd name="connsiteY20" fmla="*/ 2577425 h 6486076"/>
+                  <a:gd name="connsiteX21" fmla="*/ 2097509 w 7001913"/>
+                  <a:gd name="connsiteY21" fmla="*/ 1872575 h 6486076"/>
+                  <a:gd name="connsiteX22" fmla="*/ 3164309 w 7001913"/>
+                  <a:gd name="connsiteY22" fmla="*/ 2348825 h 6486076"/>
+                  <a:gd name="connsiteX23" fmla="*/ 4459709 w 7001913"/>
+                  <a:gd name="connsiteY23" fmla="*/ 2501225 h 6486076"/>
+                  <a:gd name="connsiteX24" fmla="*/ 4840709 w 7001913"/>
+                  <a:gd name="connsiteY24" fmla="*/ 2158325 h 6486076"/>
+                  <a:gd name="connsiteX25" fmla="*/ 4802609 w 7001913"/>
+                  <a:gd name="connsiteY25" fmla="*/ 2101175 h 6486076"/>
+                  <a:gd name="connsiteX26" fmla="*/ 5069309 w 7001913"/>
+                  <a:gd name="connsiteY26" fmla="*/ 2253575 h 6486076"/>
+                  <a:gd name="connsiteX27" fmla="*/ 6002759 w 7001913"/>
+                  <a:gd name="connsiteY27" fmla="*/ 1872575 h 6486076"/>
+                  <a:gd name="connsiteX28" fmla="*/ 6650459 w 7001913"/>
+                  <a:gd name="connsiteY28" fmla="*/ 2367875 h 6486076"/>
+                  <a:gd name="connsiteX29" fmla="*/ 6993359 w 7001913"/>
+                  <a:gd name="connsiteY29" fmla="*/ 2291675 h 6486076"/>
+                  <a:gd name="connsiteX30" fmla="*/ 6898109 w 7001913"/>
+                  <a:gd name="connsiteY30" fmla="*/ 2215475 h 6486076"/>
+                </a:gdLst>
+                <a:ahLst/>
+                <a:cxnLst>
+                  <a:cxn ang="0">
+                    <a:pos x="connsiteX0" y="connsiteY0"/>
+                  </a:cxn>
+                  <a:cxn ang="0">
+                    <a:pos x="connsiteX1" y="connsiteY1"/>
+                  </a:cxn>
+                  <a:cxn ang="0">
+                    <a:pos x="connsiteX2" y="connsiteY2"/>
+                  </a:cxn>
+                  <a:cxn ang="0">
+                    <a:pos x="connsiteX3" y="connsiteY3"/>
+                  </a:cxn>
+                  <a:cxn ang="0">
+                    <a:pos x="connsiteX4" y="connsiteY4"/>
+                  </a:cxn>
+                  <a:cxn ang="0">
+                    <a:pos x="connsiteX5" y="connsiteY5"/>
+                  </a:cxn>
+                  <a:cxn ang="0">
+                    <a:pos x="connsiteX6" y="connsiteY6"/>
+                  </a:cxn>
+                  <a:cxn ang="0">
+                    <a:pos x="connsiteX7" y="connsiteY7"/>
+                  </a:cxn>
+                  <a:cxn ang="0">
+                    <a:pos x="connsiteX8" y="connsiteY8"/>
+                  </a:cxn>
+                  <a:cxn ang="0">
+                    <a:pos x="connsiteX9" y="connsiteY9"/>
+                  </a:cxn>
+                  <a:cxn ang="0">
+                    <a:pos x="connsiteX10" y="connsiteY10"/>
+                  </a:cxn>
+                  <a:cxn ang="0">
+                    <a:pos x="connsiteX11" y="connsiteY11"/>
+                  </a:cxn>
+                  <a:cxn ang="0">
+                    <a:pos x="connsiteX12" y="connsiteY12"/>
+                  </a:cxn>
+                  <a:cxn ang="0">
+                    <a:pos x="connsiteX13" y="connsiteY13"/>
+                  </a:cxn>
+                  <a:cxn ang="0">
+                    <a:pos x="connsiteX14" y="connsiteY14"/>
+                  </a:cxn>
+                  <a:cxn ang="0">
+                    <a:pos x="connsiteX15" y="connsiteY15"/>
+                  </a:cxn>
+                  <a:cxn ang="0">
+                    <a:pos x="connsiteX16" y="connsiteY16"/>
+                  </a:cxn>
+                  <a:cxn ang="0">
+                    <a:pos x="connsiteX17" y="connsiteY17"/>
+                  </a:cxn>
+                  <a:cxn ang="0">
+                    <a:pos x="connsiteX18" y="connsiteY18"/>
+                  </a:cxn>
+                  <a:cxn ang="0">
+                    <a:pos x="connsiteX19" y="connsiteY19"/>
+                  </a:cxn>
+                  <a:cxn ang="0">
+                    <a:pos x="connsiteX20" y="connsiteY20"/>
+                  </a:cxn>
+                  <a:cxn ang="0">
+                    <a:pos x="connsiteX21" y="connsiteY21"/>
+                  </a:cxn>
+                  <a:cxn ang="0">
+                    <a:pos x="connsiteX22" y="connsiteY22"/>
+                  </a:cxn>
+                  <a:cxn ang="0">
+                    <a:pos x="connsiteX23" y="connsiteY23"/>
+                  </a:cxn>
+                  <a:cxn ang="0">
+                    <a:pos x="connsiteX24" y="connsiteY24"/>
+                  </a:cxn>
+                  <a:cxn ang="0">
+                    <a:pos x="connsiteX25" y="connsiteY25"/>
+                  </a:cxn>
+                  <a:cxn ang="0">
+                    <a:pos x="connsiteX26" y="connsiteY26"/>
+                  </a:cxn>
+                  <a:cxn ang="0">
+                    <a:pos x="connsiteX27" y="connsiteY27"/>
+                  </a:cxn>
+                  <a:cxn ang="0">
+                    <a:pos x="connsiteX28" y="connsiteY28"/>
+                  </a:cxn>
+                  <a:cxn ang="0">
+                    <a:pos x="connsiteX29" y="connsiteY29"/>
+                  </a:cxn>
+                  <a:cxn ang="0">
+                    <a:pos x="connsiteX30" y="connsiteY30"/>
+                  </a:cxn>
+                </a:cxnLst>
+                <a:rect l="l" t="t" r="r" b="b"/>
+                <a:pathLst>
+                  <a:path w="7001913" h="6486076">
+                    <a:moveTo>
+                      <a:pt x="6898109" y="2215475"/>
+                    </a:moveTo>
+                    <a:cubicBezTo>
+                      <a:pt x="6882234" y="2186900"/>
+                      <a:pt x="6958434" y="2320250"/>
+                      <a:pt x="6898109" y="2120225"/>
+                    </a:cubicBezTo>
+                    <a:cubicBezTo>
+                      <a:pt x="6837784" y="1920200"/>
+                      <a:pt x="6685384" y="1253450"/>
+                      <a:pt x="6536159" y="1015325"/>
+                    </a:cubicBezTo>
+                    <a:cubicBezTo>
+                      <a:pt x="6386934" y="777200"/>
+                      <a:pt x="6136109" y="720050"/>
+                      <a:pt x="6002759" y="691475"/>
+                    </a:cubicBezTo>
+                    <a:cubicBezTo>
+                      <a:pt x="5869409" y="662900"/>
+                      <a:pt x="6050384" y="935950"/>
+                      <a:pt x="5736059" y="843875"/>
+                    </a:cubicBezTo>
+                    <a:cubicBezTo>
+                      <a:pt x="5421734" y="751800"/>
+                      <a:pt x="4526384" y="278725"/>
+                      <a:pt x="4116809" y="139025"/>
+                    </a:cubicBezTo>
+                    <a:cubicBezTo>
+                      <a:pt x="3707234" y="-675"/>
+                      <a:pt x="3478634" y="-10200"/>
+                      <a:pt x="3278609" y="5675"/>
+                    </a:cubicBezTo>
+                    <a:cubicBezTo>
+                      <a:pt x="3078584" y="21550"/>
+                      <a:pt x="3100809" y="193000"/>
+                      <a:pt x="2916659" y="234275"/>
+                    </a:cubicBezTo>
+                    <a:cubicBezTo>
+                      <a:pt x="2732509" y="275550"/>
+                      <a:pt x="2319759" y="202525"/>
+                      <a:pt x="2173709" y="253325"/>
+                    </a:cubicBezTo>
+                    <a:cubicBezTo>
+                      <a:pt x="2027659" y="304125"/>
+                      <a:pt x="2265784" y="456525"/>
+                      <a:pt x="2040359" y="539075"/>
+                    </a:cubicBezTo>
+                    <a:cubicBezTo>
+                      <a:pt x="1814934" y="621625"/>
+                      <a:pt x="1033884" y="637500"/>
+                      <a:pt x="821159" y="748625"/>
+                    </a:cubicBezTo>
+                    <a:cubicBezTo>
+                      <a:pt x="608434" y="859750"/>
+                      <a:pt x="891009" y="989925"/>
+                      <a:pt x="764009" y="1205825"/>
+                    </a:cubicBezTo>
+                    <a:cubicBezTo>
+                      <a:pt x="637009" y="1421725"/>
+                      <a:pt x="176634" y="1720175"/>
+                      <a:pt x="59159" y="2044025"/>
+                    </a:cubicBezTo>
+                    <a:cubicBezTo>
+                      <a:pt x="-58316" y="2367875"/>
+                      <a:pt x="30584" y="2793325"/>
+                      <a:pt x="59159" y="3148925"/>
+                    </a:cubicBezTo>
+                    <a:cubicBezTo>
+                      <a:pt x="87734" y="3504525"/>
+                      <a:pt x="189334" y="3717250"/>
+                      <a:pt x="230609" y="4177625"/>
+                    </a:cubicBezTo>
+                    <a:cubicBezTo>
+                      <a:pt x="271884" y="4638000"/>
+                      <a:pt x="224259" y="5536525"/>
+                      <a:pt x="306809" y="5911175"/>
+                    </a:cubicBezTo>
+                    <a:cubicBezTo>
+                      <a:pt x="389359" y="6285825"/>
+                      <a:pt x="624309" y="6628725"/>
+                      <a:pt x="725909" y="6425525"/>
+                    </a:cubicBezTo>
+                    <a:cubicBezTo>
+                      <a:pt x="827509" y="6222325"/>
+                      <a:pt x="840209" y="5180925"/>
+                      <a:pt x="916409" y="4691975"/>
+                    </a:cubicBezTo>
+                    <a:cubicBezTo>
+                      <a:pt x="992609" y="4203025"/>
+                      <a:pt x="1138659" y="3758525"/>
+                      <a:pt x="1183109" y="3491825"/>
+                    </a:cubicBezTo>
+                    <a:cubicBezTo>
+                      <a:pt x="1227559" y="3225125"/>
+                      <a:pt x="1078334" y="3244175"/>
+                      <a:pt x="1183109" y="3091775"/>
+                    </a:cubicBezTo>
+                    <a:cubicBezTo>
+                      <a:pt x="1287884" y="2939375"/>
+                      <a:pt x="1659359" y="2780625"/>
+                      <a:pt x="1811759" y="2577425"/>
+                    </a:cubicBezTo>
+                    <a:cubicBezTo>
+                      <a:pt x="1964159" y="2374225"/>
+                      <a:pt x="1872084" y="1910675"/>
+                      <a:pt x="2097509" y="1872575"/>
+                    </a:cubicBezTo>
+                    <a:cubicBezTo>
+                      <a:pt x="2322934" y="1834475"/>
+                      <a:pt x="2770609" y="2244050"/>
+                      <a:pt x="3164309" y="2348825"/>
+                    </a:cubicBezTo>
+                    <a:cubicBezTo>
+                      <a:pt x="3558009" y="2453600"/>
+                      <a:pt x="4180309" y="2532975"/>
+                      <a:pt x="4459709" y="2501225"/>
+                    </a:cubicBezTo>
+                    <a:cubicBezTo>
+                      <a:pt x="4739109" y="2469475"/>
+                      <a:pt x="4783559" y="2225000"/>
+                      <a:pt x="4840709" y="2158325"/>
+                    </a:cubicBezTo>
+                    <a:cubicBezTo>
+                      <a:pt x="4897859" y="2091650"/>
+                      <a:pt x="4764509" y="2085300"/>
+                      <a:pt x="4802609" y="2101175"/>
+                    </a:cubicBezTo>
+                    <a:cubicBezTo>
+                      <a:pt x="4840709" y="2117050"/>
+                      <a:pt x="4869284" y="2291675"/>
+                      <a:pt x="5069309" y="2253575"/>
+                    </a:cubicBezTo>
+                    <a:cubicBezTo>
+                      <a:pt x="5269334" y="2215475"/>
+                      <a:pt x="5739234" y="1853525"/>
+                      <a:pt x="6002759" y="1872575"/>
+                    </a:cubicBezTo>
+                    <a:cubicBezTo>
+                      <a:pt x="6266284" y="1891625"/>
+                      <a:pt x="6485359" y="2298025"/>
+                      <a:pt x="6650459" y="2367875"/>
+                    </a:cubicBezTo>
+                    <a:cubicBezTo>
+                      <a:pt x="6815559" y="2437725"/>
+                      <a:pt x="6952084" y="2313900"/>
+                      <a:pt x="6993359" y="2291675"/>
+                    </a:cubicBezTo>
+                    <a:cubicBezTo>
+                      <a:pt x="7034634" y="2269450"/>
+                      <a:pt x="6913984" y="2244050"/>
+                      <a:pt x="6898109" y="2215475"/>
+                    </a:cubicBezTo>
+                    <a:close/>
+                  </a:path>
+                </a:pathLst>
+              </a:custGeom>
+              <a:solidFill>
+                <a:schemeClr val="tx1"/>
+              </a:solidFill>
+              <a:ln w="12700">
+                <a:solidFill>
+                  <a:schemeClr val="tx1"/>
+                </a:solidFill>
+              </a:ln>
+            </p:spPr>
+            <p:style>
+              <a:lnRef idx="2">
+                <a:schemeClr val="accent1">
+                  <a:shade val="50000"/>
+                </a:schemeClr>
+              </a:lnRef>
+              <a:fillRef idx="1">
+                <a:schemeClr val="accent1"/>
+              </a:fillRef>
+              <a:effectRef idx="0">
+                <a:schemeClr val="accent1"/>
+              </a:effectRef>
+              <a:fontRef idx="minor">
+                <a:schemeClr val="lt1"/>
+              </a:fontRef>
+            </p:style>
+            <p:txBody>
+              <a:bodyPr rtlCol="0" anchor="ctr"/>
+              <a:lstStyle/>
+              <a:p>
+                <a:pPr algn="ctr"/>
+                <a:endParaRPr lang="ru-RU"/>
+              </a:p>
+            </p:txBody>
+          </p:sp>
+          <p:sp>
+            <p:nvSpPr>
+              <p:cNvPr id="16" name="Полилиния 15"/>
+              <p:cNvSpPr/>
+              <p:nvPr/>
+            </p:nvSpPr>
+            <p:spPr>
+              <a:xfrm>
+                <a:off x="10372684" y="1329996"/>
+                <a:ext cx="1324016" cy="2789233"/>
+              </a:xfrm>
+              <a:custGeom>
+                <a:avLst/>
+                <a:gdLst>
+                  <a:gd name="connsiteX0" fmla="*/ 1304966 w 1324016"/>
+                  <a:gd name="connsiteY0" fmla="*/ 765504 h 2789233"/>
+                  <a:gd name="connsiteX1" fmla="*/ 1114466 w 1324016"/>
+                  <a:gd name="connsiteY1" fmla="*/ 289254 h 2789233"/>
+                  <a:gd name="connsiteX2" fmla="*/ 847766 w 1324016"/>
+                  <a:gd name="connsiteY2" fmla="*/ 117804 h 2789233"/>
+                  <a:gd name="connsiteX3" fmla="*/ 466766 w 1324016"/>
+                  <a:gd name="connsiteY3" fmla="*/ 3504 h 2789233"/>
+                  <a:gd name="connsiteX4" fmla="*/ 161966 w 1324016"/>
+                  <a:gd name="connsiteY4" fmla="*/ 251154 h 2789233"/>
+                  <a:gd name="connsiteX5" fmla="*/ 9566 w 1324016"/>
+                  <a:gd name="connsiteY5" fmla="*/ 1089354 h 2789233"/>
+                  <a:gd name="connsiteX6" fmla="*/ 428666 w 1324016"/>
+                  <a:gd name="connsiteY6" fmla="*/ 1965654 h 2789233"/>
+                  <a:gd name="connsiteX7" fmla="*/ 638216 w 1324016"/>
+                  <a:gd name="connsiteY7" fmla="*/ 2403804 h 2789233"/>
+                  <a:gd name="connsiteX8" fmla="*/ 714416 w 1324016"/>
+                  <a:gd name="connsiteY8" fmla="*/ 2784804 h 2789233"/>
+                  <a:gd name="connsiteX9" fmla="*/ 1190666 w 1324016"/>
+                  <a:gd name="connsiteY9" fmla="*/ 2575254 h 2789233"/>
+                  <a:gd name="connsiteX10" fmla="*/ 1324016 w 1324016"/>
+                  <a:gd name="connsiteY10" fmla="*/ 2041854 h 2789233"/>
+                </a:gdLst>
+                <a:ahLst/>
+                <a:cxnLst>
+                  <a:cxn ang="0">
+                    <a:pos x="connsiteX0" y="connsiteY0"/>
+                  </a:cxn>
+                  <a:cxn ang="0">
+                    <a:pos x="connsiteX1" y="connsiteY1"/>
+                  </a:cxn>
+                  <a:cxn ang="0">
+                    <a:pos x="connsiteX2" y="connsiteY2"/>
+                  </a:cxn>
+                  <a:cxn ang="0">
+                    <a:pos x="connsiteX3" y="connsiteY3"/>
+                  </a:cxn>
+                  <a:cxn ang="0">
+                    <a:pos x="connsiteX4" y="connsiteY4"/>
+                  </a:cxn>
+                  <a:cxn ang="0">
+                    <a:pos x="connsiteX5" y="connsiteY5"/>
+                  </a:cxn>
+                  <a:cxn ang="0">
+                    <a:pos x="connsiteX6" y="connsiteY6"/>
+                  </a:cxn>
+                  <a:cxn ang="0">
+                    <a:pos x="connsiteX7" y="connsiteY7"/>
+                  </a:cxn>
+                  <a:cxn ang="0">
+                    <a:pos x="connsiteX8" y="connsiteY8"/>
+                  </a:cxn>
+                  <a:cxn ang="0">
+                    <a:pos x="connsiteX9" y="connsiteY9"/>
+                  </a:cxn>
+                  <a:cxn ang="0">
+                    <a:pos x="connsiteX10" y="connsiteY10"/>
+                  </a:cxn>
+                </a:cxnLst>
+                <a:rect l="l" t="t" r="r" b="b"/>
+                <a:pathLst>
+                  <a:path w="1324016" h="2789233">
+                    <a:moveTo>
+                      <a:pt x="1304966" y="765504"/>
+                    </a:moveTo>
+                    <a:cubicBezTo>
+                      <a:pt x="1247816" y="581354"/>
+                      <a:pt x="1190666" y="397204"/>
+                      <a:pt x="1114466" y="289254"/>
+                    </a:cubicBezTo>
+                    <a:cubicBezTo>
+                      <a:pt x="1038266" y="181304"/>
+                      <a:pt x="955716" y="165429"/>
+                      <a:pt x="847766" y="117804"/>
+                    </a:cubicBezTo>
+                    <a:cubicBezTo>
+                      <a:pt x="739816" y="70179"/>
+                      <a:pt x="581066" y="-18721"/>
+                      <a:pt x="466766" y="3504"/>
+                    </a:cubicBezTo>
+                    <a:cubicBezTo>
+                      <a:pt x="352466" y="25729"/>
+                      <a:pt x="238166" y="70179"/>
+                      <a:pt x="161966" y="251154"/>
+                    </a:cubicBezTo>
+                    <a:cubicBezTo>
+                      <a:pt x="85766" y="432129"/>
+                      <a:pt x="-34884" y="803604"/>
+                      <a:pt x="9566" y="1089354"/>
+                    </a:cubicBezTo>
+                    <a:cubicBezTo>
+                      <a:pt x="54016" y="1375104"/>
+                      <a:pt x="428666" y="1965654"/>
+                      <a:pt x="428666" y="1965654"/>
+                    </a:cubicBezTo>
+                    <a:cubicBezTo>
+                      <a:pt x="533441" y="2184729"/>
+                      <a:pt x="590591" y="2267279"/>
+                      <a:pt x="638216" y="2403804"/>
+                    </a:cubicBezTo>
+                    <a:cubicBezTo>
+                      <a:pt x="685841" y="2540329"/>
+                      <a:pt x="622341" y="2756229"/>
+                      <a:pt x="714416" y="2784804"/>
+                    </a:cubicBezTo>
+                    <a:cubicBezTo>
+                      <a:pt x="806491" y="2813379"/>
+                      <a:pt x="1089066" y="2699079"/>
+                      <a:pt x="1190666" y="2575254"/>
+                    </a:cubicBezTo>
+                    <a:cubicBezTo>
+                      <a:pt x="1292266" y="2451429"/>
+                      <a:pt x="1308141" y="2246641"/>
+                      <a:pt x="1324016" y="2041854"/>
+                    </a:cubicBezTo>
+                  </a:path>
+                </a:pathLst>
+              </a:custGeom>
+              <a:solidFill>
+                <a:schemeClr val="bg1"/>
+              </a:solidFill>
+              <a:ln w="12700">
+                <a:solidFill>
+                  <a:schemeClr val="tx1"/>
+                </a:solidFill>
+              </a:ln>
+            </p:spPr>
+            <p:style>
+              <a:lnRef idx="1">
+                <a:schemeClr val="accent1"/>
+              </a:lnRef>
+              <a:fillRef idx="0">
+                <a:schemeClr val="accent1"/>
+              </a:fillRef>
+              <a:effectRef idx="0">
+                <a:schemeClr val="accent1"/>
+              </a:effectRef>
+              <a:fontRef idx="minor">
+                <a:schemeClr val="tx1"/>
+              </a:fontRef>
+            </p:style>
+            <p:txBody>
+              <a:bodyPr rtlCol="0" anchor="ctr"/>
+              <a:lstStyle/>
+              <a:p>
+                <a:pPr algn="ctr"/>
+                <a:endParaRPr lang="ru-RU"/>
+              </a:p>
+            </p:txBody>
+          </p:sp>
+          <p:sp>
+            <p:nvSpPr>
+              <p:cNvPr id="19" name="Полилиния 18"/>
+              <p:cNvSpPr/>
+              <p:nvPr/>
+            </p:nvSpPr>
+            <p:spPr>
+              <a:xfrm>
+                <a:off x="12763500" y="495300"/>
+                <a:ext cx="838200" cy="245185"/>
+              </a:xfrm>
+              <a:custGeom>
+                <a:avLst/>
+                <a:gdLst>
+                  <a:gd name="connsiteX0" fmla="*/ 0 w 838200"/>
+                  <a:gd name="connsiteY0" fmla="*/ 209550 h 245185"/>
+                  <a:gd name="connsiteX1" fmla="*/ 552450 w 838200"/>
+                  <a:gd name="connsiteY1" fmla="*/ 228600 h 245185"/>
+                  <a:gd name="connsiteX2" fmla="*/ 838200 w 838200"/>
+                  <a:gd name="connsiteY2" fmla="*/ 0 h 245185"/>
+                </a:gdLst>
+                <a:ahLst/>
+                <a:cxnLst>
+                  <a:cxn ang="0">
+                    <a:pos x="connsiteX0" y="connsiteY0"/>
+                  </a:cxn>
+                  <a:cxn ang="0">
+                    <a:pos x="connsiteX1" y="connsiteY1"/>
+                  </a:cxn>
+                  <a:cxn ang="0">
+                    <a:pos x="connsiteX2" y="connsiteY2"/>
+                  </a:cxn>
+                </a:cxnLst>
+                <a:rect l="l" t="t" r="r" b="b"/>
+                <a:pathLst>
+                  <a:path w="838200" h="245185">
+                    <a:moveTo>
+                      <a:pt x="0" y="209550"/>
+                    </a:moveTo>
+                    <a:cubicBezTo>
+                      <a:pt x="206375" y="236537"/>
+                      <a:pt x="412750" y="263525"/>
+                      <a:pt x="552450" y="228600"/>
+                    </a:cubicBezTo>
+                    <a:cubicBezTo>
+                      <a:pt x="692150" y="193675"/>
+                      <a:pt x="765175" y="96837"/>
+                      <a:pt x="838200" y="0"/>
+                    </a:cubicBezTo>
+                  </a:path>
+                </a:pathLst>
+              </a:custGeom>
+              <a:ln w="12700">
+                <a:solidFill>
+                  <a:schemeClr val="tx1"/>
+                </a:solidFill>
+              </a:ln>
+            </p:spPr>
+            <p:style>
+              <a:lnRef idx="1">
+                <a:schemeClr val="accent1"/>
+              </a:lnRef>
+              <a:fillRef idx="0">
+                <a:schemeClr val="accent1"/>
+              </a:fillRef>
+              <a:effectRef idx="0">
+                <a:schemeClr val="accent1"/>
+              </a:effectRef>
+              <a:fontRef idx="minor">
+                <a:schemeClr val="tx1"/>
+              </a:fontRef>
+            </p:style>
+            <p:txBody>
+              <a:bodyPr rtlCol="0" anchor="ctr"/>
+              <a:lstStyle/>
+              <a:p>
+                <a:pPr algn="ctr"/>
+                <a:endParaRPr lang="ru-RU"/>
+              </a:p>
+            </p:txBody>
+          </p:sp>
+          <p:sp>
+            <p:nvSpPr>
+              <p:cNvPr id="20" name="Полилиния 19"/>
+              <p:cNvSpPr/>
+              <p:nvPr/>
+            </p:nvSpPr>
+            <p:spPr>
+              <a:xfrm>
+                <a:off x="15925800" y="228600"/>
+                <a:ext cx="704850" cy="438150"/>
+              </a:xfrm>
+              <a:custGeom>
+                <a:avLst/>
+                <a:gdLst>
+                  <a:gd name="connsiteX0" fmla="*/ 0 w 704850"/>
+                  <a:gd name="connsiteY0" fmla="*/ 0 h 438150"/>
+                  <a:gd name="connsiteX1" fmla="*/ 190500 w 704850"/>
+                  <a:gd name="connsiteY1" fmla="*/ 285750 h 438150"/>
+                  <a:gd name="connsiteX2" fmla="*/ 704850 w 704850"/>
+                  <a:gd name="connsiteY2" fmla="*/ 438150 h 438150"/>
+                </a:gdLst>
+                <a:ahLst/>
+                <a:cxnLst>
+                  <a:cxn ang="0">
+                    <a:pos x="connsiteX0" y="connsiteY0"/>
+                  </a:cxn>
+                  <a:cxn ang="0">
+                    <a:pos x="connsiteX1" y="connsiteY1"/>
+                  </a:cxn>
+                  <a:cxn ang="0">
+                    <a:pos x="connsiteX2" y="connsiteY2"/>
+                  </a:cxn>
+                </a:cxnLst>
+                <a:rect l="l" t="t" r="r" b="b"/>
+                <a:pathLst>
+                  <a:path w="704850" h="438150">
+                    <a:moveTo>
+                      <a:pt x="0" y="0"/>
+                    </a:moveTo>
+                    <a:cubicBezTo>
+                      <a:pt x="36512" y="106362"/>
+                      <a:pt x="73025" y="212725"/>
+                      <a:pt x="190500" y="285750"/>
+                    </a:cubicBezTo>
+                    <a:cubicBezTo>
+                      <a:pt x="307975" y="358775"/>
+                      <a:pt x="506412" y="398462"/>
+                      <a:pt x="704850" y="438150"/>
+                    </a:cubicBezTo>
+                  </a:path>
+                </a:pathLst>
+              </a:custGeom>
+              <a:ln w="12700">
+                <a:solidFill>
+                  <a:schemeClr val="tx1"/>
+                </a:solidFill>
+              </a:ln>
+            </p:spPr>
+            <p:style>
+              <a:lnRef idx="1">
+                <a:schemeClr val="accent1"/>
+              </a:lnRef>
+              <a:fillRef idx="0">
+                <a:schemeClr val="accent1"/>
+              </a:fillRef>
+              <a:effectRef idx="0">
+                <a:schemeClr val="accent1"/>
+              </a:effectRef>
+              <a:fontRef idx="minor">
+                <a:schemeClr val="tx1"/>
+              </a:fontRef>
+            </p:style>
+            <p:txBody>
+              <a:bodyPr rtlCol="0" anchor="ctr"/>
+              <a:lstStyle/>
+              <a:p>
+                <a:pPr algn="ctr"/>
+                <a:endParaRPr lang="ru-RU"/>
+              </a:p>
+            </p:txBody>
+          </p:sp>
+          <p:sp>
+            <p:nvSpPr>
+              <p:cNvPr id="21" name="Полилиния 20"/>
+              <p:cNvSpPr/>
+              <p:nvPr/>
+            </p:nvSpPr>
+            <p:spPr>
+              <a:xfrm>
+                <a:off x="13514522" y="4476750"/>
+                <a:ext cx="2240961" cy="1866371"/>
+              </a:xfrm>
+              <a:custGeom>
+                <a:avLst/>
+                <a:gdLst>
+                  <a:gd name="connsiteX0" fmla="*/ 30028 w 2240961"/>
+                  <a:gd name="connsiteY0" fmla="*/ 1104900 h 1866371"/>
+                  <a:gd name="connsiteX1" fmla="*/ 201478 w 2240961"/>
+                  <a:gd name="connsiteY1" fmla="*/ 381000 h 1866371"/>
+                  <a:gd name="connsiteX2" fmla="*/ 1077778 w 2240961"/>
+                  <a:gd name="connsiteY2" fmla="*/ 0 h 1866371"/>
+                  <a:gd name="connsiteX3" fmla="*/ 2125528 w 2240961"/>
+                  <a:gd name="connsiteY3" fmla="*/ 381000 h 1866371"/>
+                  <a:gd name="connsiteX4" fmla="*/ 2049328 w 2240961"/>
+                  <a:gd name="connsiteY4" fmla="*/ 1695450 h 1866371"/>
+                  <a:gd name="connsiteX5" fmla="*/ 658678 w 2240961"/>
+                  <a:gd name="connsiteY5" fmla="*/ 1790700 h 1866371"/>
+                  <a:gd name="connsiteX6" fmla="*/ 30028 w 2240961"/>
+                  <a:gd name="connsiteY6" fmla="*/ 1104900 h 1866371"/>
+                </a:gdLst>
+                <a:ahLst/>
+                <a:cxnLst>
+                  <a:cxn ang="0">
+                    <a:pos x="connsiteX0" y="connsiteY0"/>
+                  </a:cxn>
+                  <a:cxn ang="0">
+                    <a:pos x="connsiteX1" y="connsiteY1"/>
+                  </a:cxn>
+                  <a:cxn ang="0">
+                    <a:pos x="connsiteX2" y="connsiteY2"/>
+                  </a:cxn>
+                  <a:cxn ang="0">
+                    <a:pos x="connsiteX3" y="connsiteY3"/>
+                  </a:cxn>
+                  <a:cxn ang="0">
+                    <a:pos x="connsiteX4" y="connsiteY4"/>
+                  </a:cxn>
+                  <a:cxn ang="0">
+                    <a:pos x="connsiteX5" y="connsiteY5"/>
+                  </a:cxn>
+                  <a:cxn ang="0">
+                    <a:pos x="connsiteX6" y="connsiteY6"/>
+                  </a:cxn>
+                </a:cxnLst>
+                <a:rect l="l" t="t" r="r" b="b"/>
+                <a:pathLst>
+                  <a:path w="2240961" h="1866371">
+                    <a:moveTo>
+                      <a:pt x="30028" y="1104900"/>
+                    </a:moveTo>
+                    <a:cubicBezTo>
+                      <a:pt x="-46172" y="869950"/>
+                      <a:pt x="26853" y="565150"/>
+                      <a:pt x="201478" y="381000"/>
+                    </a:cubicBezTo>
+                    <a:cubicBezTo>
+                      <a:pt x="376103" y="196850"/>
+                      <a:pt x="757103" y="0"/>
+                      <a:pt x="1077778" y="0"/>
+                    </a:cubicBezTo>
+                    <a:cubicBezTo>
+                      <a:pt x="1398453" y="0"/>
+                      <a:pt x="1963603" y="98425"/>
+                      <a:pt x="2125528" y="381000"/>
+                    </a:cubicBezTo>
+                    <a:cubicBezTo>
+                      <a:pt x="2287453" y="663575"/>
+                      <a:pt x="2293803" y="1460500"/>
+                      <a:pt x="2049328" y="1695450"/>
+                    </a:cubicBezTo>
+                    <a:cubicBezTo>
+                      <a:pt x="1804853" y="1930400"/>
+                      <a:pt x="995228" y="1882775"/>
+                      <a:pt x="658678" y="1790700"/>
+                    </a:cubicBezTo>
+                    <a:cubicBezTo>
+                      <a:pt x="322128" y="1698625"/>
+                      <a:pt x="106228" y="1339850"/>
+                      <a:pt x="30028" y="1104900"/>
+                    </a:cubicBezTo>
+                    <a:close/>
+                  </a:path>
+                </a:pathLst>
+              </a:custGeom>
+              <a:solidFill>
+                <a:schemeClr val="accent2">
+                  <a:lumMod val="40000"/>
+                  <a:lumOff val="60000"/>
+                </a:schemeClr>
+              </a:solidFill>
+              <a:ln w="12700">
+                <a:solidFill>
+                  <a:schemeClr val="tx1"/>
+                </a:solidFill>
+              </a:ln>
+            </p:spPr>
+            <p:style>
+              <a:lnRef idx="2">
+                <a:schemeClr val="accent1">
+                  <a:shade val="50000"/>
+                </a:schemeClr>
+              </a:lnRef>
+              <a:fillRef idx="1">
+                <a:schemeClr val="accent1"/>
+              </a:fillRef>
+              <a:effectRef idx="0">
+                <a:schemeClr val="accent1"/>
+              </a:effectRef>
+              <a:fontRef idx="minor">
+                <a:schemeClr val="lt1"/>
+              </a:fontRef>
+            </p:style>
+            <p:txBody>
+              <a:bodyPr rtlCol="0" anchor="ctr"/>
+              <a:lstStyle/>
+              <a:p>
+                <a:pPr algn="ctr"/>
+                <a:endParaRPr lang="ru-RU"/>
+              </a:p>
+            </p:txBody>
+          </p:sp>
+          <p:sp>
+            <p:nvSpPr>
+              <p:cNvPr id="22" name="Полилиния 21"/>
+              <p:cNvSpPr/>
+              <p:nvPr/>
+            </p:nvSpPr>
+            <p:spPr>
+              <a:xfrm>
+                <a:off x="13645008" y="4459600"/>
+                <a:ext cx="1991103" cy="700245"/>
+              </a:xfrm>
+              <a:custGeom>
+                <a:avLst/>
+                <a:gdLst>
+                  <a:gd name="connsiteX0" fmla="*/ 761076 w 1991103"/>
+                  <a:gd name="connsiteY0" fmla="*/ 20960 h 700245"/>
+                  <a:gd name="connsiteX1" fmla="*/ 1218276 w 1991103"/>
+                  <a:gd name="connsiteY1" fmla="*/ 51440 h 700245"/>
+                  <a:gd name="connsiteX2" fmla="*/ 1622136 w 1991103"/>
+                  <a:gd name="connsiteY2" fmla="*/ 127640 h 700245"/>
+                  <a:gd name="connsiteX3" fmla="*/ 1934556 w 1991103"/>
+                  <a:gd name="connsiteY3" fmla="*/ 333380 h 700245"/>
+                  <a:gd name="connsiteX4" fmla="*/ 1972656 w 1991103"/>
+                  <a:gd name="connsiteY4" fmla="*/ 653420 h 700245"/>
+                  <a:gd name="connsiteX5" fmla="*/ 1728816 w 1991103"/>
+                  <a:gd name="connsiteY5" fmla="*/ 691520 h 700245"/>
+                  <a:gd name="connsiteX6" fmla="*/ 540096 w 1991103"/>
+                  <a:gd name="connsiteY6" fmla="*/ 584840 h 700245"/>
+                  <a:gd name="connsiteX7" fmla="*/ 60036 w 1991103"/>
+                  <a:gd name="connsiteY7" fmla="*/ 554360 h 700245"/>
+                  <a:gd name="connsiteX8" fmla="*/ 82896 w 1991103"/>
+                  <a:gd name="connsiteY8" fmla="*/ 379100 h 700245"/>
+                  <a:gd name="connsiteX9" fmla="*/ 761076 w 1991103"/>
+                  <a:gd name="connsiteY9" fmla="*/ 20960 h 700245"/>
+                </a:gdLst>
+                <a:ahLst/>
+                <a:cxnLst>
+                  <a:cxn ang="0">
+                    <a:pos x="connsiteX0" y="connsiteY0"/>
+                  </a:cxn>
+                  <a:cxn ang="0">
+                    <a:pos x="connsiteX1" y="connsiteY1"/>
+                  </a:cxn>
+                  <a:cxn ang="0">
+                    <a:pos x="connsiteX2" y="connsiteY2"/>
+                  </a:cxn>
+                  <a:cxn ang="0">
+                    <a:pos x="connsiteX3" y="connsiteY3"/>
+                  </a:cxn>
+                  <a:cxn ang="0">
+                    <a:pos x="connsiteX4" y="connsiteY4"/>
+                  </a:cxn>
+                  <a:cxn ang="0">
+                    <a:pos x="connsiteX5" y="connsiteY5"/>
+                  </a:cxn>
+                  <a:cxn ang="0">
+                    <a:pos x="connsiteX6" y="connsiteY6"/>
+                  </a:cxn>
+                  <a:cxn ang="0">
+                    <a:pos x="connsiteX7" y="connsiteY7"/>
+                  </a:cxn>
+                  <a:cxn ang="0">
+                    <a:pos x="connsiteX8" y="connsiteY8"/>
+                  </a:cxn>
+                  <a:cxn ang="0">
+                    <a:pos x="connsiteX9" y="connsiteY9"/>
+                  </a:cxn>
+                </a:cxnLst>
+                <a:rect l="l" t="t" r="r" b="b"/>
+                <a:pathLst>
+                  <a:path w="1991103" h="700245">
+                    <a:moveTo>
+                      <a:pt x="761076" y="20960"/>
+                    </a:moveTo>
+                    <a:cubicBezTo>
+                      <a:pt x="950306" y="-33650"/>
+                      <a:pt x="1074766" y="33660"/>
+                      <a:pt x="1218276" y="51440"/>
+                    </a:cubicBezTo>
+                    <a:cubicBezTo>
+                      <a:pt x="1361786" y="69220"/>
+                      <a:pt x="1502756" y="80650"/>
+                      <a:pt x="1622136" y="127640"/>
+                    </a:cubicBezTo>
+                    <a:cubicBezTo>
+                      <a:pt x="1741516" y="174630"/>
+                      <a:pt x="1876136" y="245750"/>
+                      <a:pt x="1934556" y="333380"/>
+                    </a:cubicBezTo>
+                    <a:cubicBezTo>
+                      <a:pt x="1992976" y="421010"/>
+                      <a:pt x="2006946" y="593730"/>
+                      <a:pt x="1972656" y="653420"/>
+                    </a:cubicBezTo>
+                    <a:cubicBezTo>
+                      <a:pt x="1938366" y="713110"/>
+                      <a:pt x="1967576" y="702950"/>
+                      <a:pt x="1728816" y="691520"/>
+                    </a:cubicBezTo>
+                    <a:cubicBezTo>
+                      <a:pt x="1490056" y="680090"/>
+                      <a:pt x="818226" y="607700"/>
+                      <a:pt x="540096" y="584840"/>
+                    </a:cubicBezTo>
+                    <a:cubicBezTo>
+                      <a:pt x="261966" y="561980"/>
+                      <a:pt x="136236" y="588650"/>
+                      <a:pt x="60036" y="554360"/>
+                    </a:cubicBezTo>
+                    <a:cubicBezTo>
+                      <a:pt x="-16164" y="520070"/>
+                      <a:pt x="-31404" y="466730"/>
+                      <a:pt x="82896" y="379100"/>
+                    </a:cubicBezTo>
+                    <a:cubicBezTo>
+                      <a:pt x="197196" y="291470"/>
+                      <a:pt x="571846" y="75570"/>
+                      <a:pt x="761076" y="20960"/>
+                    </a:cubicBezTo>
+                    <a:close/>
+                  </a:path>
+                </a:pathLst>
+              </a:custGeom>
+              <a:solidFill>
+                <a:schemeClr val="bg1"/>
+              </a:solidFill>
+              <a:ln w="12700">
+                <a:solidFill>
+                  <a:schemeClr val="tx1"/>
+                </a:solidFill>
+              </a:ln>
+            </p:spPr>
+            <p:style>
+              <a:lnRef idx="2">
+                <a:schemeClr val="accent1">
+                  <a:shade val="50000"/>
+                </a:schemeClr>
+              </a:lnRef>
+              <a:fillRef idx="1">
+                <a:schemeClr val="accent1"/>
+              </a:fillRef>
+              <a:effectRef idx="0">
+                <a:schemeClr val="accent1"/>
+              </a:effectRef>
+              <a:fontRef idx="minor">
+                <a:schemeClr val="lt1"/>
+              </a:fontRef>
+            </p:style>
+            <p:txBody>
+              <a:bodyPr rtlCol="0" anchor="ctr"/>
+              <a:lstStyle/>
+              <a:p>
+                <a:pPr algn="ctr"/>
+                <a:endParaRPr lang="ru-RU"/>
+              </a:p>
+            </p:txBody>
+          </p:sp>
+          <p:sp>
+            <p:nvSpPr>
+              <p:cNvPr id="23" name="Полилиния 22"/>
+              <p:cNvSpPr/>
+              <p:nvPr/>
+            </p:nvSpPr>
+            <p:spPr>
+              <a:xfrm>
+                <a:off x="13509587" y="5340159"/>
+                <a:ext cx="1414905" cy="993685"/>
+              </a:xfrm>
+              <a:custGeom>
+                <a:avLst/>
+                <a:gdLst>
+                  <a:gd name="connsiteX0" fmla="*/ 23533 w 1414905"/>
+                  <a:gd name="connsiteY0" fmla="*/ 31941 h 993685"/>
+                  <a:gd name="connsiteX1" fmla="*/ 282613 w 1414905"/>
+                  <a:gd name="connsiteY1" fmla="*/ 9081 h 993685"/>
+                  <a:gd name="connsiteX2" fmla="*/ 694093 w 1414905"/>
+                  <a:gd name="connsiteY2" fmla="*/ 131001 h 993685"/>
+                  <a:gd name="connsiteX3" fmla="*/ 1235113 w 1414905"/>
+                  <a:gd name="connsiteY3" fmla="*/ 451041 h 993685"/>
+                  <a:gd name="connsiteX4" fmla="*/ 1402753 w 1414905"/>
+                  <a:gd name="connsiteY4" fmla="*/ 847281 h 993685"/>
+                  <a:gd name="connsiteX5" fmla="*/ 1379893 w 1414905"/>
+                  <a:gd name="connsiteY5" fmla="*/ 961581 h 993685"/>
+                  <a:gd name="connsiteX6" fmla="*/ 1204633 w 1414905"/>
+                  <a:gd name="connsiteY6" fmla="*/ 992061 h 993685"/>
+                  <a:gd name="connsiteX7" fmla="*/ 663613 w 1414905"/>
+                  <a:gd name="connsiteY7" fmla="*/ 923481 h 993685"/>
+                  <a:gd name="connsiteX8" fmla="*/ 252133 w 1414905"/>
+                  <a:gd name="connsiteY8" fmla="*/ 618681 h 993685"/>
+                  <a:gd name="connsiteX9" fmla="*/ 38773 w 1414905"/>
+                  <a:gd name="connsiteY9" fmla="*/ 214821 h 993685"/>
+                  <a:gd name="connsiteX10" fmla="*/ 23533 w 1414905"/>
+                  <a:gd name="connsiteY10" fmla="*/ 31941 h 993685"/>
+                </a:gdLst>
+                <a:ahLst/>
+                <a:cxnLst>
+                  <a:cxn ang="0">
+                    <a:pos x="connsiteX0" y="connsiteY0"/>
+                  </a:cxn>
+                  <a:cxn ang="0">
+                    <a:pos x="connsiteX1" y="connsiteY1"/>
+                  </a:cxn>
+                  <a:cxn ang="0">
+                    <a:pos x="connsiteX2" y="connsiteY2"/>
+                  </a:cxn>
+                  <a:cxn ang="0">
+                    <a:pos x="connsiteX3" y="connsiteY3"/>
+                  </a:cxn>
+                  <a:cxn ang="0">
+                    <a:pos x="connsiteX4" y="connsiteY4"/>
+                  </a:cxn>
+                  <a:cxn ang="0">
+                    <a:pos x="connsiteX5" y="connsiteY5"/>
+                  </a:cxn>
+                  <a:cxn ang="0">
+                    <a:pos x="connsiteX6" y="connsiteY6"/>
+                  </a:cxn>
+                  <a:cxn ang="0">
+                    <a:pos x="connsiteX7" y="connsiteY7"/>
+                  </a:cxn>
+                  <a:cxn ang="0">
+                    <a:pos x="connsiteX8" y="connsiteY8"/>
+                  </a:cxn>
+                  <a:cxn ang="0">
+                    <a:pos x="connsiteX9" y="connsiteY9"/>
+                  </a:cxn>
+                  <a:cxn ang="0">
+                    <a:pos x="connsiteX10" y="connsiteY10"/>
+                  </a:cxn>
+                </a:cxnLst>
+                <a:rect l="l" t="t" r="r" b="b"/>
+                <a:pathLst>
+                  <a:path w="1414905" h="993685">
+                    <a:moveTo>
+                      <a:pt x="23533" y="31941"/>
+                    </a:moveTo>
+                    <a:cubicBezTo>
+                      <a:pt x="64173" y="-2349"/>
+                      <a:pt x="170853" y="-7429"/>
+                      <a:pt x="282613" y="9081"/>
+                    </a:cubicBezTo>
+                    <a:cubicBezTo>
+                      <a:pt x="394373" y="25591"/>
+                      <a:pt x="535343" y="57341"/>
+                      <a:pt x="694093" y="131001"/>
+                    </a:cubicBezTo>
+                    <a:cubicBezTo>
+                      <a:pt x="852843" y="204661"/>
+                      <a:pt x="1117003" y="331661"/>
+                      <a:pt x="1235113" y="451041"/>
+                    </a:cubicBezTo>
+                    <a:cubicBezTo>
+                      <a:pt x="1353223" y="570421"/>
+                      <a:pt x="1378623" y="762191"/>
+                      <a:pt x="1402753" y="847281"/>
+                    </a:cubicBezTo>
+                    <a:cubicBezTo>
+                      <a:pt x="1426883" y="932371"/>
+                      <a:pt x="1412913" y="937451"/>
+                      <a:pt x="1379893" y="961581"/>
+                    </a:cubicBezTo>
+                    <a:cubicBezTo>
+                      <a:pt x="1346873" y="985711"/>
+                      <a:pt x="1324013" y="998411"/>
+                      <a:pt x="1204633" y="992061"/>
+                    </a:cubicBezTo>
+                    <a:cubicBezTo>
+                      <a:pt x="1085253" y="985711"/>
+                      <a:pt x="822363" y="985711"/>
+                      <a:pt x="663613" y="923481"/>
+                    </a:cubicBezTo>
+                    <a:cubicBezTo>
+                      <a:pt x="504863" y="861251"/>
+                      <a:pt x="356273" y="736791"/>
+                      <a:pt x="252133" y="618681"/>
+                    </a:cubicBezTo>
+                    <a:cubicBezTo>
+                      <a:pt x="147993" y="500571"/>
+                      <a:pt x="78143" y="311341"/>
+                      <a:pt x="38773" y="214821"/>
+                    </a:cubicBezTo>
+                    <a:cubicBezTo>
+                      <a:pt x="-597" y="118301"/>
+                      <a:pt x="-17107" y="66231"/>
+                      <a:pt x="23533" y="31941"/>
+                    </a:cubicBezTo>
+                    <a:close/>
+                  </a:path>
+                </a:pathLst>
+              </a:custGeom>
+              <a:solidFill>
+                <a:schemeClr val="accent2">
+                  <a:lumMod val="60000"/>
+                  <a:lumOff val="40000"/>
+                </a:schemeClr>
+              </a:solidFill>
+              <a:ln w="12700">
+                <a:solidFill>
+                  <a:schemeClr val="tx1"/>
+                </a:solidFill>
+              </a:ln>
+            </p:spPr>
+            <p:style>
+              <a:lnRef idx="2">
+                <a:schemeClr val="accent1">
+                  <a:shade val="50000"/>
+                </a:schemeClr>
+              </a:lnRef>
+              <a:fillRef idx="1">
+                <a:schemeClr val="accent1"/>
+              </a:fillRef>
+              <a:effectRef idx="0">
+                <a:schemeClr val="accent1"/>
+              </a:effectRef>
+              <a:fontRef idx="minor">
+                <a:schemeClr val="lt1"/>
+              </a:fontRef>
+            </p:style>
+            <p:txBody>
+              <a:bodyPr rtlCol="0" anchor="ctr"/>
+              <a:lstStyle/>
+              <a:p>
+                <a:pPr algn="ctr"/>
+                <a:endParaRPr lang="ru-RU"/>
+              </a:p>
+            </p:txBody>
+          </p:sp>
+        </p:grpSp>
+        <p:sp>
+          <p:nvSpPr>
+            <p:cNvPr id="32" name="Полилиния 31"/>
+            <p:cNvSpPr/>
+            <p:nvPr/>
+          </p:nvSpPr>
+          <p:spPr>
+            <a:xfrm>
+              <a:off x="3373424" y="3299331"/>
+              <a:ext cx="933521" cy="407381"/>
+            </a:xfrm>
+            <a:custGeom>
+              <a:avLst/>
+              <a:gdLst>
+                <a:gd name="connsiteX0" fmla="*/ 48030 w 2206622"/>
+                <a:gd name="connsiteY0" fmla="*/ 14451 h 1030718"/>
+                <a:gd name="connsiteX1" fmla="*/ 721130 w 2206622"/>
+                <a:gd name="connsiteY1" fmla="*/ 192251 h 1030718"/>
+                <a:gd name="connsiteX2" fmla="*/ 1508530 w 2206622"/>
+                <a:gd name="connsiteY2" fmla="*/ 243051 h 1030718"/>
+                <a:gd name="connsiteX3" fmla="*/ 2143530 w 2206622"/>
+                <a:gd name="connsiteY3" fmla="*/ 90651 h 1030718"/>
+                <a:gd name="connsiteX4" fmla="*/ 2067330 w 2206622"/>
+                <a:gd name="connsiteY4" fmla="*/ 801851 h 1030718"/>
+                <a:gd name="connsiteX5" fmla="*/ 1114830 w 2206622"/>
+                <a:gd name="connsiteY5" fmla="*/ 1030451 h 1030718"/>
+                <a:gd name="connsiteX6" fmla="*/ 136930 w 2206622"/>
+                <a:gd name="connsiteY6" fmla="*/ 839951 h 1030718"/>
+                <a:gd name="connsiteX7" fmla="*/ 22630 w 2206622"/>
+                <a:gd name="connsiteY7" fmla="*/ 497051 h 1030718"/>
+                <a:gd name="connsiteX8" fmla="*/ 48030 w 2206622"/>
+                <a:gd name="connsiteY8" fmla="*/ 65251 h 1030718"/>
+                <a:gd name="connsiteX9" fmla="*/ 48030 w 2206622"/>
+                <a:gd name="connsiteY9" fmla="*/ 14451 h 1030718"/>
+              </a:gdLst>
+              <a:ahLst/>
+              <a:cxnLst>
+                <a:cxn ang="0">
+                  <a:pos x="connsiteX0" y="connsiteY0"/>
+                </a:cxn>
+                <a:cxn ang="0">
+                  <a:pos x="connsiteX1" y="connsiteY1"/>
+                </a:cxn>
+                <a:cxn ang="0">
+                  <a:pos x="connsiteX2" y="connsiteY2"/>
+                </a:cxn>
+                <a:cxn ang="0">
+                  <a:pos x="connsiteX3" y="connsiteY3"/>
+                </a:cxn>
+                <a:cxn ang="0">
+                  <a:pos x="connsiteX4" y="connsiteY4"/>
+                </a:cxn>
+                <a:cxn ang="0">
+                  <a:pos x="connsiteX5" y="connsiteY5"/>
+                </a:cxn>
+                <a:cxn ang="0">
+                  <a:pos x="connsiteX6" y="connsiteY6"/>
+                </a:cxn>
+                <a:cxn ang="0">
+                  <a:pos x="connsiteX7" y="connsiteY7"/>
+                </a:cxn>
+                <a:cxn ang="0">
+                  <a:pos x="connsiteX8" y="connsiteY8"/>
+                </a:cxn>
+                <a:cxn ang="0">
+                  <a:pos x="connsiteX9" y="connsiteY9"/>
+                </a:cxn>
+              </a:cxnLst>
+              <a:rect l="l" t="t" r="r" b="b"/>
+              <a:pathLst>
+                <a:path w="2206622" h="1030718">
+                  <a:moveTo>
+                    <a:pt x="48030" y="14451"/>
+                  </a:moveTo>
+                  <a:cubicBezTo>
+                    <a:pt x="160213" y="35618"/>
+                    <a:pt x="477713" y="154151"/>
+                    <a:pt x="721130" y="192251"/>
+                  </a:cubicBezTo>
+                  <a:cubicBezTo>
+                    <a:pt x="964547" y="230351"/>
+                    <a:pt x="1271463" y="259984"/>
+                    <a:pt x="1508530" y="243051"/>
+                  </a:cubicBezTo>
+                  <a:cubicBezTo>
+                    <a:pt x="1745597" y="226118"/>
+                    <a:pt x="2050397" y="-2482"/>
+                    <a:pt x="2143530" y="90651"/>
+                  </a:cubicBezTo>
+                  <a:cubicBezTo>
+                    <a:pt x="2236663" y="183784"/>
+                    <a:pt x="2238780" y="645218"/>
+                    <a:pt x="2067330" y="801851"/>
+                  </a:cubicBezTo>
+                  <a:cubicBezTo>
+                    <a:pt x="1895880" y="958484"/>
+                    <a:pt x="1436563" y="1024101"/>
+                    <a:pt x="1114830" y="1030451"/>
+                  </a:cubicBezTo>
+                  <a:cubicBezTo>
+                    <a:pt x="793097" y="1036801"/>
+                    <a:pt x="318963" y="928851"/>
+                    <a:pt x="136930" y="839951"/>
+                  </a:cubicBezTo>
+                  <a:cubicBezTo>
+                    <a:pt x="-45103" y="751051"/>
+                    <a:pt x="37447" y="626168"/>
+                    <a:pt x="22630" y="497051"/>
+                  </a:cubicBezTo>
+                  <a:cubicBezTo>
+                    <a:pt x="7813" y="367934"/>
+                    <a:pt x="39563" y="145684"/>
+                    <a:pt x="48030" y="65251"/>
+                  </a:cubicBezTo>
+                  <a:cubicBezTo>
+                    <a:pt x="56497" y="-15182"/>
+                    <a:pt x="-64153" y="-6716"/>
+                    <a:pt x="48030" y="14451"/>
+                  </a:cubicBezTo>
+                  <a:close/>
+                </a:path>
+              </a:pathLst>
+            </a:custGeom>
+            <a:ln w="12700">
+              <a:solidFill>
+                <a:schemeClr val="tx1"/>
+              </a:solidFill>
+            </a:ln>
+          </p:spPr>
+          <p:style>
+            <a:lnRef idx="2">
+              <a:schemeClr val="accent1">
+                <a:shade val="50000"/>
+              </a:schemeClr>
+            </a:lnRef>
+            <a:fillRef idx="1">
+              <a:schemeClr val="accent1"/>
+            </a:fillRef>
+            <a:effectRef idx="0">
+              <a:schemeClr val="accent1"/>
+            </a:effectRef>
+            <a:fontRef idx="minor">
+              <a:schemeClr val="lt1"/>
+            </a:fontRef>
+          </p:style>
+          <p:txBody>
+            <a:bodyPr rtlCol="0" anchor="ctr"/>
+            <a:lstStyle/>
+            <a:p>
+              <a:pPr algn="ctr"/>
+              <a:endParaRPr lang="ru-RU"/>
+            </a:p>
+          </p:txBody>
+        </p:sp>
+        <p:sp>
+          <p:nvSpPr>
+            <p:cNvPr id="33" name="Полилиния 32"/>
+            <p:cNvSpPr/>
+            <p:nvPr/>
+          </p:nvSpPr>
+          <p:spPr>
+            <a:xfrm>
+              <a:off x="3382998" y="3581118"/>
+              <a:ext cx="359977" cy="1287871"/>
+            </a:xfrm>
+            <a:custGeom>
+              <a:avLst/>
+              <a:gdLst>
+                <a:gd name="connsiteX0" fmla="*/ 0 w 850900"/>
+                <a:gd name="connsiteY0" fmla="*/ 0 h 3258452"/>
+                <a:gd name="connsiteX1" fmla="*/ 292100 w 850900"/>
+                <a:gd name="connsiteY1" fmla="*/ 2768600 h 3258452"/>
+                <a:gd name="connsiteX2" fmla="*/ 393700 w 850900"/>
+                <a:gd name="connsiteY2" fmla="*/ 3187700 h 3258452"/>
+                <a:gd name="connsiteX3" fmla="*/ 787400 w 850900"/>
+                <a:gd name="connsiteY3" fmla="*/ 3098800 h 3258452"/>
+                <a:gd name="connsiteX4" fmla="*/ 774700 w 850900"/>
+                <a:gd name="connsiteY4" fmla="*/ 1676400 h 3258452"/>
+                <a:gd name="connsiteX5" fmla="*/ 850900 w 850900"/>
+                <a:gd name="connsiteY5" fmla="*/ 266700 h 3258452"/>
+              </a:gdLst>
+              <a:ahLst/>
+              <a:cxnLst>
+                <a:cxn ang="0">
+                  <a:pos x="connsiteX0" y="connsiteY0"/>
+                </a:cxn>
+                <a:cxn ang="0">
+                  <a:pos x="connsiteX1" y="connsiteY1"/>
+                </a:cxn>
+                <a:cxn ang="0">
+                  <a:pos x="connsiteX2" y="connsiteY2"/>
+                </a:cxn>
+                <a:cxn ang="0">
+                  <a:pos x="connsiteX3" y="connsiteY3"/>
+                </a:cxn>
+                <a:cxn ang="0">
+                  <a:pos x="connsiteX4" y="connsiteY4"/>
+                </a:cxn>
+                <a:cxn ang="0">
+                  <a:pos x="connsiteX5" y="connsiteY5"/>
+                </a:cxn>
+              </a:cxnLst>
+              <a:rect l="l" t="t" r="r" b="b"/>
+              <a:pathLst>
+                <a:path w="850900" h="3258452">
+                  <a:moveTo>
+                    <a:pt x="0" y="0"/>
+                  </a:moveTo>
+                  <a:cubicBezTo>
+                    <a:pt x="113241" y="1118658"/>
+                    <a:pt x="226483" y="2237317"/>
+                    <a:pt x="292100" y="2768600"/>
+                  </a:cubicBezTo>
+                  <a:cubicBezTo>
+                    <a:pt x="357717" y="3299883"/>
+                    <a:pt x="311150" y="3132667"/>
+                    <a:pt x="393700" y="3187700"/>
+                  </a:cubicBezTo>
+                  <a:cubicBezTo>
+                    <a:pt x="476250" y="3242733"/>
+                    <a:pt x="723900" y="3350683"/>
+                    <a:pt x="787400" y="3098800"/>
+                  </a:cubicBezTo>
+                  <a:cubicBezTo>
+                    <a:pt x="850900" y="2846917"/>
+                    <a:pt x="764117" y="2148417"/>
+                    <a:pt x="774700" y="1676400"/>
+                  </a:cubicBezTo>
+                  <a:cubicBezTo>
+                    <a:pt x="785283" y="1204383"/>
+                    <a:pt x="818091" y="735541"/>
+                    <a:pt x="850900" y="266700"/>
+                  </a:cubicBezTo>
+                </a:path>
+              </a:pathLst>
+            </a:custGeom>
+            <a:solidFill>
+              <a:schemeClr val="accent1"/>
+            </a:solidFill>
+            <a:ln w="12700">
+              <a:solidFill>
+                <a:schemeClr val="tx1"/>
+              </a:solidFill>
+            </a:ln>
+          </p:spPr>
+          <p:style>
+            <a:lnRef idx="1">
+              <a:schemeClr val="accent1"/>
+            </a:lnRef>
+            <a:fillRef idx="0">
+              <a:schemeClr val="accent1"/>
+            </a:fillRef>
+            <a:effectRef idx="0">
+              <a:schemeClr val="accent1"/>
+            </a:effectRef>
+            <a:fontRef idx="minor">
+              <a:schemeClr val="tx1"/>
+            </a:fontRef>
+          </p:style>
+          <p:txBody>
+            <a:bodyPr rtlCol="0" anchor="ctr"/>
+            <a:lstStyle/>
+            <a:p>
+              <a:pPr algn="ctr"/>
+              <a:endParaRPr lang="ru-RU"/>
+            </a:p>
+          </p:txBody>
+        </p:sp>
+        <p:sp>
+          <p:nvSpPr>
+            <p:cNvPr id="35" name="Полилиния 34"/>
+            <p:cNvSpPr/>
+            <p:nvPr/>
+          </p:nvSpPr>
+          <p:spPr>
+            <a:xfrm flipH="1">
+              <a:off x="3958456" y="3588154"/>
+              <a:ext cx="309331" cy="1287871"/>
+            </a:xfrm>
+            <a:custGeom>
+              <a:avLst/>
+              <a:gdLst>
+                <a:gd name="connsiteX0" fmla="*/ 0 w 850900"/>
+                <a:gd name="connsiteY0" fmla="*/ 0 h 3258452"/>
+                <a:gd name="connsiteX1" fmla="*/ 292100 w 850900"/>
+                <a:gd name="connsiteY1" fmla="*/ 2768600 h 3258452"/>
+                <a:gd name="connsiteX2" fmla="*/ 393700 w 850900"/>
+                <a:gd name="connsiteY2" fmla="*/ 3187700 h 3258452"/>
+                <a:gd name="connsiteX3" fmla="*/ 787400 w 850900"/>
+                <a:gd name="connsiteY3" fmla="*/ 3098800 h 3258452"/>
+                <a:gd name="connsiteX4" fmla="*/ 774700 w 850900"/>
+                <a:gd name="connsiteY4" fmla="*/ 1676400 h 3258452"/>
+                <a:gd name="connsiteX5" fmla="*/ 850900 w 850900"/>
+                <a:gd name="connsiteY5" fmla="*/ 266700 h 3258452"/>
+              </a:gdLst>
+              <a:ahLst/>
+              <a:cxnLst>
+                <a:cxn ang="0">
+                  <a:pos x="connsiteX0" y="connsiteY0"/>
+                </a:cxn>
+                <a:cxn ang="0">
+                  <a:pos x="connsiteX1" y="connsiteY1"/>
+                </a:cxn>
+                <a:cxn ang="0">
+                  <a:pos x="connsiteX2" y="connsiteY2"/>
+                </a:cxn>
+                <a:cxn ang="0">
+                  <a:pos x="connsiteX3" y="connsiteY3"/>
+                </a:cxn>
+                <a:cxn ang="0">
+                  <a:pos x="connsiteX4" y="connsiteY4"/>
+                </a:cxn>
+                <a:cxn ang="0">
+                  <a:pos x="connsiteX5" y="connsiteY5"/>
+                </a:cxn>
+              </a:cxnLst>
+              <a:rect l="l" t="t" r="r" b="b"/>
+              <a:pathLst>
+                <a:path w="850900" h="3258452">
+                  <a:moveTo>
+                    <a:pt x="0" y="0"/>
+                  </a:moveTo>
+                  <a:cubicBezTo>
+                    <a:pt x="113241" y="1118658"/>
+                    <a:pt x="226483" y="2237317"/>
+                    <a:pt x="292100" y="2768600"/>
+                  </a:cubicBezTo>
+                  <a:cubicBezTo>
+                    <a:pt x="357717" y="3299883"/>
+                    <a:pt x="311150" y="3132667"/>
+                    <a:pt x="393700" y="3187700"/>
+                  </a:cubicBezTo>
+                  <a:cubicBezTo>
+                    <a:pt x="476250" y="3242733"/>
+                    <a:pt x="723900" y="3350683"/>
+                    <a:pt x="787400" y="3098800"/>
+                  </a:cubicBezTo>
+                  <a:cubicBezTo>
+                    <a:pt x="850900" y="2846917"/>
+                    <a:pt x="764117" y="2148417"/>
+                    <a:pt x="774700" y="1676400"/>
+                  </a:cubicBezTo>
+                  <a:cubicBezTo>
+                    <a:pt x="785283" y="1204383"/>
+                    <a:pt x="818091" y="735541"/>
+                    <a:pt x="850900" y="266700"/>
+                  </a:cubicBezTo>
+                </a:path>
+              </a:pathLst>
+            </a:custGeom>
+            <a:solidFill>
+              <a:schemeClr val="accent1"/>
+            </a:solidFill>
+            <a:ln w="12700">
+              <a:solidFill>
+                <a:schemeClr val="tx1"/>
+              </a:solidFill>
+            </a:ln>
+          </p:spPr>
+          <p:style>
+            <a:lnRef idx="1">
+              <a:schemeClr val="accent1"/>
+            </a:lnRef>
+            <a:fillRef idx="0">
+              <a:schemeClr val="accent1"/>
+            </a:fillRef>
+            <a:effectRef idx="0">
+              <a:schemeClr val="accent1"/>
+            </a:effectRef>
+            <a:fontRef idx="minor">
+              <a:schemeClr val="tx1"/>
+            </a:fontRef>
+          </p:style>
+          <p:txBody>
+            <a:bodyPr rtlCol="0" anchor="ctr"/>
+            <a:lstStyle/>
+            <a:p>
+              <a:pPr algn="ctr"/>
+              <a:endParaRPr lang="ru-RU"/>
+            </a:p>
+          </p:txBody>
+        </p:sp>
+        <p:sp>
+          <p:nvSpPr>
+            <p:cNvPr id="40" name="Овал 39"/>
+            <p:cNvSpPr/>
+            <p:nvPr/>
+          </p:nvSpPr>
+          <p:spPr>
+            <a:xfrm>
+              <a:off x="3681851" y="1915715"/>
+              <a:ext cx="170069" cy="390410"/>
+            </a:xfrm>
+            <a:prstGeom prst="ellipse">
+              <a:avLst/>
+            </a:prstGeom>
+            <a:solidFill>
+              <a:schemeClr val="bg1"/>
+            </a:solidFill>
+            <a:ln>
+              <a:noFill/>
+            </a:ln>
+          </p:spPr>
+          <p:style>
+            <a:lnRef idx="2">
+              <a:schemeClr val="accent1">
+                <a:shade val="50000"/>
+              </a:schemeClr>
+            </a:lnRef>
+            <a:fillRef idx="1">
+              <a:schemeClr val="accent1"/>
+            </a:fillRef>
+            <a:effectRef idx="0">
+              <a:schemeClr val="accent1"/>
+            </a:effectRef>
+            <a:fontRef idx="minor">
+              <a:schemeClr val="lt1"/>
+            </a:fontRef>
+          </p:style>
+          <p:txBody>
+            <a:bodyPr rtlCol="0" anchor="ctr"/>
+            <a:lstStyle/>
+            <a:p>
+              <a:pPr algn="ctr"/>
+              <a:endParaRPr lang="ru-RU"/>
+            </a:p>
+          </p:txBody>
+        </p:sp>
+        <p:grpSp>
+          <p:nvGrpSpPr>
+            <p:cNvPr id="63" name="Группа 62"/>
+            <p:cNvGrpSpPr/>
+            <p:nvPr/>
+          </p:nvGrpSpPr>
+          <p:grpSpPr>
+            <a:xfrm>
+              <a:off x="3709838" y="2444642"/>
+              <a:ext cx="352446" cy="768334"/>
+              <a:chOff x="1367644" y="1784850"/>
+              <a:chExt cx="1080120" cy="2422532"/>
+            </a:xfrm>
+          </p:grpSpPr>
+          <p:sp>
+            <p:nvSpPr>
+              <p:cNvPr id="60" name="Ромб 59"/>
+              <p:cNvSpPr/>
+              <p:nvPr/>
+            </p:nvSpPr>
+            <p:spPr>
+              <a:xfrm>
+                <a:off x="1367644" y="1784850"/>
+                <a:ext cx="1080120" cy="2422532"/>
+              </a:xfrm>
+              <a:prstGeom prst="diamond">
+                <a:avLst/>
+              </a:prstGeom>
+              <a:solidFill>
+                <a:srgbClr val="92D050"/>
+              </a:solidFill>
+              <a:ln w="12700">
+                <a:solidFill>
+                  <a:schemeClr val="tx1"/>
+                </a:solidFill>
+              </a:ln>
+            </p:spPr>
+            <p:style>
+              <a:lnRef idx="2">
+                <a:schemeClr val="accent1">
+                  <a:shade val="50000"/>
+                </a:schemeClr>
+              </a:lnRef>
+              <a:fillRef idx="1">
+                <a:schemeClr val="accent1"/>
+              </a:fillRef>
+              <a:effectRef idx="0">
+                <a:schemeClr val="accent1"/>
+              </a:effectRef>
+              <a:fontRef idx="minor">
+                <a:schemeClr val="lt1"/>
+              </a:fontRef>
+            </p:style>
+            <p:txBody>
+              <a:bodyPr rtlCol="0" anchor="ctr"/>
+              <a:lstStyle/>
+              <a:p>
+                <a:pPr algn="ctr"/>
+                <a:endParaRPr lang="ru-RU"/>
+              </a:p>
+            </p:txBody>
+          </p:sp>
+          <p:sp>
+            <p:nvSpPr>
+              <p:cNvPr id="61" name="Полилиния 60"/>
+              <p:cNvSpPr/>
+              <p:nvPr/>
+            </p:nvSpPr>
+            <p:spPr>
+              <a:xfrm>
+                <a:off x="1371600" y="2986088"/>
+                <a:ext cx="1071563" cy="180975"/>
+              </a:xfrm>
+              <a:custGeom>
+                <a:avLst/>
+                <a:gdLst>
+                  <a:gd name="connsiteX0" fmla="*/ 0 w 1071563"/>
+                  <a:gd name="connsiteY0" fmla="*/ 0 h 180975"/>
+                  <a:gd name="connsiteX1" fmla="*/ 342900 w 1071563"/>
+                  <a:gd name="connsiteY1" fmla="*/ 176212 h 180975"/>
+                  <a:gd name="connsiteX2" fmla="*/ 733425 w 1071563"/>
+                  <a:gd name="connsiteY2" fmla="*/ 180975 h 180975"/>
+                  <a:gd name="connsiteX3" fmla="*/ 1071563 w 1071563"/>
+                  <a:gd name="connsiteY3" fmla="*/ 4762 h 180975"/>
+                </a:gdLst>
+                <a:ahLst/>
+                <a:cxnLst>
+                  <a:cxn ang="0">
+                    <a:pos x="connsiteX0" y="connsiteY0"/>
+                  </a:cxn>
+                  <a:cxn ang="0">
+                    <a:pos x="connsiteX1" y="connsiteY1"/>
+                  </a:cxn>
+                  <a:cxn ang="0">
+                    <a:pos x="connsiteX2" y="connsiteY2"/>
+                  </a:cxn>
+                  <a:cxn ang="0">
+                    <a:pos x="connsiteX3" y="connsiteY3"/>
+                  </a:cxn>
+                </a:cxnLst>
+                <a:rect l="l" t="t" r="r" b="b"/>
+                <a:pathLst>
+                  <a:path w="1071563" h="180975">
+                    <a:moveTo>
+                      <a:pt x="0" y="0"/>
+                    </a:moveTo>
+                    <a:lnTo>
+                      <a:pt x="342900" y="176212"/>
+                    </a:lnTo>
+                    <a:lnTo>
+                      <a:pt x="733425" y="180975"/>
+                    </a:lnTo>
+                    <a:lnTo>
+                      <a:pt x="1071563" y="4762"/>
+                    </a:lnTo>
+                  </a:path>
+                </a:pathLst>
+              </a:custGeom>
+              <a:noFill/>
+              <a:ln w="12700">
+                <a:solidFill>
+                  <a:schemeClr val="tx1"/>
+                </a:solidFill>
+              </a:ln>
+            </p:spPr>
+            <p:style>
+              <a:lnRef idx="2">
+                <a:schemeClr val="accent1">
+                  <a:shade val="50000"/>
+                </a:schemeClr>
+              </a:lnRef>
+              <a:fillRef idx="1">
+                <a:schemeClr val="accent1"/>
+              </a:fillRef>
+              <a:effectRef idx="0">
+                <a:schemeClr val="accent1"/>
+              </a:effectRef>
+              <a:fontRef idx="minor">
+                <a:schemeClr val="lt1"/>
+              </a:fontRef>
+            </p:style>
+            <p:txBody>
+              <a:bodyPr rtlCol="0" anchor="ctr"/>
+              <a:lstStyle/>
+              <a:p>
+                <a:pPr algn="ctr"/>
+                <a:endParaRPr lang="ru-RU"/>
+              </a:p>
+            </p:txBody>
+          </p:sp>
+          <p:sp>
+            <p:nvSpPr>
+              <p:cNvPr id="62" name="Полилиния 61"/>
+              <p:cNvSpPr/>
+              <p:nvPr/>
+            </p:nvSpPr>
+            <p:spPr>
+              <a:xfrm>
+                <a:off x="1724025" y="1785938"/>
+                <a:ext cx="385763" cy="2414587"/>
+              </a:xfrm>
+              <a:custGeom>
+                <a:avLst/>
+                <a:gdLst>
+                  <a:gd name="connsiteX0" fmla="*/ 0 w 385763"/>
+                  <a:gd name="connsiteY0" fmla="*/ 1366837 h 2414587"/>
+                  <a:gd name="connsiteX1" fmla="*/ 180975 w 385763"/>
+                  <a:gd name="connsiteY1" fmla="*/ 0 h 2414587"/>
+                  <a:gd name="connsiteX2" fmla="*/ 385763 w 385763"/>
+                  <a:gd name="connsiteY2" fmla="*/ 1381125 h 2414587"/>
+                  <a:gd name="connsiteX3" fmla="*/ 190500 w 385763"/>
+                  <a:gd name="connsiteY3" fmla="*/ 2414587 h 2414587"/>
+                  <a:gd name="connsiteX4" fmla="*/ 0 w 385763"/>
+                  <a:gd name="connsiteY4" fmla="*/ 1366837 h 2414587"/>
+                </a:gdLst>
+                <a:ahLst/>
+                <a:cxnLst>
+                  <a:cxn ang="0">
+                    <a:pos x="connsiteX0" y="connsiteY0"/>
+                  </a:cxn>
+                  <a:cxn ang="0">
+                    <a:pos x="connsiteX1" y="connsiteY1"/>
+                  </a:cxn>
+                  <a:cxn ang="0">
+                    <a:pos x="connsiteX2" y="connsiteY2"/>
+                  </a:cxn>
+                  <a:cxn ang="0">
+                    <a:pos x="connsiteX3" y="connsiteY3"/>
+                  </a:cxn>
+                  <a:cxn ang="0">
+                    <a:pos x="connsiteX4" y="connsiteY4"/>
+                  </a:cxn>
+                </a:cxnLst>
+                <a:rect l="l" t="t" r="r" b="b"/>
+                <a:pathLst>
+                  <a:path w="385763" h="2414587">
+                    <a:moveTo>
+                      <a:pt x="0" y="1366837"/>
+                    </a:moveTo>
+                    <a:lnTo>
+                      <a:pt x="180975" y="0"/>
+                    </a:lnTo>
+                    <a:lnTo>
+                      <a:pt x="385763" y="1381125"/>
+                    </a:lnTo>
+                    <a:lnTo>
+                      <a:pt x="190500" y="2414587"/>
+                    </a:lnTo>
+                    <a:lnTo>
+                      <a:pt x="0" y="1366837"/>
+                    </a:lnTo>
+                    <a:close/>
+                  </a:path>
+                </a:pathLst>
+              </a:custGeom>
+              <a:noFill/>
+              <a:ln w="12700">
+                <a:solidFill>
+                  <a:schemeClr val="tx1"/>
+                </a:solidFill>
+              </a:ln>
+            </p:spPr>
+            <p:style>
+              <a:lnRef idx="2">
+                <a:schemeClr val="accent1">
+                  <a:shade val="50000"/>
+                </a:schemeClr>
+              </a:lnRef>
+              <a:fillRef idx="1">
+                <a:schemeClr val="accent1"/>
+              </a:fillRef>
+              <a:effectRef idx="0">
+                <a:schemeClr val="accent1"/>
+              </a:effectRef>
+              <a:fontRef idx="minor">
+                <a:schemeClr val="lt1"/>
+              </a:fontRef>
+            </p:style>
+            <p:txBody>
+              <a:bodyPr rtlCol="0" anchor="ctr"/>
+              <a:lstStyle/>
+              <a:p>
+                <a:pPr algn="ctr"/>
+                <a:endParaRPr lang="ru-RU"/>
+              </a:p>
+            </p:txBody>
+          </p:sp>
+        </p:grpSp>
+        <p:grpSp>
+          <p:nvGrpSpPr>
+            <p:cNvPr id="54" name="Группа 53"/>
+            <p:cNvGrpSpPr/>
+            <p:nvPr/>
+          </p:nvGrpSpPr>
+          <p:grpSpPr>
+            <a:xfrm rot="1606854" flipH="1">
+              <a:off x="2485233" y="2254239"/>
+              <a:ext cx="715011" cy="467813"/>
+              <a:chOff x="1600904" y="603200"/>
+              <a:chExt cx="5062302" cy="3542788"/>
+            </a:xfrm>
+          </p:grpSpPr>
+          <p:sp>
+            <p:nvSpPr>
+              <p:cNvPr id="53" name="Полилиния 52"/>
+              <p:cNvSpPr/>
+              <p:nvPr/>
+            </p:nvSpPr>
+            <p:spPr>
+              <a:xfrm>
+                <a:off x="2021716" y="603200"/>
+                <a:ext cx="993287" cy="1800487"/>
+              </a:xfrm>
+              <a:custGeom>
+                <a:avLst/>
+                <a:gdLst>
+                  <a:gd name="connsiteX0" fmla="*/ 3637 w 993287"/>
+                  <a:gd name="connsiteY0" fmla="*/ 97555 h 1800487"/>
+                  <a:gd name="connsiteX1" fmla="*/ 72004 w 993287"/>
+                  <a:gd name="connsiteY1" fmla="*/ 439387 h 1800487"/>
+                  <a:gd name="connsiteX2" fmla="*/ 507839 w 993287"/>
+                  <a:gd name="connsiteY2" fmla="*/ 1336695 h 1800487"/>
+                  <a:gd name="connsiteX3" fmla="*/ 977858 w 993287"/>
+                  <a:gd name="connsiteY3" fmla="*/ 1798168 h 1800487"/>
+                  <a:gd name="connsiteX4" fmla="*/ 849671 w 993287"/>
+                  <a:gd name="connsiteY4" fmla="*/ 1499065 h 1800487"/>
+                  <a:gd name="connsiteX5" fmla="*/ 550568 w 993287"/>
+                  <a:gd name="connsiteY5" fmla="*/ 1140142 h 1800487"/>
+                  <a:gd name="connsiteX6" fmla="*/ 302740 w 993287"/>
+                  <a:gd name="connsiteY6" fmla="*/ 747036 h 1800487"/>
+                  <a:gd name="connsiteX7" fmla="*/ 157462 w 993287"/>
+                  <a:gd name="connsiteY7" fmla="*/ 217196 h 1800487"/>
+                  <a:gd name="connsiteX8" fmla="*/ 106187 w 993287"/>
+                  <a:gd name="connsiteY8" fmla="*/ 3551 h 1800487"/>
+                  <a:gd name="connsiteX9" fmla="*/ 3637 w 993287"/>
+                  <a:gd name="connsiteY9" fmla="*/ 97555 h 1800487"/>
+                </a:gdLst>
+                <a:ahLst/>
+                <a:cxnLst>
+                  <a:cxn ang="0">
+                    <a:pos x="connsiteX0" y="connsiteY0"/>
+                  </a:cxn>
+                  <a:cxn ang="0">
+                    <a:pos x="connsiteX1" y="connsiteY1"/>
+                  </a:cxn>
+                  <a:cxn ang="0">
+                    <a:pos x="connsiteX2" y="connsiteY2"/>
+                  </a:cxn>
+                  <a:cxn ang="0">
+                    <a:pos x="connsiteX3" y="connsiteY3"/>
+                  </a:cxn>
+                  <a:cxn ang="0">
+                    <a:pos x="connsiteX4" y="connsiteY4"/>
+                  </a:cxn>
+                  <a:cxn ang="0">
+                    <a:pos x="connsiteX5" y="connsiteY5"/>
+                  </a:cxn>
+                  <a:cxn ang="0">
+                    <a:pos x="connsiteX6" y="connsiteY6"/>
+                  </a:cxn>
+                  <a:cxn ang="0">
+                    <a:pos x="connsiteX7" y="connsiteY7"/>
+                  </a:cxn>
+                  <a:cxn ang="0">
+                    <a:pos x="connsiteX8" y="connsiteY8"/>
+                  </a:cxn>
+                  <a:cxn ang="0">
+                    <a:pos x="connsiteX9" y="connsiteY9"/>
+                  </a:cxn>
+                </a:cxnLst>
+                <a:rect l="l" t="t" r="r" b="b"/>
+                <a:pathLst>
+                  <a:path w="993287" h="1800487">
+                    <a:moveTo>
+                      <a:pt x="3637" y="97555"/>
+                    </a:moveTo>
+                    <a:cubicBezTo>
+                      <a:pt x="-2060" y="170194"/>
+                      <a:pt x="-12030" y="232864"/>
+                      <a:pt x="72004" y="439387"/>
+                    </a:cubicBezTo>
+                    <a:cubicBezTo>
+                      <a:pt x="156038" y="645910"/>
+                      <a:pt x="356863" y="1110232"/>
+                      <a:pt x="507839" y="1336695"/>
+                    </a:cubicBezTo>
+                    <a:cubicBezTo>
+                      <a:pt x="658815" y="1563158"/>
+                      <a:pt x="920886" y="1771106"/>
+                      <a:pt x="977858" y="1798168"/>
+                    </a:cubicBezTo>
+                    <a:cubicBezTo>
+                      <a:pt x="1034830" y="1825230"/>
+                      <a:pt x="920886" y="1608736"/>
+                      <a:pt x="849671" y="1499065"/>
+                    </a:cubicBezTo>
+                    <a:cubicBezTo>
+                      <a:pt x="778456" y="1389394"/>
+                      <a:pt x="641723" y="1265480"/>
+                      <a:pt x="550568" y="1140142"/>
+                    </a:cubicBezTo>
+                    <a:cubicBezTo>
+                      <a:pt x="459413" y="1014804"/>
+                      <a:pt x="368258" y="900860"/>
+                      <a:pt x="302740" y="747036"/>
+                    </a:cubicBezTo>
+                    <a:cubicBezTo>
+                      <a:pt x="237222" y="593212"/>
+                      <a:pt x="190221" y="341110"/>
+                      <a:pt x="157462" y="217196"/>
+                    </a:cubicBezTo>
+                    <a:cubicBezTo>
+                      <a:pt x="124703" y="93282"/>
+                      <a:pt x="127552" y="19218"/>
+                      <a:pt x="106187" y="3551"/>
+                    </a:cubicBezTo>
+                    <a:cubicBezTo>
+                      <a:pt x="84823" y="-12116"/>
+                      <a:pt x="9334" y="24916"/>
+                      <a:pt x="3637" y="97555"/>
+                    </a:cubicBezTo>
+                    <a:close/>
+                  </a:path>
+                </a:pathLst>
+              </a:custGeom>
+              <a:ln w="12700"/>
+            </p:spPr>
+            <p:style>
+              <a:lnRef idx="2">
+                <a:schemeClr val="accent1">
+                  <a:shade val="50000"/>
+                </a:schemeClr>
+              </a:lnRef>
+              <a:fillRef idx="1">
+                <a:schemeClr val="accent1"/>
+              </a:fillRef>
+              <a:effectRef idx="0">
+                <a:schemeClr val="accent1"/>
+              </a:effectRef>
+              <a:fontRef idx="minor">
+                <a:schemeClr val="lt1"/>
+              </a:fontRef>
+            </p:style>
+            <p:txBody>
+              <a:bodyPr rtlCol="0" anchor="ctr"/>
+              <a:lstStyle/>
+              <a:p>
+                <a:pPr algn="ctr"/>
+                <a:endParaRPr lang="ru-RU"/>
+              </a:p>
+            </p:txBody>
+          </p:sp>
+          <p:grpSp>
+            <p:nvGrpSpPr>
+              <p:cNvPr id="52" name="Группа 51"/>
+              <p:cNvGrpSpPr/>
+              <p:nvPr/>
+            </p:nvGrpSpPr>
+            <p:grpSpPr>
+              <a:xfrm>
+                <a:off x="1600904" y="1266642"/>
+                <a:ext cx="5062302" cy="2879346"/>
+                <a:chOff x="1600904" y="1266642"/>
+                <a:chExt cx="5062302" cy="2879346"/>
+              </a:xfrm>
+            </p:grpSpPr>
+            <p:sp>
+              <p:nvSpPr>
+                <p:cNvPr id="30" name="Полилиния 29"/>
+                <p:cNvSpPr/>
+                <p:nvPr/>
+              </p:nvSpPr>
+              <p:spPr>
+                <a:xfrm rot="502271">
+                  <a:off x="2754258" y="1459748"/>
+                  <a:ext cx="3111887" cy="2686240"/>
+                </a:xfrm>
+                <a:custGeom>
+                  <a:avLst/>
+                  <a:gdLst>
+                    <a:gd name="connsiteX0" fmla="*/ 0 w 2855257"/>
+                    <a:gd name="connsiteY0" fmla="*/ 1504059 h 2017334"/>
+                    <a:gd name="connsiteX1" fmla="*/ 717847 w 2855257"/>
+                    <a:gd name="connsiteY1" fmla="*/ 1991170 h 2017334"/>
+                    <a:gd name="connsiteX2" fmla="*/ 1145137 w 2855257"/>
+                    <a:gd name="connsiteY2" fmla="*/ 1931349 h 2017334"/>
+                    <a:gd name="connsiteX3" fmla="*/ 1179320 w 2855257"/>
+                    <a:gd name="connsiteY3" fmla="*/ 1760433 h 2017334"/>
+                    <a:gd name="connsiteX4" fmla="*/ 675118 w 2855257"/>
+                    <a:gd name="connsiteY4" fmla="*/ 1384418 h 2017334"/>
+                    <a:gd name="connsiteX5" fmla="*/ 897309 w 2855257"/>
+                    <a:gd name="connsiteY5" fmla="*/ 1546788 h 2017334"/>
+                    <a:gd name="connsiteX6" fmla="*/ 1247686 w 2855257"/>
+                    <a:gd name="connsiteY6" fmla="*/ 1768979 h 2017334"/>
+                    <a:gd name="connsiteX7" fmla="*/ 1504060 w 2855257"/>
+                    <a:gd name="connsiteY7" fmla="*/ 1794616 h 2017334"/>
+                    <a:gd name="connsiteX8" fmla="*/ 1674976 w 2855257"/>
+                    <a:gd name="connsiteY8" fmla="*/ 1615155 h 2017334"/>
+                    <a:gd name="connsiteX9" fmla="*/ 1504060 w 2855257"/>
+                    <a:gd name="connsiteY9" fmla="*/ 1333144 h 2017334"/>
+                    <a:gd name="connsiteX10" fmla="*/ 1093862 w 2855257"/>
+                    <a:gd name="connsiteY10" fmla="*/ 1093861 h 2017334"/>
+                    <a:gd name="connsiteX11" fmla="*/ 1657885 w 2855257"/>
+                    <a:gd name="connsiteY11" fmla="*/ 1341689 h 2017334"/>
+                    <a:gd name="connsiteX12" fmla="*/ 2290273 w 2855257"/>
+                    <a:gd name="connsiteY12" fmla="*/ 1666429 h 2017334"/>
+                    <a:gd name="connsiteX13" fmla="*/ 2597922 w 2855257"/>
+                    <a:gd name="connsiteY13" fmla="*/ 1743342 h 2017334"/>
+                    <a:gd name="connsiteX14" fmla="*/ 2743200 w 2855257"/>
+                    <a:gd name="connsiteY14" fmla="*/ 1589517 h 2017334"/>
+                    <a:gd name="connsiteX15" fmla="*/ 2649197 w 2855257"/>
+                    <a:gd name="connsiteY15" fmla="*/ 1358781 h 2017334"/>
+                    <a:gd name="connsiteX16" fmla="*/ 2213361 w 2855257"/>
+                    <a:gd name="connsiteY16" fmla="*/ 1119499 h 2017334"/>
+                    <a:gd name="connsiteX17" fmla="*/ 1580972 w 2855257"/>
+                    <a:gd name="connsiteY17" fmla="*/ 863125 h 2017334"/>
+                    <a:gd name="connsiteX18" fmla="*/ 2350094 w 2855257"/>
+                    <a:gd name="connsiteY18" fmla="*/ 1153682 h 2017334"/>
+                    <a:gd name="connsiteX19" fmla="*/ 2674834 w 2855257"/>
+                    <a:gd name="connsiteY19" fmla="*/ 1281869 h 2017334"/>
+                    <a:gd name="connsiteX20" fmla="*/ 2837204 w 2855257"/>
+                    <a:gd name="connsiteY20" fmla="*/ 1128044 h 2017334"/>
+                    <a:gd name="connsiteX21" fmla="*/ 2794475 w 2855257"/>
+                    <a:gd name="connsiteY21" fmla="*/ 948583 h 2017334"/>
+                    <a:gd name="connsiteX22" fmla="*/ 2333002 w 2855257"/>
+                    <a:gd name="connsiteY22" fmla="*/ 717846 h 2017334"/>
+                    <a:gd name="connsiteX23" fmla="*/ 1153683 w 2855257"/>
+                    <a:gd name="connsiteY23" fmla="*/ 239282 h 2017334"/>
+                    <a:gd name="connsiteX24" fmla="*/ 581114 w 2855257"/>
+                    <a:gd name="connsiteY24" fmla="*/ 42729 h 2017334"/>
+                    <a:gd name="connsiteX25" fmla="*/ 153825 w 2855257"/>
+                    <a:gd name="connsiteY25" fmla="*/ 0 h 2017334"/>
+                  </a:gdLst>
+                  <a:ahLst/>
+                  <a:cxnLst>
+                    <a:cxn ang="0">
+                      <a:pos x="connsiteX0" y="connsiteY0"/>
+                    </a:cxn>
+                    <a:cxn ang="0">
+                      <a:pos x="connsiteX1" y="connsiteY1"/>
+                    </a:cxn>
+                    <a:cxn ang="0">
+                      <a:pos x="connsiteX2" y="connsiteY2"/>
+                    </a:cxn>
+                    <a:cxn ang="0">
+                      <a:pos x="connsiteX3" y="connsiteY3"/>
+                    </a:cxn>
+                    <a:cxn ang="0">
+                      <a:pos x="connsiteX4" y="connsiteY4"/>
+                    </a:cxn>
+                    <a:cxn ang="0">
+                      <a:pos x="connsiteX5" y="connsiteY5"/>
+                    </a:cxn>
+                    <a:cxn ang="0">
+                      <a:pos x="connsiteX6" y="connsiteY6"/>
+                    </a:cxn>
+                    <a:cxn ang="0">
+                      <a:pos x="connsiteX7" y="connsiteY7"/>
+                    </a:cxn>
+                    <a:cxn ang="0">
+                      <a:pos x="connsiteX8" y="connsiteY8"/>
+                    </a:cxn>
+                    <a:cxn ang="0">
+                      <a:pos x="connsiteX9" y="connsiteY9"/>
+                    </a:cxn>
+                    <a:cxn ang="0">
+                      <a:pos x="connsiteX10" y="connsiteY10"/>
+                    </a:cxn>
+                    <a:cxn ang="0">
+                      <a:pos x="connsiteX11" y="connsiteY11"/>
+                    </a:cxn>
+                    <a:cxn ang="0">
+                      <a:pos x="connsiteX12" y="connsiteY12"/>
+                    </a:cxn>
+                    <a:cxn ang="0">
+                      <a:pos x="connsiteX13" y="connsiteY13"/>
+                    </a:cxn>
+                    <a:cxn ang="0">
+                      <a:pos x="connsiteX14" y="connsiteY14"/>
+                    </a:cxn>
+                    <a:cxn ang="0">
+                      <a:pos x="connsiteX15" y="connsiteY15"/>
+                    </a:cxn>
+                    <a:cxn ang="0">
+                      <a:pos x="connsiteX16" y="connsiteY16"/>
+                    </a:cxn>
+                    <a:cxn ang="0">
+                      <a:pos x="connsiteX17" y="connsiteY17"/>
+                    </a:cxn>
+                    <a:cxn ang="0">
+                      <a:pos x="connsiteX18" y="connsiteY18"/>
+                    </a:cxn>
+                    <a:cxn ang="0">
+                      <a:pos x="connsiteX19" y="connsiteY19"/>
+                    </a:cxn>
+                    <a:cxn ang="0">
+                      <a:pos x="connsiteX20" y="connsiteY20"/>
+                    </a:cxn>
+                    <a:cxn ang="0">
+                      <a:pos x="connsiteX21" y="connsiteY21"/>
+                    </a:cxn>
+                    <a:cxn ang="0">
+                      <a:pos x="connsiteX22" y="connsiteY22"/>
+                    </a:cxn>
+                    <a:cxn ang="0">
+                      <a:pos x="connsiteX23" y="connsiteY23"/>
+                    </a:cxn>
+                    <a:cxn ang="0">
+                      <a:pos x="connsiteX24" y="connsiteY24"/>
+                    </a:cxn>
+                    <a:cxn ang="0">
+                      <a:pos x="connsiteX25" y="connsiteY25"/>
+                    </a:cxn>
+                  </a:cxnLst>
+                  <a:rect l="l" t="t" r="r" b="b"/>
+                  <a:pathLst>
+                    <a:path w="2855257" h="2017334">
+                      <a:moveTo>
+                        <a:pt x="0" y="1504059"/>
+                      </a:moveTo>
+                      <a:cubicBezTo>
+                        <a:pt x="263495" y="1712007"/>
+                        <a:pt x="526991" y="1919955"/>
+                        <a:pt x="717847" y="1991170"/>
+                      </a:cubicBezTo>
+                      <a:cubicBezTo>
+                        <a:pt x="908703" y="2062385"/>
+                        <a:pt x="1068225" y="1969805"/>
+                        <a:pt x="1145137" y="1931349"/>
+                      </a:cubicBezTo>
+                      <a:cubicBezTo>
+                        <a:pt x="1222049" y="1892893"/>
+                        <a:pt x="1257656" y="1851588"/>
+                        <a:pt x="1179320" y="1760433"/>
+                      </a:cubicBezTo>
+                      <a:cubicBezTo>
+                        <a:pt x="1100984" y="1669278"/>
+                        <a:pt x="722120" y="1420026"/>
+                        <a:pt x="675118" y="1384418"/>
+                      </a:cubicBezTo>
+                      <a:cubicBezTo>
+                        <a:pt x="628116" y="1348810"/>
+                        <a:pt x="801881" y="1482694"/>
+                        <a:pt x="897309" y="1546788"/>
+                      </a:cubicBezTo>
+                      <a:cubicBezTo>
+                        <a:pt x="992737" y="1610882"/>
+                        <a:pt x="1146561" y="1727674"/>
+                        <a:pt x="1247686" y="1768979"/>
+                      </a:cubicBezTo>
+                      <a:cubicBezTo>
+                        <a:pt x="1348811" y="1810284"/>
+                        <a:pt x="1432845" y="1820253"/>
+                        <a:pt x="1504060" y="1794616"/>
+                      </a:cubicBezTo>
+                      <a:cubicBezTo>
+                        <a:pt x="1575275" y="1768979"/>
+                        <a:pt x="1674976" y="1692067"/>
+                        <a:pt x="1674976" y="1615155"/>
+                      </a:cubicBezTo>
+                      <a:cubicBezTo>
+                        <a:pt x="1674976" y="1538243"/>
+                        <a:pt x="1600912" y="1420026"/>
+                        <a:pt x="1504060" y="1333144"/>
+                      </a:cubicBezTo>
+                      <a:cubicBezTo>
+                        <a:pt x="1407208" y="1246262"/>
+                        <a:pt x="1068225" y="1092437"/>
+                        <a:pt x="1093862" y="1093861"/>
+                      </a:cubicBezTo>
+                      <a:cubicBezTo>
+                        <a:pt x="1119499" y="1095285"/>
+                        <a:pt x="1458483" y="1246261"/>
+                        <a:pt x="1657885" y="1341689"/>
+                      </a:cubicBezTo>
+                      <a:cubicBezTo>
+                        <a:pt x="1857287" y="1437117"/>
+                        <a:pt x="2133600" y="1599487"/>
+                        <a:pt x="2290273" y="1666429"/>
+                      </a:cubicBezTo>
+                      <a:cubicBezTo>
+                        <a:pt x="2446946" y="1733371"/>
+                        <a:pt x="2522434" y="1756161"/>
+                        <a:pt x="2597922" y="1743342"/>
+                      </a:cubicBezTo>
+                      <a:cubicBezTo>
+                        <a:pt x="2673410" y="1730523"/>
+                        <a:pt x="2734654" y="1653611"/>
+                        <a:pt x="2743200" y="1589517"/>
+                      </a:cubicBezTo>
+                      <a:cubicBezTo>
+                        <a:pt x="2751746" y="1525424"/>
+                        <a:pt x="2737503" y="1437117"/>
+                        <a:pt x="2649197" y="1358781"/>
+                      </a:cubicBezTo>
+                      <a:cubicBezTo>
+                        <a:pt x="2560891" y="1280445"/>
+                        <a:pt x="2391398" y="1202108"/>
+                        <a:pt x="2213361" y="1119499"/>
+                      </a:cubicBezTo>
+                      <a:cubicBezTo>
+                        <a:pt x="2035324" y="1036890"/>
+                        <a:pt x="1558183" y="857428"/>
+                        <a:pt x="1580972" y="863125"/>
+                      </a:cubicBezTo>
+                      <a:cubicBezTo>
+                        <a:pt x="1603761" y="868822"/>
+                        <a:pt x="2167784" y="1083891"/>
+                        <a:pt x="2350094" y="1153682"/>
+                      </a:cubicBezTo>
+                      <a:cubicBezTo>
+                        <a:pt x="2532404" y="1223473"/>
+                        <a:pt x="2593649" y="1286142"/>
+                        <a:pt x="2674834" y="1281869"/>
+                      </a:cubicBezTo>
+                      <a:cubicBezTo>
+                        <a:pt x="2756019" y="1277596"/>
+                        <a:pt x="2817264" y="1183592"/>
+                        <a:pt x="2837204" y="1128044"/>
+                      </a:cubicBezTo>
+                      <a:cubicBezTo>
+                        <a:pt x="2857144" y="1072496"/>
+                        <a:pt x="2878509" y="1016949"/>
+                        <a:pt x="2794475" y="948583"/>
+                      </a:cubicBezTo>
+                      <a:cubicBezTo>
+                        <a:pt x="2710441" y="880217"/>
+                        <a:pt x="2606467" y="836063"/>
+                        <a:pt x="2333002" y="717846"/>
+                      </a:cubicBezTo>
+                      <a:cubicBezTo>
+                        <a:pt x="2059537" y="599629"/>
+                        <a:pt x="1445664" y="351801"/>
+                        <a:pt x="1153683" y="239282"/>
+                      </a:cubicBezTo>
+                      <a:cubicBezTo>
+                        <a:pt x="861702" y="126763"/>
+                        <a:pt x="747757" y="82609"/>
+                        <a:pt x="581114" y="42729"/>
+                      </a:cubicBezTo>
+                      <a:cubicBezTo>
+                        <a:pt x="414471" y="2849"/>
+                        <a:pt x="229313" y="15667"/>
+                        <a:pt x="153825" y="0"/>
+                      </a:cubicBezTo>
+                    </a:path>
+                  </a:pathLst>
+                </a:custGeom>
+                <a:solidFill>
+                  <a:schemeClr val="bg1"/>
+                </a:solidFill>
+                <a:ln w="12700">
+                  <a:solidFill>
+                    <a:schemeClr val="tx1"/>
+                  </a:solidFill>
+                </a:ln>
+              </p:spPr>
+              <p:style>
+                <a:lnRef idx="2">
+                  <a:schemeClr val="accent1">
+                    <a:shade val="50000"/>
+                  </a:schemeClr>
+                </a:lnRef>
+                <a:fillRef idx="1">
+                  <a:schemeClr val="accent1"/>
+                </a:fillRef>
+                <a:effectRef idx="0">
+                  <a:schemeClr val="accent1"/>
+                </a:effectRef>
+                <a:fontRef idx="minor">
+                  <a:schemeClr val="lt1"/>
+                </a:fontRef>
+              </p:style>
+              <p:txBody>
+                <a:bodyPr rtlCol="0" anchor="ctr"/>
+                <a:lstStyle/>
+                <a:p>
+                  <a:pPr algn="ctr"/>
+                  <a:endParaRPr lang="ru-RU"/>
+                </a:p>
+              </p:txBody>
+            </p:sp>
+            <p:grpSp>
+              <p:nvGrpSpPr>
+                <p:cNvPr id="51" name="Группа 50"/>
+                <p:cNvGrpSpPr/>
+                <p:nvPr/>
+              </p:nvGrpSpPr>
+              <p:grpSpPr>
+                <a:xfrm rot="1240219">
+                  <a:off x="1600904" y="1266642"/>
+                  <a:ext cx="5062302" cy="1937822"/>
+                  <a:chOff x="3271701" y="4393052"/>
+                  <a:chExt cx="3338265" cy="1569443"/>
+                </a:xfrm>
+              </p:grpSpPr>
+              <p:sp>
+                <p:nvSpPr>
+                  <p:cNvPr id="31" name="Полилиния 30"/>
+                  <p:cNvSpPr/>
+                  <p:nvPr/>
+                </p:nvSpPr>
+                <p:spPr>
+                  <a:xfrm>
+                    <a:off x="3271701" y="4393052"/>
+                    <a:ext cx="3214054" cy="1569443"/>
+                  </a:xfrm>
+                  <a:custGeom>
+                    <a:avLst/>
+                    <a:gdLst>
+                      <a:gd name="connsiteX0" fmla="*/ 106026 w 3214054"/>
+                      <a:gd name="connsiteY0" fmla="*/ 296752 h 1569443"/>
+                      <a:gd name="connsiteX1" fmla="*/ 1481899 w 3214054"/>
+                      <a:gd name="connsiteY1" fmla="*/ 1142786 h 1569443"/>
+                      <a:gd name="connsiteX2" fmla="*/ 2584306 w 3214054"/>
+                      <a:gd name="connsiteY2" fmla="*/ 1518800 h 1569443"/>
+                      <a:gd name="connsiteX3" fmla="*/ 3054325 w 3214054"/>
+                      <a:gd name="connsiteY3" fmla="*/ 1552984 h 1569443"/>
+                      <a:gd name="connsiteX4" fmla="*/ 3208149 w 3214054"/>
+                      <a:gd name="connsiteY4" fmla="*/ 1399159 h 1569443"/>
+                      <a:gd name="connsiteX5" fmla="*/ 2883409 w 3214054"/>
+                      <a:gd name="connsiteY5" fmla="*/ 1023144 h 1569443"/>
+                      <a:gd name="connsiteX6" fmla="*/ 2165562 w 3214054"/>
+                      <a:gd name="connsiteY6" fmla="*/ 630038 h 1569443"/>
+                      <a:gd name="connsiteX7" fmla="*/ 900785 w 3214054"/>
+                      <a:gd name="connsiteY7" fmla="*/ 100199 h 1569443"/>
+                      <a:gd name="connsiteX8" fmla="*/ 182938 w 3214054"/>
+                      <a:gd name="connsiteY8" fmla="*/ 14741 h 1569443"/>
+                      <a:gd name="connsiteX9" fmla="*/ 106026 w 3214054"/>
+                      <a:gd name="connsiteY9" fmla="*/ 296752 h 1569443"/>
+                    </a:gdLst>
+                    <a:ahLst/>
+                    <a:cxnLst>
+                      <a:cxn ang="0">
+                        <a:pos x="connsiteX0" y="connsiteY0"/>
+                      </a:cxn>
+                      <a:cxn ang="0">
+                        <a:pos x="connsiteX1" y="connsiteY1"/>
+                      </a:cxn>
+                      <a:cxn ang="0">
+                        <a:pos x="connsiteX2" y="connsiteY2"/>
+                      </a:cxn>
+                      <a:cxn ang="0">
+                        <a:pos x="connsiteX3" y="connsiteY3"/>
+                      </a:cxn>
+                      <a:cxn ang="0">
+                        <a:pos x="connsiteX4" y="connsiteY4"/>
+                      </a:cxn>
+                      <a:cxn ang="0">
+                        <a:pos x="connsiteX5" y="connsiteY5"/>
+                      </a:cxn>
+                      <a:cxn ang="0">
+                        <a:pos x="connsiteX6" y="connsiteY6"/>
+                      </a:cxn>
+                      <a:cxn ang="0">
+                        <a:pos x="connsiteX7" y="connsiteY7"/>
+                      </a:cxn>
+                      <a:cxn ang="0">
+                        <a:pos x="connsiteX8" y="connsiteY8"/>
+                      </a:cxn>
+                      <a:cxn ang="0">
+                        <a:pos x="connsiteX9" y="connsiteY9"/>
+                      </a:cxn>
+                    </a:cxnLst>
+                    <a:rect l="l" t="t" r="r" b="b"/>
+                    <a:pathLst>
+                      <a:path w="3214054" h="1569443">
+                        <a:moveTo>
+                          <a:pt x="106026" y="296752"/>
+                        </a:moveTo>
+                        <a:cubicBezTo>
+                          <a:pt x="322519" y="484759"/>
+                          <a:pt x="1068852" y="939111"/>
+                          <a:pt x="1481899" y="1142786"/>
+                        </a:cubicBezTo>
+                        <a:cubicBezTo>
+                          <a:pt x="1894946" y="1346461"/>
+                          <a:pt x="2322235" y="1450434"/>
+                          <a:pt x="2584306" y="1518800"/>
+                        </a:cubicBezTo>
+                        <a:cubicBezTo>
+                          <a:pt x="2846377" y="1587166"/>
+                          <a:pt x="2950351" y="1572924"/>
+                          <a:pt x="3054325" y="1552984"/>
+                        </a:cubicBezTo>
+                        <a:cubicBezTo>
+                          <a:pt x="3158299" y="1533044"/>
+                          <a:pt x="3236635" y="1487466"/>
+                          <a:pt x="3208149" y="1399159"/>
+                        </a:cubicBezTo>
+                        <a:cubicBezTo>
+                          <a:pt x="3179663" y="1310852"/>
+                          <a:pt x="3057174" y="1151331"/>
+                          <a:pt x="2883409" y="1023144"/>
+                        </a:cubicBezTo>
+                        <a:cubicBezTo>
+                          <a:pt x="2709645" y="894957"/>
+                          <a:pt x="2495999" y="783862"/>
+                          <a:pt x="2165562" y="630038"/>
+                        </a:cubicBezTo>
+                        <a:cubicBezTo>
+                          <a:pt x="1835125" y="476214"/>
+                          <a:pt x="1231222" y="202748"/>
+                          <a:pt x="900785" y="100199"/>
+                        </a:cubicBezTo>
+                        <a:cubicBezTo>
+                          <a:pt x="570348" y="-2350"/>
+                          <a:pt x="315398" y="-16593"/>
+                          <a:pt x="182938" y="14741"/>
+                        </a:cubicBezTo>
+                        <a:cubicBezTo>
+                          <a:pt x="50478" y="46075"/>
+                          <a:pt x="-110467" y="108745"/>
+                          <a:pt x="106026" y="296752"/>
+                        </a:cubicBezTo>
+                        <a:close/>
+                      </a:path>
+                    </a:pathLst>
+                  </a:custGeom>
+                  <a:ln w="12700"/>
+                </p:spPr>
+                <p:style>
+                  <a:lnRef idx="2">
+                    <a:schemeClr val="accent1">
+                      <a:shade val="50000"/>
+                    </a:schemeClr>
+                  </a:lnRef>
+                  <a:fillRef idx="1">
+                    <a:schemeClr val="accent1"/>
+                  </a:fillRef>
+                  <a:effectRef idx="0">
+                    <a:schemeClr val="accent1"/>
+                  </a:effectRef>
+                  <a:fontRef idx="minor">
+                    <a:schemeClr val="lt1"/>
+                  </a:fontRef>
+                </p:style>
+                <p:txBody>
+                  <a:bodyPr rtlCol="0" anchor="ctr"/>
+                  <a:lstStyle/>
+                  <a:p>
+                    <a:pPr algn="ctr"/>
+                    <a:endParaRPr lang="ru-RU"/>
+                  </a:p>
+                </p:txBody>
+              </p:sp>
+              <p:sp>
+                <p:nvSpPr>
+                  <p:cNvPr id="34" name="Полилиния 33"/>
+                  <p:cNvSpPr/>
+                  <p:nvPr/>
+                </p:nvSpPr>
+                <p:spPr>
+                  <a:xfrm rot="20908313">
+                    <a:off x="6382912" y="5783119"/>
+                    <a:ext cx="227054" cy="159504"/>
+                  </a:xfrm>
+                  <a:custGeom>
+                    <a:avLst/>
+                    <a:gdLst>
+                      <a:gd name="connsiteX0" fmla="*/ 2935 w 227054"/>
+                      <a:gd name="connsiteY0" fmla="*/ 111642 h 159504"/>
+                      <a:gd name="connsiteX1" fmla="*/ 225125 w 227054"/>
+                      <a:gd name="connsiteY1" fmla="*/ 154371 h 159504"/>
+                      <a:gd name="connsiteX2" fmla="*/ 105484 w 227054"/>
+                      <a:gd name="connsiteY2" fmla="*/ 547 h 159504"/>
+                      <a:gd name="connsiteX3" fmla="*/ 2935 w 227054"/>
+                      <a:gd name="connsiteY3" fmla="*/ 111642 h 159504"/>
+                    </a:gdLst>
+                    <a:ahLst/>
+                    <a:cxnLst>
+                      <a:cxn ang="0">
+                        <a:pos x="connsiteX0" y="connsiteY0"/>
+                      </a:cxn>
+                      <a:cxn ang="0">
+                        <a:pos x="connsiteX1" y="connsiteY1"/>
+                      </a:cxn>
+                      <a:cxn ang="0">
+                        <a:pos x="connsiteX2" y="connsiteY2"/>
+                      </a:cxn>
+                      <a:cxn ang="0">
+                        <a:pos x="connsiteX3" y="connsiteY3"/>
+                      </a:cxn>
+                    </a:cxnLst>
+                    <a:rect l="l" t="t" r="r" b="b"/>
+                    <a:pathLst>
+                      <a:path w="227054" h="159504">
+                        <a:moveTo>
+                          <a:pt x="2935" y="111642"/>
+                        </a:moveTo>
+                        <a:cubicBezTo>
+                          <a:pt x="22875" y="137279"/>
+                          <a:pt x="208034" y="172887"/>
+                          <a:pt x="225125" y="154371"/>
+                        </a:cubicBezTo>
+                        <a:cubicBezTo>
+                          <a:pt x="242216" y="135855"/>
+                          <a:pt x="141091" y="9093"/>
+                          <a:pt x="105484" y="547"/>
+                        </a:cubicBezTo>
+                        <a:cubicBezTo>
+                          <a:pt x="69877" y="-7999"/>
+                          <a:pt x="-17005" y="86005"/>
+                          <a:pt x="2935" y="111642"/>
+                        </a:cubicBezTo>
+                        <a:close/>
+                      </a:path>
+                    </a:pathLst>
+                  </a:custGeom>
+                  <a:ln w="12700"/>
+                </p:spPr>
+                <p:style>
+                  <a:lnRef idx="2">
+                    <a:schemeClr val="accent1">
+                      <a:shade val="50000"/>
+                    </a:schemeClr>
+                  </a:lnRef>
+                  <a:fillRef idx="1">
+                    <a:schemeClr val="accent1"/>
+                  </a:fillRef>
+                  <a:effectRef idx="0">
+                    <a:schemeClr val="accent1"/>
+                  </a:effectRef>
+                  <a:fontRef idx="minor">
+                    <a:schemeClr val="lt1"/>
+                  </a:fontRef>
+                </p:style>
+                <p:txBody>
+                  <a:bodyPr rtlCol="0" anchor="ctr"/>
+                  <a:lstStyle/>
+                  <a:p>
+                    <a:pPr algn="ctr"/>
+                    <a:endParaRPr lang="ru-RU"/>
+                  </a:p>
+                </p:txBody>
+              </p:sp>
+              <p:sp>
+                <p:nvSpPr>
+                  <p:cNvPr id="50" name="Полилиния 49"/>
+                  <p:cNvSpPr/>
+                  <p:nvPr/>
+                </p:nvSpPr>
+                <p:spPr>
+                  <a:xfrm>
+                    <a:off x="5989947" y="5441834"/>
+                    <a:ext cx="190801" cy="495656"/>
+                  </a:xfrm>
+                  <a:custGeom>
+                    <a:avLst/>
+                    <a:gdLst>
+                      <a:gd name="connsiteX0" fmla="*/ 190801 w 190801"/>
+                      <a:gd name="connsiteY0" fmla="*/ 0 h 495656"/>
+                      <a:gd name="connsiteX1" fmla="*/ 54068 w 190801"/>
+                      <a:gd name="connsiteY1" fmla="*/ 136732 h 495656"/>
+                      <a:gd name="connsiteX2" fmla="*/ 2793 w 190801"/>
+                      <a:gd name="connsiteY2" fmla="*/ 350377 h 495656"/>
+                      <a:gd name="connsiteX3" fmla="*/ 11339 w 190801"/>
+                      <a:gd name="connsiteY3" fmla="*/ 495656 h 495656"/>
+                    </a:gdLst>
+                    <a:ahLst/>
+                    <a:cxnLst>
+                      <a:cxn ang="0">
+                        <a:pos x="connsiteX0" y="connsiteY0"/>
+                      </a:cxn>
+                      <a:cxn ang="0">
+                        <a:pos x="connsiteX1" y="connsiteY1"/>
+                      </a:cxn>
+                      <a:cxn ang="0">
+                        <a:pos x="connsiteX2" y="connsiteY2"/>
+                      </a:cxn>
+                      <a:cxn ang="0">
+                        <a:pos x="connsiteX3" y="connsiteY3"/>
+                      </a:cxn>
+                    </a:cxnLst>
+                    <a:rect l="l" t="t" r="r" b="b"/>
+                    <a:pathLst>
+                      <a:path w="190801" h="495656">
+                        <a:moveTo>
+                          <a:pt x="190801" y="0"/>
+                        </a:moveTo>
+                        <a:cubicBezTo>
+                          <a:pt x="138102" y="39168"/>
+                          <a:pt x="85403" y="78336"/>
+                          <a:pt x="54068" y="136732"/>
+                        </a:cubicBezTo>
+                        <a:cubicBezTo>
+                          <a:pt x="22733" y="195128"/>
+                          <a:pt x="9914" y="290556"/>
+                          <a:pt x="2793" y="350377"/>
+                        </a:cubicBezTo>
+                        <a:cubicBezTo>
+                          <a:pt x="-4328" y="410198"/>
+                          <a:pt x="3505" y="452927"/>
+                          <a:pt x="11339" y="495656"/>
+                        </a:cubicBezTo>
+                      </a:path>
+                    </a:pathLst>
+                  </a:custGeom>
+                  <a:noFill/>
+                  <a:ln w="12700"/>
+                </p:spPr>
+                <p:style>
+                  <a:lnRef idx="2">
+                    <a:schemeClr val="accent1">
+                      <a:shade val="50000"/>
+                    </a:schemeClr>
+                  </a:lnRef>
+                  <a:fillRef idx="1">
+                    <a:schemeClr val="accent1"/>
+                  </a:fillRef>
+                  <a:effectRef idx="0">
+                    <a:schemeClr val="accent1"/>
+                  </a:effectRef>
+                  <a:fontRef idx="minor">
+                    <a:schemeClr val="lt1"/>
+                  </a:fontRef>
+                </p:style>
+                <p:txBody>
+                  <a:bodyPr rtlCol="0" anchor="ctr"/>
+                  <a:lstStyle/>
+                  <a:p>
+                    <a:pPr algn="ctr"/>
+                    <a:endParaRPr lang="ru-RU"/>
+                  </a:p>
+                </p:txBody>
+              </p:sp>
+            </p:grpSp>
+          </p:grpSp>
+        </p:grpSp>
+        <p:sp>
+          <p:nvSpPr>
+            <p:cNvPr id="2" name="Полилиния 1"/>
+            <p:cNvSpPr/>
+            <p:nvPr/>
+          </p:nvSpPr>
+          <p:spPr>
+            <a:xfrm rot="1343061" flipH="1">
+              <a:off x="2929529" y="2327370"/>
+              <a:ext cx="573163" cy="706922"/>
+            </a:xfrm>
+            <a:custGeom>
+              <a:avLst/>
+              <a:gdLst>
+                <a:gd name="connsiteX0" fmla="*/ 434435 w 2299799"/>
+                <a:gd name="connsiteY0" fmla="*/ 0 h 2254383"/>
+                <a:gd name="connsiteX1" fmla="*/ 7146 w 2299799"/>
+                <a:gd name="connsiteY1" fmla="*/ 1521152 h 2254383"/>
+                <a:gd name="connsiteX2" fmla="*/ 289157 w 2299799"/>
+                <a:gd name="connsiteY2" fmla="*/ 2247544 h 2254383"/>
+                <a:gd name="connsiteX3" fmla="*/ 1699213 w 2299799"/>
+                <a:gd name="connsiteY3" fmla="*/ 1871529 h 2254383"/>
+                <a:gd name="connsiteX4" fmla="*/ 2288873 w 2299799"/>
+                <a:gd name="connsiteY4" fmla="*/ 1632247 h 2254383"/>
+                <a:gd name="connsiteX5" fmla="*/ 1972678 w 2299799"/>
+                <a:gd name="connsiteY5" fmla="*/ 692210 h 2254383"/>
+                <a:gd name="connsiteX6" fmla="*/ 690809 w 2299799"/>
+                <a:gd name="connsiteY6" fmla="*/ 1316053 h 2254383"/>
+                <a:gd name="connsiteX7" fmla="*/ 656626 w 2299799"/>
+                <a:gd name="connsiteY7" fmla="*/ 1341690 h 2254383"/>
+                <a:gd name="connsiteX8" fmla="*/ 793359 w 2299799"/>
+                <a:gd name="connsiteY8" fmla="*/ 1264778 h 2254383"/>
+                <a:gd name="connsiteX9" fmla="*/ 844634 w 2299799"/>
+                <a:gd name="connsiteY9" fmla="*/ 1239140 h 2254383"/>
+                <a:gd name="connsiteX10" fmla="*/ 861725 w 2299799"/>
+                <a:gd name="connsiteY10" fmla="*/ 1187866 h 2254383"/>
+                <a:gd name="connsiteX11" fmla="*/ 861725 w 2299799"/>
+                <a:gd name="connsiteY11" fmla="*/ 1025496 h 2254383"/>
+                <a:gd name="connsiteX12" fmla="*/ 895908 w 2299799"/>
+                <a:gd name="connsiteY12" fmla="*/ 17092 h 2254383"/>
+              </a:gdLst>
+              <a:ahLst/>
+              <a:cxnLst>
+                <a:cxn ang="0">
+                  <a:pos x="connsiteX0" y="connsiteY0"/>
+                </a:cxn>
+                <a:cxn ang="0">
+                  <a:pos x="connsiteX1" y="connsiteY1"/>
+                </a:cxn>
+                <a:cxn ang="0">
+                  <a:pos x="connsiteX2" y="connsiteY2"/>
+                </a:cxn>
+                <a:cxn ang="0">
+                  <a:pos x="connsiteX3" y="connsiteY3"/>
+                </a:cxn>
+                <a:cxn ang="0">
+                  <a:pos x="connsiteX4" y="connsiteY4"/>
+                </a:cxn>
+                <a:cxn ang="0">
+                  <a:pos x="connsiteX5" y="connsiteY5"/>
+                </a:cxn>
+                <a:cxn ang="0">
+                  <a:pos x="connsiteX6" y="connsiteY6"/>
+                </a:cxn>
+                <a:cxn ang="0">
+                  <a:pos x="connsiteX7" y="connsiteY7"/>
+                </a:cxn>
+                <a:cxn ang="0">
+                  <a:pos x="connsiteX8" y="connsiteY8"/>
+                </a:cxn>
+                <a:cxn ang="0">
+                  <a:pos x="connsiteX9" y="connsiteY9"/>
+                </a:cxn>
+                <a:cxn ang="0">
+                  <a:pos x="connsiteX10" y="connsiteY10"/>
+                </a:cxn>
+                <a:cxn ang="0">
+                  <a:pos x="connsiteX11" y="connsiteY11"/>
+                </a:cxn>
+                <a:cxn ang="0">
+                  <a:pos x="connsiteX12" y="connsiteY12"/>
+                </a:cxn>
+              </a:cxnLst>
+              <a:rect l="l" t="t" r="r" b="b"/>
+              <a:pathLst>
+                <a:path w="2299799" h="2254383">
+                  <a:moveTo>
+                    <a:pt x="434435" y="0"/>
+                  </a:moveTo>
+                  <a:cubicBezTo>
+                    <a:pt x="232897" y="573281"/>
+                    <a:pt x="31359" y="1146562"/>
+                    <a:pt x="7146" y="1521152"/>
+                  </a:cubicBezTo>
+                  <a:cubicBezTo>
+                    <a:pt x="-17067" y="1895742"/>
+                    <a:pt x="7146" y="2189148"/>
+                    <a:pt x="289157" y="2247544"/>
+                  </a:cubicBezTo>
+                  <a:cubicBezTo>
+                    <a:pt x="571168" y="2305940"/>
+                    <a:pt x="1365927" y="1974078"/>
+                    <a:pt x="1699213" y="1871529"/>
+                  </a:cubicBezTo>
+                  <a:cubicBezTo>
+                    <a:pt x="2032499" y="1768980"/>
+                    <a:pt x="2243296" y="1828800"/>
+                    <a:pt x="2288873" y="1632247"/>
+                  </a:cubicBezTo>
+                  <a:cubicBezTo>
+                    <a:pt x="2334451" y="1435694"/>
+                    <a:pt x="2239022" y="744909"/>
+                    <a:pt x="1972678" y="692210"/>
+                  </a:cubicBezTo>
+                  <a:cubicBezTo>
+                    <a:pt x="1706334" y="639511"/>
+                    <a:pt x="910151" y="1207806"/>
+                    <a:pt x="690809" y="1316053"/>
+                  </a:cubicBezTo>
+                  <a:cubicBezTo>
+                    <a:pt x="471467" y="1424300"/>
+                    <a:pt x="639535" y="1350236"/>
+                    <a:pt x="656626" y="1341690"/>
+                  </a:cubicBezTo>
+                  <a:cubicBezTo>
+                    <a:pt x="673717" y="1333144"/>
+                    <a:pt x="762024" y="1281870"/>
+                    <a:pt x="793359" y="1264778"/>
+                  </a:cubicBezTo>
+                  <a:cubicBezTo>
+                    <a:pt x="824694" y="1247686"/>
+                    <a:pt x="833240" y="1251959"/>
+                    <a:pt x="844634" y="1239140"/>
+                  </a:cubicBezTo>
+                  <a:cubicBezTo>
+                    <a:pt x="856028" y="1226321"/>
+                    <a:pt x="858877" y="1223473"/>
+                    <a:pt x="861725" y="1187866"/>
+                  </a:cubicBezTo>
+                  <a:cubicBezTo>
+                    <a:pt x="864573" y="1152259"/>
+                    <a:pt x="856028" y="1220625"/>
+                    <a:pt x="861725" y="1025496"/>
+                  </a:cubicBezTo>
+                  <a:cubicBezTo>
+                    <a:pt x="867422" y="830367"/>
+                    <a:pt x="888786" y="192281"/>
+                    <a:pt x="895908" y="17092"/>
+                  </a:cubicBezTo>
+                </a:path>
+              </a:pathLst>
+            </a:custGeom>
+            <a:solidFill>
+              <a:schemeClr val="accent5">
+                <a:lumMod val="60000"/>
+                <a:lumOff val="40000"/>
+              </a:schemeClr>
+            </a:solidFill>
+            <a:ln w="12700">
+              <a:solidFill>
+                <a:schemeClr val="tx1"/>
+              </a:solidFill>
+            </a:ln>
+          </p:spPr>
+          <p:style>
+            <a:lnRef idx="2">
+              <a:schemeClr val="accent1">
+                <a:shade val="50000"/>
+              </a:schemeClr>
+            </a:lnRef>
+            <a:fillRef idx="1">
+              <a:schemeClr val="accent1"/>
+            </a:fillRef>
+            <a:effectRef idx="0">
+              <a:schemeClr val="accent1"/>
+            </a:effectRef>
+            <a:fontRef idx="minor">
+              <a:schemeClr val="lt1"/>
+            </a:fontRef>
+          </p:style>
+          <p:txBody>
+            <a:bodyPr rtlCol="0" anchor="ctr"/>
+            <a:lstStyle/>
+            <a:p>
+              <a:pPr algn="ctr"/>
+              <a:endParaRPr lang="ru-RU"/>
+            </a:p>
+          </p:txBody>
+        </p:sp>
+        <p:sp>
+          <p:nvSpPr>
+            <p:cNvPr id="56" name="Полилиния 55"/>
+            <p:cNvSpPr/>
+            <p:nvPr/>
+          </p:nvSpPr>
+          <p:spPr>
+            <a:xfrm rot="20595151">
+              <a:off x="4326688" y="2274102"/>
+              <a:ext cx="381571" cy="907779"/>
+            </a:xfrm>
+            <a:custGeom>
+              <a:avLst/>
+              <a:gdLst>
+                <a:gd name="connsiteX0" fmla="*/ 80962 w 257332"/>
+                <a:gd name="connsiteY0" fmla="*/ 0 h 774280"/>
+                <a:gd name="connsiteX1" fmla="*/ 161925 w 257332"/>
+                <a:gd name="connsiteY1" fmla="*/ 269081 h 774280"/>
+                <a:gd name="connsiteX2" fmla="*/ 257175 w 257332"/>
+                <a:gd name="connsiteY2" fmla="*/ 645319 h 774280"/>
+                <a:gd name="connsiteX3" fmla="*/ 180975 w 257332"/>
+                <a:gd name="connsiteY3" fmla="*/ 764381 h 774280"/>
+                <a:gd name="connsiteX4" fmla="*/ 54769 w 257332"/>
+                <a:gd name="connsiteY4" fmla="*/ 759619 h 774280"/>
+                <a:gd name="connsiteX5" fmla="*/ 9525 w 257332"/>
+                <a:gd name="connsiteY5" fmla="*/ 695325 h 774280"/>
+                <a:gd name="connsiteX6" fmla="*/ 30956 w 257332"/>
+                <a:gd name="connsiteY6" fmla="*/ 314325 h 774280"/>
+                <a:gd name="connsiteX7" fmla="*/ 0 w 257332"/>
+                <a:gd name="connsiteY7" fmla="*/ 61913 h 774280"/>
+              </a:gdLst>
+              <a:ahLst/>
+              <a:cxnLst>
+                <a:cxn ang="0">
+                  <a:pos x="connsiteX0" y="connsiteY0"/>
+                </a:cxn>
+                <a:cxn ang="0">
+                  <a:pos x="connsiteX1" y="connsiteY1"/>
+                </a:cxn>
+                <a:cxn ang="0">
+                  <a:pos x="connsiteX2" y="connsiteY2"/>
+                </a:cxn>
+                <a:cxn ang="0">
+                  <a:pos x="connsiteX3" y="connsiteY3"/>
+                </a:cxn>
+                <a:cxn ang="0">
+                  <a:pos x="connsiteX4" y="connsiteY4"/>
+                </a:cxn>
+                <a:cxn ang="0">
+                  <a:pos x="connsiteX5" y="connsiteY5"/>
+                </a:cxn>
+                <a:cxn ang="0">
+                  <a:pos x="connsiteX6" y="connsiteY6"/>
+                </a:cxn>
+                <a:cxn ang="0">
+                  <a:pos x="connsiteX7" y="connsiteY7"/>
+                </a:cxn>
+              </a:cxnLst>
+              <a:rect l="l" t="t" r="r" b="b"/>
+              <a:pathLst>
+                <a:path w="257332" h="774280">
+                  <a:moveTo>
+                    <a:pt x="80962" y="0"/>
+                  </a:moveTo>
+                  <a:cubicBezTo>
+                    <a:pt x="106759" y="80764"/>
+                    <a:pt x="132556" y="161528"/>
+                    <a:pt x="161925" y="269081"/>
+                  </a:cubicBezTo>
+                  <a:cubicBezTo>
+                    <a:pt x="191294" y="376634"/>
+                    <a:pt x="254000" y="562769"/>
+                    <a:pt x="257175" y="645319"/>
+                  </a:cubicBezTo>
+                  <a:cubicBezTo>
+                    <a:pt x="260350" y="727869"/>
+                    <a:pt x="214709" y="745331"/>
+                    <a:pt x="180975" y="764381"/>
+                  </a:cubicBezTo>
+                  <a:cubicBezTo>
+                    <a:pt x="147241" y="783431"/>
+                    <a:pt x="83344" y="771128"/>
+                    <a:pt x="54769" y="759619"/>
+                  </a:cubicBezTo>
+                  <a:cubicBezTo>
+                    <a:pt x="26194" y="748110"/>
+                    <a:pt x="13494" y="769541"/>
+                    <a:pt x="9525" y="695325"/>
+                  </a:cubicBezTo>
+                  <a:cubicBezTo>
+                    <a:pt x="5556" y="621109"/>
+                    <a:pt x="32543" y="419894"/>
+                    <a:pt x="30956" y="314325"/>
+                  </a:cubicBezTo>
+                  <a:cubicBezTo>
+                    <a:pt x="29369" y="208756"/>
+                    <a:pt x="14684" y="135334"/>
+                    <a:pt x="0" y="61913"/>
+                  </a:cubicBezTo>
+                </a:path>
+              </a:pathLst>
+            </a:custGeom>
+            <a:solidFill>
+              <a:schemeClr val="accent5">
+                <a:lumMod val="60000"/>
+                <a:lumOff val="40000"/>
+              </a:schemeClr>
+            </a:solidFill>
+            <a:ln w="12700">
+              <a:solidFill>
+                <a:schemeClr val="tx1"/>
+              </a:solidFill>
+            </a:ln>
+          </p:spPr>
+          <p:style>
+            <a:lnRef idx="2">
+              <a:schemeClr val="accent1">
+                <a:shade val="50000"/>
+              </a:schemeClr>
+            </a:lnRef>
+            <a:fillRef idx="1">
+              <a:schemeClr val="accent1"/>
+            </a:fillRef>
+            <a:effectRef idx="0">
+              <a:schemeClr val="accent1"/>
+            </a:effectRef>
+            <a:fontRef idx="minor">
+              <a:schemeClr val="lt1"/>
+            </a:fontRef>
+          </p:style>
+          <p:txBody>
+            <a:bodyPr rtlCol="0" anchor="ctr"/>
+            <a:lstStyle/>
+            <a:p>
+              <a:pPr algn="ctr"/>
+              <a:endParaRPr lang="ru-RU"/>
+            </a:p>
+          </p:txBody>
+        </p:sp>
+        <p:grpSp>
+          <p:nvGrpSpPr>
+            <p:cNvPr id="1024" name="Группа 1023"/>
+            <p:cNvGrpSpPr/>
+            <p:nvPr/>
+          </p:nvGrpSpPr>
+          <p:grpSpPr>
+            <a:xfrm>
+              <a:off x="4382126" y="2404859"/>
+              <a:ext cx="649637" cy="731533"/>
+              <a:chOff x="4382126" y="2404859"/>
+              <a:chExt cx="649637" cy="731533"/>
+            </a:xfrm>
+          </p:grpSpPr>
+          <p:sp>
+            <p:nvSpPr>
+              <p:cNvPr id="58" name="Полилиния 57"/>
+              <p:cNvSpPr/>
+              <p:nvPr/>
+            </p:nvSpPr>
+            <p:spPr>
+              <a:xfrm>
+                <a:off x="4590288" y="2645248"/>
+                <a:ext cx="441475" cy="491144"/>
+              </a:xfrm>
+              <a:custGeom>
+                <a:avLst/>
+                <a:gdLst>
+                  <a:gd name="connsiteX0" fmla="*/ 118872 w 441475"/>
+                  <a:gd name="connsiteY0" fmla="*/ 491144 h 491144"/>
+                  <a:gd name="connsiteX1" fmla="*/ 402336 w 441475"/>
+                  <a:gd name="connsiteY1" fmla="*/ 280832 h 491144"/>
+                  <a:gd name="connsiteX2" fmla="*/ 420624 w 441475"/>
+                  <a:gd name="connsiteY2" fmla="*/ 70520 h 491144"/>
+                  <a:gd name="connsiteX3" fmla="*/ 228600 w 441475"/>
+                  <a:gd name="connsiteY3" fmla="*/ 6512 h 491144"/>
+                  <a:gd name="connsiteX4" fmla="*/ 0 w 441475"/>
+                  <a:gd name="connsiteY4" fmla="*/ 207680 h 491144"/>
+                </a:gdLst>
+                <a:ahLst/>
+                <a:cxnLst>
+                  <a:cxn ang="0">
+                    <a:pos x="connsiteX0" y="connsiteY0"/>
+                  </a:cxn>
+                  <a:cxn ang="0">
+                    <a:pos x="connsiteX1" y="connsiteY1"/>
+                  </a:cxn>
+                  <a:cxn ang="0">
+                    <a:pos x="connsiteX2" y="connsiteY2"/>
+                  </a:cxn>
+                  <a:cxn ang="0">
+                    <a:pos x="connsiteX3" y="connsiteY3"/>
+                  </a:cxn>
+                  <a:cxn ang="0">
+                    <a:pos x="connsiteX4" y="connsiteY4"/>
+                  </a:cxn>
+                </a:cxnLst>
+                <a:rect l="l" t="t" r="r" b="b"/>
+                <a:pathLst>
+                  <a:path w="441475" h="491144">
+                    <a:moveTo>
+                      <a:pt x="118872" y="491144"/>
+                    </a:moveTo>
+                    <a:cubicBezTo>
+                      <a:pt x="235458" y="421040"/>
+                      <a:pt x="352044" y="350936"/>
+                      <a:pt x="402336" y="280832"/>
+                    </a:cubicBezTo>
+                    <a:cubicBezTo>
+                      <a:pt x="452628" y="210728"/>
+                      <a:pt x="449580" y="116240"/>
+                      <a:pt x="420624" y="70520"/>
+                    </a:cubicBezTo>
+                    <a:cubicBezTo>
+                      <a:pt x="391668" y="24800"/>
+                      <a:pt x="298704" y="-16348"/>
+                      <a:pt x="228600" y="6512"/>
+                    </a:cubicBezTo>
+                    <a:cubicBezTo>
+                      <a:pt x="158496" y="29372"/>
+                      <a:pt x="57912" y="171104"/>
+                      <a:pt x="0" y="207680"/>
+                    </a:cubicBezTo>
+                  </a:path>
+                </a:pathLst>
+              </a:custGeom>
+              <a:solidFill>
+                <a:schemeClr val="accent5">
+                  <a:lumMod val="60000"/>
+                  <a:lumOff val="40000"/>
+                </a:schemeClr>
+              </a:solidFill>
+              <a:ln w="12700">
+                <a:solidFill>
+                  <a:schemeClr val="tx1"/>
+                </a:solidFill>
+              </a:ln>
+            </p:spPr>
+            <p:style>
+              <a:lnRef idx="2">
+                <a:schemeClr val="accent1">
+                  <a:shade val="50000"/>
+                </a:schemeClr>
+              </a:lnRef>
+              <a:fillRef idx="1">
+                <a:schemeClr val="accent1"/>
+              </a:fillRef>
+              <a:effectRef idx="0">
+                <a:schemeClr val="accent1"/>
+              </a:effectRef>
+              <a:fontRef idx="minor">
+                <a:schemeClr val="lt1"/>
+              </a:fontRef>
+            </p:style>
+            <p:txBody>
+              <a:bodyPr rtlCol="0" anchor="ctr"/>
+              <a:lstStyle/>
+              <a:p>
+                <a:pPr algn="ctr"/>
+                <a:endParaRPr lang="ru-RU"/>
+              </a:p>
+            </p:txBody>
+          </p:sp>
+          <p:grpSp>
+            <p:nvGrpSpPr>
+              <p:cNvPr id="12" name="Группа 11"/>
+              <p:cNvGrpSpPr/>
+              <p:nvPr/>
+            </p:nvGrpSpPr>
+            <p:grpSpPr>
+              <a:xfrm>
+                <a:off x="4382126" y="2404859"/>
+                <a:ext cx="595782" cy="604933"/>
+                <a:chOff x="4945367" y="3834036"/>
+                <a:chExt cx="1570849" cy="1988805"/>
+              </a:xfrm>
+            </p:grpSpPr>
+            <p:sp>
+              <p:nvSpPr>
+                <p:cNvPr id="37" name="Полилиния 36"/>
+                <p:cNvSpPr/>
+                <p:nvPr/>
+              </p:nvSpPr>
+              <p:spPr>
+                <a:xfrm>
+                  <a:off x="4945367" y="3960100"/>
+                  <a:ext cx="1354825" cy="1817777"/>
+                </a:xfrm>
+                <a:custGeom>
+                  <a:avLst/>
+                  <a:gdLst>
+                    <a:gd name="connsiteX0" fmla="*/ 25029 w 1354825"/>
+                    <a:gd name="connsiteY0" fmla="*/ 1383753 h 1817777"/>
+                    <a:gd name="connsiteX1" fmla="*/ 195945 w 1354825"/>
+                    <a:gd name="connsiteY1" fmla="*/ 153159 h 1817777"/>
+                    <a:gd name="connsiteX2" fmla="*/ 554869 w 1354825"/>
+                    <a:gd name="connsiteY2" fmla="*/ 7881 h 1817777"/>
+                    <a:gd name="connsiteX3" fmla="*/ 1178712 w 1354825"/>
+                    <a:gd name="connsiteY3" fmla="*/ 50610 h 1817777"/>
+                    <a:gd name="connsiteX4" fmla="*/ 1349627 w 1354825"/>
+                    <a:gd name="connsiteY4" fmla="*/ 170251 h 1817777"/>
+                    <a:gd name="connsiteX5" fmla="*/ 1281261 w 1354825"/>
+                    <a:gd name="connsiteY5" fmla="*/ 674453 h 1817777"/>
+                    <a:gd name="connsiteX6" fmla="*/ 990704 w 1354825"/>
+                    <a:gd name="connsiteY6" fmla="*/ 1674310 h 1817777"/>
+                    <a:gd name="connsiteX7" fmla="*/ 879609 w 1354825"/>
+                    <a:gd name="connsiteY7" fmla="*/ 1811043 h 1817777"/>
+                    <a:gd name="connsiteX8" fmla="*/ 101941 w 1354825"/>
+                    <a:gd name="connsiteY8" fmla="*/ 1674310 h 1817777"/>
+                    <a:gd name="connsiteX9" fmla="*/ 7938 w 1354825"/>
+                    <a:gd name="connsiteY9" fmla="*/ 1674310 h 1817777"/>
+                    <a:gd name="connsiteX10" fmla="*/ 25029 w 1354825"/>
+                    <a:gd name="connsiteY10" fmla="*/ 1383753 h 1817777"/>
+                  </a:gdLst>
+                  <a:ahLst/>
+                  <a:cxnLst>
+                    <a:cxn ang="0">
+                      <a:pos x="connsiteX0" y="connsiteY0"/>
+                    </a:cxn>
+                    <a:cxn ang="0">
+                      <a:pos x="connsiteX1" y="connsiteY1"/>
+                    </a:cxn>
+                    <a:cxn ang="0">
+                      <a:pos x="connsiteX2" y="connsiteY2"/>
+                    </a:cxn>
+                    <a:cxn ang="0">
+                      <a:pos x="connsiteX3" y="connsiteY3"/>
+                    </a:cxn>
+                    <a:cxn ang="0">
+                      <a:pos x="connsiteX4" y="connsiteY4"/>
+                    </a:cxn>
+                    <a:cxn ang="0">
+                      <a:pos x="connsiteX5" y="connsiteY5"/>
+                    </a:cxn>
+                    <a:cxn ang="0">
+                      <a:pos x="connsiteX6" y="connsiteY6"/>
+                    </a:cxn>
+                    <a:cxn ang="0">
+                      <a:pos x="connsiteX7" y="connsiteY7"/>
+                    </a:cxn>
+                    <a:cxn ang="0">
+                      <a:pos x="connsiteX8" y="connsiteY8"/>
+                    </a:cxn>
+                    <a:cxn ang="0">
+                      <a:pos x="connsiteX9" y="connsiteY9"/>
+                    </a:cxn>
+                    <a:cxn ang="0">
+                      <a:pos x="connsiteX10" y="connsiteY10"/>
+                    </a:cxn>
+                  </a:cxnLst>
+                  <a:rect l="l" t="t" r="r" b="b"/>
+                  <a:pathLst>
+                    <a:path w="1354825" h="1817777">
+                      <a:moveTo>
+                        <a:pt x="25029" y="1383753"/>
+                      </a:moveTo>
+                      <a:cubicBezTo>
+                        <a:pt x="56364" y="1130228"/>
+                        <a:pt x="107638" y="382471"/>
+                        <a:pt x="195945" y="153159"/>
+                      </a:cubicBezTo>
+                      <a:cubicBezTo>
+                        <a:pt x="284252" y="-76153"/>
+                        <a:pt x="391075" y="24972"/>
+                        <a:pt x="554869" y="7881"/>
+                      </a:cubicBezTo>
+                      <a:cubicBezTo>
+                        <a:pt x="718663" y="-9210"/>
+                        <a:pt x="1046252" y="23548"/>
+                        <a:pt x="1178712" y="50610"/>
+                      </a:cubicBezTo>
+                      <a:cubicBezTo>
+                        <a:pt x="1311172" y="77672"/>
+                        <a:pt x="1332536" y="66277"/>
+                        <a:pt x="1349627" y="170251"/>
+                      </a:cubicBezTo>
+                      <a:cubicBezTo>
+                        <a:pt x="1366719" y="274225"/>
+                        <a:pt x="1341082" y="423776"/>
+                        <a:pt x="1281261" y="674453"/>
+                      </a:cubicBezTo>
+                      <a:cubicBezTo>
+                        <a:pt x="1221440" y="925130"/>
+                        <a:pt x="1057646" y="1484878"/>
+                        <a:pt x="990704" y="1674310"/>
+                      </a:cubicBezTo>
+                      <a:cubicBezTo>
+                        <a:pt x="923762" y="1863742"/>
+                        <a:pt x="1027736" y="1811043"/>
+                        <a:pt x="879609" y="1811043"/>
+                      </a:cubicBezTo>
+                      <a:cubicBezTo>
+                        <a:pt x="731482" y="1811043"/>
+                        <a:pt x="247220" y="1697099"/>
+                        <a:pt x="101941" y="1674310"/>
+                      </a:cubicBezTo>
+                      <a:cubicBezTo>
+                        <a:pt x="-43338" y="1651521"/>
+                        <a:pt x="19332" y="1722736"/>
+                        <a:pt x="7938" y="1674310"/>
+                      </a:cubicBezTo>
+                      <a:cubicBezTo>
+                        <a:pt x="-3456" y="1625884"/>
+                        <a:pt x="-6306" y="1637278"/>
+                        <a:pt x="25029" y="1383753"/>
+                      </a:cubicBezTo>
+                      <a:close/>
+                    </a:path>
+                  </a:pathLst>
+                </a:custGeom>
+                <a:solidFill>
+                  <a:schemeClr val="bg1"/>
+                </a:solidFill>
+                <a:ln w="12700">
+                  <a:solidFill>
+                    <a:schemeClr val="tx1"/>
+                  </a:solidFill>
+                </a:ln>
+              </p:spPr>
+              <p:style>
+                <a:lnRef idx="2">
+                  <a:schemeClr val="accent1">
+                    <a:shade val="50000"/>
+                  </a:schemeClr>
+                </a:lnRef>
+                <a:fillRef idx="1">
+                  <a:schemeClr val="accent1"/>
+                </a:fillRef>
+                <a:effectRef idx="0">
+                  <a:schemeClr val="accent1"/>
+                </a:effectRef>
+                <a:fontRef idx="minor">
+                  <a:schemeClr val="lt1"/>
+                </a:fontRef>
+              </p:style>
+              <p:txBody>
+                <a:bodyPr rtlCol="0" anchor="ctr"/>
+                <a:lstStyle/>
+                <a:p>
+                  <a:pPr algn="ctr"/>
+                  <a:endParaRPr lang="ru-RU"/>
+                </a:p>
+              </p:txBody>
+            </p:sp>
+            <p:sp>
+              <p:nvSpPr>
+                <p:cNvPr id="3" name="Полилиния 2"/>
+                <p:cNvSpPr/>
+                <p:nvPr/>
+              </p:nvSpPr>
+              <p:spPr>
+                <a:xfrm>
+                  <a:off x="5004048" y="3987487"/>
+                  <a:ext cx="1354825" cy="1817777"/>
+                </a:xfrm>
+                <a:custGeom>
+                  <a:avLst/>
+                  <a:gdLst>
+                    <a:gd name="connsiteX0" fmla="*/ 25029 w 1354825"/>
+                    <a:gd name="connsiteY0" fmla="*/ 1383753 h 1817777"/>
+                    <a:gd name="connsiteX1" fmla="*/ 195945 w 1354825"/>
+                    <a:gd name="connsiteY1" fmla="*/ 153159 h 1817777"/>
+                    <a:gd name="connsiteX2" fmla="*/ 554869 w 1354825"/>
+                    <a:gd name="connsiteY2" fmla="*/ 7881 h 1817777"/>
+                    <a:gd name="connsiteX3" fmla="*/ 1178712 w 1354825"/>
+                    <a:gd name="connsiteY3" fmla="*/ 50610 h 1817777"/>
+                    <a:gd name="connsiteX4" fmla="*/ 1349627 w 1354825"/>
+                    <a:gd name="connsiteY4" fmla="*/ 170251 h 1817777"/>
+                    <a:gd name="connsiteX5" fmla="*/ 1281261 w 1354825"/>
+                    <a:gd name="connsiteY5" fmla="*/ 674453 h 1817777"/>
+                    <a:gd name="connsiteX6" fmla="*/ 990704 w 1354825"/>
+                    <a:gd name="connsiteY6" fmla="*/ 1674310 h 1817777"/>
+                    <a:gd name="connsiteX7" fmla="*/ 879609 w 1354825"/>
+                    <a:gd name="connsiteY7" fmla="*/ 1811043 h 1817777"/>
+                    <a:gd name="connsiteX8" fmla="*/ 101941 w 1354825"/>
+                    <a:gd name="connsiteY8" fmla="*/ 1674310 h 1817777"/>
+                    <a:gd name="connsiteX9" fmla="*/ 7938 w 1354825"/>
+                    <a:gd name="connsiteY9" fmla="*/ 1674310 h 1817777"/>
+                    <a:gd name="connsiteX10" fmla="*/ 25029 w 1354825"/>
+                    <a:gd name="connsiteY10" fmla="*/ 1383753 h 1817777"/>
+                  </a:gdLst>
+                  <a:ahLst/>
+                  <a:cxnLst>
+                    <a:cxn ang="0">
+                      <a:pos x="connsiteX0" y="connsiteY0"/>
+                    </a:cxn>
+                    <a:cxn ang="0">
+                      <a:pos x="connsiteX1" y="connsiteY1"/>
+                    </a:cxn>
+                    <a:cxn ang="0">
+                      <a:pos x="connsiteX2" y="connsiteY2"/>
+                    </a:cxn>
+                    <a:cxn ang="0">
+                      <a:pos x="connsiteX3" y="connsiteY3"/>
+                    </a:cxn>
+                    <a:cxn ang="0">
+                      <a:pos x="connsiteX4" y="connsiteY4"/>
+                    </a:cxn>
+                    <a:cxn ang="0">
+                      <a:pos x="connsiteX5" y="connsiteY5"/>
+                    </a:cxn>
+                    <a:cxn ang="0">
+                      <a:pos x="connsiteX6" y="connsiteY6"/>
+                    </a:cxn>
+                    <a:cxn ang="0">
+                      <a:pos x="connsiteX7" y="connsiteY7"/>
+                    </a:cxn>
+                    <a:cxn ang="0">
+                      <a:pos x="connsiteX8" y="connsiteY8"/>
+                    </a:cxn>
+                    <a:cxn ang="0">
+                      <a:pos x="connsiteX9" y="connsiteY9"/>
+                    </a:cxn>
+                    <a:cxn ang="0">
+                      <a:pos x="connsiteX10" y="connsiteY10"/>
+                    </a:cxn>
+                  </a:cxnLst>
+                  <a:rect l="l" t="t" r="r" b="b"/>
+                  <a:pathLst>
+                    <a:path w="1354825" h="1817777">
+                      <a:moveTo>
+                        <a:pt x="25029" y="1383753"/>
+                      </a:moveTo>
+                      <a:cubicBezTo>
+                        <a:pt x="56364" y="1130228"/>
+                        <a:pt x="107638" y="382471"/>
+                        <a:pt x="195945" y="153159"/>
+                      </a:cubicBezTo>
+                      <a:cubicBezTo>
+                        <a:pt x="284252" y="-76153"/>
+                        <a:pt x="391075" y="24972"/>
+                        <a:pt x="554869" y="7881"/>
+                      </a:cubicBezTo>
+                      <a:cubicBezTo>
+                        <a:pt x="718663" y="-9210"/>
+                        <a:pt x="1046252" y="23548"/>
+                        <a:pt x="1178712" y="50610"/>
+                      </a:cubicBezTo>
+                      <a:cubicBezTo>
+                        <a:pt x="1311172" y="77672"/>
+                        <a:pt x="1332536" y="66277"/>
+                        <a:pt x="1349627" y="170251"/>
+                      </a:cubicBezTo>
+                      <a:cubicBezTo>
+                        <a:pt x="1366719" y="274225"/>
+                        <a:pt x="1341082" y="423776"/>
+                        <a:pt x="1281261" y="674453"/>
+                      </a:cubicBezTo>
+                      <a:cubicBezTo>
+                        <a:pt x="1221440" y="925130"/>
+                        <a:pt x="1057646" y="1484878"/>
+                        <a:pt x="990704" y="1674310"/>
+                      </a:cubicBezTo>
+                      <a:cubicBezTo>
+                        <a:pt x="923762" y="1863742"/>
+                        <a:pt x="1027736" y="1811043"/>
+                        <a:pt x="879609" y="1811043"/>
+                      </a:cubicBezTo>
+                      <a:cubicBezTo>
+                        <a:pt x="731482" y="1811043"/>
+                        <a:pt x="247220" y="1697099"/>
+                        <a:pt x="101941" y="1674310"/>
+                      </a:cubicBezTo>
+                      <a:cubicBezTo>
+                        <a:pt x="-43338" y="1651521"/>
+                        <a:pt x="19332" y="1722736"/>
+                        <a:pt x="7938" y="1674310"/>
+                      </a:cubicBezTo>
+                      <a:cubicBezTo>
+                        <a:pt x="-3456" y="1625884"/>
+                        <a:pt x="-6306" y="1637278"/>
+                        <a:pt x="25029" y="1383753"/>
+                      </a:cubicBezTo>
+                      <a:close/>
+                    </a:path>
+                  </a:pathLst>
+                </a:custGeom>
+                <a:solidFill>
+                  <a:schemeClr val="bg1"/>
+                </a:solidFill>
+                <a:ln w="12700">
+                  <a:solidFill>
+                    <a:schemeClr val="tx1"/>
+                  </a:solidFill>
+                </a:ln>
+              </p:spPr>
+              <p:style>
+                <a:lnRef idx="2">
+                  <a:schemeClr val="accent1">
+                    <a:shade val="50000"/>
+                  </a:schemeClr>
+                </a:lnRef>
+                <a:fillRef idx="1">
+                  <a:schemeClr val="accent1"/>
+                </a:fillRef>
+                <a:effectRef idx="0">
+                  <a:schemeClr val="accent1"/>
+                </a:effectRef>
+                <a:fontRef idx="minor">
+                  <a:schemeClr val="lt1"/>
+                </a:fontRef>
+              </p:style>
+              <p:txBody>
+                <a:bodyPr rtlCol="0" anchor="ctr"/>
+                <a:lstStyle/>
+                <a:p>
+                  <a:pPr algn="ctr"/>
+                  <a:endParaRPr lang="ru-RU"/>
+                </a:p>
+              </p:txBody>
+            </p:sp>
+            <p:sp>
+              <p:nvSpPr>
+                <p:cNvPr id="41" name="Полилиния 40"/>
+                <p:cNvSpPr/>
+                <p:nvPr/>
+              </p:nvSpPr>
+              <p:spPr>
+                <a:xfrm>
+                  <a:off x="5076056" y="4005064"/>
+                  <a:ext cx="1354825" cy="1817777"/>
+                </a:xfrm>
+                <a:custGeom>
+                  <a:avLst/>
+                  <a:gdLst>
+                    <a:gd name="connsiteX0" fmla="*/ 25029 w 1354825"/>
+                    <a:gd name="connsiteY0" fmla="*/ 1383753 h 1817777"/>
+                    <a:gd name="connsiteX1" fmla="*/ 195945 w 1354825"/>
+                    <a:gd name="connsiteY1" fmla="*/ 153159 h 1817777"/>
+                    <a:gd name="connsiteX2" fmla="*/ 554869 w 1354825"/>
+                    <a:gd name="connsiteY2" fmla="*/ 7881 h 1817777"/>
+                    <a:gd name="connsiteX3" fmla="*/ 1178712 w 1354825"/>
+                    <a:gd name="connsiteY3" fmla="*/ 50610 h 1817777"/>
+                    <a:gd name="connsiteX4" fmla="*/ 1349627 w 1354825"/>
+                    <a:gd name="connsiteY4" fmla="*/ 170251 h 1817777"/>
+                    <a:gd name="connsiteX5" fmla="*/ 1281261 w 1354825"/>
+                    <a:gd name="connsiteY5" fmla="*/ 674453 h 1817777"/>
+                    <a:gd name="connsiteX6" fmla="*/ 990704 w 1354825"/>
+                    <a:gd name="connsiteY6" fmla="*/ 1674310 h 1817777"/>
+                    <a:gd name="connsiteX7" fmla="*/ 879609 w 1354825"/>
+                    <a:gd name="connsiteY7" fmla="*/ 1811043 h 1817777"/>
+                    <a:gd name="connsiteX8" fmla="*/ 101941 w 1354825"/>
+                    <a:gd name="connsiteY8" fmla="*/ 1674310 h 1817777"/>
+                    <a:gd name="connsiteX9" fmla="*/ 7938 w 1354825"/>
+                    <a:gd name="connsiteY9" fmla="*/ 1674310 h 1817777"/>
+                    <a:gd name="connsiteX10" fmla="*/ 25029 w 1354825"/>
+                    <a:gd name="connsiteY10" fmla="*/ 1383753 h 1817777"/>
+                  </a:gdLst>
+                  <a:ahLst/>
+                  <a:cxnLst>
+                    <a:cxn ang="0">
+                      <a:pos x="connsiteX0" y="connsiteY0"/>
+                    </a:cxn>
+                    <a:cxn ang="0">
+                      <a:pos x="connsiteX1" y="connsiteY1"/>
+                    </a:cxn>
+                    <a:cxn ang="0">
+                      <a:pos x="connsiteX2" y="connsiteY2"/>
+                    </a:cxn>
+                    <a:cxn ang="0">
+                      <a:pos x="connsiteX3" y="connsiteY3"/>
+                    </a:cxn>
+                    <a:cxn ang="0">
+                      <a:pos x="connsiteX4" y="connsiteY4"/>
+                    </a:cxn>
+                    <a:cxn ang="0">
+                      <a:pos x="connsiteX5" y="connsiteY5"/>
+                    </a:cxn>
+                    <a:cxn ang="0">
+                      <a:pos x="connsiteX6" y="connsiteY6"/>
+                    </a:cxn>
+                    <a:cxn ang="0">
+                      <a:pos x="connsiteX7" y="connsiteY7"/>
+                    </a:cxn>
+                    <a:cxn ang="0">
+                      <a:pos x="connsiteX8" y="connsiteY8"/>
+                    </a:cxn>
+                    <a:cxn ang="0">
+                      <a:pos x="connsiteX9" y="connsiteY9"/>
+                    </a:cxn>
+                    <a:cxn ang="0">
+                      <a:pos x="connsiteX10" y="connsiteY10"/>
+                    </a:cxn>
+                  </a:cxnLst>
+                  <a:rect l="l" t="t" r="r" b="b"/>
+                  <a:pathLst>
+                    <a:path w="1354825" h="1817777">
+                      <a:moveTo>
+                        <a:pt x="25029" y="1383753"/>
+                      </a:moveTo>
+                      <a:cubicBezTo>
+                        <a:pt x="56364" y="1130228"/>
+                        <a:pt x="107638" y="382471"/>
+                        <a:pt x="195945" y="153159"/>
+                      </a:cubicBezTo>
+                      <a:cubicBezTo>
+                        <a:pt x="284252" y="-76153"/>
+                        <a:pt x="391075" y="24972"/>
+                        <a:pt x="554869" y="7881"/>
+                      </a:cubicBezTo>
+                      <a:cubicBezTo>
+                        <a:pt x="718663" y="-9210"/>
+                        <a:pt x="1046252" y="23548"/>
+                        <a:pt x="1178712" y="50610"/>
+                      </a:cubicBezTo>
+                      <a:cubicBezTo>
+                        <a:pt x="1311172" y="77672"/>
+                        <a:pt x="1332536" y="66277"/>
+                        <a:pt x="1349627" y="170251"/>
+                      </a:cubicBezTo>
+                      <a:cubicBezTo>
+                        <a:pt x="1366719" y="274225"/>
+                        <a:pt x="1341082" y="423776"/>
+                        <a:pt x="1281261" y="674453"/>
+                      </a:cubicBezTo>
+                      <a:cubicBezTo>
+                        <a:pt x="1221440" y="925130"/>
+                        <a:pt x="1057646" y="1484878"/>
+                        <a:pt x="990704" y="1674310"/>
+                      </a:cubicBezTo>
+                      <a:cubicBezTo>
+                        <a:pt x="923762" y="1863742"/>
+                        <a:pt x="1027736" y="1811043"/>
+                        <a:pt x="879609" y="1811043"/>
+                      </a:cubicBezTo>
+                      <a:cubicBezTo>
+                        <a:pt x="731482" y="1811043"/>
+                        <a:pt x="247220" y="1697099"/>
+                        <a:pt x="101941" y="1674310"/>
+                      </a:cubicBezTo>
+                      <a:cubicBezTo>
+                        <a:pt x="-43338" y="1651521"/>
+                        <a:pt x="19332" y="1722736"/>
+                        <a:pt x="7938" y="1674310"/>
+                      </a:cubicBezTo>
+                      <a:cubicBezTo>
+                        <a:pt x="-3456" y="1625884"/>
+                        <a:pt x="-6306" y="1637278"/>
+                        <a:pt x="25029" y="1383753"/>
+                      </a:cubicBezTo>
+                      <a:close/>
+                    </a:path>
+                  </a:pathLst>
+                </a:custGeom>
+                <a:solidFill>
+                  <a:schemeClr val="bg1"/>
+                </a:solidFill>
+                <a:ln w="12700">
+                  <a:solidFill>
+                    <a:schemeClr val="tx1"/>
+                  </a:solidFill>
+                </a:ln>
+              </p:spPr>
+              <p:style>
+                <a:lnRef idx="2">
+                  <a:schemeClr val="accent1">
+                    <a:shade val="50000"/>
+                  </a:schemeClr>
+                </a:lnRef>
+                <a:fillRef idx="1">
+                  <a:schemeClr val="accent1"/>
+                </a:fillRef>
+                <a:effectRef idx="0">
+                  <a:schemeClr val="accent1"/>
+                </a:effectRef>
+                <a:fontRef idx="minor">
+                  <a:schemeClr val="lt1"/>
+                </a:fontRef>
+              </p:style>
+              <p:txBody>
+                <a:bodyPr rtlCol="0" anchor="ctr"/>
+                <a:lstStyle/>
+                <a:p>
+                  <a:pPr algn="ctr"/>
+                  <a:endParaRPr lang="ru-RU"/>
+                </a:p>
+              </p:txBody>
+            </p:sp>
+            <p:sp>
+              <p:nvSpPr>
+                <p:cNvPr id="43" name="Полилиния 42"/>
+                <p:cNvSpPr/>
+                <p:nvPr/>
+              </p:nvSpPr>
+              <p:spPr>
+                <a:xfrm>
+                  <a:off x="5161391" y="4005064"/>
+                  <a:ext cx="1354825" cy="1817777"/>
+                </a:xfrm>
+                <a:custGeom>
+                  <a:avLst/>
+                  <a:gdLst>
+                    <a:gd name="connsiteX0" fmla="*/ 25029 w 1354825"/>
+                    <a:gd name="connsiteY0" fmla="*/ 1383753 h 1817777"/>
+                    <a:gd name="connsiteX1" fmla="*/ 195945 w 1354825"/>
+                    <a:gd name="connsiteY1" fmla="*/ 153159 h 1817777"/>
+                    <a:gd name="connsiteX2" fmla="*/ 554869 w 1354825"/>
+                    <a:gd name="connsiteY2" fmla="*/ 7881 h 1817777"/>
+                    <a:gd name="connsiteX3" fmla="*/ 1178712 w 1354825"/>
+                    <a:gd name="connsiteY3" fmla="*/ 50610 h 1817777"/>
+                    <a:gd name="connsiteX4" fmla="*/ 1349627 w 1354825"/>
+                    <a:gd name="connsiteY4" fmla="*/ 170251 h 1817777"/>
+                    <a:gd name="connsiteX5" fmla="*/ 1281261 w 1354825"/>
+                    <a:gd name="connsiteY5" fmla="*/ 674453 h 1817777"/>
+                    <a:gd name="connsiteX6" fmla="*/ 990704 w 1354825"/>
+                    <a:gd name="connsiteY6" fmla="*/ 1674310 h 1817777"/>
+                    <a:gd name="connsiteX7" fmla="*/ 879609 w 1354825"/>
+                    <a:gd name="connsiteY7" fmla="*/ 1811043 h 1817777"/>
+                    <a:gd name="connsiteX8" fmla="*/ 101941 w 1354825"/>
+                    <a:gd name="connsiteY8" fmla="*/ 1674310 h 1817777"/>
+                    <a:gd name="connsiteX9" fmla="*/ 7938 w 1354825"/>
+                    <a:gd name="connsiteY9" fmla="*/ 1674310 h 1817777"/>
+                    <a:gd name="connsiteX10" fmla="*/ 25029 w 1354825"/>
+                    <a:gd name="connsiteY10" fmla="*/ 1383753 h 1817777"/>
+                  </a:gdLst>
+                  <a:ahLst/>
+                  <a:cxnLst>
+                    <a:cxn ang="0">
+                      <a:pos x="connsiteX0" y="connsiteY0"/>
+                    </a:cxn>
+                    <a:cxn ang="0">
+                      <a:pos x="connsiteX1" y="connsiteY1"/>
+                    </a:cxn>
+                    <a:cxn ang="0">
+                      <a:pos x="connsiteX2" y="connsiteY2"/>
+                    </a:cxn>
+                    <a:cxn ang="0">
+                      <a:pos x="connsiteX3" y="connsiteY3"/>
+                    </a:cxn>
+                    <a:cxn ang="0">
+                      <a:pos x="connsiteX4" y="connsiteY4"/>
+                    </a:cxn>
+                    <a:cxn ang="0">
+                      <a:pos x="connsiteX5" y="connsiteY5"/>
+                    </a:cxn>
+                    <a:cxn ang="0">
+                      <a:pos x="connsiteX6" y="connsiteY6"/>
+                    </a:cxn>
+                    <a:cxn ang="0">
+                      <a:pos x="connsiteX7" y="connsiteY7"/>
+                    </a:cxn>
+                    <a:cxn ang="0">
+                      <a:pos x="connsiteX8" y="connsiteY8"/>
+                    </a:cxn>
+                    <a:cxn ang="0">
+                      <a:pos x="connsiteX9" y="connsiteY9"/>
+                    </a:cxn>
+                    <a:cxn ang="0">
+                      <a:pos x="connsiteX10" y="connsiteY10"/>
+                    </a:cxn>
+                  </a:cxnLst>
+                  <a:rect l="l" t="t" r="r" b="b"/>
+                  <a:pathLst>
+                    <a:path w="1354825" h="1817777">
+                      <a:moveTo>
+                        <a:pt x="25029" y="1383753"/>
+                      </a:moveTo>
+                      <a:cubicBezTo>
+                        <a:pt x="56364" y="1130228"/>
+                        <a:pt x="107638" y="382471"/>
+                        <a:pt x="195945" y="153159"/>
+                      </a:cubicBezTo>
+                      <a:cubicBezTo>
+                        <a:pt x="284252" y="-76153"/>
+                        <a:pt x="391075" y="24972"/>
+                        <a:pt x="554869" y="7881"/>
+                      </a:cubicBezTo>
+                      <a:cubicBezTo>
+                        <a:pt x="718663" y="-9210"/>
+                        <a:pt x="1046252" y="23548"/>
+                        <a:pt x="1178712" y="50610"/>
+                      </a:cubicBezTo>
+                      <a:cubicBezTo>
+                        <a:pt x="1311172" y="77672"/>
+                        <a:pt x="1332536" y="66277"/>
+                        <a:pt x="1349627" y="170251"/>
+                      </a:cubicBezTo>
+                      <a:cubicBezTo>
+                        <a:pt x="1366719" y="274225"/>
+                        <a:pt x="1341082" y="423776"/>
+                        <a:pt x="1281261" y="674453"/>
+                      </a:cubicBezTo>
+                      <a:cubicBezTo>
+                        <a:pt x="1221440" y="925130"/>
+                        <a:pt x="1057646" y="1484878"/>
+                        <a:pt x="990704" y="1674310"/>
+                      </a:cubicBezTo>
+                      <a:cubicBezTo>
+                        <a:pt x="923762" y="1863742"/>
+                        <a:pt x="1027736" y="1811043"/>
+                        <a:pt x="879609" y="1811043"/>
+                      </a:cubicBezTo>
+                      <a:cubicBezTo>
+                        <a:pt x="731482" y="1811043"/>
+                        <a:pt x="247220" y="1697099"/>
+                        <a:pt x="101941" y="1674310"/>
+                      </a:cubicBezTo>
+                      <a:cubicBezTo>
+                        <a:pt x="-43338" y="1651521"/>
+                        <a:pt x="19332" y="1722736"/>
+                        <a:pt x="7938" y="1674310"/>
+                      </a:cubicBezTo>
+                      <a:cubicBezTo>
+                        <a:pt x="-3456" y="1625884"/>
+                        <a:pt x="-6306" y="1637278"/>
+                        <a:pt x="25029" y="1383753"/>
+                      </a:cubicBezTo>
+                      <a:close/>
+                    </a:path>
+                  </a:pathLst>
+                </a:custGeom>
+                <a:solidFill>
+                  <a:schemeClr val="bg1"/>
+                </a:solidFill>
+                <a:ln w="12700">
+                  <a:solidFill>
+                    <a:schemeClr val="tx1"/>
+                  </a:solidFill>
+                </a:ln>
+              </p:spPr>
+              <p:style>
+                <a:lnRef idx="2">
+                  <a:schemeClr val="accent1">
+                    <a:shade val="50000"/>
+                  </a:schemeClr>
+                </a:lnRef>
+                <a:fillRef idx="1">
+                  <a:schemeClr val="accent1"/>
+                </a:fillRef>
+                <a:effectRef idx="0">
+                  <a:schemeClr val="accent1"/>
+                </a:effectRef>
+                <a:fontRef idx="minor">
+                  <a:schemeClr val="lt1"/>
+                </a:fontRef>
+              </p:style>
+              <p:txBody>
+                <a:bodyPr rtlCol="0" anchor="ctr"/>
+                <a:lstStyle/>
+                <a:p>
+                  <a:pPr algn="ctr"/>
+                  <a:endParaRPr lang="ru-RU"/>
+                </a:p>
+              </p:txBody>
+            </p:sp>
+            <p:sp>
+              <p:nvSpPr>
+                <p:cNvPr id="10" name="Полилиния 9"/>
+                <p:cNvSpPr/>
+                <p:nvPr/>
+              </p:nvSpPr>
+              <p:spPr>
+                <a:xfrm>
+                  <a:off x="5366759" y="3834036"/>
+                  <a:ext cx="337834" cy="370495"/>
+                </a:xfrm>
+                <a:custGeom>
+                  <a:avLst/>
+                  <a:gdLst>
+                    <a:gd name="connsiteX0" fmla="*/ 170916 w 337834"/>
+                    <a:gd name="connsiteY0" fmla="*/ 370495 h 370495"/>
+                    <a:gd name="connsiteX1" fmla="*/ 299103 w 337834"/>
+                    <a:gd name="connsiteY1" fmla="*/ 319220 h 370495"/>
+                    <a:gd name="connsiteX2" fmla="*/ 333286 w 337834"/>
+                    <a:gd name="connsiteY2" fmla="*/ 148304 h 370495"/>
+                    <a:gd name="connsiteX3" fmla="*/ 213645 w 337834"/>
+                    <a:gd name="connsiteY3" fmla="*/ 11571 h 370495"/>
+                    <a:gd name="connsiteX4" fmla="*/ 68366 w 337834"/>
+                    <a:gd name="connsiteY4" fmla="*/ 20117 h 370495"/>
+                    <a:gd name="connsiteX5" fmla="*/ 0 w 337834"/>
+                    <a:gd name="connsiteY5" fmla="*/ 122667 h 370495"/>
+                  </a:gdLst>
+                  <a:ahLst/>
+                  <a:cxnLst>
+                    <a:cxn ang="0">
+                      <a:pos x="connsiteX0" y="connsiteY0"/>
+                    </a:cxn>
+                    <a:cxn ang="0">
+                      <a:pos x="connsiteX1" y="connsiteY1"/>
+                    </a:cxn>
+                    <a:cxn ang="0">
+                      <a:pos x="connsiteX2" y="connsiteY2"/>
+                    </a:cxn>
+                    <a:cxn ang="0">
+                      <a:pos x="connsiteX3" y="connsiteY3"/>
+                    </a:cxn>
+                    <a:cxn ang="0">
+                      <a:pos x="connsiteX4" y="connsiteY4"/>
+                    </a:cxn>
+                    <a:cxn ang="0">
+                      <a:pos x="connsiteX5" y="connsiteY5"/>
+                    </a:cxn>
+                  </a:cxnLst>
+                  <a:rect l="l" t="t" r="r" b="b"/>
+                  <a:pathLst>
+                    <a:path w="337834" h="370495">
+                      <a:moveTo>
+                        <a:pt x="170916" y="370495"/>
+                      </a:moveTo>
+                      <a:cubicBezTo>
+                        <a:pt x="221478" y="363373"/>
+                        <a:pt x="272041" y="356252"/>
+                        <a:pt x="299103" y="319220"/>
+                      </a:cubicBezTo>
+                      <a:cubicBezTo>
+                        <a:pt x="326165" y="282188"/>
+                        <a:pt x="347529" y="199579"/>
+                        <a:pt x="333286" y="148304"/>
+                      </a:cubicBezTo>
+                      <a:cubicBezTo>
+                        <a:pt x="319043" y="97029"/>
+                        <a:pt x="257798" y="32935"/>
+                        <a:pt x="213645" y="11571"/>
+                      </a:cubicBezTo>
+                      <a:cubicBezTo>
+                        <a:pt x="169492" y="-9793"/>
+                        <a:pt x="103973" y="1601"/>
+                        <a:pt x="68366" y="20117"/>
+                      </a:cubicBezTo>
+                      <a:cubicBezTo>
+                        <a:pt x="32759" y="38633"/>
+                        <a:pt x="16379" y="80650"/>
+                        <a:pt x="0" y="122667"/>
+                      </a:cubicBezTo>
+                    </a:path>
+                  </a:pathLst>
+                </a:custGeom>
+                <a:noFill/>
+                <a:ln>
+                  <a:solidFill>
+                    <a:schemeClr val="tx1"/>
+                  </a:solidFill>
+                </a:ln>
+              </p:spPr>
+              <p:style>
+                <a:lnRef idx="2">
+                  <a:schemeClr val="accent1">
+                    <a:shade val="50000"/>
+                  </a:schemeClr>
+                </a:lnRef>
+                <a:fillRef idx="1">
+                  <a:schemeClr val="accent1"/>
+                </a:fillRef>
+                <a:effectRef idx="0">
+                  <a:schemeClr val="accent1"/>
+                </a:effectRef>
+                <a:fontRef idx="minor">
+                  <a:schemeClr val="lt1"/>
+                </a:fontRef>
+              </p:style>
+              <p:txBody>
+                <a:bodyPr rtlCol="0" anchor="ctr"/>
+                <a:lstStyle/>
+                <a:p>
+                  <a:pPr algn="ctr"/>
+                  <a:endParaRPr lang="ru-RU"/>
+                </a:p>
+              </p:txBody>
+            </p:sp>
+            <p:sp>
+              <p:nvSpPr>
+                <p:cNvPr id="45" name="Полилиния 44"/>
+                <p:cNvSpPr/>
+                <p:nvPr/>
+              </p:nvSpPr>
+              <p:spPr>
+                <a:xfrm>
+                  <a:off x="5519159" y="3850593"/>
+                  <a:ext cx="337834" cy="370495"/>
+                </a:xfrm>
+                <a:custGeom>
+                  <a:avLst/>
+                  <a:gdLst>
+                    <a:gd name="connsiteX0" fmla="*/ 170916 w 337834"/>
+                    <a:gd name="connsiteY0" fmla="*/ 370495 h 370495"/>
+                    <a:gd name="connsiteX1" fmla="*/ 299103 w 337834"/>
+                    <a:gd name="connsiteY1" fmla="*/ 319220 h 370495"/>
+                    <a:gd name="connsiteX2" fmla="*/ 333286 w 337834"/>
+                    <a:gd name="connsiteY2" fmla="*/ 148304 h 370495"/>
+                    <a:gd name="connsiteX3" fmla="*/ 213645 w 337834"/>
+                    <a:gd name="connsiteY3" fmla="*/ 11571 h 370495"/>
+                    <a:gd name="connsiteX4" fmla="*/ 68366 w 337834"/>
+                    <a:gd name="connsiteY4" fmla="*/ 20117 h 370495"/>
+                    <a:gd name="connsiteX5" fmla="*/ 0 w 337834"/>
+                    <a:gd name="connsiteY5" fmla="*/ 122667 h 370495"/>
+                  </a:gdLst>
+                  <a:ahLst/>
+                  <a:cxnLst>
+                    <a:cxn ang="0">
+                      <a:pos x="connsiteX0" y="connsiteY0"/>
+                    </a:cxn>
+                    <a:cxn ang="0">
+                      <a:pos x="connsiteX1" y="connsiteY1"/>
+                    </a:cxn>
+                    <a:cxn ang="0">
+                      <a:pos x="connsiteX2" y="connsiteY2"/>
+                    </a:cxn>
+                    <a:cxn ang="0">
+                      <a:pos x="connsiteX3" y="connsiteY3"/>
+                    </a:cxn>
+                    <a:cxn ang="0">
+                      <a:pos x="connsiteX4" y="connsiteY4"/>
+                    </a:cxn>
+                    <a:cxn ang="0">
+                      <a:pos x="connsiteX5" y="connsiteY5"/>
+                    </a:cxn>
+                  </a:cxnLst>
+                  <a:rect l="l" t="t" r="r" b="b"/>
+                  <a:pathLst>
+                    <a:path w="337834" h="370495">
+                      <a:moveTo>
+                        <a:pt x="170916" y="370495"/>
+                      </a:moveTo>
+                      <a:cubicBezTo>
+                        <a:pt x="221478" y="363373"/>
+                        <a:pt x="272041" y="356252"/>
+                        <a:pt x="299103" y="319220"/>
+                      </a:cubicBezTo>
+                      <a:cubicBezTo>
+                        <a:pt x="326165" y="282188"/>
+                        <a:pt x="347529" y="199579"/>
+                        <a:pt x="333286" y="148304"/>
+                      </a:cubicBezTo>
+                      <a:cubicBezTo>
+                        <a:pt x="319043" y="97029"/>
+                        <a:pt x="257798" y="32935"/>
+                        <a:pt x="213645" y="11571"/>
+                      </a:cubicBezTo>
+                      <a:cubicBezTo>
+                        <a:pt x="169492" y="-9793"/>
+                        <a:pt x="103973" y="1601"/>
+                        <a:pt x="68366" y="20117"/>
+                      </a:cubicBezTo>
+                      <a:cubicBezTo>
+                        <a:pt x="32759" y="38633"/>
+                        <a:pt x="16379" y="80650"/>
+                        <a:pt x="0" y="122667"/>
+                      </a:cubicBezTo>
+                    </a:path>
+                  </a:pathLst>
+                </a:custGeom>
+                <a:noFill/>
+                <a:ln>
+                  <a:solidFill>
+                    <a:schemeClr val="tx1"/>
+                  </a:solidFill>
+                </a:ln>
+              </p:spPr>
+              <p:style>
+                <a:lnRef idx="2">
+                  <a:schemeClr val="accent1">
+                    <a:shade val="50000"/>
+                  </a:schemeClr>
+                </a:lnRef>
+                <a:fillRef idx="1">
+                  <a:schemeClr val="accent1"/>
+                </a:fillRef>
+                <a:effectRef idx="0">
+                  <a:schemeClr val="accent1"/>
+                </a:effectRef>
+                <a:fontRef idx="minor">
+                  <a:schemeClr val="lt1"/>
+                </a:fontRef>
+              </p:style>
+              <p:txBody>
+                <a:bodyPr rtlCol="0" anchor="ctr"/>
+                <a:lstStyle/>
+                <a:p>
+                  <a:pPr algn="ctr"/>
+                  <a:endParaRPr lang="ru-RU"/>
+                </a:p>
+              </p:txBody>
+            </p:sp>
+            <p:sp>
+              <p:nvSpPr>
+                <p:cNvPr id="46" name="Полилиния 45"/>
+                <p:cNvSpPr/>
+                <p:nvPr/>
+              </p:nvSpPr>
+              <p:spPr>
+                <a:xfrm>
+                  <a:off x="5671559" y="3861048"/>
+                  <a:ext cx="337834" cy="370495"/>
+                </a:xfrm>
+                <a:custGeom>
+                  <a:avLst/>
+                  <a:gdLst>
+                    <a:gd name="connsiteX0" fmla="*/ 170916 w 337834"/>
+                    <a:gd name="connsiteY0" fmla="*/ 370495 h 370495"/>
+                    <a:gd name="connsiteX1" fmla="*/ 299103 w 337834"/>
+                    <a:gd name="connsiteY1" fmla="*/ 319220 h 370495"/>
+                    <a:gd name="connsiteX2" fmla="*/ 333286 w 337834"/>
+                    <a:gd name="connsiteY2" fmla="*/ 148304 h 370495"/>
+                    <a:gd name="connsiteX3" fmla="*/ 213645 w 337834"/>
+                    <a:gd name="connsiteY3" fmla="*/ 11571 h 370495"/>
+                    <a:gd name="connsiteX4" fmla="*/ 68366 w 337834"/>
+                    <a:gd name="connsiteY4" fmla="*/ 20117 h 370495"/>
+                    <a:gd name="connsiteX5" fmla="*/ 0 w 337834"/>
+                    <a:gd name="connsiteY5" fmla="*/ 122667 h 370495"/>
+                  </a:gdLst>
+                  <a:ahLst/>
+                  <a:cxnLst>
+                    <a:cxn ang="0">
+                      <a:pos x="connsiteX0" y="connsiteY0"/>
+                    </a:cxn>
+                    <a:cxn ang="0">
+                      <a:pos x="connsiteX1" y="connsiteY1"/>
+                    </a:cxn>
+                    <a:cxn ang="0">
+                      <a:pos x="connsiteX2" y="connsiteY2"/>
+                    </a:cxn>
+                    <a:cxn ang="0">
+                      <a:pos x="connsiteX3" y="connsiteY3"/>
+                    </a:cxn>
+                    <a:cxn ang="0">
+                      <a:pos x="connsiteX4" y="connsiteY4"/>
+                    </a:cxn>
+                    <a:cxn ang="0">
+                      <a:pos x="connsiteX5" y="connsiteY5"/>
+                    </a:cxn>
+                  </a:cxnLst>
+                  <a:rect l="l" t="t" r="r" b="b"/>
+                  <a:pathLst>
+                    <a:path w="337834" h="370495">
+                      <a:moveTo>
+                        <a:pt x="170916" y="370495"/>
+                      </a:moveTo>
+                      <a:cubicBezTo>
+                        <a:pt x="221478" y="363373"/>
+                        <a:pt x="272041" y="356252"/>
+                        <a:pt x="299103" y="319220"/>
+                      </a:cubicBezTo>
+                      <a:cubicBezTo>
+                        <a:pt x="326165" y="282188"/>
+                        <a:pt x="347529" y="199579"/>
+                        <a:pt x="333286" y="148304"/>
+                      </a:cubicBezTo>
+                      <a:cubicBezTo>
+                        <a:pt x="319043" y="97029"/>
+                        <a:pt x="257798" y="32935"/>
+                        <a:pt x="213645" y="11571"/>
+                      </a:cubicBezTo>
+                      <a:cubicBezTo>
+                        <a:pt x="169492" y="-9793"/>
+                        <a:pt x="103973" y="1601"/>
+                        <a:pt x="68366" y="20117"/>
+                      </a:cubicBezTo>
+                      <a:cubicBezTo>
+                        <a:pt x="32759" y="38633"/>
+                        <a:pt x="16379" y="80650"/>
+                        <a:pt x="0" y="122667"/>
+                      </a:cubicBezTo>
+                    </a:path>
+                  </a:pathLst>
+                </a:custGeom>
+                <a:noFill/>
+                <a:ln>
+                  <a:solidFill>
+                    <a:schemeClr val="tx1"/>
+                  </a:solidFill>
+                </a:ln>
+              </p:spPr>
+              <p:style>
+                <a:lnRef idx="2">
+                  <a:schemeClr val="accent1">
+                    <a:shade val="50000"/>
+                  </a:schemeClr>
+                </a:lnRef>
+                <a:fillRef idx="1">
+                  <a:schemeClr val="accent1"/>
+                </a:fillRef>
+                <a:effectRef idx="0">
+                  <a:schemeClr val="accent1"/>
+                </a:effectRef>
+                <a:fontRef idx="minor">
+                  <a:schemeClr val="lt1"/>
+                </a:fontRef>
+              </p:style>
+              <p:txBody>
+                <a:bodyPr rtlCol="0" anchor="ctr"/>
+                <a:lstStyle/>
+                <a:p>
+                  <a:pPr algn="ctr"/>
+                  <a:endParaRPr lang="ru-RU"/>
+                </a:p>
+              </p:txBody>
+            </p:sp>
+            <p:sp>
+              <p:nvSpPr>
+                <p:cNvPr id="47" name="Полилиния 46"/>
+                <p:cNvSpPr/>
+                <p:nvPr/>
+              </p:nvSpPr>
+              <p:spPr>
+                <a:xfrm>
+                  <a:off x="5823959" y="3861048"/>
+                  <a:ext cx="337834" cy="370495"/>
+                </a:xfrm>
+                <a:custGeom>
+                  <a:avLst/>
+                  <a:gdLst>
+                    <a:gd name="connsiteX0" fmla="*/ 170916 w 337834"/>
+                    <a:gd name="connsiteY0" fmla="*/ 370495 h 370495"/>
+                    <a:gd name="connsiteX1" fmla="*/ 299103 w 337834"/>
+                    <a:gd name="connsiteY1" fmla="*/ 319220 h 370495"/>
+                    <a:gd name="connsiteX2" fmla="*/ 333286 w 337834"/>
+                    <a:gd name="connsiteY2" fmla="*/ 148304 h 370495"/>
+                    <a:gd name="connsiteX3" fmla="*/ 213645 w 337834"/>
+                    <a:gd name="connsiteY3" fmla="*/ 11571 h 370495"/>
+                    <a:gd name="connsiteX4" fmla="*/ 68366 w 337834"/>
+                    <a:gd name="connsiteY4" fmla="*/ 20117 h 370495"/>
+                    <a:gd name="connsiteX5" fmla="*/ 0 w 337834"/>
+                    <a:gd name="connsiteY5" fmla="*/ 122667 h 370495"/>
+                  </a:gdLst>
+                  <a:ahLst/>
+                  <a:cxnLst>
+                    <a:cxn ang="0">
+                      <a:pos x="connsiteX0" y="connsiteY0"/>
+                    </a:cxn>
+                    <a:cxn ang="0">
+                      <a:pos x="connsiteX1" y="connsiteY1"/>
+                    </a:cxn>
+                    <a:cxn ang="0">
+                      <a:pos x="connsiteX2" y="connsiteY2"/>
+                    </a:cxn>
+                    <a:cxn ang="0">
+                      <a:pos x="connsiteX3" y="connsiteY3"/>
+                    </a:cxn>
+                    <a:cxn ang="0">
+                      <a:pos x="connsiteX4" y="connsiteY4"/>
+                    </a:cxn>
+                    <a:cxn ang="0">
+                      <a:pos x="connsiteX5" y="connsiteY5"/>
+                    </a:cxn>
+                  </a:cxnLst>
+                  <a:rect l="l" t="t" r="r" b="b"/>
+                  <a:pathLst>
+                    <a:path w="337834" h="370495">
+                      <a:moveTo>
+                        <a:pt x="170916" y="370495"/>
+                      </a:moveTo>
+                      <a:cubicBezTo>
+                        <a:pt x="221478" y="363373"/>
+                        <a:pt x="272041" y="356252"/>
+                        <a:pt x="299103" y="319220"/>
+                      </a:cubicBezTo>
+                      <a:cubicBezTo>
+                        <a:pt x="326165" y="282188"/>
+                        <a:pt x="347529" y="199579"/>
+                        <a:pt x="333286" y="148304"/>
+                      </a:cubicBezTo>
+                      <a:cubicBezTo>
+                        <a:pt x="319043" y="97029"/>
+                        <a:pt x="257798" y="32935"/>
+                        <a:pt x="213645" y="11571"/>
+                      </a:cubicBezTo>
+                      <a:cubicBezTo>
+                        <a:pt x="169492" y="-9793"/>
+                        <a:pt x="103973" y="1601"/>
+                        <a:pt x="68366" y="20117"/>
+                      </a:cubicBezTo>
+                      <a:cubicBezTo>
+                        <a:pt x="32759" y="38633"/>
+                        <a:pt x="16379" y="80650"/>
+                        <a:pt x="0" y="122667"/>
+                      </a:cubicBezTo>
+                    </a:path>
+                  </a:pathLst>
+                </a:custGeom>
+                <a:noFill/>
+                <a:ln>
+                  <a:solidFill>
+                    <a:schemeClr val="tx1"/>
+                  </a:solidFill>
+                </a:ln>
+              </p:spPr>
+              <p:style>
+                <a:lnRef idx="2">
+                  <a:schemeClr val="accent1">
+                    <a:shade val="50000"/>
+                  </a:schemeClr>
+                </a:lnRef>
+                <a:fillRef idx="1">
+                  <a:schemeClr val="accent1"/>
+                </a:fillRef>
+                <a:effectRef idx="0">
+                  <a:schemeClr val="accent1"/>
+                </a:effectRef>
+                <a:fontRef idx="minor">
+                  <a:schemeClr val="lt1"/>
+                </a:fontRef>
+              </p:style>
+              <p:txBody>
+                <a:bodyPr rtlCol="0" anchor="ctr"/>
+                <a:lstStyle/>
+                <a:p>
+                  <a:pPr algn="ctr"/>
+                  <a:endParaRPr lang="ru-RU"/>
+                </a:p>
+              </p:txBody>
+            </p:sp>
+            <p:sp>
+              <p:nvSpPr>
+                <p:cNvPr id="48" name="Полилиния 47"/>
+                <p:cNvSpPr/>
+                <p:nvPr/>
+              </p:nvSpPr>
+              <p:spPr>
+                <a:xfrm>
+                  <a:off x="5976359" y="3861048"/>
+                  <a:ext cx="337834" cy="370495"/>
+                </a:xfrm>
+                <a:custGeom>
+                  <a:avLst/>
+                  <a:gdLst>
+                    <a:gd name="connsiteX0" fmla="*/ 170916 w 337834"/>
+                    <a:gd name="connsiteY0" fmla="*/ 370495 h 370495"/>
+                    <a:gd name="connsiteX1" fmla="*/ 299103 w 337834"/>
+                    <a:gd name="connsiteY1" fmla="*/ 319220 h 370495"/>
+                    <a:gd name="connsiteX2" fmla="*/ 333286 w 337834"/>
+                    <a:gd name="connsiteY2" fmla="*/ 148304 h 370495"/>
+                    <a:gd name="connsiteX3" fmla="*/ 213645 w 337834"/>
+                    <a:gd name="connsiteY3" fmla="*/ 11571 h 370495"/>
+                    <a:gd name="connsiteX4" fmla="*/ 68366 w 337834"/>
+                    <a:gd name="connsiteY4" fmla="*/ 20117 h 370495"/>
+                    <a:gd name="connsiteX5" fmla="*/ 0 w 337834"/>
+                    <a:gd name="connsiteY5" fmla="*/ 122667 h 370495"/>
+                  </a:gdLst>
+                  <a:ahLst/>
+                  <a:cxnLst>
+                    <a:cxn ang="0">
+                      <a:pos x="connsiteX0" y="connsiteY0"/>
+                    </a:cxn>
+                    <a:cxn ang="0">
+                      <a:pos x="connsiteX1" y="connsiteY1"/>
+                    </a:cxn>
+                    <a:cxn ang="0">
+                      <a:pos x="connsiteX2" y="connsiteY2"/>
+                    </a:cxn>
+                    <a:cxn ang="0">
+                      <a:pos x="connsiteX3" y="connsiteY3"/>
+                    </a:cxn>
+                    <a:cxn ang="0">
+                      <a:pos x="connsiteX4" y="connsiteY4"/>
+                    </a:cxn>
+                    <a:cxn ang="0">
+                      <a:pos x="connsiteX5" y="connsiteY5"/>
+                    </a:cxn>
+                  </a:cxnLst>
+                  <a:rect l="l" t="t" r="r" b="b"/>
+                  <a:pathLst>
+                    <a:path w="337834" h="370495">
+                      <a:moveTo>
+                        <a:pt x="170916" y="370495"/>
+                      </a:moveTo>
+                      <a:cubicBezTo>
+                        <a:pt x="221478" y="363373"/>
+                        <a:pt x="272041" y="356252"/>
+                        <a:pt x="299103" y="319220"/>
+                      </a:cubicBezTo>
+                      <a:cubicBezTo>
+                        <a:pt x="326165" y="282188"/>
+                        <a:pt x="347529" y="199579"/>
+                        <a:pt x="333286" y="148304"/>
+                      </a:cubicBezTo>
+                      <a:cubicBezTo>
+                        <a:pt x="319043" y="97029"/>
+                        <a:pt x="257798" y="32935"/>
+                        <a:pt x="213645" y="11571"/>
+                      </a:cubicBezTo>
+                      <a:cubicBezTo>
+                        <a:pt x="169492" y="-9793"/>
+                        <a:pt x="103973" y="1601"/>
+                        <a:pt x="68366" y="20117"/>
+                      </a:cubicBezTo>
+                      <a:cubicBezTo>
+                        <a:pt x="32759" y="38633"/>
+                        <a:pt x="16379" y="80650"/>
+                        <a:pt x="0" y="122667"/>
+                      </a:cubicBezTo>
+                    </a:path>
+                  </a:pathLst>
+                </a:custGeom>
+                <a:noFill/>
+                <a:ln>
+                  <a:solidFill>
+                    <a:schemeClr val="tx1"/>
+                  </a:solidFill>
+                </a:ln>
+              </p:spPr>
+              <p:style>
+                <a:lnRef idx="2">
+                  <a:schemeClr val="accent1">
+                    <a:shade val="50000"/>
+                  </a:schemeClr>
+                </a:lnRef>
+                <a:fillRef idx="1">
+                  <a:schemeClr val="accent1"/>
+                </a:fillRef>
+                <a:effectRef idx="0">
+                  <a:schemeClr val="accent1"/>
+                </a:effectRef>
+                <a:fontRef idx="minor">
+                  <a:schemeClr val="lt1"/>
+                </a:fontRef>
+              </p:style>
+              <p:txBody>
+                <a:bodyPr rtlCol="0" anchor="ctr"/>
+                <a:lstStyle/>
+                <a:p>
+                  <a:pPr algn="ctr"/>
+                  <a:endParaRPr lang="ru-RU"/>
+                </a:p>
+              </p:txBody>
+            </p:sp>
+            <p:sp>
+              <p:nvSpPr>
+                <p:cNvPr id="49" name="Полилиния 48"/>
+                <p:cNvSpPr/>
+                <p:nvPr/>
+              </p:nvSpPr>
+              <p:spPr>
+                <a:xfrm>
+                  <a:off x="6128759" y="3922601"/>
+                  <a:ext cx="337834" cy="370495"/>
+                </a:xfrm>
+                <a:custGeom>
+                  <a:avLst/>
+                  <a:gdLst>
+                    <a:gd name="connsiteX0" fmla="*/ 170916 w 337834"/>
+                    <a:gd name="connsiteY0" fmla="*/ 370495 h 370495"/>
+                    <a:gd name="connsiteX1" fmla="*/ 299103 w 337834"/>
+                    <a:gd name="connsiteY1" fmla="*/ 319220 h 370495"/>
+                    <a:gd name="connsiteX2" fmla="*/ 333286 w 337834"/>
+                    <a:gd name="connsiteY2" fmla="*/ 148304 h 370495"/>
+                    <a:gd name="connsiteX3" fmla="*/ 213645 w 337834"/>
+                    <a:gd name="connsiteY3" fmla="*/ 11571 h 370495"/>
+                    <a:gd name="connsiteX4" fmla="*/ 68366 w 337834"/>
+                    <a:gd name="connsiteY4" fmla="*/ 20117 h 370495"/>
+                    <a:gd name="connsiteX5" fmla="*/ 0 w 337834"/>
+                    <a:gd name="connsiteY5" fmla="*/ 122667 h 370495"/>
+                  </a:gdLst>
+                  <a:ahLst/>
+                  <a:cxnLst>
+                    <a:cxn ang="0">
+                      <a:pos x="connsiteX0" y="connsiteY0"/>
+                    </a:cxn>
+                    <a:cxn ang="0">
+                      <a:pos x="connsiteX1" y="connsiteY1"/>
+                    </a:cxn>
+                    <a:cxn ang="0">
+                      <a:pos x="connsiteX2" y="connsiteY2"/>
+                    </a:cxn>
+                    <a:cxn ang="0">
+                      <a:pos x="connsiteX3" y="connsiteY3"/>
+                    </a:cxn>
+                    <a:cxn ang="0">
+                      <a:pos x="connsiteX4" y="connsiteY4"/>
+                    </a:cxn>
+                    <a:cxn ang="0">
+                      <a:pos x="connsiteX5" y="connsiteY5"/>
+                    </a:cxn>
+                  </a:cxnLst>
+                  <a:rect l="l" t="t" r="r" b="b"/>
+                  <a:pathLst>
+                    <a:path w="337834" h="370495">
+                      <a:moveTo>
+                        <a:pt x="170916" y="370495"/>
+                      </a:moveTo>
+                      <a:cubicBezTo>
+                        <a:pt x="221478" y="363373"/>
+                        <a:pt x="272041" y="356252"/>
+                        <a:pt x="299103" y="319220"/>
+                      </a:cubicBezTo>
+                      <a:cubicBezTo>
+                        <a:pt x="326165" y="282188"/>
+                        <a:pt x="347529" y="199579"/>
+                        <a:pt x="333286" y="148304"/>
+                      </a:cubicBezTo>
+                      <a:cubicBezTo>
+                        <a:pt x="319043" y="97029"/>
+                        <a:pt x="257798" y="32935"/>
+                        <a:pt x="213645" y="11571"/>
+                      </a:cubicBezTo>
+                      <a:cubicBezTo>
+                        <a:pt x="169492" y="-9793"/>
+                        <a:pt x="103973" y="1601"/>
+                        <a:pt x="68366" y="20117"/>
+                      </a:cubicBezTo>
+                      <a:cubicBezTo>
+                        <a:pt x="32759" y="38633"/>
+                        <a:pt x="16379" y="80650"/>
+                        <a:pt x="0" y="122667"/>
+                      </a:cubicBezTo>
+                    </a:path>
+                  </a:pathLst>
+                </a:custGeom>
+                <a:noFill/>
+                <a:ln>
+                  <a:solidFill>
+                    <a:schemeClr val="tx1"/>
+                  </a:solidFill>
+                </a:ln>
+              </p:spPr>
+              <p:style>
+                <a:lnRef idx="2">
+                  <a:schemeClr val="accent1">
+                    <a:shade val="50000"/>
+                  </a:schemeClr>
+                </a:lnRef>
+                <a:fillRef idx="1">
+                  <a:schemeClr val="accent1"/>
+                </a:fillRef>
+                <a:effectRef idx="0">
+                  <a:schemeClr val="accent1"/>
+                </a:effectRef>
+                <a:fontRef idx="minor">
+                  <a:schemeClr val="lt1"/>
+                </a:fontRef>
+              </p:style>
+              <p:txBody>
+                <a:bodyPr rtlCol="0" anchor="ctr"/>
+                <a:lstStyle/>
+                <a:p>
+                  <a:pPr algn="ctr"/>
+                  <a:endParaRPr lang="ru-RU"/>
+                </a:p>
+              </p:txBody>
+            </p:sp>
+          </p:grpSp>
+          <p:sp>
+            <p:nvSpPr>
+              <p:cNvPr id="57" name="Полилиния 56"/>
+              <p:cNvSpPr/>
+              <p:nvPr/>
+            </p:nvSpPr>
+            <p:spPr>
+              <a:xfrm>
+                <a:off x="4553896" y="2641216"/>
+                <a:ext cx="450152" cy="330602"/>
+              </a:xfrm>
+              <a:custGeom>
+                <a:avLst/>
+                <a:gdLst>
+                  <a:gd name="connsiteX0" fmla="*/ 348291 w 450152"/>
+                  <a:gd name="connsiteY0" fmla="*/ 32928 h 330602"/>
+                  <a:gd name="connsiteX1" fmla="*/ 148266 w 450152"/>
+                  <a:gd name="connsiteY1" fmla="*/ 11497 h 330602"/>
+                  <a:gd name="connsiteX2" fmla="*/ 88735 w 450152"/>
+                  <a:gd name="connsiteY2" fmla="*/ 73409 h 330602"/>
+                  <a:gd name="connsiteX3" fmla="*/ 207798 w 450152"/>
+                  <a:gd name="connsiteY3" fmla="*/ 97222 h 330602"/>
+                  <a:gd name="connsiteX4" fmla="*/ 24441 w 450152"/>
+                  <a:gd name="connsiteY4" fmla="*/ 109128 h 330602"/>
+                  <a:gd name="connsiteX5" fmla="*/ 26823 w 450152"/>
+                  <a:gd name="connsiteY5" fmla="*/ 156753 h 330602"/>
+                  <a:gd name="connsiteX6" fmla="*/ 200654 w 450152"/>
+                  <a:gd name="connsiteY6" fmla="*/ 173422 h 330602"/>
+                  <a:gd name="connsiteX7" fmla="*/ 38729 w 450152"/>
+                  <a:gd name="connsiteY7" fmla="*/ 192472 h 330602"/>
+                  <a:gd name="connsiteX8" fmla="*/ 10154 w 450152"/>
+                  <a:gd name="connsiteY8" fmla="*/ 223428 h 330602"/>
+                  <a:gd name="connsiteX9" fmla="*/ 179223 w 450152"/>
+                  <a:gd name="connsiteY9" fmla="*/ 256765 h 330602"/>
+                  <a:gd name="connsiteX10" fmla="*/ 229229 w 450152"/>
+                  <a:gd name="connsiteY10" fmla="*/ 261528 h 330602"/>
+                  <a:gd name="connsiteX11" fmla="*/ 126835 w 450152"/>
+                  <a:gd name="connsiteY11" fmla="*/ 278197 h 330602"/>
+                  <a:gd name="connsiteX12" fmla="*/ 164935 w 450152"/>
+                  <a:gd name="connsiteY12" fmla="*/ 316297 h 330602"/>
+                  <a:gd name="connsiteX13" fmla="*/ 241135 w 450152"/>
+                  <a:gd name="connsiteY13" fmla="*/ 330584 h 330602"/>
+                  <a:gd name="connsiteX14" fmla="*/ 324479 w 450152"/>
+                  <a:gd name="connsiteY14" fmla="*/ 313915 h 330602"/>
+                  <a:gd name="connsiteX15" fmla="*/ 407823 w 450152"/>
+                  <a:gd name="connsiteY15" fmla="*/ 244859 h 330602"/>
+                  <a:gd name="connsiteX16" fmla="*/ 448304 w 450152"/>
+                  <a:gd name="connsiteY16" fmla="*/ 13878 h 330602"/>
+                  <a:gd name="connsiteX17" fmla="*/ 348291 w 450152"/>
+                  <a:gd name="connsiteY17" fmla="*/ 32928 h 330602"/>
+                </a:gdLst>
+                <a:ahLst/>
+                <a:cxnLst>
+                  <a:cxn ang="0">
+                    <a:pos x="connsiteX0" y="connsiteY0"/>
+                  </a:cxn>
+                  <a:cxn ang="0">
+                    <a:pos x="connsiteX1" y="connsiteY1"/>
+                  </a:cxn>
+                  <a:cxn ang="0">
+                    <a:pos x="connsiteX2" y="connsiteY2"/>
+                  </a:cxn>
+                  <a:cxn ang="0">
+                    <a:pos x="connsiteX3" y="connsiteY3"/>
+                  </a:cxn>
+                  <a:cxn ang="0">
+                    <a:pos x="connsiteX4" y="connsiteY4"/>
+                  </a:cxn>
+                  <a:cxn ang="0">
+                    <a:pos x="connsiteX5" y="connsiteY5"/>
+                  </a:cxn>
+                  <a:cxn ang="0">
+                    <a:pos x="connsiteX6" y="connsiteY6"/>
+                  </a:cxn>
+                  <a:cxn ang="0">
+                    <a:pos x="connsiteX7" y="connsiteY7"/>
+                  </a:cxn>
+                  <a:cxn ang="0">
+                    <a:pos x="connsiteX8" y="connsiteY8"/>
+                  </a:cxn>
+                  <a:cxn ang="0">
+                    <a:pos x="connsiteX9" y="connsiteY9"/>
+                  </a:cxn>
+                  <a:cxn ang="0">
+                    <a:pos x="connsiteX10" y="connsiteY10"/>
+                  </a:cxn>
+                  <a:cxn ang="0">
+                    <a:pos x="connsiteX11" y="connsiteY11"/>
+                  </a:cxn>
+                  <a:cxn ang="0">
+                    <a:pos x="connsiteX12" y="connsiteY12"/>
+                  </a:cxn>
+                  <a:cxn ang="0">
+                    <a:pos x="connsiteX13" y="connsiteY13"/>
+                  </a:cxn>
+                  <a:cxn ang="0">
+                    <a:pos x="connsiteX14" y="connsiteY14"/>
+                  </a:cxn>
+                  <a:cxn ang="0">
+                    <a:pos x="connsiteX15" y="connsiteY15"/>
+                  </a:cxn>
+                  <a:cxn ang="0">
+                    <a:pos x="connsiteX16" y="connsiteY16"/>
+                  </a:cxn>
+                  <a:cxn ang="0">
+                    <a:pos x="connsiteX17" y="connsiteY17"/>
+                  </a:cxn>
+                </a:cxnLst>
+                <a:rect l="l" t="t" r="r" b="b"/>
+                <a:pathLst>
+                  <a:path w="450152" h="330602">
+                    <a:moveTo>
+                      <a:pt x="348291" y="32928"/>
+                    </a:moveTo>
+                    <a:cubicBezTo>
+                      <a:pt x="298285" y="32531"/>
+                      <a:pt x="191525" y="4750"/>
+                      <a:pt x="148266" y="11497"/>
+                    </a:cubicBezTo>
+                    <a:cubicBezTo>
+                      <a:pt x="105007" y="18244"/>
+                      <a:pt x="78813" y="59122"/>
+                      <a:pt x="88735" y="73409"/>
+                    </a:cubicBezTo>
+                    <a:cubicBezTo>
+                      <a:pt x="98657" y="87696"/>
+                      <a:pt x="218514" y="91269"/>
+                      <a:pt x="207798" y="97222"/>
+                    </a:cubicBezTo>
+                    <a:cubicBezTo>
+                      <a:pt x="197082" y="103175"/>
+                      <a:pt x="54603" y="99206"/>
+                      <a:pt x="24441" y="109128"/>
+                    </a:cubicBezTo>
+                    <a:cubicBezTo>
+                      <a:pt x="-5721" y="119050"/>
+                      <a:pt x="-2546" y="146037"/>
+                      <a:pt x="26823" y="156753"/>
+                    </a:cubicBezTo>
+                    <a:cubicBezTo>
+                      <a:pt x="56192" y="167469"/>
+                      <a:pt x="198670" y="167469"/>
+                      <a:pt x="200654" y="173422"/>
+                    </a:cubicBezTo>
+                    <a:cubicBezTo>
+                      <a:pt x="202638" y="179375"/>
+                      <a:pt x="70479" y="184138"/>
+                      <a:pt x="38729" y="192472"/>
+                    </a:cubicBezTo>
+                    <a:cubicBezTo>
+                      <a:pt x="6979" y="200806"/>
+                      <a:pt x="-13261" y="212713"/>
+                      <a:pt x="10154" y="223428"/>
+                    </a:cubicBezTo>
+                    <a:cubicBezTo>
+                      <a:pt x="33569" y="234143"/>
+                      <a:pt x="142711" y="250415"/>
+                      <a:pt x="179223" y="256765"/>
+                    </a:cubicBezTo>
+                    <a:cubicBezTo>
+                      <a:pt x="215735" y="263115"/>
+                      <a:pt x="237960" y="257956"/>
+                      <a:pt x="229229" y="261528"/>
+                    </a:cubicBezTo>
+                    <a:cubicBezTo>
+                      <a:pt x="220498" y="265100"/>
+                      <a:pt x="137551" y="269069"/>
+                      <a:pt x="126835" y="278197"/>
+                    </a:cubicBezTo>
+                    <a:cubicBezTo>
+                      <a:pt x="116119" y="287325"/>
+                      <a:pt x="145885" y="307566"/>
+                      <a:pt x="164935" y="316297"/>
+                    </a:cubicBezTo>
+                    <a:cubicBezTo>
+                      <a:pt x="183985" y="325028"/>
+                      <a:pt x="214544" y="330981"/>
+                      <a:pt x="241135" y="330584"/>
+                    </a:cubicBezTo>
+                    <a:cubicBezTo>
+                      <a:pt x="267726" y="330187"/>
+                      <a:pt x="296698" y="328203"/>
+                      <a:pt x="324479" y="313915"/>
+                    </a:cubicBezTo>
+                    <a:cubicBezTo>
+                      <a:pt x="352260" y="299627"/>
+                      <a:pt x="387186" y="294865"/>
+                      <a:pt x="407823" y="244859"/>
+                    </a:cubicBezTo>
+                    <a:cubicBezTo>
+                      <a:pt x="428460" y="194853"/>
+                      <a:pt x="457829" y="53962"/>
+                      <a:pt x="448304" y="13878"/>
+                    </a:cubicBezTo>
+                    <a:cubicBezTo>
+                      <a:pt x="438779" y="-26206"/>
+                      <a:pt x="398297" y="33325"/>
+                      <a:pt x="348291" y="32928"/>
+                    </a:cubicBezTo>
+                    <a:close/>
+                  </a:path>
+                </a:pathLst>
+              </a:custGeom>
+              <a:solidFill>
+                <a:schemeClr val="bg1"/>
+              </a:solidFill>
+              <a:ln w="12700">
+                <a:solidFill>
+                  <a:schemeClr val="tx1"/>
+                </a:solidFill>
+              </a:ln>
+            </p:spPr>
+            <p:style>
+              <a:lnRef idx="2">
+                <a:schemeClr val="accent1">
+                  <a:shade val="50000"/>
+                </a:schemeClr>
+              </a:lnRef>
+              <a:fillRef idx="1">
+                <a:schemeClr val="accent1"/>
+              </a:fillRef>
+              <a:effectRef idx="0">
+                <a:schemeClr val="accent1"/>
+              </a:effectRef>
+              <a:fontRef idx="minor">
+                <a:schemeClr val="lt1"/>
+              </a:fontRef>
+            </p:style>
+            <p:txBody>
+              <a:bodyPr rtlCol="0" anchor="ctr"/>
+              <a:lstStyle/>
+              <a:p>
+                <a:pPr algn="ctr"/>
+                <a:endParaRPr lang="ru-RU">
+                  <a:ln>
+                    <a:solidFill>
+                      <a:sysClr val="windowText" lastClr="000000"/>
+                    </a:solidFill>
+                  </a:ln>
+                </a:endParaRPr>
+              </a:p>
+            </p:txBody>
+          </p:sp>
+        </p:grpSp>
+      </p:grpSp>
+    </p:spTree>
+    <p:extLst>
+      <p:ext uri="{BB962C8B-B14F-4D97-AF65-F5344CB8AC3E}">
+        <p14:creationId xmlns:p14="http://schemas.microsoft.com/office/powerpoint/2010/main" val="39468670"/>
+      </p:ext>
+    </p:extLst>
+  </p:cSld>
+  <p:clrMapOvr>
+    <a:masterClrMapping/>
+  </p:clrMapOvr>
+</p:sld>
+</file>
+
+<file path=ppt/slides/slide3.xml><?xml version="1.0" encoding="utf-8"?>
+<p:sld xmlns:a="http://schemas.openxmlformats.org/drawingml/2006/main" xmlns:r="http://schemas.openxmlformats.org/officeDocument/2006/relationships" xmlns:p="http://schemas.openxmlformats.org/presentationml/2006/main">
+  <p:cSld>
+    <p:spTree>
+      <p:nvGrpSpPr>
+        <p:cNvPr id="1" name=""/>
+        <p:cNvGrpSpPr/>
+        <p:nvPr/>
+      </p:nvGrpSpPr>
+      <p:grpSpPr>
+        <a:xfrm>
+          <a:off x="0" y="0"/>
+          <a:ext cx="0" cy="0"/>
+          <a:chOff x="0" y="0"/>
+          <a:chExt cx="0" cy="0"/>
+        </a:xfrm>
+      </p:grpSpPr>
+      <p:pic>
+        <p:nvPicPr>
+          <p:cNvPr id="1026" name="Picture 2" descr="C:\Users\Yan\Desktop\web\logo.png"/>
+          <p:cNvPicPr>
+            <a:picLocks noChangeAspect="1" noChangeArrowheads="1"/>
+          </p:cNvPicPr>
+          <p:nvPr/>
+        </p:nvPicPr>
+        <p:blipFill>
+          <a:blip r:embed="rId2">
+            <a:extLst>
+              <a:ext uri="{28A0092B-C50C-407E-A947-70E740481C1C}">
+                <a14:useLocalDpi xmlns:a14="http://schemas.microsoft.com/office/drawing/2010/main" val="0"/>
+              </a:ext>
+            </a:extLst>
+          </a:blip>
+          <a:srcRect/>
+          <a:stretch>
+            <a:fillRect/>
+          </a:stretch>
+        </p:blipFill>
+        <p:spPr bwMode="auto">
+          <a:xfrm>
+            <a:off x="21421872" y="-7353391"/>
+            <a:ext cx="18706457" cy="15163981"/>
+          </a:xfrm>
+          <a:prstGeom prst="rect">
+            <a:avLst/>
+          </a:prstGeom>
+          <a:noFill/>
+          <a:extLst>
+            <a:ext uri="{909E8E84-426E-40DD-AFC4-6F175D3DCCD1}">
+              <a14:hiddenFill xmlns:a14="http://schemas.microsoft.com/office/drawing/2010/main">
+                <a:solidFill>
+                  <a:srgbClr val="FFFFFF"/>
+                </a:solidFill>
+              </a14:hiddenFill>
+            </a:ext>
+          </a:extLst>
+        </p:spPr>
+      </p:pic>
+      <p:sp>
+        <p:nvSpPr>
+          <p:cNvPr id="29" name="Овал 28"/>
+          <p:cNvSpPr/>
+          <p:nvPr/>
+        </p:nvSpPr>
+        <p:spPr>
+          <a:xfrm>
+            <a:off x="6089747" y="16772184"/>
+            <a:ext cx="914400" cy="914400"/>
+          </a:xfrm>
+          <a:prstGeom prst="ellipse">
+            <a:avLst/>
+          </a:prstGeom>
+        </p:spPr>
+        <p:style>
+          <a:lnRef idx="2">
+            <a:schemeClr val="accent1">
+              <a:shade val="50000"/>
+            </a:schemeClr>
+          </a:lnRef>
+          <a:fillRef idx="1">
+            <a:schemeClr val="accent1"/>
+          </a:fillRef>
+          <a:effectRef idx="0">
+            <a:schemeClr val="accent1"/>
+          </a:effectRef>
+          <a:fontRef idx="minor">
+            <a:schemeClr val="lt1"/>
+          </a:fontRef>
+        </p:style>
+        <p:txBody>
+          <a:bodyPr rtlCol="0" anchor="ctr"/>
+          <a:lstStyle/>
+          <a:p>
+            <a:pPr algn="ctr"/>
+            <a:endParaRPr lang="ru-RU"/>
+          </a:p>
+        </p:txBody>
+      </p:sp>
       <p:grpSp>
         <p:nvGrpSpPr>
           <p:cNvPr id="31" name="Группа 30"/>
@@ -9841,7 +15736,7 @@
 </p:sld>
 </file>
 
-<file path=ppt/slides/slide3.xml><?xml version="1.0" encoding="utf-8"?>
+<file path=ppt/slides/slide4.xml><?xml version="1.0" encoding="utf-8"?>
 <p:sld xmlns:a="http://schemas.openxmlformats.org/drawingml/2006/main" xmlns:r="http://schemas.openxmlformats.org/officeDocument/2006/relationships" xmlns:p="http://schemas.openxmlformats.org/presentationml/2006/main">
   <p:cSld>
     <p:spTree>
@@ -9909,7 +15804,7 @@
 </p:sld>
 </file>
 
-<file path=ppt/slides/slide4.xml><?xml version="1.0" encoding="utf-8"?>
+<file path=ppt/slides/slide5.xml><?xml version="1.0" encoding="utf-8"?>
 <p:sld xmlns:a="http://schemas.openxmlformats.org/drawingml/2006/main" xmlns:r="http://schemas.openxmlformats.org/officeDocument/2006/relationships" xmlns:p="http://schemas.openxmlformats.org/presentationml/2006/main">
   <p:cSld>
     <p:spTree>
